--- a/ex01/sequence diagrams.pptx
+++ b/ex01/sequence diagrams.pptx
@@ -6393,14 +6393,13 @@
           <p:cNvPr id="29" name="Straight Arrow Connector 28"/>
           <p:cNvCxnSpPr>
             <a:stCxn id="7" idx="3"/>
-            <a:endCxn id="23" idx="1"/>
           </p:cNvCxnSpPr>
           <p:nvPr/>
         </p:nvCxnSpPr>
         <p:spPr>
           <a:xfrm>
             <a:off x="9876876" y="1261168"/>
-            <a:ext cx="1009824" cy="2098422"/>
+            <a:ext cx="1009749" cy="1976310"/>
           </a:xfrm>
           <a:prstGeom prst="straightConnector1">
             <a:avLst/>
@@ -6409,7 +6408,7 @@
             <a:solidFill>
               <a:schemeClr val="tx1"/>
             </a:solidFill>
-            <a:tailEnd type="triangle"/>
+            <a:tailEnd type="arrow"/>
           </a:ln>
         </p:spPr>
         <p:style>
@@ -6660,7 +6659,7 @@
             <a:solidFill>
               <a:schemeClr val="tx1"/>
             </a:solidFill>
-            <a:tailEnd type="triangle"/>
+            <a:tailEnd type="arrow"/>
           </a:ln>
         </p:spPr>
         <p:style>
@@ -6824,6 +6823,1423 @@
           <a:xfrm flipH="1" flipV="1">
             <a:off x="10244796" y="1273455"/>
             <a:ext cx="649690" cy="44582"/>
+          </a:xfrm>
+          <a:prstGeom prst="line">
+            <a:avLst/>
+          </a:prstGeom>
+          <a:ln w="25400">
+            <a:solidFill>
+              <a:schemeClr val="tx1"/>
+            </a:solidFill>
+            <a:tailEnd type="none" w="lg" len="lg"/>
+          </a:ln>
+        </p:spPr>
+        <p:style>
+          <a:lnRef idx="1">
+            <a:schemeClr val="accent1"/>
+          </a:lnRef>
+          <a:fillRef idx="0">
+            <a:schemeClr val="accent1"/>
+          </a:fillRef>
+          <a:effectRef idx="0">
+            <a:schemeClr val="accent1"/>
+          </a:effectRef>
+          <a:fontRef idx="minor">
+            <a:schemeClr val="tx1"/>
+          </a:fontRef>
+        </p:style>
+      </p:cxnSp>
+      <p:grpSp>
+        <p:nvGrpSpPr>
+          <p:cNvPr id="68" name="Group 67"/>
+          <p:cNvGrpSpPr/>
+          <p:nvPr/>
+        </p:nvGrpSpPr>
+        <p:grpSpPr>
+          <a:xfrm>
+            <a:off x="193638" y="634663"/>
+            <a:ext cx="1916398" cy="1630712"/>
+            <a:chOff x="5680038" y="1551149"/>
+            <a:chExt cx="1916398" cy="1630712"/>
+          </a:xfrm>
+        </p:grpSpPr>
+        <p:sp>
+          <p:nvSpPr>
+            <p:cNvPr id="69" name="Rectangle 68"/>
+            <p:cNvSpPr/>
+            <p:nvPr/>
+          </p:nvSpPr>
+          <p:spPr>
+            <a:xfrm>
+              <a:off x="5680038" y="1566248"/>
+              <a:ext cx="1889760" cy="698081"/>
+            </a:xfrm>
+            <a:prstGeom prst="rect">
+              <a:avLst/>
+            </a:prstGeom>
+            <a:solidFill>
+              <a:schemeClr val="bg1"/>
+            </a:solidFill>
+            <a:ln>
+              <a:solidFill>
+                <a:schemeClr val="tx1"/>
+              </a:solidFill>
+            </a:ln>
+          </p:spPr>
+          <p:style>
+            <a:lnRef idx="2">
+              <a:schemeClr val="accent1">
+                <a:shade val="50000"/>
+              </a:schemeClr>
+            </a:lnRef>
+            <a:fillRef idx="1">
+              <a:schemeClr val="accent1"/>
+            </a:fillRef>
+            <a:effectRef idx="0">
+              <a:schemeClr val="accent1"/>
+            </a:effectRef>
+            <a:fontRef idx="minor">
+              <a:schemeClr val="lt1"/>
+            </a:fontRef>
+          </p:style>
+          <p:txBody>
+            <a:bodyPr rtlCol="1" anchor="ctr"/>
+            <a:lstStyle/>
+            <a:p>
+              <a:pPr algn="ctr"/>
+              <a:endParaRPr lang="he-IL" sz="1400"/>
+            </a:p>
+          </p:txBody>
+        </p:sp>
+        <p:sp>
+          <p:nvSpPr>
+            <p:cNvPr id="70" name="TextBox 69"/>
+            <p:cNvSpPr txBox="1"/>
+            <p:nvPr/>
+          </p:nvSpPr>
+          <p:spPr>
+            <a:xfrm>
+              <a:off x="5706676" y="1551149"/>
+              <a:ext cx="1889760" cy="307777"/>
+            </a:xfrm>
+            <a:prstGeom prst="rect">
+              <a:avLst/>
+            </a:prstGeom>
+            <a:noFill/>
+          </p:spPr>
+          <p:txBody>
+            <a:bodyPr wrap="square" rtlCol="1">
+              <a:spAutoFit/>
+            </a:bodyPr>
+            <a:lstStyle/>
+            <a:p>
+              <a:pPr algn="l" rtl="0"/>
+              <a:r>
+                <a:rPr lang="en-US" sz="1400" dirty="0" err="1" smtClean="0"/>
+                <a:t>MainPage</a:t>
+              </a:r>
+              <a:endParaRPr lang="he-IL" sz="1400" dirty="0"/>
+            </a:p>
+          </p:txBody>
+        </p:sp>
+        <p:sp>
+          <p:nvSpPr>
+            <p:cNvPr id="71" name="TextBox 70"/>
+            <p:cNvSpPr txBox="1"/>
+            <p:nvPr/>
+          </p:nvSpPr>
+          <p:spPr>
+            <a:xfrm>
+              <a:off x="5706676" y="1957892"/>
+              <a:ext cx="1889760" cy="307777"/>
+            </a:xfrm>
+            <a:prstGeom prst="rect">
+              <a:avLst/>
+            </a:prstGeom>
+            <a:noFill/>
+          </p:spPr>
+          <p:txBody>
+            <a:bodyPr wrap="square" rtlCol="1">
+              <a:spAutoFit/>
+            </a:bodyPr>
+            <a:lstStyle/>
+            <a:p>
+              <a:pPr algn="l" rtl="0"/>
+              <a:endParaRPr lang="he-IL" sz="1400" dirty="0"/>
+            </a:p>
+          </p:txBody>
+        </p:sp>
+        <p:sp>
+          <p:nvSpPr>
+            <p:cNvPr id="72" name="TextBox 71"/>
+            <p:cNvSpPr txBox="1"/>
+            <p:nvPr/>
+          </p:nvSpPr>
+          <p:spPr>
+            <a:xfrm>
+              <a:off x="5680038" y="2874084"/>
+              <a:ext cx="1889760" cy="307777"/>
+            </a:xfrm>
+            <a:prstGeom prst="rect">
+              <a:avLst/>
+            </a:prstGeom>
+            <a:noFill/>
+          </p:spPr>
+          <p:txBody>
+            <a:bodyPr wrap="square" rtlCol="1">
+              <a:spAutoFit/>
+            </a:bodyPr>
+            <a:lstStyle/>
+            <a:p>
+              <a:pPr algn="l" rtl="0"/>
+              <a:endParaRPr lang="he-IL" sz="1400" dirty="0"/>
+            </a:p>
+          </p:txBody>
+        </p:sp>
+        <p:cxnSp>
+          <p:nvCxnSpPr>
+            <p:cNvPr id="73" name="Straight Connector 72"/>
+            <p:cNvCxnSpPr/>
+            <p:nvPr/>
+          </p:nvCxnSpPr>
+          <p:spPr>
+            <a:xfrm>
+              <a:off x="5706676" y="1894997"/>
+              <a:ext cx="1889760" cy="0"/>
+            </a:xfrm>
+            <a:prstGeom prst="line">
+              <a:avLst/>
+            </a:prstGeom>
+            <a:ln w="25400">
+              <a:solidFill>
+                <a:schemeClr val="tx1"/>
+              </a:solidFill>
+              <a:tailEnd type="none" w="lg" len="lg"/>
+            </a:ln>
+          </p:spPr>
+          <p:style>
+            <a:lnRef idx="1">
+              <a:schemeClr val="accent1"/>
+            </a:lnRef>
+            <a:fillRef idx="0">
+              <a:schemeClr val="accent1"/>
+            </a:fillRef>
+            <a:effectRef idx="0">
+              <a:schemeClr val="accent1"/>
+            </a:effectRef>
+            <a:fontRef idx="minor">
+              <a:schemeClr val="tx1"/>
+            </a:fontRef>
+          </p:style>
+        </p:cxnSp>
+        <p:cxnSp>
+          <p:nvCxnSpPr>
+            <p:cNvPr id="74" name="Straight Connector 73"/>
+            <p:cNvCxnSpPr/>
+            <p:nvPr/>
+          </p:nvCxnSpPr>
+          <p:spPr>
+            <a:xfrm>
+              <a:off x="5680038" y="2130913"/>
+              <a:ext cx="1889760" cy="0"/>
+            </a:xfrm>
+            <a:prstGeom prst="line">
+              <a:avLst/>
+            </a:prstGeom>
+            <a:ln w="25400">
+              <a:solidFill>
+                <a:schemeClr val="tx1"/>
+              </a:solidFill>
+              <a:tailEnd type="none" w="lg" len="lg"/>
+            </a:ln>
+          </p:spPr>
+          <p:style>
+            <a:lnRef idx="1">
+              <a:schemeClr val="accent1"/>
+            </a:lnRef>
+            <a:fillRef idx="0">
+              <a:schemeClr val="accent1"/>
+            </a:fillRef>
+            <a:effectRef idx="0">
+              <a:schemeClr val="accent1"/>
+            </a:effectRef>
+            <a:fontRef idx="minor">
+              <a:schemeClr val="tx1"/>
+            </a:fontRef>
+          </p:style>
+        </p:cxnSp>
+      </p:grpSp>
+      <p:grpSp>
+        <p:nvGrpSpPr>
+          <p:cNvPr id="75" name="Group 74"/>
+          <p:cNvGrpSpPr/>
+          <p:nvPr/>
+        </p:nvGrpSpPr>
+        <p:grpSpPr>
+          <a:xfrm>
+            <a:off x="3497227" y="64105"/>
+            <a:ext cx="1945478" cy="1616556"/>
+            <a:chOff x="5650958" y="1551149"/>
+            <a:chExt cx="1945478" cy="1907178"/>
+          </a:xfrm>
+        </p:grpSpPr>
+        <p:sp>
+          <p:nvSpPr>
+            <p:cNvPr id="76" name="Rectangle 75"/>
+            <p:cNvSpPr/>
+            <p:nvPr/>
+          </p:nvSpPr>
+          <p:spPr>
+            <a:xfrm>
+              <a:off x="5693357" y="1551149"/>
+              <a:ext cx="1889760" cy="1907178"/>
+            </a:xfrm>
+            <a:prstGeom prst="rect">
+              <a:avLst/>
+            </a:prstGeom>
+            <a:solidFill>
+              <a:schemeClr val="bg1"/>
+            </a:solidFill>
+            <a:ln>
+              <a:solidFill>
+                <a:schemeClr val="tx1"/>
+              </a:solidFill>
+            </a:ln>
+          </p:spPr>
+          <p:style>
+            <a:lnRef idx="2">
+              <a:schemeClr val="accent1">
+                <a:shade val="50000"/>
+              </a:schemeClr>
+            </a:lnRef>
+            <a:fillRef idx="1">
+              <a:schemeClr val="accent1"/>
+            </a:fillRef>
+            <a:effectRef idx="0">
+              <a:schemeClr val="accent1"/>
+            </a:effectRef>
+            <a:fontRef idx="minor">
+              <a:schemeClr val="lt1"/>
+            </a:fontRef>
+          </p:style>
+          <p:txBody>
+            <a:bodyPr rtlCol="1" anchor="ctr"/>
+            <a:lstStyle/>
+            <a:p>
+              <a:pPr algn="ctr"/>
+              <a:endParaRPr lang="he-IL" sz="1400"/>
+            </a:p>
+          </p:txBody>
+        </p:sp>
+        <p:sp>
+          <p:nvSpPr>
+            <p:cNvPr id="77" name="TextBox 76"/>
+            <p:cNvSpPr txBox="1"/>
+            <p:nvPr/>
+          </p:nvSpPr>
+          <p:spPr>
+            <a:xfrm>
+              <a:off x="5706676" y="1551149"/>
+              <a:ext cx="1889760" cy="307777"/>
+            </a:xfrm>
+            <a:prstGeom prst="rect">
+              <a:avLst/>
+            </a:prstGeom>
+            <a:noFill/>
+          </p:spPr>
+          <p:txBody>
+            <a:bodyPr wrap="square" rtlCol="1">
+              <a:spAutoFit/>
+            </a:bodyPr>
+            <a:lstStyle/>
+            <a:p>
+              <a:pPr algn="l" rtl="0"/>
+              <a:r>
+                <a:rPr lang="en-US" sz="1400" dirty="0" err="1" smtClean="0"/>
+                <a:t>MyProfileTab</a:t>
+              </a:r>
+              <a:endParaRPr lang="he-IL" sz="1400" dirty="0"/>
+            </a:p>
+          </p:txBody>
+        </p:sp>
+        <p:sp>
+          <p:nvSpPr>
+            <p:cNvPr id="78" name="TextBox 77"/>
+            <p:cNvSpPr txBox="1"/>
+            <p:nvPr/>
+          </p:nvSpPr>
+          <p:spPr>
+            <a:xfrm>
+              <a:off x="5706676" y="1957892"/>
+              <a:ext cx="1889760" cy="523220"/>
+            </a:xfrm>
+            <a:prstGeom prst="rect">
+              <a:avLst/>
+            </a:prstGeom>
+            <a:noFill/>
+          </p:spPr>
+          <p:txBody>
+            <a:bodyPr wrap="square" rtlCol="1">
+              <a:spAutoFit/>
+            </a:bodyPr>
+            <a:lstStyle/>
+            <a:p>
+              <a:pPr algn="l" rtl="0"/>
+              <a:r>
+                <a:rPr lang="en-US" sz="1400" dirty="0" err="1" smtClean="0"/>
+                <a:t>FacebookFunctionality</a:t>
+              </a:r>
+              <a:r>
+                <a:rPr lang="en-US" sz="1400" dirty="0" smtClean="0"/>
+                <a:t/>
+              </a:r>
+              <a:br>
+                <a:rPr lang="en-US" sz="1400" dirty="0" smtClean="0"/>
+              </a:br>
+              <a:r>
+                <a:rPr lang="en-US" sz="1400" dirty="0" smtClean="0"/>
+                <a:t>User</a:t>
+              </a:r>
+              <a:endParaRPr lang="he-IL" sz="1400" dirty="0"/>
+            </a:p>
+          </p:txBody>
+        </p:sp>
+        <p:sp>
+          <p:nvSpPr>
+            <p:cNvPr id="79" name="TextBox 78"/>
+            <p:cNvSpPr txBox="1"/>
+            <p:nvPr/>
+          </p:nvSpPr>
+          <p:spPr>
+            <a:xfrm>
+              <a:off x="5650958" y="2503595"/>
+              <a:ext cx="1889760" cy="738664"/>
+            </a:xfrm>
+            <a:prstGeom prst="rect">
+              <a:avLst/>
+            </a:prstGeom>
+            <a:noFill/>
+          </p:spPr>
+          <p:txBody>
+            <a:bodyPr wrap="square" rtlCol="1">
+              <a:spAutoFit/>
+            </a:bodyPr>
+            <a:lstStyle/>
+            <a:p>
+              <a:pPr algn="l" rtl="0"/>
+              <a:r>
+                <a:rPr lang="en-US" sz="1400" dirty="0" smtClean="0"/>
+                <a:t>Post status</a:t>
+              </a:r>
+              <a:br>
+                <a:rPr lang="en-US" sz="1400" dirty="0" smtClean="0"/>
+              </a:br>
+              <a:r>
+                <a:rPr lang="en-US" sz="1400" dirty="0" smtClean="0"/>
+                <a:t>Comment</a:t>
+              </a:r>
+              <a:br>
+                <a:rPr lang="en-US" sz="1400" dirty="0" smtClean="0"/>
+              </a:br>
+              <a:r>
+                <a:rPr lang="en-US" sz="1400" dirty="0" smtClean="0"/>
+                <a:t>Like</a:t>
+              </a:r>
+              <a:endParaRPr lang="he-IL" sz="1400" dirty="0"/>
+            </a:p>
+          </p:txBody>
+        </p:sp>
+        <p:cxnSp>
+          <p:nvCxnSpPr>
+            <p:cNvPr id="80" name="Straight Connector 79"/>
+            <p:cNvCxnSpPr/>
+            <p:nvPr/>
+          </p:nvCxnSpPr>
+          <p:spPr>
+            <a:xfrm>
+              <a:off x="5693357" y="1957892"/>
+              <a:ext cx="1889760" cy="0"/>
+            </a:xfrm>
+            <a:prstGeom prst="line">
+              <a:avLst/>
+            </a:prstGeom>
+            <a:ln w="25400">
+              <a:solidFill>
+                <a:schemeClr val="tx1"/>
+              </a:solidFill>
+              <a:tailEnd type="none" w="lg" len="lg"/>
+            </a:ln>
+          </p:spPr>
+          <p:style>
+            <a:lnRef idx="1">
+              <a:schemeClr val="accent1"/>
+            </a:lnRef>
+            <a:fillRef idx="0">
+              <a:schemeClr val="accent1"/>
+            </a:fillRef>
+            <a:effectRef idx="0">
+              <a:schemeClr val="accent1"/>
+            </a:effectRef>
+            <a:fontRef idx="minor">
+              <a:schemeClr val="tx1"/>
+            </a:fontRef>
+          </p:style>
+        </p:cxnSp>
+        <p:cxnSp>
+          <p:nvCxnSpPr>
+            <p:cNvPr id="81" name="Straight Connector 80"/>
+            <p:cNvCxnSpPr/>
+            <p:nvPr/>
+          </p:nvCxnSpPr>
+          <p:spPr>
+            <a:xfrm>
+              <a:off x="5680038" y="2548344"/>
+              <a:ext cx="1889760" cy="0"/>
+            </a:xfrm>
+            <a:prstGeom prst="line">
+              <a:avLst/>
+            </a:prstGeom>
+            <a:ln w="25400">
+              <a:solidFill>
+                <a:schemeClr val="tx1"/>
+              </a:solidFill>
+              <a:tailEnd type="none" w="lg" len="lg"/>
+            </a:ln>
+          </p:spPr>
+          <p:style>
+            <a:lnRef idx="1">
+              <a:schemeClr val="accent1"/>
+            </a:lnRef>
+            <a:fillRef idx="0">
+              <a:schemeClr val="accent1"/>
+            </a:fillRef>
+            <a:effectRef idx="0">
+              <a:schemeClr val="accent1"/>
+            </a:effectRef>
+            <a:fontRef idx="minor">
+              <a:schemeClr val="tx1"/>
+            </a:fontRef>
+          </p:style>
+        </p:cxnSp>
+      </p:grpSp>
+      <p:grpSp>
+        <p:nvGrpSpPr>
+          <p:cNvPr id="83" name="Group 82"/>
+          <p:cNvGrpSpPr/>
+          <p:nvPr/>
+        </p:nvGrpSpPr>
+        <p:grpSpPr>
+          <a:xfrm>
+            <a:off x="3478152" y="1751352"/>
+            <a:ext cx="1945478" cy="1616556"/>
+            <a:chOff x="5650958" y="1551149"/>
+            <a:chExt cx="1945478" cy="1907178"/>
+          </a:xfrm>
+        </p:grpSpPr>
+        <p:sp>
+          <p:nvSpPr>
+            <p:cNvPr id="84" name="Rectangle 83"/>
+            <p:cNvSpPr/>
+            <p:nvPr/>
+          </p:nvSpPr>
+          <p:spPr>
+            <a:xfrm>
+              <a:off x="5693357" y="1551149"/>
+              <a:ext cx="1889760" cy="1907178"/>
+            </a:xfrm>
+            <a:prstGeom prst="rect">
+              <a:avLst/>
+            </a:prstGeom>
+            <a:solidFill>
+              <a:schemeClr val="bg1"/>
+            </a:solidFill>
+            <a:ln>
+              <a:solidFill>
+                <a:schemeClr val="tx1"/>
+              </a:solidFill>
+            </a:ln>
+          </p:spPr>
+          <p:style>
+            <a:lnRef idx="2">
+              <a:schemeClr val="accent1">
+                <a:shade val="50000"/>
+              </a:schemeClr>
+            </a:lnRef>
+            <a:fillRef idx="1">
+              <a:schemeClr val="accent1"/>
+            </a:fillRef>
+            <a:effectRef idx="0">
+              <a:schemeClr val="accent1"/>
+            </a:effectRef>
+            <a:fontRef idx="minor">
+              <a:schemeClr val="lt1"/>
+            </a:fontRef>
+          </p:style>
+          <p:txBody>
+            <a:bodyPr rtlCol="1" anchor="ctr"/>
+            <a:lstStyle/>
+            <a:p>
+              <a:pPr algn="ctr"/>
+              <a:endParaRPr lang="he-IL" sz="1400"/>
+            </a:p>
+          </p:txBody>
+        </p:sp>
+        <p:sp>
+          <p:nvSpPr>
+            <p:cNvPr id="85" name="TextBox 84"/>
+            <p:cNvSpPr txBox="1"/>
+            <p:nvPr/>
+          </p:nvSpPr>
+          <p:spPr>
+            <a:xfrm>
+              <a:off x="5706676" y="1551149"/>
+              <a:ext cx="1889760" cy="363109"/>
+            </a:xfrm>
+            <a:prstGeom prst="rect">
+              <a:avLst/>
+            </a:prstGeom>
+            <a:noFill/>
+          </p:spPr>
+          <p:txBody>
+            <a:bodyPr wrap="square" rtlCol="1">
+              <a:spAutoFit/>
+            </a:bodyPr>
+            <a:lstStyle/>
+            <a:p>
+              <a:pPr algn="l" rtl="0"/>
+              <a:r>
+                <a:rPr lang="en-US" sz="1400" dirty="0" err="1" smtClean="0"/>
+                <a:t>NewsfeedTab</a:t>
+              </a:r>
+              <a:endParaRPr lang="he-IL" sz="1400" dirty="0"/>
+            </a:p>
+          </p:txBody>
+        </p:sp>
+        <p:sp>
+          <p:nvSpPr>
+            <p:cNvPr id="86" name="TextBox 85"/>
+            <p:cNvSpPr txBox="1"/>
+            <p:nvPr/>
+          </p:nvSpPr>
+          <p:spPr>
+            <a:xfrm>
+              <a:off x="5706676" y="1957892"/>
+              <a:ext cx="1889760" cy="523220"/>
+            </a:xfrm>
+            <a:prstGeom prst="rect">
+              <a:avLst/>
+            </a:prstGeom>
+            <a:noFill/>
+          </p:spPr>
+          <p:txBody>
+            <a:bodyPr wrap="square" rtlCol="1">
+              <a:spAutoFit/>
+            </a:bodyPr>
+            <a:lstStyle/>
+            <a:p>
+              <a:pPr algn="l" rtl="0"/>
+              <a:r>
+                <a:rPr lang="en-US" sz="1400" dirty="0" err="1" smtClean="0"/>
+                <a:t>FacebookFunctionality</a:t>
+              </a:r>
+              <a:r>
+                <a:rPr lang="en-US" sz="1400" dirty="0" smtClean="0"/>
+                <a:t/>
+              </a:r>
+              <a:br>
+                <a:rPr lang="en-US" sz="1400" dirty="0" smtClean="0"/>
+              </a:br>
+              <a:r>
+                <a:rPr lang="en-US" sz="1400" dirty="0" smtClean="0"/>
+                <a:t>User</a:t>
+              </a:r>
+              <a:endParaRPr lang="he-IL" sz="1400" dirty="0"/>
+            </a:p>
+          </p:txBody>
+        </p:sp>
+        <p:sp>
+          <p:nvSpPr>
+            <p:cNvPr id="87" name="TextBox 86"/>
+            <p:cNvSpPr txBox="1"/>
+            <p:nvPr/>
+          </p:nvSpPr>
+          <p:spPr>
+            <a:xfrm>
+              <a:off x="5650958" y="2503595"/>
+              <a:ext cx="1889760" cy="738664"/>
+            </a:xfrm>
+            <a:prstGeom prst="rect">
+              <a:avLst/>
+            </a:prstGeom>
+            <a:noFill/>
+          </p:spPr>
+          <p:txBody>
+            <a:bodyPr wrap="square" rtlCol="1">
+              <a:spAutoFit/>
+            </a:bodyPr>
+            <a:lstStyle/>
+            <a:p>
+              <a:pPr algn="l" rtl="0"/>
+              <a:r>
+                <a:rPr lang="en-US" sz="1400" dirty="0" smtClean="0"/>
+                <a:t>Post status</a:t>
+              </a:r>
+              <a:br>
+                <a:rPr lang="en-US" sz="1400" dirty="0" smtClean="0"/>
+              </a:br>
+              <a:r>
+                <a:rPr lang="en-US" sz="1400" dirty="0" smtClean="0"/>
+                <a:t>Comment</a:t>
+              </a:r>
+              <a:br>
+                <a:rPr lang="en-US" sz="1400" dirty="0" smtClean="0"/>
+              </a:br>
+              <a:r>
+                <a:rPr lang="en-US" sz="1400" dirty="0" smtClean="0"/>
+                <a:t>Like</a:t>
+              </a:r>
+              <a:endParaRPr lang="he-IL" sz="1400" dirty="0"/>
+            </a:p>
+          </p:txBody>
+        </p:sp>
+        <p:cxnSp>
+          <p:nvCxnSpPr>
+            <p:cNvPr id="88" name="Straight Connector 87"/>
+            <p:cNvCxnSpPr/>
+            <p:nvPr/>
+          </p:nvCxnSpPr>
+          <p:spPr>
+            <a:xfrm>
+              <a:off x="5693357" y="1957892"/>
+              <a:ext cx="1889760" cy="0"/>
+            </a:xfrm>
+            <a:prstGeom prst="line">
+              <a:avLst/>
+            </a:prstGeom>
+            <a:ln w="25400">
+              <a:solidFill>
+                <a:schemeClr val="tx1"/>
+              </a:solidFill>
+              <a:tailEnd type="none" w="lg" len="lg"/>
+            </a:ln>
+          </p:spPr>
+          <p:style>
+            <a:lnRef idx="1">
+              <a:schemeClr val="accent1"/>
+            </a:lnRef>
+            <a:fillRef idx="0">
+              <a:schemeClr val="accent1"/>
+            </a:fillRef>
+            <a:effectRef idx="0">
+              <a:schemeClr val="accent1"/>
+            </a:effectRef>
+            <a:fontRef idx="minor">
+              <a:schemeClr val="tx1"/>
+            </a:fontRef>
+          </p:style>
+        </p:cxnSp>
+        <p:cxnSp>
+          <p:nvCxnSpPr>
+            <p:cNvPr id="89" name="Straight Connector 88"/>
+            <p:cNvCxnSpPr/>
+            <p:nvPr/>
+          </p:nvCxnSpPr>
+          <p:spPr>
+            <a:xfrm>
+              <a:off x="5680038" y="2548344"/>
+              <a:ext cx="1889760" cy="0"/>
+            </a:xfrm>
+            <a:prstGeom prst="line">
+              <a:avLst/>
+            </a:prstGeom>
+            <a:ln w="25400">
+              <a:solidFill>
+                <a:schemeClr val="tx1"/>
+              </a:solidFill>
+              <a:tailEnd type="none" w="lg" len="lg"/>
+            </a:ln>
+          </p:spPr>
+          <p:style>
+            <a:lnRef idx="1">
+              <a:schemeClr val="accent1"/>
+            </a:lnRef>
+            <a:fillRef idx="0">
+              <a:schemeClr val="accent1"/>
+            </a:fillRef>
+            <a:effectRef idx="0">
+              <a:schemeClr val="accent1"/>
+            </a:effectRef>
+            <a:fontRef idx="minor">
+              <a:schemeClr val="tx1"/>
+            </a:fontRef>
+          </p:style>
+        </p:cxnSp>
+      </p:grpSp>
+      <p:sp>
+        <p:nvSpPr>
+          <p:cNvPr id="90" name="Parallelogram 89"/>
+          <p:cNvSpPr/>
+          <p:nvPr/>
+        </p:nvSpPr>
+        <p:spPr>
+          <a:xfrm rot="12604676">
+            <a:off x="5446334" y="835053"/>
+            <a:ext cx="318640" cy="183938"/>
+          </a:xfrm>
+          <a:prstGeom prst="parallelogram">
+            <a:avLst>
+              <a:gd name="adj" fmla="val 56876"/>
+            </a:avLst>
+          </a:prstGeom>
+          <a:solidFill>
+            <a:schemeClr val="bg1"/>
+          </a:solidFill>
+          <a:ln>
+            <a:solidFill>
+              <a:schemeClr val="tx1"/>
+            </a:solidFill>
+          </a:ln>
+        </p:spPr>
+        <p:style>
+          <a:lnRef idx="2">
+            <a:schemeClr val="accent1">
+              <a:shade val="50000"/>
+            </a:schemeClr>
+          </a:lnRef>
+          <a:fillRef idx="1">
+            <a:schemeClr val="accent1"/>
+          </a:fillRef>
+          <a:effectRef idx="0">
+            <a:schemeClr val="accent1"/>
+          </a:effectRef>
+          <a:fontRef idx="minor">
+            <a:schemeClr val="lt1"/>
+          </a:fontRef>
+        </p:style>
+        <p:txBody>
+          <a:bodyPr rtlCol="1" anchor="ctr"/>
+          <a:lstStyle/>
+          <a:p>
+            <a:pPr algn="ctr"/>
+            <a:endParaRPr lang="he-IL"/>
+          </a:p>
+        </p:txBody>
+      </p:sp>
+      <p:sp>
+        <p:nvSpPr>
+          <p:cNvPr id="91" name="Parallelogram 90"/>
+          <p:cNvSpPr/>
+          <p:nvPr/>
+        </p:nvSpPr>
+        <p:spPr>
+          <a:xfrm rot="11116666">
+            <a:off x="5438714" y="2399565"/>
+            <a:ext cx="381816" cy="220407"/>
+          </a:xfrm>
+          <a:prstGeom prst="parallelogram">
+            <a:avLst>
+              <a:gd name="adj" fmla="val 56876"/>
+            </a:avLst>
+          </a:prstGeom>
+          <a:solidFill>
+            <a:schemeClr val="bg1"/>
+          </a:solidFill>
+          <a:ln>
+            <a:solidFill>
+              <a:schemeClr val="tx1"/>
+            </a:solidFill>
+          </a:ln>
+        </p:spPr>
+        <p:style>
+          <a:lnRef idx="2">
+            <a:schemeClr val="accent1">
+              <a:shade val="50000"/>
+            </a:schemeClr>
+          </a:lnRef>
+          <a:fillRef idx="1">
+            <a:schemeClr val="accent1"/>
+          </a:fillRef>
+          <a:effectRef idx="0">
+            <a:schemeClr val="accent1"/>
+          </a:effectRef>
+          <a:fontRef idx="minor">
+            <a:schemeClr val="lt1"/>
+          </a:fontRef>
+        </p:style>
+        <p:txBody>
+          <a:bodyPr rtlCol="1" anchor="ctr"/>
+          <a:lstStyle/>
+          <a:p>
+            <a:pPr algn="ctr"/>
+            <a:endParaRPr lang="he-IL"/>
+          </a:p>
+        </p:txBody>
+      </p:sp>
+      <p:cxnSp>
+        <p:nvCxnSpPr>
+          <p:cNvPr id="92" name="Straight Connector 91"/>
+          <p:cNvCxnSpPr>
+            <a:endCxn id="7" idx="1"/>
+          </p:cNvCxnSpPr>
+          <p:nvPr/>
+        </p:nvCxnSpPr>
+        <p:spPr>
+          <a:xfrm>
+            <a:off x="5755341" y="914400"/>
+            <a:ext cx="1861073" cy="346768"/>
+          </a:xfrm>
+          <a:prstGeom prst="line">
+            <a:avLst/>
+          </a:prstGeom>
+          <a:ln w="25400">
+            <a:solidFill>
+              <a:schemeClr val="tx1"/>
+            </a:solidFill>
+            <a:tailEnd type="none" w="lg" len="lg"/>
+          </a:ln>
+        </p:spPr>
+        <p:style>
+          <a:lnRef idx="1">
+            <a:schemeClr val="accent1"/>
+          </a:lnRef>
+          <a:fillRef idx="0">
+            <a:schemeClr val="accent1"/>
+          </a:fillRef>
+          <a:effectRef idx="0">
+            <a:schemeClr val="accent1"/>
+          </a:effectRef>
+          <a:fontRef idx="minor">
+            <a:schemeClr val="tx1"/>
+          </a:fontRef>
+        </p:style>
+      </p:cxnSp>
+      <p:cxnSp>
+        <p:nvCxnSpPr>
+          <p:cNvPr id="95" name="Straight Connector 94"/>
+          <p:cNvCxnSpPr>
+            <a:endCxn id="7" idx="1"/>
+          </p:cNvCxnSpPr>
+          <p:nvPr/>
+        </p:nvCxnSpPr>
+        <p:spPr>
+          <a:xfrm flipV="1">
+            <a:off x="5829820" y="1261168"/>
+            <a:ext cx="1786594" cy="1144574"/>
+          </a:xfrm>
+          <a:prstGeom prst="line">
+            <a:avLst/>
+          </a:prstGeom>
+          <a:ln w="25400">
+            <a:solidFill>
+              <a:schemeClr val="tx1"/>
+            </a:solidFill>
+            <a:tailEnd type="none" w="lg" len="lg"/>
+          </a:ln>
+        </p:spPr>
+        <p:style>
+          <a:lnRef idx="1">
+            <a:schemeClr val="accent1"/>
+          </a:lnRef>
+          <a:fillRef idx="0">
+            <a:schemeClr val="accent1"/>
+          </a:fillRef>
+          <a:effectRef idx="0">
+            <a:schemeClr val="accent1"/>
+          </a:effectRef>
+          <a:fontRef idx="minor">
+            <a:schemeClr val="tx1"/>
+          </a:fontRef>
+        </p:style>
+      </p:cxnSp>
+      <p:sp>
+        <p:nvSpPr>
+          <p:cNvPr id="98" name="Parallelogram 97"/>
+          <p:cNvSpPr/>
+          <p:nvPr/>
+        </p:nvSpPr>
+        <p:spPr>
+          <a:xfrm rot="12604676">
+            <a:off x="2130373" y="858388"/>
+            <a:ext cx="318640" cy="183938"/>
+          </a:xfrm>
+          <a:prstGeom prst="parallelogram">
+            <a:avLst>
+              <a:gd name="adj" fmla="val 56876"/>
+            </a:avLst>
+          </a:prstGeom>
+          <a:solidFill>
+            <a:schemeClr val="tx1"/>
+          </a:solidFill>
+          <a:ln>
+            <a:solidFill>
+              <a:schemeClr val="tx1"/>
+            </a:solidFill>
+          </a:ln>
+        </p:spPr>
+        <p:style>
+          <a:lnRef idx="2">
+            <a:schemeClr val="accent1">
+              <a:shade val="50000"/>
+            </a:schemeClr>
+          </a:lnRef>
+          <a:fillRef idx="1">
+            <a:schemeClr val="accent1"/>
+          </a:fillRef>
+          <a:effectRef idx="0">
+            <a:schemeClr val="accent1"/>
+          </a:effectRef>
+          <a:fontRef idx="minor">
+            <a:schemeClr val="lt1"/>
+          </a:fontRef>
+        </p:style>
+        <p:txBody>
+          <a:bodyPr rtlCol="1" anchor="ctr"/>
+          <a:lstStyle/>
+          <a:p>
+            <a:pPr algn="ctr"/>
+            <a:endParaRPr lang="he-IL"/>
+          </a:p>
+        </p:txBody>
+      </p:sp>
+      <p:sp>
+        <p:nvSpPr>
+          <p:cNvPr id="99" name="Parallelogram 98"/>
+          <p:cNvSpPr/>
+          <p:nvPr/>
+        </p:nvSpPr>
+        <p:spPr>
+          <a:xfrm rot="15100556">
+            <a:off x="2086936" y="1085271"/>
+            <a:ext cx="307642" cy="177589"/>
+          </a:xfrm>
+          <a:prstGeom prst="parallelogram">
+            <a:avLst>
+              <a:gd name="adj" fmla="val 56876"/>
+            </a:avLst>
+          </a:prstGeom>
+          <a:solidFill>
+            <a:schemeClr val="tx1"/>
+          </a:solidFill>
+          <a:ln>
+            <a:solidFill>
+              <a:schemeClr val="tx1"/>
+            </a:solidFill>
+          </a:ln>
+        </p:spPr>
+        <p:style>
+          <a:lnRef idx="2">
+            <a:schemeClr val="accent1">
+              <a:shade val="50000"/>
+            </a:schemeClr>
+          </a:lnRef>
+          <a:fillRef idx="1">
+            <a:schemeClr val="accent1"/>
+          </a:fillRef>
+          <a:effectRef idx="0">
+            <a:schemeClr val="accent1"/>
+          </a:effectRef>
+          <a:fontRef idx="minor">
+            <a:schemeClr val="lt1"/>
+          </a:fontRef>
+        </p:style>
+        <p:txBody>
+          <a:bodyPr rtlCol="1" anchor="ctr"/>
+          <a:lstStyle/>
+          <a:p>
+            <a:pPr algn="ctr"/>
+            <a:endParaRPr lang="he-IL"/>
+          </a:p>
+        </p:txBody>
+      </p:sp>
+      <p:cxnSp>
+        <p:nvCxnSpPr>
+          <p:cNvPr id="100" name="Straight Connector 99"/>
+          <p:cNvCxnSpPr>
+            <a:endCxn id="76" idx="1"/>
+          </p:cNvCxnSpPr>
+          <p:nvPr/>
+        </p:nvCxnSpPr>
+        <p:spPr>
+          <a:xfrm flipV="1">
+            <a:off x="2355925" y="872383"/>
+            <a:ext cx="1183701" cy="74290"/>
+          </a:xfrm>
+          <a:prstGeom prst="line">
+            <a:avLst/>
+          </a:prstGeom>
+          <a:ln w="25400">
+            <a:solidFill>
+              <a:schemeClr val="tx1"/>
+            </a:solidFill>
+            <a:tailEnd type="none" w="lg" len="lg"/>
+          </a:ln>
+        </p:spPr>
+        <p:style>
+          <a:lnRef idx="1">
+            <a:schemeClr val="accent1"/>
+          </a:lnRef>
+          <a:fillRef idx="0">
+            <a:schemeClr val="accent1"/>
+          </a:fillRef>
+          <a:effectRef idx="0">
+            <a:schemeClr val="accent1"/>
+          </a:effectRef>
+          <a:fontRef idx="minor">
+            <a:schemeClr val="tx1"/>
+          </a:fontRef>
+        </p:style>
+      </p:cxnSp>
+      <p:cxnSp>
+        <p:nvCxnSpPr>
+          <p:cNvPr id="102" name="Straight Connector 101"/>
+          <p:cNvCxnSpPr/>
+          <p:nvPr/>
+        </p:nvCxnSpPr>
+        <p:spPr>
+          <a:xfrm>
+            <a:off x="2280621" y="1215614"/>
+            <a:ext cx="1197531" cy="1139474"/>
+          </a:xfrm>
+          <a:prstGeom prst="line">
+            <a:avLst/>
+          </a:prstGeom>
+          <a:ln w="25400">
+            <a:solidFill>
+              <a:schemeClr val="tx1"/>
+            </a:solidFill>
+            <a:tailEnd type="none" w="lg" len="lg"/>
+          </a:ln>
+        </p:spPr>
+        <p:style>
+          <a:lnRef idx="1">
+            <a:schemeClr val="accent1"/>
+          </a:lnRef>
+          <a:fillRef idx="0">
+            <a:schemeClr val="accent1"/>
+          </a:fillRef>
+          <a:effectRef idx="0">
+            <a:schemeClr val="accent1"/>
+          </a:effectRef>
+          <a:fontRef idx="minor">
+            <a:schemeClr val="tx1"/>
+          </a:fontRef>
+        </p:style>
+      </p:cxnSp>
+      <p:grpSp>
+        <p:nvGrpSpPr>
+          <p:cNvPr id="106" name="Group 105"/>
+          <p:cNvGrpSpPr/>
+          <p:nvPr/>
+        </p:nvGrpSpPr>
+        <p:grpSpPr>
+          <a:xfrm>
+            <a:off x="3479373" y="3389499"/>
+            <a:ext cx="1945478" cy="1616556"/>
+            <a:chOff x="5650958" y="1551149"/>
+            <a:chExt cx="1945478" cy="1907178"/>
+          </a:xfrm>
+        </p:grpSpPr>
+        <p:sp>
+          <p:nvSpPr>
+            <p:cNvPr id="107" name="Rectangle 106"/>
+            <p:cNvSpPr/>
+            <p:nvPr/>
+          </p:nvSpPr>
+          <p:spPr>
+            <a:xfrm>
+              <a:off x="5693357" y="1551149"/>
+              <a:ext cx="1889760" cy="1907178"/>
+            </a:xfrm>
+            <a:prstGeom prst="rect">
+              <a:avLst/>
+            </a:prstGeom>
+            <a:solidFill>
+              <a:schemeClr val="bg1"/>
+            </a:solidFill>
+            <a:ln>
+              <a:solidFill>
+                <a:schemeClr val="tx1"/>
+              </a:solidFill>
+            </a:ln>
+          </p:spPr>
+          <p:style>
+            <a:lnRef idx="2">
+              <a:schemeClr val="accent1">
+                <a:shade val="50000"/>
+              </a:schemeClr>
+            </a:lnRef>
+            <a:fillRef idx="1">
+              <a:schemeClr val="accent1"/>
+            </a:fillRef>
+            <a:effectRef idx="0">
+              <a:schemeClr val="accent1"/>
+            </a:effectRef>
+            <a:fontRef idx="minor">
+              <a:schemeClr val="lt1"/>
+            </a:fontRef>
+          </p:style>
+          <p:txBody>
+            <a:bodyPr rtlCol="1" anchor="ctr"/>
+            <a:lstStyle/>
+            <a:p>
+              <a:pPr algn="ctr"/>
+              <a:endParaRPr lang="he-IL" sz="1400"/>
+            </a:p>
+          </p:txBody>
+        </p:sp>
+        <p:sp>
+          <p:nvSpPr>
+            <p:cNvPr id="108" name="TextBox 107"/>
+            <p:cNvSpPr txBox="1"/>
+            <p:nvPr/>
+          </p:nvSpPr>
+          <p:spPr>
+            <a:xfrm>
+              <a:off x="5706676" y="1551149"/>
+              <a:ext cx="1889760" cy="363109"/>
+            </a:xfrm>
+            <a:prstGeom prst="rect">
+              <a:avLst/>
+            </a:prstGeom>
+            <a:noFill/>
+          </p:spPr>
+          <p:txBody>
+            <a:bodyPr wrap="square" rtlCol="1">
+              <a:spAutoFit/>
+            </a:bodyPr>
+            <a:lstStyle/>
+            <a:p>
+              <a:pPr algn="l" rtl="0"/>
+              <a:r>
+                <a:rPr lang="en-US" sz="1400" dirty="0" err="1" smtClean="0"/>
+                <a:t>NewsfeedTab</a:t>
+              </a:r>
+              <a:endParaRPr lang="he-IL" sz="1400" dirty="0"/>
+            </a:p>
+          </p:txBody>
+        </p:sp>
+        <p:sp>
+          <p:nvSpPr>
+            <p:cNvPr id="109" name="TextBox 108"/>
+            <p:cNvSpPr txBox="1"/>
+            <p:nvPr/>
+          </p:nvSpPr>
+          <p:spPr>
+            <a:xfrm>
+              <a:off x="5706676" y="1957892"/>
+              <a:ext cx="1889760" cy="523220"/>
+            </a:xfrm>
+            <a:prstGeom prst="rect">
+              <a:avLst/>
+            </a:prstGeom>
+            <a:noFill/>
+          </p:spPr>
+          <p:txBody>
+            <a:bodyPr wrap="square" rtlCol="1">
+              <a:spAutoFit/>
+            </a:bodyPr>
+            <a:lstStyle/>
+            <a:p>
+              <a:pPr algn="l" rtl="0"/>
+              <a:r>
+                <a:rPr lang="en-US" sz="1400" dirty="0" err="1" smtClean="0"/>
+                <a:t>FacebookFunctionality</a:t>
+              </a:r>
+              <a:r>
+                <a:rPr lang="en-US" sz="1400" dirty="0" smtClean="0"/>
+                <a:t/>
+              </a:r>
+              <a:br>
+                <a:rPr lang="en-US" sz="1400" dirty="0" smtClean="0"/>
+              </a:br>
+              <a:r>
+                <a:rPr lang="en-US" sz="1400" dirty="0" smtClean="0"/>
+                <a:t>User</a:t>
+              </a:r>
+              <a:endParaRPr lang="he-IL" sz="1400" dirty="0"/>
+            </a:p>
+          </p:txBody>
+        </p:sp>
+        <p:sp>
+          <p:nvSpPr>
+            <p:cNvPr id="110" name="TextBox 109"/>
+            <p:cNvSpPr txBox="1"/>
+            <p:nvPr/>
+          </p:nvSpPr>
+          <p:spPr>
+            <a:xfrm>
+              <a:off x="5650958" y="2503595"/>
+              <a:ext cx="1889760" cy="738664"/>
+            </a:xfrm>
+            <a:prstGeom prst="rect">
+              <a:avLst/>
+            </a:prstGeom>
+            <a:noFill/>
+          </p:spPr>
+          <p:txBody>
+            <a:bodyPr wrap="square" rtlCol="1">
+              <a:spAutoFit/>
+            </a:bodyPr>
+            <a:lstStyle/>
+            <a:p>
+              <a:pPr algn="l" rtl="0"/>
+              <a:r>
+                <a:rPr lang="en-US" sz="1400" dirty="0" smtClean="0"/>
+                <a:t>Post status</a:t>
+              </a:r>
+              <a:br>
+                <a:rPr lang="en-US" sz="1400" dirty="0" smtClean="0"/>
+              </a:br>
+              <a:r>
+                <a:rPr lang="en-US" sz="1400" dirty="0" smtClean="0"/>
+                <a:t>Comment</a:t>
+              </a:r>
+              <a:br>
+                <a:rPr lang="en-US" sz="1400" dirty="0" smtClean="0"/>
+              </a:br>
+              <a:r>
+                <a:rPr lang="en-US" sz="1400" dirty="0" smtClean="0"/>
+                <a:t>Like</a:t>
+              </a:r>
+              <a:endParaRPr lang="he-IL" sz="1400" dirty="0"/>
+            </a:p>
+          </p:txBody>
+        </p:sp>
+        <p:cxnSp>
+          <p:nvCxnSpPr>
+            <p:cNvPr id="111" name="Straight Connector 110"/>
+            <p:cNvCxnSpPr/>
+            <p:nvPr/>
+          </p:nvCxnSpPr>
+          <p:spPr>
+            <a:xfrm>
+              <a:off x="5693357" y="1957892"/>
+              <a:ext cx="1889760" cy="0"/>
+            </a:xfrm>
+            <a:prstGeom prst="line">
+              <a:avLst/>
+            </a:prstGeom>
+            <a:ln w="25400">
+              <a:solidFill>
+                <a:schemeClr val="tx1"/>
+              </a:solidFill>
+              <a:tailEnd type="none" w="lg" len="lg"/>
+            </a:ln>
+          </p:spPr>
+          <p:style>
+            <a:lnRef idx="1">
+              <a:schemeClr val="accent1"/>
+            </a:lnRef>
+            <a:fillRef idx="0">
+              <a:schemeClr val="accent1"/>
+            </a:fillRef>
+            <a:effectRef idx="0">
+              <a:schemeClr val="accent1"/>
+            </a:effectRef>
+            <a:fontRef idx="minor">
+              <a:schemeClr val="tx1"/>
+            </a:fontRef>
+          </p:style>
+        </p:cxnSp>
+        <p:cxnSp>
+          <p:nvCxnSpPr>
+            <p:cNvPr id="112" name="Straight Connector 111"/>
+            <p:cNvCxnSpPr/>
+            <p:nvPr/>
+          </p:nvCxnSpPr>
+          <p:spPr>
+            <a:xfrm>
+              <a:off x="5680038" y="2548344"/>
+              <a:ext cx="1889760" cy="0"/>
+            </a:xfrm>
+            <a:prstGeom prst="line">
+              <a:avLst/>
+            </a:prstGeom>
+            <a:ln w="25400">
+              <a:solidFill>
+                <a:schemeClr val="tx1"/>
+              </a:solidFill>
+              <a:tailEnd type="none" w="lg" len="lg"/>
+            </a:ln>
+          </p:spPr>
+          <p:style>
+            <a:lnRef idx="1">
+              <a:schemeClr val="accent1"/>
+            </a:lnRef>
+            <a:fillRef idx="0">
+              <a:schemeClr val="accent1"/>
+            </a:fillRef>
+            <a:effectRef idx="0">
+              <a:schemeClr val="accent1"/>
+            </a:effectRef>
+            <a:fontRef idx="minor">
+              <a:schemeClr val="tx1"/>
+            </a:fontRef>
+          </p:style>
+        </p:cxnSp>
+      </p:grpSp>
+      <p:sp>
+        <p:nvSpPr>
+          <p:cNvPr id="113" name="Parallelogram 112"/>
+          <p:cNvSpPr/>
+          <p:nvPr/>
+        </p:nvSpPr>
+        <p:spPr>
+          <a:xfrm rot="10800000">
+            <a:off x="5410224" y="4042037"/>
+            <a:ext cx="373623" cy="215677"/>
+          </a:xfrm>
+          <a:prstGeom prst="parallelogram">
+            <a:avLst>
+              <a:gd name="adj" fmla="val 56876"/>
+            </a:avLst>
+          </a:prstGeom>
+          <a:solidFill>
+            <a:schemeClr val="tx1"/>
+          </a:solidFill>
+          <a:ln>
+            <a:solidFill>
+              <a:schemeClr val="tx1"/>
+            </a:solidFill>
+          </a:ln>
+        </p:spPr>
+        <p:style>
+          <a:lnRef idx="2">
+            <a:schemeClr val="accent1">
+              <a:shade val="50000"/>
+            </a:schemeClr>
+          </a:lnRef>
+          <a:fillRef idx="1">
+            <a:schemeClr val="accent1"/>
+          </a:fillRef>
+          <a:effectRef idx="0">
+            <a:schemeClr val="accent1"/>
+          </a:effectRef>
+          <a:fontRef idx="minor">
+            <a:schemeClr val="lt1"/>
+          </a:fontRef>
+        </p:style>
+        <p:txBody>
+          <a:bodyPr rtlCol="1" anchor="ctr"/>
+          <a:lstStyle/>
+          <a:p>
+            <a:pPr algn="ctr"/>
+            <a:endParaRPr lang="he-IL"/>
+          </a:p>
+        </p:txBody>
+      </p:sp>
+      <p:cxnSp>
+        <p:nvCxnSpPr>
+          <p:cNvPr id="114" name="Straight Connector 113"/>
+          <p:cNvCxnSpPr>
+            <a:endCxn id="38" idx="1"/>
+          </p:cNvCxnSpPr>
+          <p:nvPr/>
+        </p:nvCxnSpPr>
+        <p:spPr>
+          <a:xfrm flipV="1">
+            <a:off x="5669280" y="3237479"/>
+            <a:ext cx="1947134" cy="882700"/>
           </a:xfrm>
           <a:prstGeom prst="line">
             <a:avLst/>

--- a/ex01/sequence diagrams.pptx
+++ b/ex01/sequence diagrams.pptx
@@ -7933,7 +7933,7 @@
         </p:nvGrpSpPr>
         <p:grpSpPr>
           <a:xfrm>
-            <a:off x="3479373" y="3389499"/>
+            <a:off x="3469368" y="3462753"/>
             <a:ext cx="1945478" cy="1616556"/>
             <a:chOff x="5650958" y="1551149"/>
             <a:chExt cx="1945478" cy="1907178"/>

--- a/ex01/sequence diagrams.pptx
+++ b/ex01/sequence diagrams.pptx
@@ -4402,7 +4402,6 @@
               <a:rPr lang="en-US" sz="1400" dirty="0" smtClean="0"/>
               <a:t>Posts</a:t>
             </a:r>
-            <a:endParaRPr lang="en-US" sz="1400" dirty="0" smtClean="0"/>
           </a:p>
         </p:txBody>
       </p:sp>
@@ -4431,8 +4430,9 @@
             <a:pPr algn="ctr"/>
             <a:r>
               <a:rPr lang="en-US" dirty="0" smtClean="0"/>
-              <a:t>Comment Sequence</a:t>
+              <a:t>Interest check Sequence diagram</a:t>
             </a:r>
+            <a:endParaRPr lang="en-US" dirty="0" smtClean="0"/>
           </a:p>
         </p:txBody>
       </p:sp>
@@ -4656,7 +4656,6 @@
               <a:rPr lang="en-US" sz="1400" dirty="0" smtClean="0"/>
               <a:t>Users</a:t>
             </a:r>
-            <a:endParaRPr lang="en-US" sz="1400" dirty="0" smtClean="0"/>
           </a:p>
         </p:txBody>
       </p:sp>
@@ -5022,7 +5021,6 @@
               <a:rPr lang="en-US" sz="1400" dirty="0" smtClean="0"/>
               <a:t>Users</a:t>
             </a:r>
-            <a:endParaRPr lang="en-US" sz="1400" dirty="0" smtClean="0"/>
           </a:p>
         </p:txBody>
       </p:sp>
@@ -5203,7 +5201,6 @@
               <a:rPr lang="en-US" sz="1400" dirty="0" smtClean="0"/>
               <a:t>()</a:t>
             </a:r>
-            <a:endParaRPr lang="en-US" sz="1400" dirty="0" smtClean="0"/>
           </a:p>
         </p:txBody>
       </p:sp>

--- a/ex01/sequence diagrams.pptx
+++ b/ex01/sequence diagrams.pptx
@@ -259,7 +259,7 @@
           <a:p>
             <a:fld id="{0FAAEC13-6DF5-4349-BFA7-71AE5D1BD1E4}" type="datetimeFigureOut">
               <a:rPr lang="he-IL" smtClean="0"/>
-              <a:t>ח'/כסלו/תשע"ה</a:t>
+              <a:t>ז'/טבת/תשע"ה</a:t>
             </a:fld>
             <a:endParaRPr lang="he-IL"/>
           </a:p>
@@ -429,7 +429,7 @@
           <a:p>
             <a:fld id="{0FAAEC13-6DF5-4349-BFA7-71AE5D1BD1E4}" type="datetimeFigureOut">
               <a:rPr lang="he-IL" smtClean="0"/>
-              <a:t>ח'/כסלו/תשע"ה</a:t>
+              <a:t>ז'/טבת/תשע"ה</a:t>
             </a:fld>
             <a:endParaRPr lang="he-IL"/>
           </a:p>
@@ -609,7 +609,7 @@
           <a:p>
             <a:fld id="{0FAAEC13-6DF5-4349-BFA7-71AE5D1BD1E4}" type="datetimeFigureOut">
               <a:rPr lang="he-IL" smtClean="0"/>
-              <a:t>ח'/כסלו/תשע"ה</a:t>
+              <a:t>ז'/טבת/תשע"ה</a:t>
             </a:fld>
             <a:endParaRPr lang="he-IL"/>
           </a:p>
@@ -779,7 +779,7 @@
           <a:p>
             <a:fld id="{0FAAEC13-6DF5-4349-BFA7-71AE5D1BD1E4}" type="datetimeFigureOut">
               <a:rPr lang="he-IL" smtClean="0"/>
-              <a:t>ח'/כסלו/תשע"ה</a:t>
+              <a:t>ז'/טבת/תשע"ה</a:t>
             </a:fld>
             <a:endParaRPr lang="he-IL"/>
           </a:p>
@@ -1025,7 +1025,7 @@
           <a:p>
             <a:fld id="{0FAAEC13-6DF5-4349-BFA7-71AE5D1BD1E4}" type="datetimeFigureOut">
               <a:rPr lang="he-IL" smtClean="0"/>
-              <a:t>ח'/כסלו/תשע"ה</a:t>
+              <a:t>ז'/טבת/תשע"ה</a:t>
             </a:fld>
             <a:endParaRPr lang="he-IL"/>
           </a:p>
@@ -1257,7 +1257,7 @@
           <a:p>
             <a:fld id="{0FAAEC13-6DF5-4349-BFA7-71AE5D1BD1E4}" type="datetimeFigureOut">
               <a:rPr lang="he-IL" smtClean="0"/>
-              <a:t>ח'/כסלו/תשע"ה</a:t>
+              <a:t>ז'/טבת/תשע"ה</a:t>
             </a:fld>
             <a:endParaRPr lang="he-IL"/>
           </a:p>
@@ -1624,7 +1624,7 @@
           <a:p>
             <a:fld id="{0FAAEC13-6DF5-4349-BFA7-71AE5D1BD1E4}" type="datetimeFigureOut">
               <a:rPr lang="he-IL" smtClean="0"/>
-              <a:t>ח'/כסלו/תשע"ה</a:t>
+              <a:t>ז'/טבת/תשע"ה</a:t>
             </a:fld>
             <a:endParaRPr lang="he-IL"/>
           </a:p>
@@ -1742,7 +1742,7 @@
           <a:p>
             <a:fld id="{0FAAEC13-6DF5-4349-BFA7-71AE5D1BD1E4}" type="datetimeFigureOut">
               <a:rPr lang="he-IL" smtClean="0"/>
-              <a:t>ח'/כסלו/תשע"ה</a:t>
+              <a:t>ז'/טבת/תשע"ה</a:t>
             </a:fld>
             <a:endParaRPr lang="he-IL"/>
           </a:p>
@@ -1837,7 +1837,7 @@
           <a:p>
             <a:fld id="{0FAAEC13-6DF5-4349-BFA7-71AE5D1BD1E4}" type="datetimeFigureOut">
               <a:rPr lang="he-IL" smtClean="0"/>
-              <a:t>ח'/כסלו/תשע"ה</a:t>
+              <a:t>ז'/טבת/תשע"ה</a:t>
             </a:fld>
             <a:endParaRPr lang="he-IL"/>
           </a:p>
@@ -2114,7 +2114,7 @@
           <a:p>
             <a:fld id="{0FAAEC13-6DF5-4349-BFA7-71AE5D1BD1E4}" type="datetimeFigureOut">
               <a:rPr lang="he-IL" smtClean="0"/>
-              <a:t>ח'/כסלו/תשע"ה</a:t>
+              <a:t>ז'/טבת/תשע"ה</a:t>
             </a:fld>
             <a:endParaRPr lang="he-IL"/>
           </a:p>
@@ -2367,7 +2367,7 @@
           <a:p>
             <a:fld id="{0FAAEC13-6DF5-4349-BFA7-71AE5D1BD1E4}" type="datetimeFigureOut">
               <a:rPr lang="he-IL" smtClean="0"/>
-              <a:t>ח'/כסלו/תשע"ה</a:t>
+              <a:t>ז'/טבת/תשע"ה</a:t>
             </a:fld>
             <a:endParaRPr lang="he-IL"/>
           </a:p>
@@ -2580,7 +2580,7 @@
           <a:p>
             <a:fld id="{0FAAEC13-6DF5-4349-BFA7-71AE5D1BD1E4}" type="datetimeFigureOut">
               <a:rPr lang="he-IL" smtClean="0"/>
-              <a:t>ח'/כסלו/תשע"ה</a:t>
+              <a:t>ז'/טבת/תשע"ה</a:t>
             </a:fld>
             <a:endParaRPr lang="he-IL"/>
           </a:p>
@@ -3455,8 +3455,8 @@
         </p:nvSpPr>
         <p:spPr>
           <a:xfrm>
-            <a:off x="299778" y="1093412"/>
-            <a:ext cx="1134956" cy="502760"/>
+            <a:off x="-207962" y="1037514"/>
+            <a:ext cx="2141850" cy="502760"/>
           </a:xfrm>
           <a:prstGeom prst="rect">
             <a:avLst/>
@@ -3490,12 +3490,12 @@
           <a:p>
             <a:pPr algn="ctr"/>
             <a:r>
-              <a:rPr lang="en-US" dirty="0" smtClean="0">
+              <a:rPr lang="en-US" dirty="0" err="1" smtClean="0">
                 <a:solidFill>
                   <a:schemeClr val="tx1"/>
                 </a:solidFill>
               </a:rPr>
-              <a:t>user</a:t>
+              <a:t>FormApplicationTabs</a:t>
             </a:r>
             <a:endParaRPr lang="he-IL" dirty="0">
               <a:solidFill>
@@ -3515,8 +3515,8 @@
         </p:nvCxnSpPr>
         <p:spPr>
           <a:xfrm flipH="1">
-            <a:off x="831262" y="1596172"/>
-            <a:ext cx="35994" cy="5059271"/>
+            <a:off x="773921" y="1540274"/>
+            <a:ext cx="89042" cy="5073897"/>
           </a:xfrm>
           <a:prstGeom prst="line">
             <a:avLst/>
@@ -3551,8 +3551,8 @@
         </p:nvSpPr>
         <p:spPr>
           <a:xfrm>
-            <a:off x="3012321" y="1075569"/>
-            <a:ext cx="1134956" cy="502760"/>
+            <a:off x="2795282" y="986594"/>
+            <a:ext cx="1538164" cy="502760"/>
           </a:xfrm>
           <a:prstGeom prst="rect">
             <a:avLst/>
@@ -3586,12 +3586,12 @@
           <a:p>
             <a:pPr algn="ctr"/>
             <a:r>
-              <a:rPr lang="en-US" dirty="0" smtClean="0">
+              <a:rPr lang="en-US" dirty="0" err="1" smtClean="0">
                 <a:solidFill>
                   <a:schemeClr val="tx1"/>
                 </a:solidFill>
               </a:rPr>
-              <a:t>GUI</a:t>
+              <a:t>UserWrapper</a:t>
             </a:r>
             <a:endParaRPr lang="he-IL" dirty="0" smtClean="0">
               <a:solidFill>
@@ -3610,105 +3610,9 @@
           <p:nvPr/>
         </p:nvCxnSpPr>
         <p:spPr>
-          <a:xfrm flipH="1">
-            <a:off x="3543805" y="1578329"/>
-            <a:ext cx="35994" cy="5059271"/>
-          </a:xfrm>
-          <a:prstGeom prst="line">
-            <a:avLst/>
-          </a:prstGeom>
-          <a:ln w="25400">
-            <a:solidFill>
-              <a:schemeClr val="tx1"/>
-            </a:solidFill>
-            <a:prstDash val="dash"/>
-          </a:ln>
-        </p:spPr>
-        <p:style>
-          <a:lnRef idx="1">
-            <a:schemeClr val="accent1"/>
-          </a:lnRef>
-          <a:fillRef idx="0">
-            <a:schemeClr val="accent1"/>
-          </a:fillRef>
-          <a:effectRef idx="0">
-            <a:schemeClr val="accent1"/>
-          </a:effectRef>
-          <a:fontRef idx="minor">
-            <a:schemeClr val="tx1"/>
-          </a:fontRef>
-        </p:style>
-      </p:cxnSp>
-      <p:sp>
-        <p:nvSpPr>
-          <p:cNvPr id="8" name="Rectangle 7"/>
-          <p:cNvSpPr/>
-          <p:nvPr/>
-        </p:nvSpPr>
-        <p:spPr>
           <a:xfrm>
-            <a:off x="8853123" y="1093412"/>
-            <a:ext cx="1339782" cy="502760"/>
-          </a:xfrm>
-          <a:prstGeom prst="rect">
-            <a:avLst/>
-          </a:prstGeom>
-          <a:noFill/>
-          <a:ln w="25400">
-            <a:solidFill>
-              <a:schemeClr val="tx1"/>
-            </a:solidFill>
-          </a:ln>
-        </p:spPr>
-        <p:style>
-          <a:lnRef idx="2">
-            <a:schemeClr val="accent1">
-              <a:shade val="50000"/>
-            </a:schemeClr>
-          </a:lnRef>
-          <a:fillRef idx="1">
-            <a:schemeClr val="accent1"/>
-          </a:fillRef>
-          <a:effectRef idx="0">
-            <a:schemeClr val="accent1"/>
-          </a:effectRef>
-          <a:fontRef idx="minor">
-            <a:schemeClr val="lt1"/>
-          </a:fontRef>
-        </p:style>
-        <p:txBody>
-          <a:bodyPr rtlCol="1" anchor="ctr"/>
-          <a:lstStyle/>
-          <a:p>
-            <a:pPr algn="ctr"/>
-            <a:r>
-              <a:rPr lang="en-US" dirty="0" smtClean="0">
-                <a:solidFill>
-                  <a:schemeClr val="tx1"/>
-                </a:solidFill>
-              </a:rPr>
-              <a:t>Graph API wrapper</a:t>
-            </a:r>
-            <a:endParaRPr lang="he-IL" dirty="0">
-              <a:solidFill>
-                <a:schemeClr val="tx1"/>
-              </a:solidFill>
-            </a:endParaRPr>
-          </a:p>
-        </p:txBody>
-      </p:sp>
-      <p:cxnSp>
-        <p:nvCxnSpPr>
-          <p:cNvPr id="9" name="Straight Connector 8"/>
-          <p:cNvCxnSpPr>
-            <a:stCxn id="8" idx="2"/>
-          </p:cNvCxnSpPr>
-          <p:nvPr/>
-        </p:nvCxnSpPr>
-        <p:spPr>
-          <a:xfrm flipH="1">
-            <a:off x="9509999" y="1596172"/>
-            <a:ext cx="13015" cy="5059271"/>
+            <a:off x="3564364" y="1489354"/>
+            <a:ext cx="17932" cy="5137357"/>
           </a:xfrm>
           <a:prstGeom prst="line">
             <a:avLst/>
@@ -3743,10 +3647,10 @@
         </p:nvGrpSpPr>
         <p:grpSpPr>
           <a:xfrm>
-            <a:off x="842353" y="1715043"/>
-            <a:ext cx="2865413" cy="4801504"/>
-            <a:chOff x="2736132" y="873968"/>
-            <a:chExt cx="3685542" cy="1071878"/>
+            <a:off x="842353" y="1819112"/>
+            <a:ext cx="5643434" cy="3572828"/>
+            <a:chOff x="2736132" y="897200"/>
+            <a:chExt cx="7258679" cy="1048646"/>
           </a:xfrm>
         </p:grpSpPr>
         <p:grpSp>
@@ -3893,8 +3797,8 @@
           </p:nvSpPr>
           <p:spPr>
             <a:xfrm>
-              <a:off x="2767889" y="873968"/>
-              <a:ext cx="3653785" cy="68708"/>
+              <a:off x="6341024" y="962433"/>
+              <a:ext cx="3653787" cy="68708"/>
             </a:xfrm>
             <a:prstGeom prst="rect">
               <a:avLst/>
@@ -3910,398 +3814,13 @@
               <a:pPr algn="l" rtl="0"/>
               <a:r>
                 <a:rPr lang="en-US" sz="1400" dirty="0" err="1" smtClean="0"/>
-                <a:t>FindInterested</a:t>
-              </a:r>
-              <a:r>
-                <a:rPr lang="en-US" sz="1400" dirty="0" smtClean="0"/>
-                <a:t>(date, </a:t>
-              </a:r>
-              <a:r>
-                <a:rPr lang="en-US" sz="1400" dirty="0" err="1" smtClean="0"/>
-                <a:t>amountLimit</a:t>
-              </a:r>
-              <a:r>
-                <a:rPr lang="en-US" sz="1400" dirty="0" smtClean="0"/>
-                <a:t>)</a:t>
-              </a:r>
-            </a:p>
-          </p:txBody>
-        </p:sp>
-      </p:grpSp>
-      <p:grpSp>
-        <p:nvGrpSpPr>
-          <p:cNvPr id="22" name="Group 21"/>
-          <p:cNvGrpSpPr/>
-          <p:nvPr/>
-        </p:nvGrpSpPr>
-        <p:grpSpPr>
-          <a:xfrm>
-            <a:off x="6252102" y="2196623"/>
-            <a:ext cx="3372824" cy="851663"/>
-            <a:chOff x="2743200" y="718159"/>
-            <a:chExt cx="3599728" cy="2059143"/>
-          </a:xfrm>
-        </p:grpSpPr>
-        <p:grpSp>
-          <p:nvGrpSpPr>
-            <p:cNvPr id="23" name="Group 22"/>
-            <p:cNvGrpSpPr/>
-            <p:nvPr/>
-          </p:nvGrpSpPr>
-          <p:grpSpPr>
-            <a:xfrm>
-              <a:off x="2743200" y="1273215"/>
-              <a:ext cx="3599728" cy="1504087"/>
-              <a:chOff x="2743200" y="1273215"/>
-              <a:chExt cx="3599728" cy="1504087"/>
-            </a:xfrm>
-          </p:grpSpPr>
-          <p:cxnSp>
-            <p:nvCxnSpPr>
-              <p:cNvPr id="25" name="Straight Arrow Connector 24"/>
-              <p:cNvCxnSpPr/>
-              <p:nvPr/>
-            </p:nvCxnSpPr>
-            <p:spPr>
-              <a:xfrm flipV="1">
-                <a:off x="2743200" y="1481559"/>
-                <a:ext cx="3298785" cy="23150"/>
-              </a:xfrm>
-              <a:prstGeom prst="straightConnector1">
-                <a:avLst/>
-              </a:prstGeom>
-              <a:ln w="25400">
-                <a:solidFill>
-                  <a:schemeClr val="tx1"/>
-                </a:solidFill>
-                <a:tailEnd type="stealth" w="lg" len="lg"/>
-              </a:ln>
-            </p:spPr>
-            <p:style>
-              <a:lnRef idx="1">
-                <a:schemeClr val="accent1"/>
-              </a:lnRef>
-              <a:fillRef idx="0">
-                <a:schemeClr val="accent1"/>
-              </a:fillRef>
-              <a:effectRef idx="0">
-                <a:schemeClr val="accent1"/>
-              </a:effectRef>
-              <a:fontRef idx="minor">
-                <a:schemeClr val="tx1"/>
-              </a:fontRef>
-            </p:style>
-          </p:cxnSp>
-          <p:cxnSp>
-            <p:nvCxnSpPr>
-              <p:cNvPr id="26" name="Straight Arrow Connector 25"/>
-              <p:cNvCxnSpPr/>
-              <p:nvPr/>
-            </p:nvCxnSpPr>
-            <p:spPr>
-              <a:xfrm flipH="1">
-                <a:off x="2790149" y="2083444"/>
-                <a:ext cx="3251835" cy="693858"/>
-              </a:xfrm>
-              <a:prstGeom prst="straightConnector1">
-                <a:avLst/>
-              </a:prstGeom>
-              <a:ln w="25400">
-                <a:solidFill>
-                  <a:schemeClr val="tx1"/>
-                </a:solidFill>
-                <a:prstDash val="dash"/>
-                <a:tailEnd type="stealth" w="lg" len="lg"/>
-              </a:ln>
-            </p:spPr>
-            <p:style>
-              <a:lnRef idx="1">
-                <a:schemeClr val="accent1"/>
-              </a:lnRef>
-              <a:fillRef idx="0">
-                <a:schemeClr val="accent1"/>
-              </a:fillRef>
-              <a:effectRef idx="0">
-                <a:schemeClr val="accent1"/>
-              </a:effectRef>
-              <a:fontRef idx="minor">
-                <a:schemeClr val="tx1"/>
-              </a:fontRef>
-            </p:style>
-          </p:cxnSp>
-          <p:sp>
-            <p:nvSpPr>
-              <p:cNvPr id="27" name="Rectangle 26"/>
-              <p:cNvSpPr/>
-              <p:nvPr/>
-            </p:nvSpPr>
-            <p:spPr>
-              <a:xfrm>
-                <a:off x="6041985" y="1273215"/>
-                <a:ext cx="300943" cy="983848"/>
-              </a:xfrm>
-              <a:prstGeom prst="rect">
-                <a:avLst/>
-              </a:prstGeom>
-              <a:solidFill>
-                <a:schemeClr val="bg1"/>
-              </a:solidFill>
-              <a:ln>
-                <a:solidFill>
-                  <a:schemeClr val="tx1"/>
-                </a:solidFill>
-              </a:ln>
-            </p:spPr>
-            <p:style>
-              <a:lnRef idx="2">
-                <a:schemeClr val="accent1">
-                  <a:shade val="50000"/>
-                </a:schemeClr>
-              </a:lnRef>
-              <a:fillRef idx="1">
-                <a:schemeClr val="accent1"/>
-              </a:fillRef>
-              <a:effectRef idx="0">
-                <a:schemeClr val="accent1"/>
-              </a:effectRef>
-              <a:fontRef idx="minor">
-                <a:schemeClr val="lt1"/>
-              </a:fontRef>
-            </p:style>
-            <p:txBody>
-              <a:bodyPr rtlCol="1" anchor="ctr"/>
-              <a:lstStyle/>
-              <a:p>
-                <a:pPr algn="ctr"/>
-                <a:endParaRPr lang="he-IL"/>
-              </a:p>
-            </p:txBody>
-          </p:sp>
-        </p:grpSp>
-        <p:sp>
-          <p:nvSpPr>
-            <p:cNvPr id="24" name="TextBox 23"/>
-            <p:cNvSpPr txBox="1"/>
-            <p:nvPr/>
-          </p:nvSpPr>
-          <p:spPr>
-            <a:xfrm>
-              <a:off x="2945032" y="718159"/>
-              <a:ext cx="3263823" cy="1265036"/>
-            </a:xfrm>
-            <a:prstGeom prst="rect">
-              <a:avLst/>
-            </a:prstGeom>
-            <a:noFill/>
-          </p:spPr>
-          <p:txBody>
-            <a:bodyPr wrap="square" rtlCol="1">
-              <a:spAutoFit/>
-            </a:bodyPr>
-            <a:lstStyle/>
-            <a:p>
-              <a:pPr algn="l" rtl="0"/>
-              <a:r>
-                <a:rPr lang="en-US" sz="1400" dirty="0" err="1" smtClean="0"/>
-                <a:t>GetAllPosts</a:t>
-              </a:r>
-              <a:r>
-                <a:rPr lang="en-US" sz="1400" dirty="0" smtClean="0"/>
-                <a:t>(</a:t>
-              </a:r>
-              <a:r>
-                <a:rPr lang="en-US" sz="1400" dirty="0" err="1" smtClean="0"/>
-                <a:t>amountLimit</a:t>
-              </a:r>
-              <a:r>
-                <a:rPr lang="en-US" sz="1400" dirty="0" smtClean="0"/>
-                <a:t>)</a:t>
-              </a:r>
-            </a:p>
-          </p:txBody>
-        </p:sp>
-      </p:grpSp>
-      <p:grpSp>
-        <p:nvGrpSpPr>
-          <p:cNvPr id="28" name="Group 27"/>
-          <p:cNvGrpSpPr/>
-          <p:nvPr/>
-        </p:nvGrpSpPr>
-        <p:grpSpPr>
-          <a:xfrm>
-            <a:off x="6259986" y="3702513"/>
-            <a:ext cx="3390191" cy="797629"/>
-            <a:chOff x="2698861" y="533653"/>
-            <a:chExt cx="3644067" cy="2783835"/>
-          </a:xfrm>
-        </p:grpSpPr>
-        <p:grpSp>
-          <p:nvGrpSpPr>
-            <p:cNvPr id="29" name="Group 28"/>
-            <p:cNvGrpSpPr/>
-            <p:nvPr/>
-          </p:nvGrpSpPr>
-          <p:grpSpPr>
-            <a:xfrm>
-              <a:off x="2698861" y="1273215"/>
-              <a:ext cx="3644067" cy="2044273"/>
-              <a:chOff x="2698861" y="1273215"/>
-              <a:chExt cx="3644067" cy="2044273"/>
-            </a:xfrm>
-          </p:grpSpPr>
-          <p:cxnSp>
-            <p:nvCxnSpPr>
-              <p:cNvPr id="31" name="Straight Arrow Connector 30"/>
-              <p:cNvCxnSpPr/>
-              <p:nvPr/>
-            </p:nvCxnSpPr>
-            <p:spPr>
-              <a:xfrm flipV="1">
-                <a:off x="2743200" y="1481559"/>
-                <a:ext cx="3298785" cy="23150"/>
-              </a:xfrm>
-              <a:prstGeom prst="straightConnector1">
-                <a:avLst/>
-              </a:prstGeom>
-              <a:ln w="25400">
-                <a:solidFill>
-                  <a:schemeClr val="tx1"/>
-                </a:solidFill>
-                <a:tailEnd type="stealth" w="lg" len="lg"/>
-              </a:ln>
-            </p:spPr>
-            <p:style>
-              <a:lnRef idx="1">
-                <a:schemeClr val="accent1"/>
-              </a:lnRef>
-              <a:fillRef idx="0">
-                <a:schemeClr val="accent1"/>
-              </a:fillRef>
-              <a:effectRef idx="0">
-                <a:schemeClr val="accent1"/>
-              </a:effectRef>
-              <a:fontRef idx="minor">
-                <a:schemeClr val="tx1"/>
-              </a:fontRef>
-            </p:style>
-          </p:cxnSp>
-          <p:cxnSp>
-            <p:nvCxnSpPr>
-              <p:cNvPr id="32" name="Straight Arrow Connector 31"/>
-              <p:cNvCxnSpPr/>
-              <p:nvPr/>
-            </p:nvCxnSpPr>
-            <p:spPr>
-              <a:xfrm flipH="1">
-                <a:off x="2698861" y="2083444"/>
-                <a:ext cx="3343124" cy="1234044"/>
-              </a:xfrm>
-              <a:prstGeom prst="straightConnector1">
-                <a:avLst/>
-              </a:prstGeom>
-              <a:ln w="25400">
-                <a:solidFill>
-                  <a:schemeClr val="tx1"/>
-                </a:solidFill>
-                <a:prstDash val="dash"/>
-                <a:tailEnd type="stealth" w="lg" len="lg"/>
-              </a:ln>
-            </p:spPr>
-            <p:style>
-              <a:lnRef idx="1">
-                <a:schemeClr val="accent1"/>
-              </a:lnRef>
-              <a:fillRef idx="0">
-                <a:schemeClr val="accent1"/>
-              </a:fillRef>
-              <a:effectRef idx="0">
-                <a:schemeClr val="accent1"/>
-              </a:effectRef>
-              <a:fontRef idx="minor">
-                <a:schemeClr val="tx1"/>
-              </a:fontRef>
-            </p:style>
-          </p:cxnSp>
-          <p:sp>
-            <p:nvSpPr>
-              <p:cNvPr id="33" name="Rectangle 32"/>
-              <p:cNvSpPr/>
-              <p:nvPr/>
-            </p:nvSpPr>
-            <p:spPr>
-              <a:xfrm>
-                <a:off x="6041985" y="1273215"/>
-                <a:ext cx="300943" cy="983848"/>
-              </a:xfrm>
-              <a:prstGeom prst="rect">
-                <a:avLst/>
-              </a:prstGeom>
-              <a:solidFill>
-                <a:schemeClr val="bg1"/>
-              </a:solidFill>
-              <a:ln>
-                <a:solidFill>
-                  <a:schemeClr val="tx1"/>
-                </a:solidFill>
-              </a:ln>
-            </p:spPr>
-            <p:style>
-              <a:lnRef idx="2">
-                <a:schemeClr val="accent1">
-                  <a:shade val="50000"/>
-                </a:schemeClr>
-              </a:lnRef>
-              <a:fillRef idx="1">
-                <a:schemeClr val="accent1"/>
-              </a:fillRef>
-              <a:effectRef idx="0">
-                <a:schemeClr val="accent1"/>
-              </a:effectRef>
-              <a:fontRef idx="minor">
-                <a:schemeClr val="lt1"/>
-              </a:fontRef>
-            </p:style>
-            <p:txBody>
-              <a:bodyPr rtlCol="1" anchor="ctr"/>
-              <a:lstStyle/>
-              <a:p>
-                <a:pPr algn="ctr"/>
-                <a:endParaRPr lang="he-IL"/>
-              </a:p>
-            </p:txBody>
-          </p:sp>
-        </p:grpSp>
-        <p:sp>
-          <p:nvSpPr>
-            <p:cNvPr id="30" name="TextBox 29"/>
-            <p:cNvSpPr txBox="1"/>
-            <p:nvPr/>
-          </p:nvSpPr>
-          <p:spPr>
-            <a:xfrm>
-              <a:off x="2908730" y="533653"/>
-              <a:ext cx="3263822" cy="744139"/>
-            </a:xfrm>
-            <a:prstGeom prst="rect">
-              <a:avLst/>
-            </a:prstGeom>
-            <a:noFill/>
-          </p:spPr>
-          <p:txBody>
-            <a:bodyPr wrap="square" rtlCol="1">
-              <a:spAutoFit/>
-            </a:bodyPr>
-            <a:lstStyle/>
-            <a:p>
-              <a:pPr algn="l" rtl="0"/>
-              <a:r>
-                <a:rPr lang="en-US" sz="1400" dirty="0" err="1" smtClean="0"/>
-                <a:t>GetAllUsersWhoCommented</a:t>
-              </a:r>
-              <a:r>
-                <a:rPr lang="en-US" sz="1400" dirty="0" smtClean="0"/>
-                <a:t> (posts)</a:t>
-              </a:r>
+                <a:t>PostStatus</a:t>
+              </a:r>
+              <a:r>
+                <a:rPr lang="en-US" sz="1400" dirty="0" smtClean="0"/>
+                <a:t>(status)</a:t>
+              </a:r>
+              <a:endParaRPr lang="en-US" sz="1400" dirty="0" smtClean="0"/>
             </a:p>
           </p:txBody>
         </p:sp>
@@ -4354,54 +3873,13 @@
                   <a:schemeClr val="tx1"/>
                 </a:solidFill>
               </a:rPr>
-              <a:t>Interest</a:t>
-            </a:r>
-          </a:p>
-          <a:p>
-            <a:pPr algn="ctr"/>
-            <a:r>
-              <a:rPr lang="en-US" dirty="0" smtClean="0">
-                <a:solidFill>
-                  <a:schemeClr val="tx1"/>
-                </a:solidFill>
-              </a:rPr>
-              <a:t>Checker</a:t>
+              <a:t>User</a:t>
             </a:r>
             <a:endParaRPr lang="he-IL" dirty="0">
               <a:solidFill>
                 <a:schemeClr val="tx1"/>
               </a:solidFill>
             </a:endParaRPr>
-          </a:p>
-        </p:txBody>
-      </p:sp>
-      <p:sp>
-        <p:nvSpPr>
-          <p:cNvPr id="43" name="TextBox 42"/>
-          <p:cNvSpPr txBox="1"/>
-          <p:nvPr/>
-        </p:nvSpPr>
-        <p:spPr>
-          <a:xfrm>
-            <a:off x="7595761" y="2922468"/>
-            <a:ext cx="716110" cy="307777"/>
-          </a:xfrm>
-          <a:prstGeom prst="rect">
-            <a:avLst/>
-          </a:prstGeom>
-          <a:noFill/>
-        </p:spPr>
-        <p:txBody>
-          <a:bodyPr wrap="square" rtlCol="1">
-            <a:spAutoFit/>
-          </a:bodyPr>
-          <a:lstStyle/>
-          <a:p>
-            <a:pPr algn="l" rtl="0"/>
-            <a:r>
-              <a:rPr lang="en-US" sz="1400" dirty="0" smtClean="0"/>
-              <a:t>Posts</a:t>
-            </a:r>
           </a:p>
         </p:txBody>
       </p:sp>
@@ -4432,636 +3910,145 @@
               <a:rPr lang="en-US" dirty="0" smtClean="0"/>
               <a:t>Interest check Sequence diagram</a:t>
             </a:r>
-            <a:endParaRPr lang="en-US" dirty="0" smtClean="0"/>
           </a:p>
         </p:txBody>
       </p:sp>
       <p:grpSp>
         <p:nvGrpSpPr>
-          <p:cNvPr id="41" name="Group 40"/>
+          <p:cNvPr id="42" name="Group 41"/>
           <p:cNvGrpSpPr/>
           <p:nvPr/>
         </p:nvGrpSpPr>
         <p:grpSpPr>
           <a:xfrm>
-            <a:off x="3573081" y="2166909"/>
-            <a:ext cx="2691851" cy="3427201"/>
-            <a:chOff x="2669661" y="852672"/>
-            <a:chExt cx="3673267" cy="1093174"/>
+            <a:off x="3645063" y="2306509"/>
+            <a:ext cx="2619869" cy="1261303"/>
+            <a:chOff x="2767887" y="897200"/>
+            <a:chExt cx="3575041" cy="1048646"/>
           </a:xfrm>
         </p:grpSpPr>
-        <p:grpSp>
-          <p:nvGrpSpPr>
-            <p:cNvPr id="42" name="Group 41"/>
-            <p:cNvGrpSpPr/>
-            <p:nvPr/>
-          </p:nvGrpSpPr>
-          <p:grpSpPr>
-            <a:xfrm>
-              <a:off x="2767887" y="897200"/>
-              <a:ext cx="3575041" cy="1048646"/>
-              <a:chOff x="2767887" y="897200"/>
-              <a:chExt cx="3575041" cy="1048646"/>
-            </a:xfrm>
-          </p:grpSpPr>
-          <p:cxnSp>
-            <p:nvCxnSpPr>
-              <p:cNvPr id="46" name="Straight Arrow Connector 45"/>
-              <p:cNvCxnSpPr/>
-              <p:nvPr/>
-            </p:nvCxnSpPr>
-            <p:spPr>
-              <a:xfrm>
-                <a:off x="2767887" y="950057"/>
-                <a:ext cx="3351592" cy="0"/>
-              </a:xfrm>
-              <a:prstGeom prst="straightConnector1">
-                <a:avLst/>
-              </a:prstGeom>
-              <a:ln w="25400">
-                <a:solidFill>
-                  <a:schemeClr val="tx1"/>
-                </a:solidFill>
-                <a:tailEnd type="stealth" w="lg" len="lg"/>
-              </a:ln>
-            </p:spPr>
-            <p:style>
-              <a:lnRef idx="1">
-                <a:schemeClr val="accent1"/>
-              </a:lnRef>
-              <a:fillRef idx="0">
-                <a:schemeClr val="accent1"/>
-              </a:fillRef>
-              <a:effectRef idx="0">
-                <a:schemeClr val="accent1"/>
-              </a:effectRef>
-              <a:fontRef idx="minor">
+        <p:cxnSp>
+          <p:nvCxnSpPr>
+            <p:cNvPr id="46" name="Straight Arrow Connector 45"/>
+            <p:cNvCxnSpPr/>
+            <p:nvPr/>
+          </p:nvCxnSpPr>
+          <p:spPr>
+            <a:xfrm>
+              <a:off x="2767887" y="950057"/>
+              <a:ext cx="3351592" cy="0"/>
+            </a:xfrm>
+            <a:prstGeom prst="straightConnector1">
+              <a:avLst/>
+            </a:prstGeom>
+            <a:ln w="25400">
+              <a:solidFill>
                 <a:schemeClr val="tx1"/>
-              </a:fontRef>
-            </p:style>
-          </p:cxnSp>
-          <p:cxnSp>
-            <p:nvCxnSpPr>
-              <p:cNvPr id="47" name="Straight Arrow Connector 46"/>
-              <p:cNvCxnSpPr/>
-              <p:nvPr/>
-            </p:nvCxnSpPr>
-            <p:spPr>
-              <a:xfrm flipH="1" flipV="1">
-                <a:off x="2799975" y="1903505"/>
-                <a:ext cx="3361234" cy="2957"/>
-              </a:xfrm>
-              <a:prstGeom prst="straightConnector1">
-                <a:avLst/>
-              </a:prstGeom>
-              <a:ln w="25400">
-                <a:solidFill>
-                  <a:schemeClr val="tx1"/>
-                </a:solidFill>
-                <a:prstDash val="dash"/>
-                <a:tailEnd type="stealth" w="lg" len="lg"/>
-              </a:ln>
-            </p:spPr>
-            <p:style>
-              <a:lnRef idx="1">
-                <a:schemeClr val="accent1"/>
-              </a:lnRef>
-              <a:fillRef idx="0">
-                <a:schemeClr val="accent1"/>
-              </a:fillRef>
-              <a:effectRef idx="0">
-                <a:schemeClr val="accent1"/>
-              </a:effectRef>
-              <a:fontRef idx="minor">
+              </a:solidFill>
+              <a:tailEnd type="stealth" w="lg" len="lg"/>
+            </a:ln>
+          </p:spPr>
+          <p:style>
+            <a:lnRef idx="1">
+              <a:schemeClr val="accent1"/>
+            </a:lnRef>
+            <a:fillRef idx="0">
+              <a:schemeClr val="accent1"/>
+            </a:fillRef>
+            <a:effectRef idx="0">
+              <a:schemeClr val="accent1"/>
+            </a:effectRef>
+            <a:fontRef idx="minor">
+              <a:schemeClr val="tx1"/>
+            </a:fontRef>
+          </p:style>
+        </p:cxnSp>
+        <p:cxnSp>
+          <p:nvCxnSpPr>
+            <p:cNvPr id="47" name="Straight Arrow Connector 46"/>
+            <p:cNvCxnSpPr/>
+            <p:nvPr/>
+          </p:nvCxnSpPr>
+          <p:spPr>
+            <a:xfrm flipH="1" flipV="1">
+              <a:off x="2799975" y="1903505"/>
+              <a:ext cx="3361234" cy="2957"/>
+            </a:xfrm>
+            <a:prstGeom prst="straightConnector1">
+              <a:avLst/>
+            </a:prstGeom>
+            <a:ln w="25400">
+              <a:solidFill>
                 <a:schemeClr val="tx1"/>
-              </a:fontRef>
-            </p:style>
-          </p:cxnSp>
-          <p:sp>
-            <p:nvSpPr>
-              <p:cNvPr id="48" name="Rectangle 47"/>
-              <p:cNvSpPr/>
-              <p:nvPr/>
-            </p:nvSpPr>
-            <p:spPr>
-              <a:xfrm>
-                <a:off x="6119478" y="897200"/>
-                <a:ext cx="223450" cy="1048646"/>
-              </a:xfrm>
-              <a:prstGeom prst="rect">
-                <a:avLst/>
-              </a:prstGeom>
-              <a:solidFill>
-                <a:schemeClr val="bg1"/>
               </a:solidFill>
-              <a:ln>
-                <a:solidFill>
-                  <a:schemeClr val="tx1"/>
-                </a:solidFill>
-              </a:ln>
-            </p:spPr>
-            <p:style>
-              <a:lnRef idx="2">
-                <a:schemeClr val="accent1">
-                  <a:shade val="50000"/>
-                </a:schemeClr>
-              </a:lnRef>
-              <a:fillRef idx="1">
-                <a:schemeClr val="accent1"/>
-              </a:fillRef>
-              <a:effectRef idx="0">
-                <a:schemeClr val="accent1"/>
-              </a:effectRef>
-              <a:fontRef idx="minor">
-                <a:schemeClr val="lt1"/>
-              </a:fontRef>
-            </p:style>
-            <p:txBody>
-              <a:bodyPr rtlCol="1" anchor="ctr"/>
-              <a:lstStyle/>
-              <a:p>
-                <a:pPr algn="ctr"/>
-                <a:endParaRPr lang="he-IL"/>
-              </a:p>
-            </p:txBody>
-          </p:sp>
-        </p:grpSp>
+              <a:prstDash val="dash"/>
+              <a:tailEnd type="stealth" w="lg" len="lg"/>
+            </a:ln>
+          </p:spPr>
+          <p:style>
+            <a:lnRef idx="1">
+              <a:schemeClr val="accent1"/>
+            </a:lnRef>
+            <a:fillRef idx="0">
+              <a:schemeClr val="accent1"/>
+            </a:fillRef>
+            <a:effectRef idx="0">
+              <a:schemeClr val="accent1"/>
+            </a:effectRef>
+            <a:fontRef idx="minor">
+              <a:schemeClr val="tx1"/>
+            </a:fontRef>
+          </p:style>
+        </p:cxnSp>
         <p:sp>
           <p:nvSpPr>
-            <p:cNvPr id="45" name="TextBox 44"/>
-            <p:cNvSpPr txBox="1"/>
+            <p:cNvPr id="48" name="Rectangle 47"/>
+            <p:cNvSpPr/>
             <p:nvPr/>
           </p:nvSpPr>
           <p:spPr>
             <a:xfrm>
-              <a:off x="2669661" y="852672"/>
-              <a:ext cx="3669194" cy="98172"/>
+              <a:off x="6119478" y="897200"/>
+              <a:ext cx="223450" cy="1048646"/>
             </a:xfrm>
             <a:prstGeom prst="rect">
               <a:avLst/>
             </a:prstGeom>
-            <a:noFill/>
-          </p:spPr>
+            <a:solidFill>
+              <a:schemeClr val="bg1"/>
+            </a:solidFill>
+            <a:ln>
+              <a:solidFill>
+                <a:schemeClr val="tx1"/>
+              </a:solidFill>
+            </a:ln>
+          </p:spPr>
+          <p:style>
+            <a:lnRef idx="2">
+              <a:schemeClr val="accent1">
+                <a:shade val="50000"/>
+              </a:schemeClr>
+            </a:lnRef>
+            <a:fillRef idx="1">
+              <a:schemeClr val="accent1"/>
+            </a:fillRef>
+            <a:effectRef idx="0">
+              <a:schemeClr val="accent1"/>
+            </a:effectRef>
+            <a:fontRef idx="minor">
+              <a:schemeClr val="lt1"/>
+            </a:fontRef>
+          </p:style>
           <p:txBody>
-            <a:bodyPr wrap="square" rtlCol="1">
-              <a:spAutoFit/>
-            </a:bodyPr>
+            <a:bodyPr rtlCol="1" anchor="ctr"/>
             <a:lstStyle/>
             <a:p>
-              <a:pPr algn="l" rtl="0"/>
-              <a:r>
-                <a:rPr lang="en-US" sz="1400" dirty="0" err="1" smtClean="0"/>
-                <a:t>FindInterested</a:t>
-              </a:r>
-              <a:r>
-                <a:rPr lang="en-US" sz="1400" dirty="0" smtClean="0"/>
-                <a:t>(date, </a:t>
-              </a:r>
-              <a:r>
-                <a:rPr lang="en-US" sz="1400" dirty="0" err="1" smtClean="0"/>
-                <a:t>amountLimit</a:t>
-              </a:r>
-              <a:r>
-                <a:rPr lang="en-US" sz="1400" dirty="0" smtClean="0"/>
-                <a:t>)</a:t>
-              </a:r>
+              <a:pPr algn="ctr"/>
+              <a:endParaRPr lang="he-IL"/>
             </a:p>
           </p:txBody>
         </p:sp>
       </p:grpSp>
-      <p:sp>
-        <p:nvSpPr>
-          <p:cNvPr id="55" name="TextBox 54"/>
-          <p:cNvSpPr txBox="1"/>
-          <p:nvPr/>
-        </p:nvSpPr>
-        <p:spPr>
-          <a:xfrm>
-            <a:off x="7572661" y="4298648"/>
-            <a:ext cx="1742594" cy="307777"/>
-          </a:xfrm>
-          <a:prstGeom prst="rect">
-            <a:avLst/>
-          </a:prstGeom>
-          <a:noFill/>
-        </p:spPr>
-        <p:txBody>
-          <a:bodyPr wrap="square" rtlCol="1">
-            <a:spAutoFit/>
-          </a:bodyPr>
-          <a:lstStyle/>
-          <a:p>
-            <a:pPr algn="l" rtl="0"/>
-            <a:r>
-              <a:rPr lang="en-US" sz="1400" dirty="0" smtClean="0"/>
-              <a:t>Users</a:t>
-            </a:r>
-          </a:p>
-        </p:txBody>
-      </p:sp>
-      <p:cxnSp>
-        <p:nvCxnSpPr>
-          <p:cNvPr id="37" name="Elbow Connector 36"/>
-          <p:cNvCxnSpPr/>
-          <p:nvPr/>
-        </p:nvCxnSpPr>
-        <p:spPr>
-          <a:xfrm flipH="1" flipV="1">
-            <a:off x="6272911" y="3758734"/>
-            <a:ext cx="665493" cy="6830"/>
-          </a:xfrm>
-          <a:prstGeom prst="straightConnector1">
-            <a:avLst/>
-          </a:prstGeom>
-          <a:ln w="25400">
-            <a:solidFill>
-              <a:schemeClr val="tx1"/>
-            </a:solidFill>
-            <a:tailEnd type="triangle"/>
-          </a:ln>
-        </p:spPr>
-        <p:style>
-          <a:lnRef idx="1">
-            <a:schemeClr val="accent1"/>
-          </a:lnRef>
-          <a:fillRef idx="0">
-            <a:schemeClr val="accent1"/>
-          </a:fillRef>
-          <a:effectRef idx="0">
-            <a:schemeClr val="accent1"/>
-          </a:effectRef>
-          <a:fontRef idx="minor">
-            <a:schemeClr val="tx1"/>
-          </a:fontRef>
-        </p:style>
-      </p:cxnSp>
-      <p:cxnSp>
-        <p:nvCxnSpPr>
-          <p:cNvPr id="59" name="Straight Connector 58"/>
-          <p:cNvCxnSpPr/>
-          <p:nvPr/>
-        </p:nvCxnSpPr>
-        <p:spPr>
-          <a:xfrm flipH="1" flipV="1">
-            <a:off x="6938404" y="3266985"/>
-            <a:ext cx="1" cy="504978"/>
-          </a:xfrm>
-          <a:prstGeom prst="line">
-            <a:avLst/>
-          </a:prstGeom>
-          <a:ln w="25400">
-            <a:solidFill>
-              <a:schemeClr val="tx1"/>
-            </a:solidFill>
-            <a:tailEnd type="none" w="lg" len="lg"/>
-          </a:ln>
-        </p:spPr>
-        <p:style>
-          <a:lnRef idx="1">
-            <a:schemeClr val="accent1"/>
-          </a:lnRef>
-          <a:fillRef idx="0">
-            <a:schemeClr val="accent1"/>
-          </a:fillRef>
-          <a:effectRef idx="0">
-            <a:schemeClr val="accent1"/>
-          </a:effectRef>
-          <a:fontRef idx="minor">
-            <a:schemeClr val="tx1"/>
-          </a:fontRef>
-        </p:style>
-      </p:cxnSp>
-      <p:cxnSp>
-        <p:nvCxnSpPr>
-          <p:cNvPr id="60" name="Straight Connector 59"/>
-          <p:cNvCxnSpPr/>
-          <p:nvPr/>
-        </p:nvCxnSpPr>
-        <p:spPr>
-          <a:xfrm flipH="1">
-            <a:off x="6296093" y="3287651"/>
-            <a:ext cx="642311" cy="0"/>
-          </a:xfrm>
-          <a:prstGeom prst="line">
-            <a:avLst/>
-          </a:prstGeom>
-          <a:ln w="25400">
-            <a:solidFill>
-              <a:schemeClr val="tx1"/>
-            </a:solidFill>
-            <a:tailEnd type="none" w="lg" len="lg"/>
-          </a:ln>
-        </p:spPr>
-        <p:style>
-          <a:lnRef idx="1">
-            <a:schemeClr val="accent1"/>
-          </a:lnRef>
-          <a:fillRef idx="0">
-            <a:schemeClr val="accent1"/>
-          </a:fillRef>
-          <a:effectRef idx="0">
-            <a:schemeClr val="accent1"/>
-          </a:effectRef>
-          <a:fontRef idx="minor">
-            <a:schemeClr val="tx1"/>
-          </a:fontRef>
-        </p:style>
-      </p:cxnSp>
-      <p:sp>
-        <p:nvSpPr>
-          <p:cNvPr id="65" name="TextBox 64"/>
-          <p:cNvSpPr txBox="1"/>
-          <p:nvPr/>
-        </p:nvSpPr>
-        <p:spPr>
-          <a:xfrm>
-            <a:off x="6914912" y="3284571"/>
-            <a:ext cx="3058092" cy="307777"/>
-          </a:xfrm>
-          <a:prstGeom prst="rect">
-            <a:avLst/>
-          </a:prstGeom>
-          <a:noFill/>
-        </p:spPr>
-        <p:txBody>
-          <a:bodyPr wrap="square" rtlCol="1">
-            <a:spAutoFit/>
-          </a:bodyPr>
-          <a:lstStyle/>
-          <a:p>
-            <a:pPr algn="l" rtl="0"/>
-            <a:r>
-              <a:rPr lang="en-US" sz="1400" dirty="0" err="1" smtClean="0"/>
-              <a:t>removePostsByDate</a:t>
-            </a:r>
-            <a:r>
-              <a:rPr lang="en-US" sz="1400" dirty="0" smtClean="0"/>
-              <a:t>(</a:t>
-            </a:r>
-            <a:r>
-              <a:rPr lang="en-US" sz="1400" dirty="0" err="1" smtClean="0"/>
-              <a:t>posts,date</a:t>
-            </a:r>
-            <a:r>
-              <a:rPr lang="en-US" sz="1400" dirty="0" smtClean="0"/>
-              <a:t>)</a:t>
-            </a:r>
-          </a:p>
-        </p:txBody>
-      </p:sp>
-      <p:grpSp>
-        <p:nvGrpSpPr>
-          <p:cNvPr id="66" name="Group 65"/>
-          <p:cNvGrpSpPr/>
-          <p:nvPr/>
-        </p:nvGrpSpPr>
-        <p:grpSpPr>
-          <a:xfrm>
-            <a:off x="6252102" y="4502280"/>
-            <a:ext cx="3390191" cy="797629"/>
-            <a:chOff x="2698861" y="533653"/>
-            <a:chExt cx="3644067" cy="2783835"/>
-          </a:xfrm>
-        </p:grpSpPr>
-        <p:grpSp>
-          <p:nvGrpSpPr>
-            <p:cNvPr id="67" name="Group 66"/>
-            <p:cNvGrpSpPr/>
-            <p:nvPr/>
-          </p:nvGrpSpPr>
-          <p:grpSpPr>
-            <a:xfrm>
-              <a:off x="2698861" y="1273215"/>
-              <a:ext cx="3644067" cy="2044273"/>
-              <a:chOff x="2698861" y="1273215"/>
-              <a:chExt cx="3644067" cy="2044273"/>
-            </a:xfrm>
-          </p:grpSpPr>
-          <p:cxnSp>
-            <p:nvCxnSpPr>
-              <p:cNvPr id="69" name="Straight Arrow Connector 68"/>
-              <p:cNvCxnSpPr/>
-              <p:nvPr/>
-            </p:nvCxnSpPr>
-            <p:spPr>
-              <a:xfrm flipV="1">
-                <a:off x="2743200" y="1481559"/>
-                <a:ext cx="3298785" cy="23150"/>
-              </a:xfrm>
-              <a:prstGeom prst="straightConnector1">
-                <a:avLst/>
-              </a:prstGeom>
-              <a:ln w="25400">
-                <a:solidFill>
-                  <a:schemeClr val="tx1"/>
-                </a:solidFill>
-                <a:tailEnd type="stealth" w="lg" len="lg"/>
-              </a:ln>
-            </p:spPr>
-            <p:style>
-              <a:lnRef idx="1">
-                <a:schemeClr val="accent1"/>
-              </a:lnRef>
-              <a:fillRef idx="0">
-                <a:schemeClr val="accent1"/>
-              </a:fillRef>
-              <a:effectRef idx="0">
-                <a:schemeClr val="accent1"/>
-              </a:effectRef>
-              <a:fontRef idx="minor">
-                <a:schemeClr val="tx1"/>
-              </a:fontRef>
-            </p:style>
-          </p:cxnSp>
-          <p:cxnSp>
-            <p:nvCxnSpPr>
-              <p:cNvPr id="70" name="Straight Arrow Connector 69"/>
-              <p:cNvCxnSpPr/>
-              <p:nvPr/>
-            </p:nvCxnSpPr>
-            <p:spPr>
-              <a:xfrm flipH="1">
-                <a:off x="2698861" y="2083444"/>
-                <a:ext cx="3343124" cy="1234044"/>
-              </a:xfrm>
-              <a:prstGeom prst="straightConnector1">
-                <a:avLst/>
-              </a:prstGeom>
-              <a:ln w="25400">
-                <a:solidFill>
-                  <a:schemeClr val="tx1"/>
-                </a:solidFill>
-                <a:prstDash val="dash"/>
-                <a:tailEnd type="stealth" w="lg" len="lg"/>
-              </a:ln>
-            </p:spPr>
-            <p:style>
-              <a:lnRef idx="1">
-                <a:schemeClr val="accent1"/>
-              </a:lnRef>
-              <a:fillRef idx="0">
-                <a:schemeClr val="accent1"/>
-              </a:fillRef>
-              <a:effectRef idx="0">
-                <a:schemeClr val="accent1"/>
-              </a:effectRef>
-              <a:fontRef idx="minor">
-                <a:schemeClr val="tx1"/>
-              </a:fontRef>
-            </p:style>
-          </p:cxnSp>
-          <p:sp>
-            <p:nvSpPr>
-              <p:cNvPr id="71" name="Rectangle 70"/>
-              <p:cNvSpPr/>
-              <p:nvPr/>
-            </p:nvSpPr>
-            <p:spPr>
-              <a:xfrm>
-                <a:off x="6041985" y="1273215"/>
-                <a:ext cx="300943" cy="983848"/>
-              </a:xfrm>
-              <a:prstGeom prst="rect">
-                <a:avLst/>
-              </a:prstGeom>
-              <a:solidFill>
-                <a:schemeClr val="bg1"/>
-              </a:solidFill>
-              <a:ln>
-                <a:solidFill>
-                  <a:schemeClr val="tx1"/>
-                </a:solidFill>
-              </a:ln>
-            </p:spPr>
-            <p:style>
-              <a:lnRef idx="2">
-                <a:schemeClr val="accent1">
-                  <a:shade val="50000"/>
-                </a:schemeClr>
-              </a:lnRef>
-              <a:fillRef idx="1">
-                <a:schemeClr val="accent1"/>
-              </a:fillRef>
-              <a:effectRef idx="0">
-                <a:schemeClr val="accent1"/>
-              </a:effectRef>
-              <a:fontRef idx="minor">
-                <a:schemeClr val="lt1"/>
-              </a:fontRef>
-            </p:style>
-            <p:txBody>
-              <a:bodyPr rtlCol="1" anchor="ctr"/>
-              <a:lstStyle/>
-              <a:p>
-                <a:pPr algn="ctr"/>
-                <a:endParaRPr lang="he-IL"/>
-              </a:p>
-            </p:txBody>
-          </p:sp>
-        </p:grpSp>
-        <p:sp>
-          <p:nvSpPr>
-            <p:cNvPr id="68" name="TextBox 67"/>
-            <p:cNvSpPr txBox="1"/>
-            <p:nvPr/>
-          </p:nvSpPr>
-          <p:spPr>
-            <a:xfrm>
-              <a:off x="2908730" y="533653"/>
-              <a:ext cx="3263822" cy="1074184"/>
-            </a:xfrm>
-            <a:prstGeom prst="rect">
-              <a:avLst/>
-            </a:prstGeom>
-            <a:noFill/>
-          </p:spPr>
-          <p:txBody>
-            <a:bodyPr wrap="square" rtlCol="1">
-              <a:spAutoFit/>
-            </a:bodyPr>
-            <a:lstStyle/>
-            <a:p>
-              <a:pPr algn="l" rtl="0"/>
-              <a:r>
-                <a:rPr lang="en-US" sz="1400" dirty="0" err="1" smtClean="0"/>
-                <a:t>GetAllUsersWhoLiked</a:t>
-              </a:r>
-              <a:r>
-                <a:rPr lang="en-US" sz="1400" dirty="0" smtClean="0"/>
-                <a:t> (posts)</a:t>
-              </a:r>
-            </a:p>
-          </p:txBody>
-        </p:sp>
-      </p:grpSp>
-      <p:sp>
-        <p:nvSpPr>
-          <p:cNvPr id="72" name="TextBox 71"/>
-          <p:cNvSpPr txBox="1"/>
-          <p:nvPr/>
-        </p:nvSpPr>
-        <p:spPr>
-          <a:xfrm>
-            <a:off x="7600358" y="5162860"/>
-            <a:ext cx="1742594" cy="307777"/>
-          </a:xfrm>
-          <a:prstGeom prst="rect">
-            <a:avLst/>
-          </a:prstGeom>
-          <a:noFill/>
-        </p:spPr>
-        <p:txBody>
-          <a:bodyPr wrap="square" rtlCol="1">
-            <a:spAutoFit/>
-          </a:bodyPr>
-          <a:lstStyle/>
-          <a:p>
-            <a:pPr algn="l" rtl="0"/>
-            <a:r>
-              <a:rPr lang="en-US" sz="1400" dirty="0" smtClean="0"/>
-              <a:t>Users</a:t>
-            </a:r>
-          </a:p>
-        </p:txBody>
-      </p:sp>
-      <p:sp>
-        <p:nvSpPr>
-          <p:cNvPr id="73" name="TextBox 72"/>
-          <p:cNvSpPr txBox="1"/>
-          <p:nvPr/>
-        </p:nvSpPr>
-        <p:spPr>
-          <a:xfrm>
-            <a:off x="5034364" y="5433433"/>
-            <a:ext cx="1742594" cy="307777"/>
-          </a:xfrm>
-          <a:prstGeom prst="rect">
-            <a:avLst/>
-          </a:prstGeom>
-          <a:noFill/>
-        </p:spPr>
-        <p:txBody>
-          <a:bodyPr wrap="square" rtlCol="1">
-            <a:spAutoFit/>
-          </a:bodyPr>
-          <a:lstStyle/>
-          <a:p>
-            <a:pPr algn="l" rtl="0"/>
-            <a:r>
-              <a:rPr lang="en-US" sz="1400" dirty="0" smtClean="0"/>
-              <a:t>(</a:t>
-            </a:r>
-            <a:r>
-              <a:rPr lang="en-US" sz="1400" dirty="0" err="1" smtClean="0"/>
-              <a:t>UserNames</a:t>
-            </a:r>
-            <a:r>
-              <a:rPr lang="en-US" sz="1400" dirty="0" smtClean="0"/>
-              <a:t>)</a:t>
-            </a:r>
-          </a:p>
-        </p:txBody>
-      </p:sp>
       <p:cxnSp>
         <p:nvCxnSpPr>
           <p:cNvPr id="74" name="Elbow Connector 36"/>
@@ -5070,7 +4057,7 @@
         </p:nvCxnSpPr>
         <p:spPr>
           <a:xfrm flipH="1" flipV="1">
-            <a:off x="3704300" y="6267864"/>
+            <a:off x="830091" y="6232307"/>
             <a:ext cx="665493" cy="6830"/>
           </a:xfrm>
           <a:prstGeom prst="straightConnector1">
@@ -5106,7 +4093,7 @@
         </p:nvCxnSpPr>
         <p:spPr>
           <a:xfrm flipH="1" flipV="1">
-            <a:off x="4369793" y="5776115"/>
+            <a:off x="1495584" y="5740558"/>
             <a:ext cx="1" cy="504978"/>
           </a:xfrm>
           <a:prstGeom prst="line">
@@ -5142,7 +4129,7 @@
         </p:nvCxnSpPr>
         <p:spPr>
           <a:xfrm flipH="1">
-            <a:off x="3727482" y="5796781"/>
+            <a:off x="853273" y="5761224"/>
             <a:ext cx="642311" cy="0"/>
           </a:xfrm>
           <a:prstGeom prst="line">
@@ -5172,14 +4159,14 @@
       </p:cxnSp>
       <p:sp>
         <p:nvSpPr>
-          <p:cNvPr id="77" name="TextBox 76"/>
+          <p:cNvPr id="61" name="TextBox 60"/>
           <p:cNvSpPr txBox="1"/>
           <p:nvPr/>
         </p:nvSpPr>
         <p:spPr>
           <a:xfrm>
-            <a:off x="4346301" y="5793701"/>
-            <a:ext cx="3058092" cy="307777"/>
+            <a:off x="2485815" y="5273941"/>
+            <a:ext cx="1742594" cy="307777"/>
           </a:xfrm>
           <a:prstGeom prst="rect">
             <a:avLst/>
@@ -5194,13 +4181,309 @@
           <a:p>
             <a:pPr algn="l" rtl="0"/>
             <a:r>
+              <a:rPr lang="en-US" sz="1400" dirty="0" smtClean="0"/>
+              <a:t>(was posted)</a:t>
+            </a:r>
+            <a:endParaRPr lang="en-US" sz="1400" dirty="0" smtClean="0"/>
+          </a:p>
+        </p:txBody>
+      </p:sp>
+      <p:grpSp>
+        <p:nvGrpSpPr>
+          <p:cNvPr id="63" name="Group 62"/>
+          <p:cNvGrpSpPr/>
+          <p:nvPr/>
+        </p:nvGrpSpPr>
+        <p:grpSpPr>
+          <a:xfrm>
+            <a:off x="3632448" y="3957573"/>
+            <a:ext cx="2619869" cy="1261303"/>
+            <a:chOff x="2767887" y="897200"/>
+            <a:chExt cx="3575041" cy="1048646"/>
+          </a:xfrm>
+        </p:grpSpPr>
+        <p:cxnSp>
+          <p:nvCxnSpPr>
+            <p:cNvPr id="64" name="Straight Arrow Connector 63"/>
+            <p:cNvCxnSpPr/>
+            <p:nvPr/>
+          </p:nvCxnSpPr>
+          <p:spPr>
+            <a:xfrm>
+              <a:off x="2767887" y="950057"/>
+              <a:ext cx="3351592" cy="0"/>
+            </a:xfrm>
+            <a:prstGeom prst="straightConnector1">
+              <a:avLst/>
+            </a:prstGeom>
+            <a:ln w="25400">
+              <a:solidFill>
+                <a:schemeClr val="tx1"/>
+              </a:solidFill>
+              <a:tailEnd type="stealth" w="lg" len="lg"/>
+            </a:ln>
+          </p:spPr>
+          <p:style>
+            <a:lnRef idx="1">
+              <a:schemeClr val="accent1"/>
+            </a:lnRef>
+            <a:fillRef idx="0">
+              <a:schemeClr val="accent1"/>
+            </a:fillRef>
+            <a:effectRef idx="0">
+              <a:schemeClr val="accent1"/>
+            </a:effectRef>
+            <a:fontRef idx="minor">
+              <a:schemeClr val="tx1"/>
+            </a:fontRef>
+          </p:style>
+        </p:cxnSp>
+        <p:cxnSp>
+          <p:nvCxnSpPr>
+            <p:cNvPr id="78" name="Straight Arrow Connector 77"/>
+            <p:cNvCxnSpPr/>
+            <p:nvPr/>
+          </p:nvCxnSpPr>
+          <p:spPr>
+            <a:xfrm flipH="1" flipV="1">
+              <a:off x="2799975" y="1903505"/>
+              <a:ext cx="3361234" cy="2957"/>
+            </a:xfrm>
+            <a:prstGeom prst="straightConnector1">
+              <a:avLst/>
+            </a:prstGeom>
+            <a:ln w="25400">
+              <a:solidFill>
+                <a:schemeClr val="tx1"/>
+              </a:solidFill>
+              <a:prstDash val="dash"/>
+              <a:tailEnd type="stealth" w="lg" len="lg"/>
+            </a:ln>
+          </p:spPr>
+          <p:style>
+            <a:lnRef idx="1">
+              <a:schemeClr val="accent1"/>
+            </a:lnRef>
+            <a:fillRef idx="0">
+              <a:schemeClr val="accent1"/>
+            </a:fillRef>
+            <a:effectRef idx="0">
+              <a:schemeClr val="accent1"/>
+            </a:effectRef>
+            <a:fontRef idx="minor">
+              <a:schemeClr val="tx1"/>
+            </a:fontRef>
+          </p:style>
+        </p:cxnSp>
+        <p:sp>
+          <p:nvSpPr>
+            <p:cNvPr id="79" name="Rectangle 78"/>
+            <p:cNvSpPr/>
+            <p:nvPr/>
+          </p:nvSpPr>
+          <p:spPr>
+            <a:xfrm>
+              <a:off x="6119478" y="897200"/>
+              <a:ext cx="223450" cy="1048646"/>
+            </a:xfrm>
+            <a:prstGeom prst="rect">
+              <a:avLst/>
+            </a:prstGeom>
+            <a:solidFill>
+              <a:schemeClr val="bg1"/>
+            </a:solidFill>
+            <a:ln>
+              <a:solidFill>
+                <a:schemeClr val="tx1"/>
+              </a:solidFill>
+            </a:ln>
+          </p:spPr>
+          <p:style>
+            <a:lnRef idx="2">
+              <a:schemeClr val="accent1">
+                <a:shade val="50000"/>
+              </a:schemeClr>
+            </a:lnRef>
+            <a:fillRef idx="1">
+              <a:schemeClr val="accent1"/>
+            </a:fillRef>
+            <a:effectRef idx="0">
+              <a:schemeClr val="accent1"/>
+            </a:effectRef>
+            <a:fontRef idx="minor">
+              <a:schemeClr val="lt1"/>
+            </a:fontRef>
+          </p:style>
+          <p:txBody>
+            <a:bodyPr rtlCol="1" anchor="ctr"/>
+            <a:lstStyle/>
+            <a:p>
+              <a:pPr algn="ctr"/>
+              <a:endParaRPr lang="he-IL"/>
+            </a:p>
+          </p:txBody>
+        </p:sp>
+      </p:grpSp>
+      <p:sp>
+        <p:nvSpPr>
+          <p:cNvPr id="80" name="TextBox 79"/>
+          <p:cNvSpPr txBox="1"/>
+          <p:nvPr/>
+        </p:nvSpPr>
+        <p:spPr>
+          <a:xfrm>
+            <a:off x="5614490" y="3503731"/>
+            <a:ext cx="1742594" cy="307777"/>
+          </a:xfrm>
+          <a:prstGeom prst="rect">
+            <a:avLst/>
+          </a:prstGeom>
+          <a:noFill/>
+        </p:spPr>
+        <p:txBody>
+          <a:bodyPr wrap="square" rtlCol="1">
+            <a:spAutoFit/>
+          </a:bodyPr>
+          <a:lstStyle/>
+          <a:p>
+            <a:pPr algn="l" rtl="0"/>
+            <a:r>
+              <a:rPr lang="en-US" sz="1400" dirty="0" smtClean="0"/>
+              <a:t>(void)</a:t>
+            </a:r>
+            <a:endParaRPr lang="en-US" sz="1400" dirty="0" smtClean="0"/>
+          </a:p>
+        </p:txBody>
+      </p:sp>
+      <p:sp>
+        <p:nvSpPr>
+          <p:cNvPr id="81" name="TextBox 80"/>
+          <p:cNvSpPr txBox="1"/>
+          <p:nvPr/>
+        </p:nvSpPr>
+        <p:spPr>
+          <a:xfrm>
+            <a:off x="3673842" y="3728731"/>
+            <a:ext cx="2840724" cy="307779"/>
+          </a:xfrm>
+          <a:prstGeom prst="rect">
+            <a:avLst/>
+          </a:prstGeom>
+          <a:noFill/>
+        </p:spPr>
+        <p:txBody>
+          <a:bodyPr wrap="square" rtlCol="1">
+            <a:spAutoFit/>
+          </a:bodyPr>
+          <a:lstStyle/>
+          <a:p>
+            <a:pPr algn="l" rtl="0"/>
+            <a:r>
               <a:rPr lang="en-US" sz="1400" dirty="0" err="1" smtClean="0"/>
-              <a:t>displayNames</a:t>
+              <a:t>ReFetch</a:t>
             </a:r>
             <a:r>
               <a:rPr lang="en-US" sz="1400" dirty="0" smtClean="0"/>
               <a:t>()</a:t>
             </a:r>
+            <a:endParaRPr lang="en-US" sz="1400" dirty="0" smtClean="0"/>
+          </a:p>
+        </p:txBody>
+      </p:sp>
+      <p:sp>
+        <p:nvSpPr>
+          <p:cNvPr id="82" name="TextBox 81"/>
+          <p:cNvSpPr txBox="1"/>
+          <p:nvPr/>
+        </p:nvSpPr>
+        <p:spPr>
+          <a:xfrm>
+            <a:off x="5609922" y="5128563"/>
+            <a:ext cx="1742594" cy="307777"/>
+          </a:xfrm>
+          <a:prstGeom prst="rect">
+            <a:avLst/>
+          </a:prstGeom>
+          <a:noFill/>
+        </p:spPr>
+        <p:txBody>
+          <a:bodyPr wrap="square" rtlCol="1">
+            <a:spAutoFit/>
+          </a:bodyPr>
+          <a:lstStyle/>
+          <a:p>
+            <a:pPr algn="l" rtl="0"/>
+            <a:r>
+              <a:rPr lang="en-US" sz="1400" dirty="0" smtClean="0"/>
+              <a:t>(void)</a:t>
+            </a:r>
+            <a:endParaRPr lang="en-US" sz="1400" dirty="0" smtClean="0"/>
+          </a:p>
+        </p:txBody>
+      </p:sp>
+      <p:sp>
+        <p:nvSpPr>
+          <p:cNvPr id="83" name="TextBox 82"/>
+          <p:cNvSpPr txBox="1"/>
+          <p:nvPr/>
+        </p:nvSpPr>
+        <p:spPr>
+          <a:xfrm>
+            <a:off x="2046832" y="1679639"/>
+            <a:ext cx="2840724" cy="234094"/>
+          </a:xfrm>
+          <a:prstGeom prst="rect">
+            <a:avLst/>
+          </a:prstGeom>
+          <a:noFill/>
+        </p:spPr>
+        <p:txBody>
+          <a:bodyPr wrap="square" rtlCol="1">
+            <a:spAutoFit/>
+          </a:bodyPr>
+          <a:lstStyle/>
+          <a:p>
+            <a:pPr algn="l" rtl="0"/>
+            <a:r>
+              <a:rPr lang="en-US" sz="1400" dirty="0" err="1" smtClean="0"/>
+              <a:t>PostStatus</a:t>
+            </a:r>
+            <a:r>
+              <a:rPr lang="en-US" sz="1400" dirty="0" smtClean="0"/>
+              <a:t>(status)</a:t>
+            </a:r>
+            <a:endParaRPr lang="en-US" sz="1400" dirty="0" smtClean="0"/>
+          </a:p>
+        </p:txBody>
+      </p:sp>
+      <p:sp>
+        <p:nvSpPr>
+          <p:cNvPr id="84" name="TextBox 83"/>
+          <p:cNvSpPr txBox="1"/>
+          <p:nvPr/>
+        </p:nvSpPr>
+        <p:spPr>
+          <a:xfrm>
+            <a:off x="1432343" y="5684153"/>
+            <a:ext cx="1742594" cy="307777"/>
+          </a:xfrm>
+          <a:prstGeom prst="rect">
+            <a:avLst/>
+          </a:prstGeom>
+          <a:noFill/>
+        </p:spPr>
+        <p:txBody>
+          <a:bodyPr wrap="square" rtlCol="1">
+            <a:spAutoFit/>
+          </a:bodyPr>
+          <a:lstStyle/>
+          <a:p>
+            <a:pPr algn="l" rtl="0"/>
+            <a:r>
+              <a:rPr lang="en-US" sz="1400" dirty="0" err="1" smtClean="0"/>
+              <a:t>DisplayNewPosts</a:t>
+            </a:r>
+            <a:endParaRPr lang="en-US" sz="1400" dirty="0" smtClean="0"/>
           </a:p>
         </p:txBody>
       </p:sp>
@@ -8293,6 +7576,3406 @@
           <a:chExt cx="0" cy="0"/>
         </a:xfrm>
       </p:grpSpPr>
+      <p:cxnSp>
+        <p:nvCxnSpPr>
+          <p:cNvPr id="150" name="Straight Arrow Connector 149"/>
+          <p:cNvCxnSpPr>
+            <a:endCxn id="3" idx="1"/>
+          </p:cNvCxnSpPr>
+          <p:nvPr/>
+        </p:nvCxnSpPr>
+        <p:spPr>
+          <a:xfrm flipV="1">
+            <a:off x="2531315" y="1261168"/>
+            <a:ext cx="5050263" cy="3997973"/>
+          </a:xfrm>
+          <a:prstGeom prst="straightConnector1">
+            <a:avLst/>
+          </a:prstGeom>
+          <a:ln w="25400">
+            <a:solidFill>
+              <a:schemeClr val="tx1"/>
+            </a:solidFill>
+            <a:tailEnd type="arrow"/>
+          </a:ln>
+        </p:spPr>
+        <p:style>
+          <a:lnRef idx="1">
+            <a:schemeClr val="accent1"/>
+          </a:lnRef>
+          <a:fillRef idx="0">
+            <a:schemeClr val="accent1"/>
+          </a:fillRef>
+          <a:effectRef idx="0">
+            <a:schemeClr val="accent1"/>
+          </a:effectRef>
+          <a:fontRef idx="minor">
+            <a:schemeClr val="tx1"/>
+          </a:fontRef>
+        </p:style>
+      </p:cxnSp>
+      <p:grpSp>
+        <p:nvGrpSpPr>
+          <p:cNvPr id="2" name="Group 1"/>
+          <p:cNvGrpSpPr/>
+          <p:nvPr/>
+        </p:nvGrpSpPr>
+        <p:grpSpPr>
+          <a:xfrm>
+            <a:off x="7581577" y="215021"/>
+            <a:ext cx="2260463" cy="2083236"/>
+            <a:chOff x="6306542" y="1057997"/>
+            <a:chExt cx="2860329" cy="2083236"/>
+          </a:xfrm>
+        </p:grpSpPr>
+        <p:sp>
+          <p:nvSpPr>
+            <p:cNvPr id="3" name="Rectangle 2"/>
+            <p:cNvSpPr/>
+            <p:nvPr/>
+          </p:nvSpPr>
+          <p:spPr>
+            <a:xfrm>
+              <a:off x="6306543" y="1067055"/>
+              <a:ext cx="2860328" cy="2074178"/>
+            </a:xfrm>
+            <a:prstGeom prst="rect">
+              <a:avLst/>
+            </a:prstGeom>
+            <a:solidFill>
+              <a:schemeClr val="bg1"/>
+            </a:solidFill>
+            <a:ln>
+              <a:solidFill>
+                <a:schemeClr val="tx1"/>
+              </a:solidFill>
+            </a:ln>
+          </p:spPr>
+          <p:style>
+            <a:lnRef idx="2">
+              <a:schemeClr val="accent1">
+                <a:shade val="50000"/>
+              </a:schemeClr>
+            </a:lnRef>
+            <a:fillRef idx="1">
+              <a:schemeClr val="accent1"/>
+            </a:fillRef>
+            <a:effectRef idx="0">
+              <a:schemeClr val="accent1"/>
+            </a:effectRef>
+            <a:fontRef idx="minor">
+              <a:schemeClr val="lt1"/>
+            </a:fontRef>
+          </p:style>
+          <p:txBody>
+            <a:bodyPr rtlCol="1" anchor="ctr"/>
+            <a:lstStyle/>
+            <a:p>
+              <a:pPr algn="ctr"/>
+              <a:endParaRPr lang="he-IL" sz="1400"/>
+            </a:p>
+          </p:txBody>
+        </p:sp>
+        <p:sp>
+          <p:nvSpPr>
+            <p:cNvPr id="4" name="TextBox 3"/>
+            <p:cNvSpPr txBox="1"/>
+            <p:nvPr/>
+          </p:nvSpPr>
+          <p:spPr>
+            <a:xfrm>
+              <a:off x="6306543" y="1452155"/>
+              <a:ext cx="2860328" cy="738664"/>
+            </a:xfrm>
+            <a:prstGeom prst="rect">
+              <a:avLst/>
+            </a:prstGeom>
+            <a:noFill/>
+          </p:spPr>
+          <p:txBody>
+            <a:bodyPr wrap="square" rtlCol="1">
+              <a:spAutoFit/>
+            </a:bodyPr>
+            <a:lstStyle/>
+            <a:p>
+              <a:pPr algn="l" rtl="0"/>
+              <a:r>
+                <a:rPr lang="en-US" sz="1400" dirty="0" smtClean="0"/>
+                <a:t>User</a:t>
+              </a:r>
+              <a:br>
+                <a:rPr lang="en-US" sz="1400" dirty="0" smtClean="0"/>
+              </a:br>
+              <a:r>
+                <a:rPr lang="en-US" sz="1400" dirty="0" err="1" smtClean="0"/>
+                <a:t>CurrentTab</a:t>
+              </a:r>
+              <a:r>
+                <a:rPr lang="en-US" sz="1400" dirty="0" smtClean="0"/>
+                <a:t/>
+              </a:r>
+              <a:br>
+                <a:rPr lang="en-US" sz="1400" dirty="0" smtClean="0"/>
+              </a:br>
+              <a:r>
+                <a:rPr lang="en-US" sz="1400" dirty="0" err="1" smtClean="0"/>
+                <a:t>CurrentPost</a:t>
+              </a:r>
+              <a:endParaRPr lang="he-IL" sz="1400" dirty="0"/>
+            </a:p>
+          </p:txBody>
+        </p:sp>
+        <p:cxnSp>
+          <p:nvCxnSpPr>
+            <p:cNvPr id="5" name="Straight Connector 4"/>
+            <p:cNvCxnSpPr/>
+            <p:nvPr/>
+          </p:nvCxnSpPr>
+          <p:spPr>
+            <a:xfrm>
+              <a:off x="6306543" y="1437106"/>
+              <a:ext cx="2860328" cy="0"/>
+            </a:xfrm>
+            <a:prstGeom prst="line">
+              <a:avLst/>
+            </a:prstGeom>
+            <a:ln w="25400">
+              <a:solidFill>
+                <a:schemeClr val="tx1"/>
+              </a:solidFill>
+              <a:tailEnd type="none" w="lg" len="lg"/>
+            </a:ln>
+          </p:spPr>
+          <p:style>
+            <a:lnRef idx="1">
+              <a:schemeClr val="accent1"/>
+            </a:lnRef>
+            <a:fillRef idx="0">
+              <a:schemeClr val="accent1"/>
+            </a:fillRef>
+            <a:effectRef idx="0">
+              <a:schemeClr val="accent1"/>
+            </a:effectRef>
+            <a:fontRef idx="minor">
+              <a:schemeClr val="tx1"/>
+            </a:fontRef>
+          </p:style>
+        </p:cxnSp>
+        <p:cxnSp>
+          <p:nvCxnSpPr>
+            <p:cNvPr id="6" name="Straight Connector 5"/>
+            <p:cNvCxnSpPr/>
+            <p:nvPr/>
+          </p:nvCxnSpPr>
+          <p:spPr>
+            <a:xfrm>
+              <a:off x="6306543" y="2190819"/>
+              <a:ext cx="2860328" cy="0"/>
+            </a:xfrm>
+            <a:prstGeom prst="line">
+              <a:avLst/>
+            </a:prstGeom>
+            <a:ln w="25400">
+              <a:solidFill>
+                <a:schemeClr val="tx1"/>
+              </a:solidFill>
+              <a:tailEnd type="none" w="lg" len="lg"/>
+            </a:ln>
+          </p:spPr>
+          <p:style>
+            <a:lnRef idx="1">
+              <a:schemeClr val="accent1"/>
+            </a:lnRef>
+            <a:fillRef idx="0">
+              <a:schemeClr val="accent1"/>
+            </a:fillRef>
+            <a:effectRef idx="0">
+              <a:schemeClr val="accent1"/>
+            </a:effectRef>
+            <a:fontRef idx="minor">
+              <a:schemeClr val="tx1"/>
+            </a:fontRef>
+          </p:style>
+        </p:cxnSp>
+        <p:sp>
+          <p:nvSpPr>
+            <p:cNvPr id="7" name="TextBox 6"/>
+            <p:cNvSpPr txBox="1"/>
+            <p:nvPr/>
+          </p:nvSpPr>
+          <p:spPr>
+            <a:xfrm>
+              <a:off x="6306542" y="1057997"/>
+              <a:ext cx="2860328" cy="307777"/>
+            </a:xfrm>
+            <a:prstGeom prst="rect">
+              <a:avLst/>
+            </a:prstGeom>
+            <a:noFill/>
+          </p:spPr>
+          <p:txBody>
+            <a:bodyPr wrap="square" rtlCol="1">
+              <a:spAutoFit/>
+            </a:bodyPr>
+            <a:lstStyle/>
+            <a:p>
+              <a:pPr algn="l" rtl="0"/>
+              <a:r>
+                <a:rPr lang="en-US" sz="1400" dirty="0" err="1" smtClean="0"/>
+                <a:t>UserWrapper</a:t>
+              </a:r>
+              <a:r>
+                <a:rPr lang="en-US" sz="1400" dirty="0" smtClean="0"/>
+                <a:t> (Singleton)</a:t>
+              </a:r>
+              <a:endParaRPr lang="he-IL" sz="1400" dirty="0"/>
+            </a:p>
+          </p:txBody>
+        </p:sp>
+        <p:sp>
+          <p:nvSpPr>
+            <p:cNvPr id="8" name="TextBox 7"/>
+            <p:cNvSpPr txBox="1"/>
+            <p:nvPr/>
+          </p:nvSpPr>
+          <p:spPr>
+            <a:xfrm>
+              <a:off x="6306543" y="2183155"/>
+              <a:ext cx="2860328" cy="954107"/>
+            </a:xfrm>
+            <a:prstGeom prst="rect">
+              <a:avLst/>
+            </a:prstGeom>
+            <a:noFill/>
+          </p:spPr>
+          <p:txBody>
+            <a:bodyPr wrap="square" rtlCol="1">
+              <a:spAutoFit/>
+            </a:bodyPr>
+            <a:lstStyle/>
+            <a:p>
+              <a:pPr algn="l" rtl="0"/>
+              <a:r>
+                <a:rPr lang="en-US" sz="1400" dirty="0" smtClean="0"/>
+                <a:t>Change Tab</a:t>
+              </a:r>
+              <a:br>
+                <a:rPr lang="en-US" sz="1400" dirty="0" smtClean="0"/>
+              </a:br>
+              <a:r>
+                <a:rPr lang="en-US" sz="1400" dirty="0" smtClean="0"/>
+                <a:t>Choose Post</a:t>
+              </a:r>
+              <a:br>
+                <a:rPr lang="en-US" sz="1400" dirty="0" smtClean="0"/>
+              </a:br>
+              <a:r>
+                <a:rPr lang="en-US" sz="1400" dirty="0" smtClean="0"/>
+                <a:t>Like Post</a:t>
+              </a:r>
+              <a:br>
+                <a:rPr lang="en-US" sz="1400" dirty="0" smtClean="0"/>
+              </a:br>
+              <a:r>
+                <a:rPr lang="en-US" sz="1400" dirty="0" smtClean="0"/>
+                <a:t>Comment on Post</a:t>
+              </a:r>
+              <a:endParaRPr lang="he-IL" sz="1400" dirty="0"/>
+            </a:p>
+          </p:txBody>
+        </p:sp>
+      </p:grpSp>
+      <p:grpSp>
+        <p:nvGrpSpPr>
+          <p:cNvPr id="9" name="Group 8"/>
+          <p:cNvGrpSpPr/>
+          <p:nvPr/>
+        </p:nvGrpSpPr>
+        <p:grpSpPr>
+          <a:xfrm>
+            <a:off x="10886738" y="302791"/>
+            <a:ext cx="1131089" cy="2139666"/>
+            <a:chOff x="5680038" y="1551149"/>
+            <a:chExt cx="1916398" cy="1750470"/>
+          </a:xfrm>
+        </p:grpSpPr>
+        <p:sp>
+          <p:nvSpPr>
+            <p:cNvPr id="10" name="Rectangle 9"/>
+            <p:cNvSpPr/>
+            <p:nvPr/>
+          </p:nvSpPr>
+          <p:spPr>
+            <a:xfrm>
+              <a:off x="5693357" y="1551149"/>
+              <a:ext cx="1889760" cy="1560694"/>
+            </a:xfrm>
+            <a:prstGeom prst="rect">
+              <a:avLst/>
+            </a:prstGeom>
+            <a:solidFill>
+              <a:schemeClr val="bg1"/>
+            </a:solidFill>
+            <a:ln>
+              <a:solidFill>
+                <a:schemeClr val="tx1"/>
+              </a:solidFill>
+            </a:ln>
+          </p:spPr>
+          <p:style>
+            <a:lnRef idx="2">
+              <a:schemeClr val="accent1">
+                <a:shade val="50000"/>
+              </a:schemeClr>
+            </a:lnRef>
+            <a:fillRef idx="1">
+              <a:schemeClr val="accent1"/>
+            </a:fillRef>
+            <a:effectRef idx="0">
+              <a:schemeClr val="accent1"/>
+            </a:effectRef>
+            <a:fontRef idx="minor">
+              <a:schemeClr val="lt1"/>
+            </a:fontRef>
+          </p:style>
+          <p:txBody>
+            <a:bodyPr rtlCol="1" anchor="ctr"/>
+            <a:lstStyle/>
+            <a:p>
+              <a:pPr algn="ctr"/>
+              <a:endParaRPr lang="he-IL" sz="1400"/>
+            </a:p>
+          </p:txBody>
+        </p:sp>
+        <p:sp>
+          <p:nvSpPr>
+            <p:cNvPr id="11" name="TextBox 10"/>
+            <p:cNvSpPr txBox="1"/>
+            <p:nvPr/>
+          </p:nvSpPr>
+          <p:spPr>
+            <a:xfrm>
+              <a:off x="5706676" y="1551149"/>
+              <a:ext cx="1889760" cy="307777"/>
+            </a:xfrm>
+            <a:prstGeom prst="rect">
+              <a:avLst/>
+            </a:prstGeom>
+            <a:noFill/>
+          </p:spPr>
+          <p:txBody>
+            <a:bodyPr wrap="square" rtlCol="1">
+              <a:spAutoFit/>
+            </a:bodyPr>
+            <a:lstStyle/>
+            <a:p>
+              <a:pPr algn="l" rtl="0"/>
+              <a:r>
+                <a:rPr lang="en-US" sz="1400" dirty="0" smtClean="0"/>
+                <a:t>User</a:t>
+              </a:r>
+              <a:endParaRPr lang="he-IL" sz="1400" dirty="0"/>
+            </a:p>
+          </p:txBody>
+        </p:sp>
+        <p:sp>
+          <p:nvSpPr>
+            <p:cNvPr id="12" name="TextBox 11"/>
+            <p:cNvSpPr txBox="1"/>
+            <p:nvPr/>
+          </p:nvSpPr>
+          <p:spPr>
+            <a:xfrm>
+              <a:off x="5706676" y="1925860"/>
+              <a:ext cx="1889760" cy="676931"/>
+            </a:xfrm>
+            <a:prstGeom prst="rect">
+              <a:avLst/>
+            </a:prstGeom>
+            <a:noFill/>
+          </p:spPr>
+          <p:txBody>
+            <a:bodyPr wrap="square" rtlCol="1">
+              <a:spAutoFit/>
+            </a:bodyPr>
+            <a:lstStyle/>
+            <a:p>
+              <a:pPr algn="l" rtl="0"/>
+              <a:r>
+                <a:rPr lang="en-US" sz="1400" dirty="0" smtClean="0"/>
+                <a:t>Name</a:t>
+              </a:r>
+              <a:br>
+                <a:rPr lang="en-US" sz="1400" dirty="0" smtClean="0"/>
+              </a:br>
+              <a:r>
+                <a:rPr lang="en-US" sz="1400" dirty="0" smtClean="0"/>
+                <a:t>Id</a:t>
+              </a:r>
+              <a:br>
+                <a:rPr lang="en-US" sz="1400" dirty="0" smtClean="0"/>
+              </a:br>
+              <a:r>
+                <a:rPr lang="en-US" sz="1400" dirty="0" smtClean="0"/>
+                <a:t>Posts</a:t>
+              </a:r>
+              <a:br>
+                <a:rPr lang="en-US" sz="1400" dirty="0" smtClean="0"/>
+              </a:br>
+              <a:r>
+                <a:rPr lang="en-US" sz="1400" dirty="0" smtClean="0"/>
+                <a:t>Friends</a:t>
+              </a:r>
+              <a:br>
+                <a:rPr lang="en-US" sz="1400" dirty="0" smtClean="0"/>
+              </a:br>
+              <a:r>
+                <a:rPr lang="en-US" sz="1400" dirty="0" smtClean="0"/>
+                <a:t>…</a:t>
+              </a:r>
+              <a:endParaRPr lang="he-IL" sz="1400" dirty="0"/>
+            </a:p>
+          </p:txBody>
+        </p:sp>
+        <p:sp>
+          <p:nvSpPr>
+            <p:cNvPr id="13" name="TextBox 12"/>
+            <p:cNvSpPr txBox="1"/>
+            <p:nvPr/>
+          </p:nvSpPr>
+          <p:spPr>
+            <a:xfrm>
+              <a:off x="5680038" y="2874084"/>
+              <a:ext cx="1889760" cy="427535"/>
+            </a:xfrm>
+            <a:prstGeom prst="rect">
+              <a:avLst/>
+            </a:prstGeom>
+            <a:noFill/>
+          </p:spPr>
+          <p:txBody>
+            <a:bodyPr wrap="square" rtlCol="1">
+              <a:spAutoFit/>
+            </a:bodyPr>
+            <a:lstStyle/>
+            <a:p>
+              <a:pPr algn="l" rtl="0"/>
+              <a:r>
+                <a:rPr lang="en-US" sz="1400" dirty="0" smtClean="0"/>
+                <a:t>Post Status</a:t>
+              </a:r>
+              <a:br>
+                <a:rPr lang="en-US" sz="1400" dirty="0" smtClean="0"/>
+              </a:br>
+              <a:r>
+                <a:rPr lang="en-US" sz="1400" dirty="0" smtClean="0"/>
+                <a:t/>
+              </a:r>
+              <a:br>
+                <a:rPr lang="en-US" sz="1400" dirty="0" smtClean="0"/>
+              </a:br>
+              <a:endParaRPr lang="he-IL" sz="1400" dirty="0"/>
+            </a:p>
+          </p:txBody>
+        </p:sp>
+        <p:cxnSp>
+          <p:nvCxnSpPr>
+            <p:cNvPr id="14" name="Straight Connector 13"/>
+            <p:cNvCxnSpPr/>
+            <p:nvPr/>
+          </p:nvCxnSpPr>
+          <p:spPr>
+            <a:xfrm>
+              <a:off x="5693357" y="1863442"/>
+              <a:ext cx="1889760" cy="0"/>
+            </a:xfrm>
+            <a:prstGeom prst="line">
+              <a:avLst/>
+            </a:prstGeom>
+            <a:ln w="25400">
+              <a:solidFill>
+                <a:schemeClr val="tx1"/>
+              </a:solidFill>
+              <a:tailEnd type="none" w="lg" len="lg"/>
+            </a:ln>
+          </p:spPr>
+          <p:style>
+            <a:lnRef idx="1">
+              <a:schemeClr val="accent1"/>
+            </a:lnRef>
+            <a:fillRef idx="0">
+              <a:schemeClr val="accent1"/>
+            </a:fillRef>
+            <a:effectRef idx="0">
+              <a:schemeClr val="accent1"/>
+            </a:effectRef>
+            <a:fontRef idx="minor">
+              <a:schemeClr val="tx1"/>
+            </a:fontRef>
+          </p:style>
+        </p:cxnSp>
+        <p:cxnSp>
+          <p:nvCxnSpPr>
+            <p:cNvPr id="15" name="Straight Connector 14"/>
+            <p:cNvCxnSpPr/>
+            <p:nvPr/>
+          </p:nvCxnSpPr>
+          <p:spPr>
+            <a:xfrm>
+              <a:off x="5706676" y="2874084"/>
+              <a:ext cx="1889760" cy="0"/>
+            </a:xfrm>
+            <a:prstGeom prst="line">
+              <a:avLst/>
+            </a:prstGeom>
+            <a:ln w="25400">
+              <a:solidFill>
+                <a:schemeClr val="tx1"/>
+              </a:solidFill>
+              <a:tailEnd type="none" w="lg" len="lg"/>
+            </a:ln>
+          </p:spPr>
+          <p:style>
+            <a:lnRef idx="1">
+              <a:schemeClr val="accent1"/>
+            </a:lnRef>
+            <a:fillRef idx="0">
+              <a:schemeClr val="accent1"/>
+            </a:fillRef>
+            <a:effectRef idx="0">
+              <a:schemeClr val="accent1"/>
+            </a:effectRef>
+            <a:fontRef idx="minor">
+              <a:schemeClr val="tx1"/>
+            </a:fontRef>
+          </p:style>
+        </p:cxnSp>
+      </p:grpSp>
+      <p:grpSp>
+        <p:nvGrpSpPr>
+          <p:cNvPr id="16" name="Group 15"/>
+          <p:cNvGrpSpPr/>
+          <p:nvPr/>
+        </p:nvGrpSpPr>
+        <p:grpSpPr>
+          <a:xfrm>
+            <a:off x="10878877" y="2405742"/>
+            <a:ext cx="1125632" cy="2355737"/>
+            <a:chOff x="5680038" y="1551149"/>
+            <a:chExt cx="1916398" cy="1927239"/>
+          </a:xfrm>
+        </p:grpSpPr>
+        <p:sp>
+          <p:nvSpPr>
+            <p:cNvPr id="17" name="Rectangle 16"/>
+            <p:cNvSpPr/>
+            <p:nvPr/>
+          </p:nvSpPr>
+          <p:spPr>
+            <a:xfrm>
+              <a:off x="5693357" y="1551149"/>
+              <a:ext cx="1889760" cy="1560694"/>
+            </a:xfrm>
+            <a:prstGeom prst="rect">
+              <a:avLst/>
+            </a:prstGeom>
+            <a:solidFill>
+              <a:schemeClr val="bg1"/>
+            </a:solidFill>
+            <a:ln>
+              <a:solidFill>
+                <a:schemeClr val="tx1"/>
+              </a:solidFill>
+            </a:ln>
+          </p:spPr>
+          <p:style>
+            <a:lnRef idx="2">
+              <a:schemeClr val="accent1">
+                <a:shade val="50000"/>
+              </a:schemeClr>
+            </a:lnRef>
+            <a:fillRef idx="1">
+              <a:schemeClr val="accent1"/>
+            </a:fillRef>
+            <a:effectRef idx="0">
+              <a:schemeClr val="accent1"/>
+            </a:effectRef>
+            <a:fontRef idx="minor">
+              <a:schemeClr val="lt1"/>
+            </a:fontRef>
+          </p:style>
+          <p:txBody>
+            <a:bodyPr rtlCol="1" anchor="ctr"/>
+            <a:lstStyle/>
+            <a:p>
+              <a:pPr algn="ctr"/>
+              <a:endParaRPr lang="he-IL" sz="1400"/>
+            </a:p>
+          </p:txBody>
+        </p:sp>
+        <p:sp>
+          <p:nvSpPr>
+            <p:cNvPr id="18" name="TextBox 17"/>
+            <p:cNvSpPr txBox="1"/>
+            <p:nvPr/>
+          </p:nvSpPr>
+          <p:spPr>
+            <a:xfrm>
+              <a:off x="5706676" y="1551149"/>
+              <a:ext cx="1889760" cy="251794"/>
+            </a:xfrm>
+            <a:prstGeom prst="rect">
+              <a:avLst/>
+            </a:prstGeom>
+            <a:noFill/>
+          </p:spPr>
+          <p:txBody>
+            <a:bodyPr wrap="square" rtlCol="1">
+              <a:spAutoFit/>
+            </a:bodyPr>
+            <a:lstStyle/>
+            <a:p>
+              <a:pPr algn="l" rtl="0"/>
+              <a:r>
+                <a:rPr lang="en-US" sz="1400" dirty="0" smtClean="0"/>
+                <a:t>Post</a:t>
+              </a:r>
+              <a:endParaRPr lang="he-IL" sz="1400" dirty="0"/>
+            </a:p>
+          </p:txBody>
+        </p:sp>
+        <p:sp>
+          <p:nvSpPr>
+            <p:cNvPr id="19" name="TextBox 18"/>
+            <p:cNvSpPr txBox="1"/>
+            <p:nvPr/>
+          </p:nvSpPr>
+          <p:spPr>
+            <a:xfrm>
+              <a:off x="5706676" y="1925860"/>
+              <a:ext cx="1889760" cy="780559"/>
+            </a:xfrm>
+            <a:prstGeom prst="rect">
+              <a:avLst/>
+            </a:prstGeom>
+            <a:noFill/>
+          </p:spPr>
+          <p:txBody>
+            <a:bodyPr wrap="square" rtlCol="1">
+              <a:spAutoFit/>
+            </a:bodyPr>
+            <a:lstStyle/>
+            <a:p>
+              <a:pPr algn="l" rtl="0"/>
+              <a:r>
+                <a:rPr lang="en-US" sz="1400" dirty="0" smtClean="0"/>
+                <a:t>Date</a:t>
+              </a:r>
+              <a:br>
+                <a:rPr lang="en-US" sz="1400" dirty="0" smtClean="0"/>
+              </a:br>
+              <a:r>
+                <a:rPr lang="en-US" sz="1400" dirty="0" smtClean="0"/>
+                <a:t>Message</a:t>
+              </a:r>
+              <a:br>
+                <a:rPr lang="en-US" sz="1400" dirty="0" smtClean="0"/>
+              </a:br>
+              <a:r>
+                <a:rPr lang="en-US" sz="1400" dirty="0" smtClean="0"/>
+                <a:t>Likes</a:t>
+              </a:r>
+              <a:br>
+                <a:rPr lang="en-US" sz="1400" dirty="0" smtClean="0"/>
+              </a:br>
+              <a:r>
+                <a:rPr lang="en-US" sz="1400" dirty="0" smtClean="0"/>
+                <a:t>…</a:t>
+              </a:r>
+              <a:endParaRPr lang="he-IL" sz="1400" dirty="0"/>
+            </a:p>
+          </p:txBody>
+        </p:sp>
+        <p:sp>
+          <p:nvSpPr>
+            <p:cNvPr id="20" name="TextBox 19"/>
+            <p:cNvSpPr txBox="1"/>
+            <p:nvPr/>
+          </p:nvSpPr>
+          <p:spPr>
+            <a:xfrm>
+              <a:off x="5680038" y="2874084"/>
+              <a:ext cx="1889760" cy="604304"/>
+            </a:xfrm>
+            <a:prstGeom prst="rect">
+              <a:avLst/>
+            </a:prstGeom>
+            <a:noFill/>
+          </p:spPr>
+          <p:txBody>
+            <a:bodyPr wrap="square" rtlCol="1">
+              <a:spAutoFit/>
+            </a:bodyPr>
+            <a:lstStyle/>
+            <a:p>
+              <a:pPr algn="l" rtl="0"/>
+              <a:r>
+                <a:rPr lang="en-US" sz="1400" dirty="0" smtClean="0"/>
+                <a:t/>
+              </a:r>
+              <a:br>
+                <a:rPr lang="en-US" sz="1400" dirty="0" smtClean="0"/>
+              </a:br>
+              <a:r>
+                <a:rPr lang="en-US" sz="1400" dirty="0" smtClean="0"/>
+                <a:t/>
+              </a:r>
+              <a:br>
+                <a:rPr lang="en-US" sz="1400" dirty="0" smtClean="0"/>
+              </a:br>
+              <a:endParaRPr lang="he-IL" sz="1400" dirty="0"/>
+            </a:p>
+          </p:txBody>
+        </p:sp>
+        <p:cxnSp>
+          <p:nvCxnSpPr>
+            <p:cNvPr id="21" name="Straight Connector 20"/>
+            <p:cNvCxnSpPr/>
+            <p:nvPr/>
+          </p:nvCxnSpPr>
+          <p:spPr>
+            <a:xfrm>
+              <a:off x="5693357" y="1863442"/>
+              <a:ext cx="1889760" cy="0"/>
+            </a:xfrm>
+            <a:prstGeom prst="line">
+              <a:avLst/>
+            </a:prstGeom>
+            <a:ln w="25400">
+              <a:solidFill>
+                <a:schemeClr val="tx1"/>
+              </a:solidFill>
+              <a:tailEnd type="none" w="lg" len="lg"/>
+            </a:ln>
+          </p:spPr>
+          <p:style>
+            <a:lnRef idx="1">
+              <a:schemeClr val="accent1"/>
+            </a:lnRef>
+            <a:fillRef idx="0">
+              <a:schemeClr val="accent1"/>
+            </a:fillRef>
+            <a:effectRef idx="0">
+              <a:schemeClr val="accent1"/>
+            </a:effectRef>
+            <a:fontRef idx="minor">
+              <a:schemeClr val="tx1"/>
+            </a:fontRef>
+          </p:style>
+        </p:cxnSp>
+        <p:cxnSp>
+          <p:nvCxnSpPr>
+            <p:cNvPr id="22" name="Straight Connector 21"/>
+            <p:cNvCxnSpPr/>
+            <p:nvPr/>
+          </p:nvCxnSpPr>
+          <p:spPr>
+            <a:xfrm>
+              <a:off x="5706676" y="2874084"/>
+              <a:ext cx="1889760" cy="0"/>
+            </a:xfrm>
+            <a:prstGeom prst="line">
+              <a:avLst/>
+            </a:prstGeom>
+            <a:ln w="25400">
+              <a:solidFill>
+                <a:schemeClr val="tx1"/>
+              </a:solidFill>
+              <a:tailEnd type="none" w="lg" len="lg"/>
+            </a:ln>
+          </p:spPr>
+          <p:style>
+            <a:lnRef idx="1">
+              <a:schemeClr val="accent1"/>
+            </a:lnRef>
+            <a:fillRef idx="0">
+              <a:schemeClr val="accent1"/>
+            </a:fillRef>
+            <a:effectRef idx="0">
+              <a:schemeClr val="accent1"/>
+            </a:effectRef>
+            <a:fontRef idx="minor">
+              <a:schemeClr val="tx1"/>
+            </a:fontRef>
+          </p:style>
+        </p:cxnSp>
+      </p:grpSp>
+      <p:cxnSp>
+        <p:nvCxnSpPr>
+          <p:cNvPr id="23" name="Straight Arrow Connector 22"/>
+          <p:cNvCxnSpPr>
+            <a:stCxn id="3" idx="3"/>
+          </p:cNvCxnSpPr>
+          <p:nvPr/>
+        </p:nvCxnSpPr>
+        <p:spPr>
+          <a:xfrm>
+            <a:off x="9842039" y="1261168"/>
+            <a:ext cx="1009749" cy="1976310"/>
+          </a:xfrm>
+          <a:prstGeom prst="straightConnector1">
+            <a:avLst/>
+          </a:prstGeom>
+          <a:ln w="25400">
+            <a:solidFill>
+              <a:schemeClr val="tx1"/>
+            </a:solidFill>
+            <a:tailEnd type="arrow"/>
+          </a:ln>
+        </p:spPr>
+        <p:style>
+          <a:lnRef idx="1">
+            <a:schemeClr val="accent1"/>
+          </a:lnRef>
+          <a:fillRef idx="0">
+            <a:schemeClr val="accent1"/>
+          </a:fillRef>
+          <a:effectRef idx="0">
+            <a:schemeClr val="accent1"/>
+          </a:effectRef>
+          <a:fontRef idx="minor">
+            <a:schemeClr val="tx1"/>
+          </a:fontRef>
+        </p:style>
+      </p:cxnSp>
+      <p:sp>
+        <p:nvSpPr>
+          <p:cNvPr id="33" name="Parallelogram 32"/>
+          <p:cNvSpPr/>
+          <p:nvPr/>
+        </p:nvSpPr>
+        <p:spPr>
+          <a:xfrm rot="12604676">
+            <a:off x="9885755" y="1181486"/>
+            <a:ext cx="318640" cy="183938"/>
+          </a:xfrm>
+          <a:prstGeom prst="parallelogram">
+            <a:avLst>
+              <a:gd name="adj" fmla="val 56876"/>
+            </a:avLst>
+          </a:prstGeom>
+          <a:solidFill>
+            <a:schemeClr val="tx1"/>
+          </a:solidFill>
+          <a:ln>
+            <a:solidFill>
+              <a:schemeClr val="tx1"/>
+            </a:solidFill>
+          </a:ln>
+        </p:spPr>
+        <p:style>
+          <a:lnRef idx="2">
+            <a:schemeClr val="accent1">
+              <a:shade val="50000"/>
+            </a:schemeClr>
+          </a:lnRef>
+          <a:fillRef idx="1">
+            <a:schemeClr val="accent1"/>
+          </a:fillRef>
+          <a:effectRef idx="0">
+            <a:schemeClr val="accent1"/>
+          </a:effectRef>
+          <a:fontRef idx="minor">
+            <a:schemeClr val="lt1"/>
+          </a:fontRef>
+        </p:style>
+        <p:txBody>
+          <a:bodyPr rtlCol="1" anchor="ctr"/>
+          <a:lstStyle/>
+          <a:p>
+            <a:pPr algn="ctr"/>
+            <a:endParaRPr lang="he-IL"/>
+          </a:p>
+        </p:txBody>
+      </p:sp>
+      <p:cxnSp>
+        <p:nvCxnSpPr>
+          <p:cNvPr id="34" name="Straight Connector 33"/>
+          <p:cNvCxnSpPr/>
+          <p:nvPr/>
+        </p:nvCxnSpPr>
+        <p:spPr>
+          <a:xfrm flipH="1" flipV="1">
+            <a:off x="10244796" y="1273455"/>
+            <a:ext cx="649690" cy="44582"/>
+          </a:xfrm>
+          <a:prstGeom prst="line">
+            <a:avLst/>
+          </a:prstGeom>
+          <a:ln w="25400">
+            <a:solidFill>
+              <a:schemeClr val="tx1"/>
+            </a:solidFill>
+            <a:tailEnd type="none" w="lg" len="lg"/>
+          </a:ln>
+        </p:spPr>
+        <p:style>
+          <a:lnRef idx="1">
+            <a:schemeClr val="accent1"/>
+          </a:lnRef>
+          <a:fillRef idx="0">
+            <a:schemeClr val="accent1"/>
+          </a:fillRef>
+          <a:effectRef idx="0">
+            <a:schemeClr val="accent1"/>
+          </a:effectRef>
+          <a:fontRef idx="minor">
+            <a:schemeClr val="tx1"/>
+          </a:fontRef>
+        </p:style>
+      </p:cxnSp>
+      <p:grpSp>
+        <p:nvGrpSpPr>
+          <p:cNvPr id="42" name="Group 41"/>
+          <p:cNvGrpSpPr/>
+          <p:nvPr/>
+        </p:nvGrpSpPr>
+        <p:grpSpPr>
+          <a:xfrm>
+            <a:off x="269552" y="170233"/>
+            <a:ext cx="1945478" cy="1616556"/>
+            <a:chOff x="5650958" y="1551149"/>
+            <a:chExt cx="1945478" cy="1907178"/>
+          </a:xfrm>
+        </p:grpSpPr>
+        <p:sp>
+          <p:nvSpPr>
+            <p:cNvPr id="43" name="Rectangle 42"/>
+            <p:cNvSpPr/>
+            <p:nvPr/>
+          </p:nvSpPr>
+          <p:spPr>
+            <a:xfrm>
+              <a:off x="5693357" y="1551149"/>
+              <a:ext cx="1889760" cy="1907178"/>
+            </a:xfrm>
+            <a:prstGeom prst="rect">
+              <a:avLst/>
+            </a:prstGeom>
+            <a:solidFill>
+              <a:schemeClr val="bg1"/>
+            </a:solidFill>
+            <a:ln>
+              <a:solidFill>
+                <a:schemeClr val="tx1"/>
+              </a:solidFill>
+            </a:ln>
+          </p:spPr>
+          <p:style>
+            <a:lnRef idx="2">
+              <a:schemeClr val="accent1">
+                <a:shade val="50000"/>
+              </a:schemeClr>
+            </a:lnRef>
+            <a:fillRef idx="1">
+              <a:schemeClr val="accent1"/>
+            </a:fillRef>
+            <a:effectRef idx="0">
+              <a:schemeClr val="accent1"/>
+            </a:effectRef>
+            <a:fontRef idx="minor">
+              <a:schemeClr val="lt1"/>
+            </a:fontRef>
+          </p:style>
+          <p:txBody>
+            <a:bodyPr rtlCol="1" anchor="ctr"/>
+            <a:lstStyle/>
+            <a:p>
+              <a:pPr algn="ctr"/>
+              <a:endParaRPr lang="he-IL" sz="1400"/>
+            </a:p>
+          </p:txBody>
+        </p:sp>
+        <p:sp>
+          <p:nvSpPr>
+            <p:cNvPr id="44" name="TextBox 43"/>
+            <p:cNvSpPr txBox="1"/>
+            <p:nvPr/>
+          </p:nvSpPr>
+          <p:spPr>
+            <a:xfrm>
+              <a:off x="5706676" y="1551149"/>
+              <a:ext cx="1889760" cy="307777"/>
+            </a:xfrm>
+            <a:prstGeom prst="rect">
+              <a:avLst/>
+            </a:prstGeom>
+            <a:noFill/>
+          </p:spPr>
+          <p:txBody>
+            <a:bodyPr wrap="square" rtlCol="1">
+              <a:spAutoFit/>
+            </a:bodyPr>
+            <a:lstStyle/>
+            <a:p>
+              <a:pPr algn="l" rtl="0"/>
+              <a:r>
+                <a:rPr lang="en-US" sz="1400" dirty="0" err="1" smtClean="0"/>
+                <a:t>MyProfileTab</a:t>
+              </a:r>
+              <a:endParaRPr lang="he-IL" sz="1400" dirty="0"/>
+            </a:p>
+          </p:txBody>
+        </p:sp>
+        <p:sp>
+          <p:nvSpPr>
+            <p:cNvPr id="45" name="TextBox 44"/>
+            <p:cNvSpPr txBox="1"/>
+            <p:nvPr/>
+          </p:nvSpPr>
+          <p:spPr>
+            <a:xfrm>
+              <a:off x="5706676" y="1957892"/>
+              <a:ext cx="1889760" cy="363109"/>
+            </a:xfrm>
+            <a:prstGeom prst="rect">
+              <a:avLst/>
+            </a:prstGeom>
+            <a:noFill/>
+          </p:spPr>
+          <p:txBody>
+            <a:bodyPr wrap="square" rtlCol="1">
+              <a:spAutoFit/>
+            </a:bodyPr>
+            <a:lstStyle/>
+            <a:p>
+              <a:pPr algn="l" rtl="0"/>
+              <a:r>
+                <a:rPr lang="en-US" sz="1400" dirty="0" err="1" smtClean="0"/>
+                <a:t>FacebookFunctionality</a:t>
+              </a:r>
+              <a:endParaRPr lang="he-IL" sz="1400" dirty="0"/>
+            </a:p>
+          </p:txBody>
+        </p:sp>
+        <p:sp>
+          <p:nvSpPr>
+            <p:cNvPr id="46" name="TextBox 45"/>
+            <p:cNvSpPr txBox="1"/>
+            <p:nvPr/>
+          </p:nvSpPr>
+          <p:spPr>
+            <a:xfrm>
+              <a:off x="5650958" y="2503595"/>
+              <a:ext cx="1889760" cy="738664"/>
+            </a:xfrm>
+            <a:prstGeom prst="rect">
+              <a:avLst/>
+            </a:prstGeom>
+            <a:noFill/>
+          </p:spPr>
+          <p:txBody>
+            <a:bodyPr wrap="square" rtlCol="1">
+              <a:spAutoFit/>
+            </a:bodyPr>
+            <a:lstStyle/>
+            <a:p>
+              <a:pPr algn="l" rtl="0"/>
+              <a:r>
+                <a:rPr lang="en-US" sz="1400" dirty="0" smtClean="0"/>
+                <a:t>Post status</a:t>
+              </a:r>
+              <a:br>
+                <a:rPr lang="en-US" sz="1400" dirty="0" smtClean="0"/>
+              </a:br>
+              <a:r>
+                <a:rPr lang="en-US" sz="1400" dirty="0" smtClean="0"/>
+                <a:t>Comment</a:t>
+              </a:r>
+              <a:br>
+                <a:rPr lang="en-US" sz="1400" dirty="0" smtClean="0"/>
+              </a:br>
+              <a:r>
+                <a:rPr lang="en-US" sz="1400" dirty="0" smtClean="0"/>
+                <a:t>Like</a:t>
+              </a:r>
+              <a:endParaRPr lang="he-IL" sz="1400" dirty="0"/>
+            </a:p>
+          </p:txBody>
+        </p:sp>
+        <p:cxnSp>
+          <p:nvCxnSpPr>
+            <p:cNvPr id="47" name="Straight Connector 46"/>
+            <p:cNvCxnSpPr/>
+            <p:nvPr/>
+          </p:nvCxnSpPr>
+          <p:spPr>
+            <a:xfrm>
+              <a:off x="5693357" y="1957892"/>
+              <a:ext cx="1889760" cy="0"/>
+            </a:xfrm>
+            <a:prstGeom prst="line">
+              <a:avLst/>
+            </a:prstGeom>
+            <a:ln w="25400">
+              <a:solidFill>
+                <a:schemeClr val="tx1"/>
+              </a:solidFill>
+              <a:tailEnd type="none" w="lg" len="lg"/>
+            </a:ln>
+          </p:spPr>
+          <p:style>
+            <a:lnRef idx="1">
+              <a:schemeClr val="accent1"/>
+            </a:lnRef>
+            <a:fillRef idx="0">
+              <a:schemeClr val="accent1"/>
+            </a:fillRef>
+            <a:effectRef idx="0">
+              <a:schemeClr val="accent1"/>
+            </a:effectRef>
+            <a:fontRef idx="minor">
+              <a:schemeClr val="tx1"/>
+            </a:fontRef>
+          </p:style>
+        </p:cxnSp>
+        <p:cxnSp>
+          <p:nvCxnSpPr>
+            <p:cNvPr id="48" name="Straight Connector 47"/>
+            <p:cNvCxnSpPr/>
+            <p:nvPr/>
+          </p:nvCxnSpPr>
+          <p:spPr>
+            <a:xfrm>
+              <a:off x="5680038" y="2548344"/>
+              <a:ext cx="1889760" cy="0"/>
+            </a:xfrm>
+            <a:prstGeom prst="line">
+              <a:avLst/>
+            </a:prstGeom>
+            <a:ln w="25400">
+              <a:solidFill>
+                <a:schemeClr val="tx1"/>
+              </a:solidFill>
+              <a:tailEnd type="none" w="lg" len="lg"/>
+            </a:ln>
+          </p:spPr>
+          <p:style>
+            <a:lnRef idx="1">
+              <a:schemeClr val="accent1"/>
+            </a:lnRef>
+            <a:fillRef idx="0">
+              <a:schemeClr val="accent1"/>
+            </a:fillRef>
+            <a:effectRef idx="0">
+              <a:schemeClr val="accent1"/>
+            </a:effectRef>
+            <a:fontRef idx="minor">
+              <a:schemeClr val="tx1"/>
+            </a:fontRef>
+          </p:style>
+        </p:cxnSp>
+      </p:grpSp>
+      <p:grpSp>
+        <p:nvGrpSpPr>
+          <p:cNvPr id="49" name="Group 48"/>
+          <p:cNvGrpSpPr/>
+          <p:nvPr/>
+        </p:nvGrpSpPr>
+        <p:grpSpPr>
+          <a:xfrm>
+            <a:off x="2316803" y="1177026"/>
+            <a:ext cx="1945478" cy="1616556"/>
+            <a:chOff x="5650958" y="1551149"/>
+            <a:chExt cx="1945478" cy="1907178"/>
+          </a:xfrm>
+        </p:grpSpPr>
+        <p:sp>
+          <p:nvSpPr>
+            <p:cNvPr id="50" name="Rectangle 49"/>
+            <p:cNvSpPr/>
+            <p:nvPr/>
+          </p:nvSpPr>
+          <p:spPr>
+            <a:xfrm>
+              <a:off x="5693357" y="1551149"/>
+              <a:ext cx="1889760" cy="1907178"/>
+            </a:xfrm>
+            <a:prstGeom prst="rect">
+              <a:avLst/>
+            </a:prstGeom>
+            <a:solidFill>
+              <a:schemeClr val="bg1"/>
+            </a:solidFill>
+            <a:ln>
+              <a:solidFill>
+                <a:schemeClr val="tx1"/>
+              </a:solidFill>
+            </a:ln>
+          </p:spPr>
+          <p:style>
+            <a:lnRef idx="2">
+              <a:schemeClr val="accent1">
+                <a:shade val="50000"/>
+              </a:schemeClr>
+            </a:lnRef>
+            <a:fillRef idx="1">
+              <a:schemeClr val="accent1"/>
+            </a:fillRef>
+            <a:effectRef idx="0">
+              <a:schemeClr val="accent1"/>
+            </a:effectRef>
+            <a:fontRef idx="minor">
+              <a:schemeClr val="lt1"/>
+            </a:fontRef>
+          </p:style>
+          <p:txBody>
+            <a:bodyPr rtlCol="1" anchor="ctr"/>
+            <a:lstStyle/>
+            <a:p>
+              <a:pPr algn="ctr"/>
+              <a:endParaRPr lang="he-IL" sz="1400"/>
+            </a:p>
+          </p:txBody>
+        </p:sp>
+        <p:sp>
+          <p:nvSpPr>
+            <p:cNvPr id="51" name="TextBox 50"/>
+            <p:cNvSpPr txBox="1"/>
+            <p:nvPr/>
+          </p:nvSpPr>
+          <p:spPr>
+            <a:xfrm>
+              <a:off x="5706676" y="1551149"/>
+              <a:ext cx="1889760" cy="363109"/>
+            </a:xfrm>
+            <a:prstGeom prst="rect">
+              <a:avLst/>
+            </a:prstGeom>
+            <a:noFill/>
+          </p:spPr>
+          <p:txBody>
+            <a:bodyPr wrap="square" rtlCol="1">
+              <a:spAutoFit/>
+            </a:bodyPr>
+            <a:lstStyle/>
+            <a:p>
+              <a:pPr algn="l" rtl="0"/>
+              <a:r>
+                <a:rPr lang="en-US" sz="1400" dirty="0" err="1" smtClean="0"/>
+                <a:t>NewsfeedTab</a:t>
+              </a:r>
+              <a:endParaRPr lang="he-IL" sz="1400" dirty="0"/>
+            </a:p>
+          </p:txBody>
+        </p:sp>
+        <p:sp>
+          <p:nvSpPr>
+            <p:cNvPr id="52" name="TextBox 51"/>
+            <p:cNvSpPr txBox="1"/>
+            <p:nvPr/>
+          </p:nvSpPr>
+          <p:spPr>
+            <a:xfrm>
+              <a:off x="5706676" y="1957892"/>
+              <a:ext cx="1889760" cy="363109"/>
+            </a:xfrm>
+            <a:prstGeom prst="rect">
+              <a:avLst/>
+            </a:prstGeom>
+            <a:noFill/>
+          </p:spPr>
+          <p:txBody>
+            <a:bodyPr wrap="square" rtlCol="1">
+              <a:spAutoFit/>
+            </a:bodyPr>
+            <a:lstStyle/>
+            <a:p>
+              <a:pPr algn="l" rtl="0"/>
+              <a:r>
+                <a:rPr lang="en-US" sz="1400" dirty="0" err="1" smtClean="0"/>
+                <a:t>FacebookFunctionality</a:t>
+              </a:r>
+              <a:endParaRPr lang="he-IL" sz="1400" dirty="0"/>
+            </a:p>
+          </p:txBody>
+        </p:sp>
+        <p:sp>
+          <p:nvSpPr>
+            <p:cNvPr id="53" name="TextBox 52"/>
+            <p:cNvSpPr txBox="1"/>
+            <p:nvPr/>
+          </p:nvSpPr>
+          <p:spPr>
+            <a:xfrm>
+              <a:off x="5650958" y="2503595"/>
+              <a:ext cx="1889760" cy="617284"/>
+            </a:xfrm>
+            <a:prstGeom prst="rect">
+              <a:avLst/>
+            </a:prstGeom>
+            <a:noFill/>
+          </p:spPr>
+          <p:txBody>
+            <a:bodyPr wrap="square" rtlCol="1">
+              <a:spAutoFit/>
+            </a:bodyPr>
+            <a:lstStyle/>
+            <a:p>
+              <a:pPr algn="l" rtl="0"/>
+              <a:r>
+                <a:rPr lang="en-US" sz="1400" dirty="0" smtClean="0"/>
+                <a:t>Comment</a:t>
+              </a:r>
+              <a:r>
+                <a:rPr lang="en-US" sz="1400" dirty="0" smtClean="0"/>
+                <a:t/>
+              </a:r>
+              <a:br>
+                <a:rPr lang="en-US" sz="1400" dirty="0" smtClean="0"/>
+              </a:br>
+              <a:r>
+                <a:rPr lang="en-US" sz="1400" dirty="0" smtClean="0"/>
+                <a:t>Like</a:t>
+              </a:r>
+              <a:endParaRPr lang="he-IL" sz="1400" dirty="0"/>
+            </a:p>
+          </p:txBody>
+        </p:sp>
+        <p:cxnSp>
+          <p:nvCxnSpPr>
+            <p:cNvPr id="54" name="Straight Connector 53"/>
+            <p:cNvCxnSpPr/>
+            <p:nvPr/>
+          </p:nvCxnSpPr>
+          <p:spPr>
+            <a:xfrm>
+              <a:off x="5693357" y="1957892"/>
+              <a:ext cx="1889760" cy="0"/>
+            </a:xfrm>
+            <a:prstGeom prst="line">
+              <a:avLst/>
+            </a:prstGeom>
+            <a:ln w="25400">
+              <a:solidFill>
+                <a:schemeClr val="tx1"/>
+              </a:solidFill>
+              <a:tailEnd type="none" w="lg" len="lg"/>
+            </a:ln>
+          </p:spPr>
+          <p:style>
+            <a:lnRef idx="1">
+              <a:schemeClr val="accent1"/>
+            </a:lnRef>
+            <a:fillRef idx="0">
+              <a:schemeClr val="accent1"/>
+            </a:fillRef>
+            <a:effectRef idx="0">
+              <a:schemeClr val="accent1"/>
+            </a:effectRef>
+            <a:fontRef idx="minor">
+              <a:schemeClr val="tx1"/>
+            </a:fontRef>
+          </p:style>
+        </p:cxnSp>
+        <p:cxnSp>
+          <p:nvCxnSpPr>
+            <p:cNvPr id="55" name="Straight Connector 54"/>
+            <p:cNvCxnSpPr/>
+            <p:nvPr/>
+          </p:nvCxnSpPr>
+          <p:spPr>
+            <a:xfrm>
+              <a:off x="5680038" y="2548344"/>
+              <a:ext cx="1889760" cy="0"/>
+            </a:xfrm>
+            <a:prstGeom prst="line">
+              <a:avLst/>
+            </a:prstGeom>
+            <a:ln w="25400">
+              <a:solidFill>
+                <a:schemeClr val="tx1"/>
+              </a:solidFill>
+              <a:tailEnd type="none" w="lg" len="lg"/>
+            </a:ln>
+          </p:spPr>
+          <p:style>
+            <a:lnRef idx="1">
+              <a:schemeClr val="accent1"/>
+            </a:lnRef>
+            <a:fillRef idx="0">
+              <a:schemeClr val="accent1"/>
+            </a:fillRef>
+            <a:effectRef idx="0">
+              <a:schemeClr val="accent1"/>
+            </a:effectRef>
+            <a:fontRef idx="minor">
+              <a:schemeClr val="tx1"/>
+            </a:fontRef>
+          </p:style>
+        </p:cxnSp>
+      </p:grpSp>
+      <p:grpSp>
+        <p:nvGrpSpPr>
+          <p:cNvPr id="64" name="Group 63"/>
+          <p:cNvGrpSpPr/>
+          <p:nvPr/>
+        </p:nvGrpSpPr>
+        <p:grpSpPr>
+          <a:xfrm>
+            <a:off x="463918" y="2837127"/>
+            <a:ext cx="1945478" cy="1616556"/>
+            <a:chOff x="5650958" y="1551149"/>
+            <a:chExt cx="1945478" cy="1907178"/>
+          </a:xfrm>
+        </p:grpSpPr>
+        <p:sp>
+          <p:nvSpPr>
+            <p:cNvPr id="65" name="Rectangle 64"/>
+            <p:cNvSpPr/>
+            <p:nvPr/>
+          </p:nvSpPr>
+          <p:spPr>
+            <a:xfrm>
+              <a:off x="5693357" y="1551149"/>
+              <a:ext cx="1889760" cy="1907178"/>
+            </a:xfrm>
+            <a:prstGeom prst="rect">
+              <a:avLst/>
+            </a:prstGeom>
+            <a:solidFill>
+              <a:schemeClr val="bg1"/>
+            </a:solidFill>
+            <a:ln>
+              <a:solidFill>
+                <a:schemeClr val="tx1"/>
+              </a:solidFill>
+            </a:ln>
+          </p:spPr>
+          <p:style>
+            <a:lnRef idx="2">
+              <a:schemeClr val="accent1">
+                <a:shade val="50000"/>
+              </a:schemeClr>
+            </a:lnRef>
+            <a:fillRef idx="1">
+              <a:schemeClr val="accent1"/>
+            </a:fillRef>
+            <a:effectRef idx="0">
+              <a:schemeClr val="accent1"/>
+            </a:effectRef>
+            <a:fontRef idx="minor">
+              <a:schemeClr val="lt1"/>
+            </a:fontRef>
+          </p:style>
+          <p:txBody>
+            <a:bodyPr rtlCol="1" anchor="ctr"/>
+            <a:lstStyle/>
+            <a:p>
+              <a:pPr algn="ctr"/>
+              <a:endParaRPr lang="he-IL" sz="1400"/>
+            </a:p>
+          </p:txBody>
+        </p:sp>
+        <p:sp>
+          <p:nvSpPr>
+            <p:cNvPr id="66" name="TextBox 65"/>
+            <p:cNvSpPr txBox="1"/>
+            <p:nvPr/>
+          </p:nvSpPr>
+          <p:spPr>
+            <a:xfrm>
+              <a:off x="5706676" y="1551149"/>
+              <a:ext cx="1889760" cy="363109"/>
+            </a:xfrm>
+            <a:prstGeom prst="rect">
+              <a:avLst/>
+            </a:prstGeom>
+            <a:noFill/>
+          </p:spPr>
+          <p:txBody>
+            <a:bodyPr wrap="square" rtlCol="1">
+              <a:spAutoFit/>
+            </a:bodyPr>
+            <a:lstStyle/>
+            <a:p>
+              <a:pPr algn="l" rtl="0"/>
+              <a:r>
+                <a:rPr lang="en-US" sz="1400" dirty="0" err="1" smtClean="0"/>
+                <a:t>FacebookFetchable</a:t>
+              </a:r>
+              <a:endParaRPr lang="he-IL" sz="1400" dirty="0"/>
+            </a:p>
+          </p:txBody>
+        </p:sp>
+        <p:sp>
+          <p:nvSpPr>
+            <p:cNvPr id="67" name="TextBox 66"/>
+            <p:cNvSpPr txBox="1"/>
+            <p:nvPr/>
+          </p:nvSpPr>
+          <p:spPr>
+            <a:xfrm>
+              <a:off x="5706676" y="1957892"/>
+              <a:ext cx="1889760" cy="363109"/>
+            </a:xfrm>
+            <a:prstGeom prst="rect">
+              <a:avLst/>
+            </a:prstGeom>
+            <a:noFill/>
+          </p:spPr>
+          <p:txBody>
+            <a:bodyPr wrap="square" rtlCol="1">
+              <a:spAutoFit/>
+            </a:bodyPr>
+            <a:lstStyle/>
+            <a:p>
+              <a:pPr algn="l" rtl="0"/>
+              <a:r>
+                <a:rPr lang="en-US" sz="1400" dirty="0" smtClean="0"/>
+                <a:t>Fetch action</a:t>
+              </a:r>
+              <a:endParaRPr lang="he-IL" sz="1400" dirty="0"/>
+            </a:p>
+          </p:txBody>
+        </p:sp>
+        <p:sp>
+          <p:nvSpPr>
+            <p:cNvPr id="68" name="TextBox 67"/>
+            <p:cNvSpPr txBox="1"/>
+            <p:nvPr/>
+          </p:nvSpPr>
+          <p:spPr>
+            <a:xfrm>
+              <a:off x="5650958" y="2503595"/>
+              <a:ext cx="1889760" cy="363109"/>
+            </a:xfrm>
+            <a:prstGeom prst="rect">
+              <a:avLst/>
+            </a:prstGeom>
+            <a:noFill/>
+          </p:spPr>
+          <p:txBody>
+            <a:bodyPr wrap="square" rtlCol="1">
+              <a:spAutoFit/>
+            </a:bodyPr>
+            <a:lstStyle/>
+            <a:p>
+              <a:pPr algn="l" rtl="0"/>
+              <a:r>
+                <a:rPr lang="en-US" sz="1400" dirty="0" smtClean="0"/>
+                <a:t>Fetch</a:t>
+              </a:r>
+              <a:endParaRPr lang="he-IL" sz="1400" dirty="0"/>
+            </a:p>
+          </p:txBody>
+        </p:sp>
+        <p:cxnSp>
+          <p:nvCxnSpPr>
+            <p:cNvPr id="69" name="Straight Connector 68"/>
+            <p:cNvCxnSpPr/>
+            <p:nvPr/>
+          </p:nvCxnSpPr>
+          <p:spPr>
+            <a:xfrm>
+              <a:off x="5693357" y="1957892"/>
+              <a:ext cx="1889760" cy="0"/>
+            </a:xfrm>
+            <a:prstGeom prst="line">
+              <a:avLst/>
+            </a:prstGeom>
+            <a:ln w="25400">
+              <a:solidFill>
+                <a:schemeClr val="tx1"/>
+              </a:solidFill>
+              <a:tailEnd type="none" w="lg" len="lg"/>
+            </a:ln>
+          </p:spPr>
+          <p:style>
+            <a:lnRef idx="1">
+              <a:schemeClr val="accent1"/>
+            </a:lnRef>
+            <a:fillRef idx="0">
+              <a:schemeClr val="accent1"/>
+            </a:fillRef>
+            <a:effectRef idx="0">
+              <a:schemeClr val="accent1"/>
+            </a:effectRef>
+            <a:fontRef idx="minor">
+              <a:schemeClr val="tx1"/>
+            </a:fontRef>
+          </p:style>
+        </p:cxnSp>
+        <p:cxnSp>
+          <p:nvCxnSpPr>
+            <p:cNvPr id="70" name="Straight Connector 69"/>
+            <p:cNvCxnSpPr/>
+            <p:nvPr/>
+          </p:nvCxnSpPr>
+          <p:spPr>
+            <a:xfrm>
+              <a:off x="5680038" y="2548344"/>
+              <a:ext cx="1889760" cy="0"/>
+            </a:xfrm>
+            <a:prstGeom prst="line">
+              <a:avLst/>
+            </a:prstGeom>
+            <a:ln w="25400">
+              <a:solidFill>
+                <a:schemeClr val="tx1"/>
+              </a:solidFill>
+              <a:tailEnd type="none" w="lg" len="lg"/>
+            </a:ln>
+          </p:spPr>
+          <p:style>
+            <a:lnRef idx="1">
+              <a:schemeClr val="accent1"/>
+            </a:lnRef>
+            <a:fillRef idx="0">
+              <a:schemeClr val="accent1"/>
+            </a:fillRef>
+            <a:effectRef idx="0">
+              <a:schemeClr val="accent1"/>
+            </a:effectRef>
+            <a:fontRef idx="minor">
+              <a:schemeClr val="tx1"/>
+            </a:fontRef>
+          </p:style>
+        </p:cxnSp>
+      </p:grpSp>
+      <p:cxnSp>
+        <p:nvCxnSpPr>
+          <p:cNvPr id="73" name="Straight Arrow Connector 72"/>
+          <p:cNvCxnSpPr>
+            <a:stCxn id="43" idx="3"/>
+            <a:endCxn id="3" idx="1"/>
+          </p:cNvCxnSpPr>
+          <p:nvPr/>
+        </p:nvCxnSpPr>
+        <p:spPr>
+          <a:xfrm>
+            <a:off x="2201711" y="978511"/>
+            <a:ext cx="5379867" cy="282657"/>
+          </a:xfrm>
+          <a:prstGeom prst="straightConnector1">
+            <a:avLst/>
+          </a:prstGeom>
+          <a:ln w="25400">
+            <a:solidFill>
+              <a:schemeClr val="tx1"/>
+            </a:solidFill>
+            <a:tailEnd type="arrow"/>
+          </a:ln>
+        </p:spPr>
+        <p:style>
+          <a:lnRef idx="1">
+            <a:schemeClr val="accent1"/>
+          </a:lnRef>
+          <a:fillRef idx="0">
+            <a:schemeClr val="accent1"/>
+          </a:fillRef>
+          <a:effectRef idx="0">
+            <a:schemeClr val="accent1"/>
+          </a:effectRef>
+          <a:fontRef idx="minor">
+            <a:schemeClr val="tx1"/>
+          </a:fontRef>
+        </p:style>
+      </p:cxnSp>
+      <p:cxnSp>
+        <p:nvCxnSpPr>
+          <p:cNvPr id="76" name="Straight Arrow Connector 75"/>
+          <p:cNvCxnSpPr>
+            <a:stCxn id="50" idx="3"/>
+            <a:endCxn id="3" idx="1"/>
+          </p:cNvCxnSpPr>
+          <p:nvPr/>
+        </p:nvCxnSpPr>
+        <p:spPr>
+          <a:xfrm flipV="1">
+            <a:off x="4248962" y="1261168"/>
+            <a:ext cx="3332616" cy="724136"/>
+          </a:xfrm>
+          <a:prstGeom prst="straightConnector1">
+            <a:avLst/>
+          </a:prstGeom>
+          <a:ln w="25400">
+            <a:solidFill>
+              <a:schemeClr val="tx1"/>
+            </a:solidFill>
+            <a:tailEnd type="arrow"/>
+          </a:ln>
+        </p:spPr>
+        <p:style>
+          <a:lnRef idx="1">
+            <a:schemeClr val="accent1"/>
+          </a:lnRef>
+          <a:fillRef idx="0">
+            <a:schemeClr val="accent1"/>
+          </a:fillRef>
+          <a:effectRef idx="0">
+            <a:schemeClr val="accent1"/>
+          </a:effectRef>
+          <a:fontRef idx="minor">
+            <a:schemeClr val="tx1"/>
+          </a:fontRef>
+        </p:style>
+      </p:cxnSp>
+      <p:cxnSp>
+        <p:nvCxnSpPr>
+          <p:cNvPr id="79" name="Straight Arrow Connector 78"/>
+          <p:cNvCxnSpPr>
+            <a:stCxn id="65" idx="3"/>
+            <a:endCxn id="3" idx="1"/>
+          </p:cNvCxnSpPr>
+          <p:nvPr/>
+        </p:nvCxnSpPr>
+        <p:spPr>
+          <a:xfrm flipV="1">
+            <a:off x="2396077" y="1261168"/>
+            <a:ext cx="5185501" cy="2384237"/>
+          </a:xfrm>
+          <a:prstGeom prst="straightConnector1">
+            <a:avLst/>
+          </a:prstGeom>
+          <a:ln w="25400">
+            <a:solidFill>
+              <a:schemeClr val="tx1"/>
+            </a:solidFill>
+            <a:tailEnd type="arrow"/>
+          </a:ln>
+        </p:spPr>
+        <p:style>
+          <a:lnRef idx="1">
+            <a:schemeClr val="accent1"/>
+          </a:lnRef>
+          <a:fillRef idx="0">
+            <a:schemeClr val="accent1"/>
+          </a:fillRef>
+          <a:effectRef idx="0">
+            <a:schemeClr val="accent1"/>
+          </a:effectRef>
+          <a:fontRef idx="minor">
+            <a:schemeClr val="tx1"/>
+          </a:fontRef>
+        </p:style>
+      </p:cxnSp>
+      <p:grpSp>
+        <p:nvGrpSpPr>
+          <p:cNvPr id="82" name="Group 81"/>
+          <p:cNvGrpSpPr/>
+          <p:nvPr/>
+        </p:nvGrpSpPr>
+        <p:grpSpPr>
+          <a:xfrm>
+            <a:off x="10059031" y="4555549"/>
+            <a:ext cx="1945478" cy="1616556"/>
+            <a:chOff x="5650958" y="1551149"/>
+            <a:chExt cx="1945478" cy="1907178"/>
+          </a:xfrm>
+        </p:grpSpPr>
+        <p:sp>
+          <p:nvSpPr>
+            <p:cNvPr id="83" name="Rectangle 82"/>
+            <p:cNvSpPr/>
+            <p:nvPr/>
+          </p:nvSpPr>
+          <p:spPr>
+            <a:xfrm>
+              <a:off x="5693357" y="1551149"/>
+              <a:ext cx="1889760" cy="1907178"/>
+            </a:xfrm>
+            <a:prstGeom prst="rect">
+              <a:avLst/>
+            </a:prstGeom>
+            <a:solidFill>
+              <a:schemeClr val="bg1"/>
+            </a:solidFill>
+            <a:ln>
+              <a:solidFill>
+                <a:schemeClr val="tx1"/>
+              </a:solidFill>
+            </a:ln>
+          </p:spPr>
+          <p:style>
+            <a:lnRef idx="2">
+              <a:schemeClr val="accent1">
+                <a:shade val="50000"/>
+              </a:schemeClr>
+            </a:lnRef>
+            <a:fillRef idx="1">
+              <a:schemeClr val="accent1"/>
+            </a:fillRef>
+            <a:effectRef idx="0">
+              <a:schemeClr val="accent1"/>
+            </a:effectRef>
+            <a:fontRef idx="minor">
+              <a:schemeClr val="lt1"/>
+            </a:fontRef>
+          </p:style>
+          <p:txBody>
+            <a:bodyPr rtlCol="1" anchor="ctr"/>
+            <a:lstStyle/>
+            <a:p>
+              <a:pPr algn="ctr"/>
+              <a:endParaRPr lang="he-IL" sz="1400"/>
+            </a:p>
+          </p:txBody>
+        </p:sp>
+        <p:sp>
+          <p:nvSpPr>
+            <p:cNvPr id="84" name="TextBox 83"/>
+            <p:cNvSpPr txBox="1"/>
+            <p:nvPr/>
+          </p:nvSpPr>
+          <p:spPr>
+            <a:xfrm>
+              <a:off x="5706676" y="1551149"/>
+              <a:ext cx="1889760" cy="363109"/>
+            </a:xfrm>
+            <a:prstGeom prst="rect">
+              <a:avLst/>
+            </a:prstGeom>
+            <a:noFill/>
+          </p:spPr>
+          <p:txBody>
+            <a:bodyPr wrap="square" rtlCol="1">
+              <a:spAutoFit/>
+            </a:bodyPr>
+            <a:lstStyle/>
+            <a:p>
+              <a:pPr algn="l" rtl="0"/>
+              <a:r>
+                <a:rPr lang="en-US" sz="1400" dirty="0" err="1" smtClean="0"/>
+                <a:t>LoginForm</a:t>
+              </a:r>
+              <a:endParaRPr lang="he-IL" sz="1400" dirty="0"/>
+            </a:p>
+          </p:txBody>
+        </p:sp>
+        <p:sp>
+          <p:nvSpPr>
+            <p:cNvPr id="85" name="TextBox 84"/>
+            <p:cNvSpPr txBox="1"/>
+            <p:nvPr/>
+          </p:nvSpPr>
+          <p:spPr>
+            <a:xfrm>
+              <a:off x="5706676" y="1957892"/>
+              <a:ext cx="1889760" cy="363109"/>
+            </a:xfrm>
+            <a:prstGeom prst="rect">
+              <a:avLst/>
+            </a:prstGeom>
+            <a:noFill/>
+          </p:spPr>
+          <p:txBody>
+            <a:bodyPr wrap="square" rtlCol="1">
+              <a:spAutoFit/>
+            </a:bodyPr>
+            <a:lstStyle/>
+            <a:p>
+              <a:pPr algn="l" rtl="0"/>
+              <a:endParaRPr lang="he-IL" sz="1400" dirty="0"/>
+            </a:p>
+          </p:txBody>
+        </p:sp>
+        <p:sp>
+          <p:nvSpPr>
+            <p:cNvPr id="86" name="TextBox 85"/>
+            <p:cNvSpPr txBox="1"/>
+            <p:nvPr/>
+          </p:nvSpPr>
+          <p:spPr>
+            <a:xfrm>
+              <a:off x="5650958" y="2503595"/>
+              <a:ext cx="1889760" cy="363109"/>
+            </a:xfrm>
+            <a:prstGeom prst="rect">
+              <a:avLst/>
+            </a:prstGeom>
+            <a:noFill/>
+          </p:spPr>
+          <p:txBody>
+            <a:bodyPr wrap="square" rtlCol="1">
+              <a:spAutoFit/>
+            </a:bodyPr>
+            <a:lstStyle/>
+            <a:p>
+              <a:pPr algn="l" rtl="0"/>
+              <a:endParaRPr lang="he-IL" sz="1400" dirty="0"/>
+            </a:p>
+          </p:txBody>
+        </p:sp>
+        <p:cxnSp>
+          <p:nvCxnSpPr>
+            <p:cNvPr id="87" name="Straight Connector 86"/>
+            <p:cNvCxnSpPr/>
+            <p:nvPr/>
+          </p:nvCxnSpPr>
+          <p:spPr>
+            <a:xfrm>
+              <a:off x="5693357" y="1957892"/>
+              <a:ext cx="1889760" cy="0"/>
+            </a:xfrm>
+            <a:prstGeom prst="line">
+              <a:avLst/>
+            </a:prstGeom>
+            <a:ln w="25400">
+              <a:solidFill>
+                <a:schemeClr val="tx1"/>
+              </a:solidFill>
+              <a:tailEnd type="none" w="lg" len="lg"/>
+            </a:ln>
+          </p:spPr>
+          <p:style>
+            <a:lnRef idx="1">
+              <a:schemeClr val="accent1"/>
+            </a:lnRef>
+            <a:fillRef idx="0">
+              <a:schemeClr val="accent1"/>
+            </a:fillRef>
+            <a:effectRef idx="0">
+              <a:schemeClr val="accent1"/>
+            </a:effectRef>
+            <a:fontRef idx="minor">
+              <a:schemeClr val="tx1"/>
+            </a:fontRef>
+          </p:style>
+        </p:cxnSp>
+        <p:cxnSp>
+          <p:nvCxnSpPr>
+            <p:cNvPr id="88" name="Straight Connector 87"/>
+            <p:cNvCxnSpPr/>
+            <p:nvPr/>
+          </p:nvCxnSpPr>
+          <p:spPr>
+            <a:xfrm>
+              <a:off x="5680038" y="2548344"/>
+              <a:ext cx="1889760" cy="0"/>
+            </a:xfrm>
+            <a:prstGeom prst="line">
+              <a:avLst/>
+            </a:prstGeom>
+            <a:ln w="25400">
+              <a:solidFill>
+                <a:schemeClr val="tx1"/>
+              </a:solidFill>
+              <a:tailEnd type="none" w="lg" len="lg"/>
+            </a:ln>
+          </p:spPr>
+          <p:style>
+            <a:lnRef idx="1">
+              <a:schemeClr val="accent1"/>
+            </a:lnRef>
+            <a:fillRef idx="0">
+              <a:schemeClr val="accent1"/>
+            </a:fillRef>
+            <a:effectRef idx="0">
+              <a:schemeClr val="accent1"/>
+            </a:effectRef>
+            <a:fontRef idx="minor">
+              <a:schemeClr val="tx1"/>
+            </a:fontRef>
+          </p:style>
+        </p:cxnSp>
+      </p:grpSp>
+      <p:cxnSp>
+        <p:nvCxnSpPr>
+          <p:cNvPr id="89" name="Straight Arrow Connector 88"/>
+          <p:cNvCxnSpPr>
+            <a:stCxn id="83" idx="0"/>
+            <a:endCxn id="3" idx="2"/>
+          </p:cNvCxnSpPr>
+          <p:nvPr/>
+        </p:nvCxnSpPr>
+        <p:spPr>
+          <a:xfrm flipH="1" flipV="1">
+            <a:off x="8711809" y="2298257"/>
+            <a:ext cx="2334501" cy="2257292"/>
+          </a:xfrm>
+          <a:prstGeom prst="straightConnector1">
+            <a:avLst/>
+          </a:prstGeom>
+          <a:ln w="25400">
+            <a:solidFill>
+              <a:schemeClr val="tx1"/>
+            </a:solidFill>
+            <a:tailEnd type="arrow"/>
+          </a:ln>
+        </p:spPr>
+        <p:style>
+          <a:lnRef idx="1">
+            <a:schemeClr val="accent1"/>
+          </a:lnRef>
+          <a:fillRef idx="0">
+            <a:schemeClr val="accent1"/>
+          </a:fillRef>
+          <a:effectRef idx="0">
+            <a:schemeClr val="accent1"/>
+          </a:effectRef>
+          <a:fontRef idx="minor">
+            <a:schemeClr val="tx1"/>
+          </a:fontRef>
+        </p:style>
+      </p:cxnSp>
+      <p:grpSp>
+        <p:nvGrpSpPr>
+          <p:cNvPr id="93" name="Group 92"/>
+          <p:cNvGrpSpPr/>
+          <p:nvPr/>
+        </p:nvGrpSpPr>
+        <p:grpSpPr>
+          <a:xfrm>
+            <a:off x="7662620" y="4513937"/>
+            <a:ext cx="2260462" cy="2083236"/>
+            <a:chOff x="6306543" y="1057997"/>
+            <a:chExt cx="2860328" cy="2083236"/>
+          </a:xfrm>
+        </p:grpSpPr>
+        <p:sp>
+          <p:nvSpPr>
+            <p:cNvPr id="94" name="Rectangle 93"/>
+            <p:cNvSpPr/>
+            <p:nvPr/>
+          </p:nvSpPr>
+          <p:spPr>
+            <a:xfrm>
+              <a:off x="6306543" y="1067055"/>
+              <a:ext cx="2860328" cy="2074178"/>
+            </a:xfrm>
+            <a:prstGeom prst="rect">
+              <a:avLst/>
+            </a:prstGeom>
+            <a:solidFill>
+              <a:schemeClr val="bg1"/>
+            </a:solidFill>
+            <a:ln>
+              <a:solidFill>
+                <a:schemeClr val="tx1"/>
+              </a:solidFill>
+            </a:ln>
+          </p:spPr>
+          <p:style>
+            <a:lnRef idx="2">
+              <a:schemeClr val="accent1">
+                <a:shade val="50000"/>
+              </a:schemeClr>
+            </a:lnRef>
+            <a:fillRef idx="1">
+              <a:schemeClr val="accent1"/>
+            </a:fillRef>
+            <a:effectRef idx="0">
+              <a:schemeClr val="accent1"/>
+            </a:effectRef>
+            <a:fontRef idx="minor">
+              <a:schemeClr val="lt1"/>
+            </a:fontRef>
+          </p:style>
+          <p:txBody>
+            <a:bodyPr rtlCol="1" anchor="ctr"/>
+            <a:lstStyle/>
+            <a:p>
+              <a:pPr algn="ctr"/>
+              <a:endParaRPr lang="he-IL" sz="1400"/>
+            </a:p>
+          </p:txBody>
+        </p:sp>
+        <p:sp>
+          <p:nvSpPr>
+            <p:cNvPr id="95" name="TextBox 94"/>
+            <p:cNvSpPr txBox="1"/>
+            <p:nvPr/>
+          </p:nvSpPr>
+          <p:spPr>
+            <a:xfrm>
+              <a:off x="6306543" y="1452155"/>
+              <a:ext cx="2860328" cy="523220"/>
+            </a:xfrm>
+            <a:prstGeom prst="rect">
+              <a:avLst/>
+            </a:prstGeom>
+            <a:noFill/>
+          </p:spPr>
+          <p:txBody>
+            <a:bodyPr wrap="square" rtlCol="1">
+              <a:spAutoFit/>
+            </a:bodyPr>
+            <a:lstStyle/>
+            <a:p>
+              <a:pPr algn="l" rtl="0"/>
+              <a:r>
+                <a:rPr lang="en-US" sz="1400" dirty="0" err="1" smtClean="0"/>
+                <a:t>CurrentTab</a:t>
+              </a:r>
+              <a:r>
+                <a:rPr lang="en-US" sz="1400" dirty="0" smtClean="0"/>
+                <a:t/>
+              </a:r>
+              <a:br>
+                <a:rPr lang="en-US" sz="1400" dirty="0" smtClean="0"/>
+              </a:br>
+              <a:r>
+                <a:rPr lang="en-US" sz="1400" dirty="0" err="1" smtClean="0"/>
+                <a:t>CurrentPost</a:t>
+              </a:r>
+              <a:endParaRPr lang="he-IL" sz="1400" dirty="0"/>
+            </a:p>
+          </p:txBody>
+        </p:sp>
+        <p:cxnSp>
+          <p:nvCxnSpPr>
+            <p:cNvPr id="96" name="Straight Connector 95"/>
+            <p:cNvCxnSpPr/>
+            <p:nvPr/>
+          </p:nvCxnSpPr>
+          <p:spPr>
+            <a:xfrm>
+              <a:off x="6306543" y="1437106"/>
+              <a:ext cx="2860328" cy="0"/>
+            </a:xfrm>
+            <a:prstGeom prst="line">
+              <a:avLst/>
+            </a:prstGeom>
+            <a:ln w="25400">
+              <a:solidFill>
+                <a:schemeClr val="tx1"/>
+              </a:solidFill>
+              <a:tailEnd type="none" w="lg" len="lg"/>
+            </a:ln>
+          </p:spPr>
+          <p:style>
+            <a:lnRef idx="1">
+              <a:schemeClr val="accent1"/>
+            </a:lnRef>
+            <a:fillRef idx="0">
+              <a:schemeClr val="accent1"/>
+            </a:fillRef>
+            <a:effectRef idx="0">
+              <a:schemeClr val="accent1"/>
+            </a:effectRef>
+            <a:fontRef idx="minor">
+              <a:schemeClr val="tx1"/>
+            </a:fontRef>
+          </p:style>
+        </p:cxnSp>
+        <p:cxnSp>
+          <p:nvCxnSpPr>
+            <p:cNvPr id="97" name="Straight Connector 96"/>
+            <p:cNvCxnSpPr/>
+            <p:nvPr/>
+          </p:nvCxnSpPr>
+          <p:spPr>
+            <a:xfrm>
+              <a:off x="6306543" y="2190819"/>
+              <a:ext cx="2860328" cy="0"/>
+            </a:xfrm>
+            <a:prstGeom prst="line">
+              <a:avLst/>
+            </a:prstGeom>
+            <a:ln w="25400">
+              <a:solidFill>
+                <a:schemeClr val="tx1"/>
+              </a:solidFill>
+              <a:tailEnd type="none" w="lg" len="lg"/>
+            </a:ln>
+          </p:spPr>
+          <p:style>
+            <a:lnRef idx="1">
+              <a:schemeClr val="accent1"/>
+            </a:lnRef>
+            <a:fillRef idx="0">
+              <a:schemeClr val="accent1"/>
+            </a:fillRef>
+            <a:effectRef idx="0">
+              <a:schemeClr val="accent1"/>
+            </a:effectRef>
+            <a:fontRef idx="minor">
+              <a:schemeClr val="tx1"/>
+            </a:fontRef>
+          </p:style>
+        </p:cxnSp>
+        <p:sp>
+          <p:nvSpPr>
+            <p:cNvPr id="98" name="TextBox 97"/>
+            <p:cNvSpPr txBox="1"/>
+            <p:nvPr/>
+          </p:nvSpPr>
+          <p:spPr>
+            <a:xfrm>
+              <a:off x="6306543" y="1057997"/>
+              <a:ext cx="2860328" cy="307777"/>
+            </a:xfrm>
+            <a:prstGeom prst="rect">
+              <a:avLst/>
+            </a:prstGeom>
+            <a:noFill/>
+          </p:spPr>
+          <p:txBody>
+            <a:bodyPr wrap="square" rtlCol="1">
+              <a:spAutoFit/>
+            </a:bodyPr>
+            <a:lstStyle/>
+            <a:p>
+              <a:pPr algn="l" rtl="0"/>
+              <a:r>
+                <a:rPr lang="en-US" sz="1400" dirty="0" err="1" smtClean="0"/>
+                <a:t>BasicFacebookFunctionailty</a:t>
+              </a:r>
+              <a:endParaRPr lang="he-IL" sz="1400" dirty="0"/>
+            </a:p>
+          </p:txBody>
+        </p:sp>
+        <p:sp>
+          <p:nvSpPr>
+            <p:cNvPr id="99" name="TextBox 98"/>
+            <p:cNvSpPr txBox="1"/>
+            <p:nvPr/>
+          </p:nvSpPr>
+          <p:spPr>
+            <a:xfrm>
+              <a:off x="6306543" y="2183155"/>
+              <a:ext cx="2860328" cy="954107"/>
+            </a:xfrm>
+            <a:prstGeom prst="rect">
+              <a:avLst/>
+            </a:prstGeom>
+            <a:noFill/>
+          </p:spPr>
+          <p:txBody>
+            <a:bodyPr wrap="square" rtlCol="1">
+              <a:spAutoFit/>
+            </a:bodyPr>
+            <a:lstStyle/>
+            <a:p>
+              <a:pPr algn="l" rtl="0"/>
+              <a:r>
+                <a:rPr lang="en-US" sz="1400" dirty="0" smtClean="0"/>
+                <a:t>Change Tab</a:t>
+              </a:r>
+              <a:br>
+                <a:rPr lang="en-US" sz="1400" dirty="0" smtClean="0"/>
+              </a:br>
+              <a:r>
+                <a:rPr lang="en-US" sz="1400" dirty="0" smtClean="0"/>
+                <a:t>Choose Post</a:t>
+              </a:r>
+              <a:br>
+                <a:rPr lang="en-US" sz="1400" dirty="0" smtClean="0"/>
+              </a:br>
+              <a:r>
+                <a:rPr lang="en-US" sz="1400" dirty="0" smtClean="0"/>
+                <a:t>Like Post</a:t>
+              </a:r>
+              <a:br>
+                <a:rPr lang="en-US" sz="1400" dirty="0" smtClean="0"/>
+              </a:br>
+              <a:r>
+                <a:rPr lang="en-US" sz="1400" dirty="0" smtClean="0"/>
+                <a:t>Comment on Post</a:t>
+              </a:r>
+              <a:endParaRPr lang="he-IL" sz="1400" dirty="0"/>
+            </a:p>
+          </p:txBody>
+        </p:sp>
+      </p:grpSp>
+      <p:cxnSp>
+        <p:nvCxnSpPr>
+          <p:cNvPr id="102" name="Straight Arrow Connector 101"/>
+          <p:cNvCxnSpPr>
+            <a:stCxn id="98" idx="0"/>
+            <a:endCxn id="3" idx="2"/>
+          </p:cNvCxnSpPr>
+          <p:nvPr/>
+        </p:nvCxnSpPr>
+        <p:spPr>
+          <a:xfrm flipH="1" flipV="1">
+            <a:off x="8711809" y="2298257"/>
+            <a:ext cx="81042" cy="2215680"/>
+          </a:xfrm>
+          <a:prstGeom prst="straightConnector1">
+            <a:avLst/>
+          </a:prstGeom>
+          <a:ln w="25400">
+            <a:solidFill>
+              <a:schemeClr val="tx1"/>
+            </a:solidFill>
+            <a:tailEnd type="arrow"/>
+          </a:ln>
+        </p:spPr>
+        <p:style>
+          <a:lnRef idx="1">
+            <a:schemeClr val="accent1"/>
+          </a:lnRef>
+          <a:fillRef idx="0">
+            <a:schemeClr val="accent1"/>
+          </a:fillRef>
+          <a:effectRef idx="0">
+            <a:schemeClr val="accent1"/>
+          </a:effectRef>
+          <a:fontRef idx="minor">
+            <a:schemeClr val="tx1"/>
+          </a:fontRef>
+        </p:style>
+      </p:cxnSp>
+      <p:grpSp>
+        <p:nvGrpSpPr>
+          <p:cNvPr id="105" name="Group 104"/>
+          <p:cNvGrpSpPr/>
+          <p:nvPr/>
+        </p:nvGrpSpPr>
+        <p:grpSpPr>
+          <a:xfrm>
+            <a:off x="2757036" y="4951364"/>
+            <a:ext cx="1945478" cy="1616556"/>
+            <a:chOff x="5650958" y="1551149"/>
+            <a:chExt cx="1945478" cy="1907178"/>
+          </a:xfrm>
+        </p:grpSpPr>
+        <p:sp>
+          <p:nvSpPr>
+            <p:cNvPr id="106" name="Rectangle 105"/>
+            <p:cNvSpPr/>
+            <p:nvPr/>
+          </p:nvSpPr>
+          <p:spPr>
+            <a:xfrm>
+              <a:off x="5693357" y="1551149"/>
+              <a:ext cx="1889760" cy="1907178"/>
+            </a:xfrm>
+            <a:prstGeom prst="rect">
+              <a:avLst/>
+            </a:prstGeom>
+            <a:solidFill>
+              <a:schemeClr val="bg1"/>
+            </a:solidFill>
+            <a:ln>
+              <a:solidFill>
+                <a:schemeClr val="tx1"/>
+              </a:solidFill>
+            </a:ln>
+          </p:spPr>
+          <p:style>
+            <a:lnRef idx="2">
+              <a:schemeClr val="accent1">
+                <a:shade val="50000"/>
+              </a:schemeClr>
+            </a:lnRef>
+            <a:fillRef idx="1">
+              <a:schemeClr val="accent1"/>
+            </a:fillRef>
+            <a:effectRef idx="0">
+              <a:schemeClr val="accent1"/>
+            </a:effectRef>
+            <a:fontRef idx="minor">
+              <a:schemeClr val="lt1"/>
+            </a:fontRef>
+          </p:style>
+          <p:txBody>
+            <a:bodyPr rtlCol="1" anchor="ctr"/>
+            <a:lstStyle/>
+            <a:p>
+              <a:pPr algn="ctr"/>
+              <a:r>
+                <a:rPr lang="en-US" sz="1400" dirty="0" smtClean="0"/>
+                <a:t>Get friends</a:t>
+              </a:r>
+              <a:endParaRPr lang="he-IL" sz="1400" dirty="0"/>
+            </a:p>
+          </p:txBody>
+        </p:sp>
+        <p:sp>
+          <p:nvSpPr>
+            <p:cNvPr id="107" name="TextBox 106"/>
+            <p:cNvSpPr txBox="1"/>
+            <p:nvPr/>
+          </p:nvSpPr>
+          <p:spPr>
+            <a:xfrm>
+              <a:off x="5706676" y="1551149"/>
+              <a:ext cx="1889760" cy="363109"/>
+            </a:xfrm>
+            <a:prstGeom prst="rect">
+              <a:avLst/>
+            </a:prstGeom>
+            <a:noFill/>
+          </p:spPr>
+          <p:txBody>
+            <a:bodyPr wrap="square" rtlCol="1">
+              <a:spAutoFit/>
+            </a:bodyPr>
+            <a:lstStyle/>
+            <a:p>
+              <a:pPr algn="l" rtl="0"/>
+              <a:r>
+                <a:rPr lang="en-US" sz="1400" dirty="0" err="1" smtClean="0"/>
+                <a:t>FriendsFetcher</a:t>
+              </a:r>
+              <a:endParaRPr lang="he-IL" sz="1400" dirty="0"/>
+            </a:p>
+          </p:txBody>
+        </p:sp>
+        <p:sp>
+          <p:nvSpPr>
+            <p:cNvPr id="108" name="TextBox 107"/>
+            <p:cNvSpPr txBox="1"/>
+            <p:nvPr/>
+          </p:nvSpPr>
+          <p:spPr>
+            <a:xfrm>
+              <a:off x="5706676" y="1957892"/>
+              <a:ext cx="1889760" cy="363109"/>
+            </a:xfrm>
+            <a:prstGeom prst="rect">
+              <a:avLst/>
+            </a:prstGeom>
+            <a:noFill/>
+          </p:spPr>
+          <p:txBody>
+            <a:bodyPr wrap="square" rtlCol="1">
+              <a:spAutoFit/>
+            </a:bodyPr>
+            <a:lstStyle/>
+            <a:p>
+              <a:pPr algn="l" rtl="0"/>
+              <a:r>
+                <a:rPr lang="en-US" sz="1400" dirty="0" smtClean="0"/>
+                <a:t>friends</a:t>
+              </a:r>
+              <a:endParaRPr lang="he-IL" sz="1400" dirty="0"/>
+            </a:p>
+          </p:txBody>
+        </p:sp>
+        <p:sp>
+          <p:nvSpPr>
+            <p:cNvPr id="109" name="TextBox 108"/>
+            <p:cNvSpPr txBox="1"/>
+            <p:nvPr/>
+          </p:nvSpPr>
+          <p:spPr>
+            <a:xfrm>
+              <a:off x="5650958" y="2503595"/>
+              <a:ext cx="1889760" cy="363109"/>
+            </a:xfrm>
+            <a:prstGeom prst="rect">
+              <a:avLst/>
+            </a:prstGeom>
+            <a:noFill/>
+          </p:spPr>
+          <p:txBody>
+            <a:bodyPr wrap="square" rtlCol="1">
+              <a:spAutoFit/>
+            </a:bodyPr>
+            <a:lstStyle/>
+            <a:p>
+              <a:pPr algn="l" rtl="0"/>
+              <a:r>
+                <a:rPr lang="en-US" sz="1400" dirty="0" smtClean="0"/>
+                <a:t>Get friends</a:t>
+              </a:r>
+              <a:endParaRPr lang="he-IL" sz="1400" dirty="0"/>
+            </a:p>
+          </p:txBody>
+        </p:sp>
+        <p:cxnSp>
+          <p:nvCxnSpPr>
+            <p:cNvPr id="110" name="Straight Connector 109"/>
+            <p:cNvCxnSpPr/>
+            <p:nvPr/>
+          </p:nvCxnSpPr>
+          <p:spPr>
+            <a:xfrm>
+              <a:off x="5693357" y="1957892"/>
+              <a:ext cx="1889760" cy="0"/>
+            </a:xfrm>
+            <a:prstGeom prst="line">
+              <a:avLst/>
+            </a:prstGeom>
+            <a:ln w="25400">
+              <a:solidFill>
+                <a:schemeClr val="tx1"/>
+              </a:solidFill>
+              <a:tailEnd type="none" w="lg" len="lg"/>
+            </a:ln>
+          </p:spPr>
+          <p:style>
+            <a:lnRef idx="1">
+              <a:schemeClr val="accent1"/>
+            </a:lnRef>
+            <a:fillRef idx="0">
+              <a:schemeClr val="accent1"/>
+            </a:fillRef>
+            <a:effectRef idx="0">
+              <a:schemeClr val="accent1"/>
+            </a:effectRef>
+            <a:fontRef idx="minor">
+              <a:schemeClr val="tx1"/>
+            </a:fontRef>
+          </p:style>
+        </p:cxnSp>
+        <p:cxnSp>
+          <p:nvCxnSpPr>
+            <p:cNvPr id="111" name="Straight Connector 110"/>
+            <p:cNvCxnSpPr/>
+            <p:nvPr/>
+          </p:nvCxnSpPr>
+          <p:spPr>
+            <a:xfrm>
+              <a:off x="5680038" y="2548344"/>
+              <a:ext cx="1889760" cy="0"/>
+            </a:xfrm>
+            <a:prstGeom prst="line">
+              <a:avLst/>
+            </a:prstGeom>
+            <a:ln w="25400">
+              <a:solidFill>
+                <a:schemeClr val="tx1"/>
+              </a:solidFill>
+              <a:tailEnd type="none" w="lg" len="lg"/>
+            </a:ln>
+          </p:spPr>
+          <p:style>
+            <a:lnRef idx="1">
+              <a:schemeClr val="accent1"/>
+            </a:lnRef>
+            <a:fillRef idx="0">
+              <a:schemeClr val="accent1"/>
+            </a:fillRef>
+            <a:effectRef idx="0">
+              <a:schemeClr val="accent1"/>
+            </a:effectRef>
+            <a:fontRef idx="minor">
+              <a:schemeClr val="tx1"/>
+            </a:fontRef>
+          </p:style>
+        </p:cxnSp>
+      </p:grpSp>
+      <p:cxnSp>
+        <p:nvCxnSpPr>
+          <p:cNvPr id="112" name="Straight Arrow Connector 111"/>
+          <p:cNvCxnSpPr>
+            <a:stCxn id="106" idx="3"/>
+            <a:endCxn id="8" idx="2"/>
+          </p:cNvCxnSpPr>
+          <p:nvPr/>
+        </p:nvCxnSpPr>
+        <p:spPr>
+          <a:xfrm flipV="1">
+            <a:off x="4689195" y="2294286"/>
+            <a:ext cx="4022614" cy="3465356"/>
+          </a:xfrm>
+          <a:prstGeom prst="straightConnector1">
+            <a:avLst/>
+          </a:prstGeom>
+          <a:ln w="25400">
+            <a:solidFill>
+              <a:schemeClr val="tx1"/>
+            </a:solidFill>
+            <a:tailEnd type="arrow"/>
+          </a:ln>
+        </p:spPr>
+        <p:style>
+          <a:lnRef idx="1">
+            <a:schemeClr val="accent1"/>
+          </a:lnRef>
+          <a:fillRef idx="0">
+            <a:schemeClr val="accent1"/>
+          </a:fillRef>
+          <a:effectRef idx="0">
+            <a:schemeClr val="accent1"/>
+          </a:effectRef>
+          <a:fontRef idx="minor">
+            <a:schemeClr val="tx1"/>
+          </a:fontRef>
+        </p:style>
+      </p:cxnSp>
+      <p:grpSp>
+        <p:nvGrpSpPr>
+          <p:cNvPr id="113" name="Group 112"/>
+          <p:cNvGrpSpPr/>
+          <p:nvPr/>
+        </p:nvGrpSpPr>
+        <p:grpSpPr>
+          <a:xfrm>
+            <a:off x="4664525" y="3369076"/>
+            <a:ext cx="1945478" cy="1616556"/>
+            <a:chOff x="5650958" y="1551149"/>
+            <a:chExt cx="1945478" cy="1907178"/>
+          </a:xfrm>
+        </p:grpSpPr>
+        <p:sp>
+          <p:nvSpPr>
+            <p:cNvPr id="114" name="Rectangle 113"/>
+            <p:cNvSpPr/>
+            <p:nvPr/>
+          </p:nvSpPr>
+          <p:spPr>
+            <a:xfrm>
+              <a:off x="5693357" y="1551149"/>
+              <a:ext cx="1889760" cy="1907178"/>
+            </a:xfrm>
+            <a:prstGeom prst="rect">
+              <a:avLst/>
+            </a:prstGeom>
+            <a:solidFill>
+              <a:schemeClr val="bg1"/>
+            </a:solidFill>
+            <a:ln>
+              <a:solidFill>
+                <a:schemeClr val="tx1"/>
+              </a:solidFill>
+            </a:ln>
+          </p:spPr>
+          <p:style>
+            <a:lnRef idx="2">
+              <a:schemeClr val="accent1">
+                <a:shade val="50000"/>
+              </a:schemeClr>
+            </a:lnRef>
+            <a:fillRef idx="1">
+              <a:schemeClr val="accent1"/>
+            </a:fillRef>
+            <a:effectRef idx="0">
+              <a:schemeClr val="accent1"/>
+            </a:effectRef>
+            <a:fontRef idx="minor">
+              <a:schemeClr val="lt1"/>
+            </a:fontRef>
+          </p:style>
+          <p:txBody>
+            <a:bodyPr rtlCol="1" anchor="ctr"/>
+            <a:lstStyle/>
+            <a:p>
+              <a:pPr algn="ctr"/>
+              <a:endParaRPr lang="he-IL" sz="1400"/>
+            </a:p>
+          </p:txBody>
+        </p:sp>
+        <p:sp>
+          <p:nvSpPr>
+            <p:cNvPr id="115" name="TextBox 114"/>
+            <p:cNvSpPr txBox="1"/>
+            <p:nvPr/>
+          </p:nvSpPr>
+          <p:spPr>
+            <a:xfrm>
+              <a:off x="5706676" y="1551150"/>
+              <a:ext cx="1889760" cy="363109"/>
+            </a:xfrm>
+            <a:prstGeom prst="rect">
+              <a:avLst/>
+            </a:prstGeom>
+            <a:noFill/>
+          </p:spPr>
+          <p:txBody>
+            <a:bodyPr wrap="square" rtlCol="1">
+              <a:spAutoFit/>
+            </a:bodyPr>
+            <a:lstStyle/>
+            <a:p>
+              <a:pPr algn="l" rtl="0"/>
+              <a:r>
+                <a:rPr lang="en-US" sz="1400" dirty="0" err="1" smtClean="0"/>
+                <a:t>FriendListManager</a:t>
+              </a:r>
+              <a:endParaRPr lang="he-IL" sz="1400" dirty="0"/>
+            </a:p>
+          </p:txBody>
+        </p:sp>
+        <p:sp>
+          <p:nvSpPr>
+            <p:cNvPr id="116" name="TextBox 115"/>
+            <p:cNvSpPr txBox="1"/>
+            <p:nvPr/>
+          </p:nvSpPr>
+          <p:spPr>
+            <a:xfrm>
+              <a:off x="5706676" y="1957892"/>
+              <a:ext cx="1889760" cy="617284"/>
+            </a:xfrm>
+            <a:prstGeom prst="rect">
+              <a:avLst/>
+            </a:prstGeom>
+            <a:noFill/>
+          </p:spPr>
+          <p:txBody>
+            <a:bodyPr wrap="square" rtlCol="1">
+              <a:spAutoFit/>
+            </a:bodyPr>
+            <a:lstStyle/>
+            <a:p>
+              <a:pPr algn="l" rtl="0"/>
+              <a:r>
+                <a:rPr lang="en-US" sz="1400" dirty="0" smtClean="0"/>
+                <a:t>User’s friends</a:t>
+              </a:r>
+            </a:p>
+            <a:p>
+              <a:pPr algn="l" rtl="0"/>
+              <a:r>
+                <a:rPr lang="en-US" sz="1400" dirty="0" smtClean="0"/>
+                <a:t>Friends by Id</a:t>
+              </a:r>
+              <a:endParaRPr lang="he-IL" sz="1400" dirty="0"/>
+            </a:p>
+          </p:txBody>
+        </p:sp>
+        <p:sp>
+          <p:nvSpPr>
+            <p:cNvPr id="117" name="TextBox 116"/>
+            <p:cNvSpPr txBox="1"/>
+            <p:nvPr/>
+          </p:nvSpPr>
+          <p:spPr>
+            <a:xfrm>
+              <a:off x="5650958" y="2503595"/>
+              <a:ext cx="1889760" cy="617284"/>
+            </a:xfrm>
+            <a:prstGeom prst="rect">
+              <a:avLst/>
+            </a:prstGeom>
+            <a:noFill/>
+          </p:spPr>
+          <p:txBody>
+            <a:bodyPr wrap="square" rtlCol="1">
+              <a:spAutoFit/>
+            </a:bodyPr>
+            <a:lstStyle/>
+            <a:p>
+              <a:pPr algn="l" rtl="0"/>
+              <a:r>
+                <a:rPr lang="en-US" sz="1400" dirty="0" smtClean="0"/>
+                <a:t>Get all relevant friends</a:t>
+              </a:r>
+            </a:p>
+            <a:p>
+              <a:pPr algn="l" rtl="0"/>
+              <a:r>
+                <a:rPr lang="en-US" sz="1400" dirty="0" smtClean="0"/>
+                <a:t>Get all friends’ lists</a:t>
+              </a:r>
+              <a:endParaRPr lang="he-IL" sz="1400" dirty="0"/>
+            </a:p>
+          </p:txBody>
+        </p:sp>
+        <p:cxnSp>
+          <p:nvCxnSpPr>
+            <p:cNvPr id="118" name="Straight Connector 117"/>
+            <p:cNvCxnSpPr/>
+            <p:nvPr/>
+          </p:nvCxnSpPr>
+          <p:spPr>
+            <a:xfrm>
+              <a:off x="5693357" y="1957892"/>
+              <a:ext cx="1889760" cy="0"/>
+            </a:xfrm>
+            <a:prstGeom prst="line">
+              <a:avLst/>
+            </a:prstGeom>
+            <a:ln w="25400">
+              <a:solidFill>
+                <a:schemeClr val="tx1"/>
+              </a:solidFill>
+              <a:tailEnd type="none" w="lg" len="lg"/>
+            </a:ln>
+          </p:spPr>
+          <p:style>
+            <a:lnRef idx="1">
+              <a:schemeClr val="accent1"/>
+            </a:lnRef>
+            <a:fillRef idx="0">
+              <a:schemeClr val="accent1"/>
+            </a:fillRef>
+            <a:effectRef idx="0">
+              <a:schemeClr val="accent1"/>
+            </a:effectRef>
+            <a:fontRef idx="minor">
+              <a:schemeClr val="tx1"/>
+            </a:fontRef>
+          </p:style>
+        </p:cxnSp>
+        <p:cxnSp>
+          <p:nvCxnSpPr>
+            <p:cNvPr id="119" name="Straight Connector 118"/>
+            <p:cNvCxnSpPr/>
+            <p:nvPr/>
+          </p:nvCxnSpPr>
+          <p:spPr>
+            <a:xfrm>
+              <a:off x="5680038" y="2548344"/>
+              <a:ext cx="1889760" cy="0"/>
+            </a:xfrm>
+            <a:prstGeom prst="line">
+              <a:avLst/>
+            </a:prstGeom>
+            <a:ln w="25400">
+              <a:solidFill>
+                <a:schemeClr val="tx1"/>
+              </a:solidFill>
+              <a:tailEnd type="none" w="lg" len="lg"/>
+            </a:ln>
+          </p:spPr>
+          <p:style>
+            <a:lnRef idx="1">
+              <a:schemeClr val="accent1"/>
+            </a:lnRef>
+            <a:fillRef idx="0">
+              <a:schemeClr val="accent1"/>
+            </a:fillRef>
+            <a:effectRef idx="0">
+              <a:schemeClr val="accent1"/>
+            </a:effectRef>
+            <a:fontRef idx="minor">
+              <a:schemeClr val="tx1"/>
+            </a:fontRef>
+          </p:style>
+        </p:cxnSp>
+      </p:grpSp>
+      <p:cxnSp>
+        <p:nvCxnSpPr>
+          <p:cNvPr id="120" name="Straight Arrow Connector 119"/>
+          <p:cNvCxnSpPr>
+            <a:stCxn id="114" idx="3"/>
+            <a:endCxn id="3" idx="2"/>
+          </p:cNvCxnSpPr>
+          <p:nvPr/>
+        </p:nvCxnSpPr>
+        <p:spPr>
+          <a:xfrm flipV="1">
+            <a:off x="6596684" y="2298257"/>
+            <a:ext cx="2115125" cy="1879097"/>
+          </a:xfrm>
+          <a:prstGeom prst="straightConnector1">
+            <a:avLst/>
+          </a:prstGeom>
+          <a:ln w="25400">
+            <a:solidFill>
+              <a:schemeClr val="tx1"/>
+            </a:solidFill>
+            <a:tailEnd type="arrow"/>
+          </a:ln>
+        </p:spPr>
+        <p:style>
+          <a:lnRef idx="1">
+            <a:schemeClr val="accent1"/>
+          </a:lnRef>
+          <a:fillRef idx="0">
+            <a:schemeClr val="accent1"/>
+          </a:fillRef>
+          <a:effectRef idx="0">
+            <a:schemeClr val="accent1"/>
+          </a:effectRef>
+          <a:fontRef idx="minor">
+            <a:schemeClr val="tx1"/>
+          </a:fontRef>
+        </p:style>
+      </p:cxnSp>
+      <p:grpSp>
+        <p:nvGrpSpPr>
+          <p:cNvPr id="121" name="Group 120"/>
+          <p:cNvGrpSpPr/>
+          <p:nvPr/>
+        </p:nvGrpSpPr>
+        <p:grpSpPr>
+          <a:xfrm>
+            <a:off x="5228476" y="5119656"/>
+            <a:ext cx="1945478" cy="1616556"/>
+            <a:chOff x="5650958" y="1551149"/>
+            <a:chExt cx="1945478" cy="1907178"/>
+          </a:xfrm>
+        </p:grpSpPr>
+        <p:sp>
+          <p:nvSpPr>
+            <p:cNvPr id="122" name="Rectangle 121"/>
+            <p:cNvSpPr/>
+            <p:nvPr/>
+          </p:nvSpPr>
+          <p:spPr>
+            <a:xfrm>
+              <a:off x="5693357" y="1551149"/>
+              <a:ext cx="1889760" cy="1907178"/>
+            </a:xfrm>
+            <a:prstGeom prst="rect">
+              <a:avLst/>
+            </a:prstGeom>
+            <a:solidFill>
+              <a:schemeClr val="bg1"/>
+            </a:solidFill>
+            <a:ln>
+              <a:solidFill>
+                <a:schemeClr val="tx1"/>
+              </a:solidFill>
+            </a:ln>
+          </p:spPr>
+          <p:style>
+            <a:lnRef idx="2">
+              <a:schemeClr val="accent1">
+                <a:shade val="50000"/>
+              </a:schemeClr>
+            </a:lnRef>
+            <a:fillRef idx="1">
+              <a:schemeClr val="accent1"/>
+            </a:fillRef>
+            <a:effectRef idx="0">
+              <a:schemeClr val="accent1"/>
+            </a:effectRef>
+            <a:fontRef idx="minor">
+              <a:schemeClr val="lt1"/>
+            </a:fontRef>
+          </p:style>
+          <p:txBody>
+            <a:bodyPr rtlCol="1" anchor="ctr"/>
+            <a:lstStyle/>
+            <a:p>
+              <a:pPr algn="ctr"/>
+              <a:endParaRPr lang="he-IL" sz="1400"/>
+            </a:p>
+          </p:txBody>
+        </p:sp>
+        <p:sp>
+          <p:nvSpPr>
+            <p:cNvPr id="123" name="TextBox 122"/>
+            <p:cNvSpPr txBox="1"/>
+            <p:nvPr/>
+          </p:nvSpPr>
+          <p:spPr>
+            <a:xfrm>
+              <a:off x="5706676" y="1551149"/>
+              <a:ext cx="1889760" cy="363109"/>
+            </a:xfrm>
+            <a:prstGeom prst="rect">
+              <a:avLst/>
+            </a:prstGeom>
+            <a:noFill/>
+          </p:spPr>
+          <p:txBody>
+            <a:bodyPr wrap="square" rtlCol="1">
+              <a:spAutoFit/>
+            </a:bodyPr>
+            <a:lstStyle/>
+            <a:p>
+              <a:pPr algn="l" rtl="0"/>
+              <a:r>
+                <a:rPr lang="en-US" sz="1400" dirty="0" err="1" smtClean="0"/>
+                <a:t>InterestChecker</a:t>
+              </a:r>
+              <a:endParaRPr lang="he-IL" sz="1400" dirty="0"/>
+            </a:p>
+          </p:txBody>
+        </p:sp>
+        <p:sp>
+          <p:nvSpPr>
+            <p:cNvPr id="124" name="TextBox 123"/>
+            <p:cNvSpPr txBox="1"/>
+            <p:nvPr/>
+          </p:nvSpPr>
+          <p:spPr>
+            <a:xfrm>
+              <a:off x="5706676" y="1957892"/>
+              <a:ext cx="1889760" cy="363109"/>
+            </a:xfrm>
+            <a:prstGeom prst="rect">
+              <a:avLst/>
+            </a:prstGeom>
+            <a:noFill/>
+          </p:spPr>
+          <p:txBody>
+            <a:bodyPr wrap="square" rtlCol="1">
+              <a:spAutoFit/>
+            </a:bodyPr>
+            <a:lstStyle/>
+            <a:p>
+              <a:pPr algn="l" rtl="0"/>
+              <a:r>
+                <a:rPr lang="en-US" sz="1400" dirty="0" smtClean="0"/>
+                <a:t>User comparer</a:t>
+              </a:r>
+              <a:endParaRPr lang="he-IL" sz="1400" dirty="0"/>
+            </a:p>
+          </p:txBody>
+        </p:sp>
+        <p:sp>
+          <p:nvSpPr>
+            <p:cNvPr id="125" name="TextBox 124"/>
+            <p:cNvSpPr txBox="1"/>
+            <p:nvPr/>
+          </p:nvSpPr>
+          <p:spPr>
+            <a:xfrm>
+              <a:off x="5650958" y="2503595"/>
+              <a:ext cx="1889760" cy="363109"/>
+            </a:xfrm>
+            <a:prstGeom prst="rect">
+              <a:avLst/>
+            </a:prstGeom>
+            <a:noFill/>
+          </p:spPr>
+          <p:txBody>
+            <a:bodyPr wrap="square" rtlCol="1">
+              <a:spAutoFit/>
+            </a:bodyPr>
+            <a:lstStyle/>
+            <a:p>
+              <a:pPr algn="l" rtl="0"/>
+              <a:r>
+                <a:rPr lang="en-US" sz="1400" dirty="0" smtClean="0"/>
+                <a:t>Find interested friends</a:t>
+              </a:r>
+              <a:endParaRPr lang="he-IL" sz="1400" dirty="0"/>
+            </a:p>
+          </p:txBody>
+        </p:sp>
+        <p:cxnSp>
+          <p:nvCxnSpPr>
+            <p:cNvPr id="126" name="Straight Connector 125"/>
+            <p:cNvCxnSpPr/>
+            <p:nvPr/>
+          </p:nvCxnSpPr>
+          <p:spPr>
+            <a:xfrm>
+              <a:off x="5693357" y="1957892"/>
+              <a:ext cx="1889760" cy="0"/>
+            </a:xfrm>
+            <a:prstGeom prst="line">
+              <a:avLst/>
+            </a:prstGeom>
+            <a:ln w="25400">
+              <a:solidFill>
+                <a:schemeClr val="tx1"/>
+              </a:solidFill>
+              <a:tailEnd type="none" w="lg" len="lg"/>
+            </a:ln>
+          </p:spPr>
+          <p:style>
+            <a:lnRef idx="1">
+              <a:schemeClr val="accent1"/>
+            </a:lnRef>
+            <a:fillRef idx="0">
+              <a:schemeClr val="accent1"/>
+            </a:fillRef>
+            <a:effectRef idx="0">
+              <a:schemeClr val="accent1"/>
+            </a:effectRef>
+            <a:fontRef idx="minor">
+              <a:schemeClr val="tx1"/>
+            </a:fontRef>
+          </p:style>
+        </p:cxnSp>
+        <p:cxnSp>
+          <p:nvCxnSpPr>
+            <p:cNvPr id="127" name="Straight Connector 126"/>
+            <p:cNvCxnSpPr/>
+            <p:nvPr/>
+          </p:nvCxnSpPr>
+          <p:spPr>
+            <a:xfrm>
+              <a:off x="5680038" y="2548344"/>
+              <a:ext cx="1889760" cy="0"/>
+            </a:xfrm>
+            <a:prstGeom prst="line">
+              <a:avLst/>
+            </a:prstGeom>
+            <a:ln w="25400">
+              <a:solidFill>
+                <a:schemeClr val="tx1"/>
+              </a:solidFill>
+              <a:tailEnd type="none" w="lg" len="lg"/>
+            </a:ln>
+          </p:spPr>
+          <p:style>
+            <a:lnRef idx="1">
+              <a:schemeClr val="accent1"/>
+            </a:lnRef>
+            <a:fillRef idx="0">
+              <a:schemeClr val="accent1"/>
+            </a:fillRef>
+            <a:effectRef idx="0">
+              <a:schemeClr val="accent1"/>
+            </a:effectRef>
+            <a:fontRef idx="minor">
+              <a:schemeClr val="tx1"/>
+            </a:fontRef>
+          </p:style>
+        </p:cxnSp>
+      </p:grpSp>
+      <p:cxnSp>
+        <p:nvCxnSpPr>
+          <p:cNvPr id="128" name="Straight Arrow Connector 127"/>
+          <p:cNvCxnSpPr>
+            <a:stCxn id="122" idx="3"/>
+            <a:endCxn id="3" idx="2"/>
+          </p:cNvCxnSpPr>
+          <p:nvPr/>
+        </p:nvCxnSpPr>
+        <p:spPr>
+          <a:xfrm flipV="1">
+            <a:off x="7160635" y="2298257"/>
+            <a:ext cx="1551174" cy="3629677"/>
+          </a:xfrm>
+          <a:prstGeom prst="straightConnector1">
+            <a:avLst/>
+          </a:prstGeom>
+          <a:ln w="25400">
+            <a:solidFill>
+              <a:schemeClr val="tx1"/>
+            </a:solidFill>
+            <a:tailEnd type="arrow"/>
+          </a:ln>
+        </p:spPr>
+        <p:style>
+          <a:lnRef idx="1">
+            <a:schemeClr val="accent1"/>
+          </a:lnRef>
+          <a:fillRef idx="0">
+            <a:schemeClr val="accent1"/>
+          </a:fillRef>
+          <a:effectRef idx="0">
+            <a:schemeClr val="accent1"/>
+          </a:effectRef>
+          <a:fontRef idx="minor">
+            <a:schemeClr val="tx1"/>
+          </a:fontRef>
+        </p:style>
+      </p:cxnSp>
+      <p:grpSp>
+        <p:nvGrpSpPr>
+          <p:cNvPr id="142" name="Group 141"/>
+          <p:cNvGrpSpPr/>
+          <p:nvPr/>
+        </p:nvGrpSpPr>
+        <p:grpSpPr>
+          <a:xfrm>
+            <a:off x="574486" y="4658010"/>
+            <a:ext cx="1945478" cy="1616556"/>
+            <a:chOff x="5650958" y="1551149"/>
+            <a:chExt cx="1945478" cy="1907178"/>
+          </a:xfrm>
+        </p:grpSpPr>
+        <p:sp>
+          <p:nvSpPr>
+            <p:cNvPr id="143" name="Rectangle 142"/>
+            <p:cNvSpPr/>
+            <p:nvPr/>
+          </p:nvSpPr>
+          <p:spPr>
+            <a:xfrm>
+              <a:off x="5693357" y="1551149"/>
+              <a:ext cx="1889760" cy="1907178"/>
+            </a:xfrm>
+            <a:prstGeom prst="rect">
+              <a:avLst/>
+            </a:prstGeom>
+            <a:solidFill>
+              <a:schemeClr val="bg1"/>
+            </a:solidFill>
+            <a:ln>
+              <a:solidFill>
+                <a:schemeClr val="tx1"/>
+              </a:solidFill>
+            </a:ln>
+          </p:spPr>
+          <p:style>
+            <a:lnRef idx="2">
+              <a:schemeClr val="accent1">
+                <a:shade val="50000"/>
+              </a:schemeClr>
+            </a:lnRef>
+            <a:fillRef idx="1">
+              <a:schemeClr val="accent1"/>
+            </a:fillRef>
+            <a:effectRef idx="0">
+              <a:schemeClr val="accent1"/>
+            </a:effectRef>
+            <a:fontRef idx="minor">
+              <a:schemeClr val="lt1"/>
+            </a:fontRef>
+          </p:style>
+          <p:txBody>
+            <a:bodyPr rtlCol="1" anchor="ctr"/>
+            <a:lstStyle/>
+            <a:p>
+              <a:pPr algn="ctr"/>
+              <a:r>
+                <a:rPr lang="en-US" sz="1400" dirty="0" smtClean="0"/>
+                <a:t>Get friends</a:t>
+              </a:r>
+              <a:endParaRPr lang="he-IL" sz="1400" dirty="0"/>
+            </a:p>
+          </p:txBody>
+        </p:sp>
+        <p:sp>
+          <p:nvSpPr>
+            <p:cNvPr id="144" name="TextBox 143"/>
+            <p:cNvSpPr txBox="1"/>
+            <p:nvPr/>
+          </p:nvSpPr>
+          <p:spPr>
+            <a:xfrm>
+              <a:off x="5706676" y="1551149"/>
+              <a:ext cx="1889760" cy="363109"/>
+            </a:xfrm>
+            <a:prstGeom prst="rect">
+              <a:avLst/>
+            </a:prstGeom>
+            <a:noFill/>
+          </p:spPr>
+          <p:txBody>
+            <a:bodyPr wrap="square" rtlCol="1">
+              <a:spAutoFit/>
+            </a:bodyPr>
+            <a:lstStyle/>
+            <a:p>
+              <a:pPr algn="l" rtl="0"/>
+              <a:r>
+                <a:rPr lang="en-US" sz="1400" dirty="0" smtClean="0"/>
+                <a:t>Inbox manager</a:t>
+              </a:r>
+              <a:endParaRPr lang="he-IL" sz="1400" dirty="0"/>
+            </a:p>
+          </p:txBody>
+        </p:sp>
+        <p:sp>
+          <p:nvSpPr>
+            <p:cNvPr id="145" name="TextBox 144"/>
+            <p:cNvSpPr txBox="1"/>
+            <p:nvPr/>
+          </p:nvSpPr>
+          <p:spPr>
+            <a:xfrm>
+              <a:off x="5706676" y="1957892"/>
+              <a:ext cx="1889760" cy="617284"/>
+            </a:xfrm>
+            <a:prstGeom prst="rect">
+              <a:avLst/>
+            </a:prstGeom>
+            <a:noFill/>
+          </p:spPr>
+          <p:txBody>
+            <a:bodyPr wrap="square" rtlCol="1">
+              <a:spAutoFit/>
+            </a:bodyPr>
+            <a:lstStyle/>
+            <a:p>
+              <a:pPr algn="l" rtl="0"/>
+              <a:r>
+                <a:rPr lang="en-US" sz="1400" dirty="0" smtClean="0"/>
+                <a:t>Get threads</a:t>
+              </a:r>
+            </a:p>
+            <a:p>
+              <a:pPr algn="l" rtl="0"/>
+              <a:r>
+                <a:rPr lang="en-US" sz="1400" dirty="0" smtClean="0"/>
+                <a:t>Get friends’ names</a:t>
+              </a:r>
+              <a:endParaRPr lang="he-IL" sz="1400" dirty="0"/>
+            </a:p>
+          </p:txBody>
+        </p:sp>
+        <p:sp>
+          <p:nvSpPr>
+            <p:cNvPr id="146" name="TextBox 145"/>
+            <p:cNvSpPr txBox="1"/>
+            <p:nvPr/>
+          </p:nvSpPr>
+          <p:spPr>
+            <a:xfrm>
+              <a:off x="5650958" y="2503595"/>
+              <a:ext cx="1889760" cy="363109"/>
+            </a:xfrm>
+            <a:prstGeom prst="rect">
+              <a:avLst/>
+            </a:prstGeom>
+            <a:noFill/>
+          </p:spPr>
+          <p:txBody>
+            <a:bodyPr wrap="square" rtlCol="1">
+              <a:spAutoFit/>
+            </a:bodyPr>
+            <a:lstStyle/>
+            <a:p>
+              <a:pPr algn="l" rtl="0"/>
+              <a:r>
+                <a:rPr lang="en-US" sz="1400" dirty="0" smtClean="0"/>
+                <a:t>Get friends</a:t>
+              </a:r>
+              <a:endParaRPr lang="he-IL" sz="1400" dirty="0"/>
+            </a:p>
+          </p:txBody>
+        </p:sp>
+        <p:cxnSp>
+          <p:nvCxnSpPr>
+            <p:cNvPr id="147" name="Straight Connector 146"/>
+            <p:cNvCxnSpPr/>
+            <p:nvPr/>
+          </p:nvCxnSpPr>
+          <p:spPr>
+            <a:xfrm>
+              <a:off x="5693357" y="1957892"/>
+              <a:ext cx="1889760" cy="0"/>
+            </a:xfrm>
+            <a:prstGeom prst="line">
+              <a:avLst/>
+            </a:prstGeom>
+            <a:ln w="25400">
+              <a:solidFill>
+                <a:schemeClr val="tx1"/>
+              </a:solidFill>
+              <a:tailEnd type="none" w="lg" len="lg"/>
+            </a:ln>
+          </p:spPr>
+          <p:style>
+            <a:lnRef idx="1">
+              <a:schemeClr val="accent1"/>
+            </a:lnRef>
+            <a:fillRef idx="0">
+              <a:schemeClr val="accent1"/>
+            </a:fillRef>
+            <a:effectRef idx="0">
+              <a:schemeClr val="accent1"/>
+            </a:effectRef>
+            <a:fontRef idx="minor">
+              <a:schemeClr val="tx1"/>
+            </a:fontRef>
+          </p:style>
+        </p:cxnSp>
+        <p:cxnSp>
+          <p:nvCxnSpPr>
+            <p:cNvPr id="148" name="Straight Connector 147"/>
+            <p:cNvCxnSpPr/>
+            <p:nvPr/>
+          </p:nvCxnSpPr>
+          <p:spPr>
+            <a:xfrm>
+              <a:off x="5680038" y="2548344"/>
+              <a:ext cx="1889760" cy="0"/>
+            </a:xfrm>
+            <a:prstGeom prst="line">
+              <a:avLst/>
+            </a:prstGeom>
+            <a:ln w="25400">
+              <a:solidFill>
+                <a:schemeClr val="tx1"/>
+              </a:solidFill>
+              <a:tailEnd type="none" w="lg" len="lg"/>
+            </a:ln>
+          </p:spPr>
+          <p:style>
+            <a:lnRef idx="1">
+              <a:schemeClr val="accent1"/>
+            </a:lnRef>
+            <a:fillRef idx="0">
+              <a:schemeClr val="accent1"/>
+            </a:fillRef>
+            <a:effectRef idx="0">
+              <a:schemeClr val="accent1"/>
+            </a:effectRef>
+            <a:fontRef idx="minor">
+              <a:schemeClr val="tx1"/>
+            </a:fontRef>
+          </p:style>
+        </p:cxnSp>
+      </p:grpSp>
     </p:spTree>
     <p:extLst>
       <p:ext uri="{BB962C8B-B14F-4D97-AF65-F5344CB8AC3E}">

--- a/ex01/sequence diagrams.pptx
+++ b/ex01/sequence diagrams.pptx
@@ -3419,7 +3419,7 @@
         </p:nvCxnSpPr>
         <p:spPr>
           <a:xfrm flipH="1">
-            <a:off x="6167991" y="1572441"/>
+            <a:off x="7093149" y="1572441"/>
             <a:ext cx="38274" cy="5059271"/>
           </a:xfrm>
           <a:prstGeom prst="line">
@@ -3455,7 +3455,7 @@
         </p:nvSpPr>
         <p:spPr>
           <a:xfrm>
-            <a:off x="-207962" y="1037514"/>
+            <a:off x="717196" y="1037514"/>
             <a:ext cx="2141850" cy="502760"/>
           </a:xfrm>
           <a:prstGeom prst="rect">
@@ -3515,8 +3515,8 @@
         </p:nvCxnSpPr>
         <p:spPr>
           <a:xfrm flipH="1">
-            <a:off x="773921" y="1540274"/>
-            <a:ext cx="89042" cy="5073897"/>
+            <a:off x="1753496" y="1540274"/>
+            <a:ext cx="34625" cy="5054164"/>
           </a:xfrm>
           <a:prstGeom prst="line">
             <a:avLst/>
@@ -3551,7 +3551,7 @@
         </p:nvSpPr>
         <p:spPr>
           <a:xfrm>
-            <a:off x="2795282" y="986594"/>
+            <a:off x="3720440" y="986594"/>
             <a:ext cx="1538164" cy="502760"/>
           </a:xfrm>
           <a:prstGeom prst="rect">
@@ -3611,7 +3611,7 @@
         </p:nvCxnSpPr>
         <p:spPr>
           <a:xfrm>
-            <a:off x="3564364" y="1489354"/>
+            <a:off x="4489522" y="1489354"/>
             <a:ext cx="17932" cy="5137357"/>
           </a:xfrm>
           <a:prstGeom prst="line">
@@ -3647,7 +3647,7 @@
         </p:nvGrpSpPr>
         <p:grpSpPr>
           <a:xfrm>
-            <a:off x="842353" y="1819112"/>
+            <a:off x="1767511" y="1819112"/>
             <a:ext cx="5643434" cy="3572828"/>
             <a:chOff x="2736132" y="897200"/>
             <a:chExt cx="7258679" cy="1048646"/>
@@ -3833,7 +3833,7 @@
         </p:nvSpPr>
         <p:spPr>
           <a:xfrm>
-            <a:off x="5636440" y="1075569"/>
+            <a:off x="6561598" y="1075569"/>
             <a:ext cx="1134956" cy="502760"/>
           </a:xfrm>
           <a:prstGeom prst="rect">
@@ -3891,7 +3891,7 @@
         </p:nvSpPr>
         <p:spPr>
           <a:xfrm>
-            <a:off x="2313454" y="184151"/>
+            <a:off x="3238612" y="184151"/>
             <a:ext cx="5218535" cy="369332"/>
           </a:xfrm>
           <a:prstGeom prst="rect">
@@ -3921,7 +3921,7 @@
         </p:nvGrpSpPr>
         <p:grpSpPr>
           <a:xfrm>
-            <a:off x="3645063" y="2306509"/>
+            <a:off x="4570221" y="2306509"/>
             <a:ext cx="2619869" cy="1261303"/>
             <a:chOff x="2767887" y="897200"/>
             <a:chExt cx="3575041" cy="1048646"/>
@@ -4057,7 +4057,7 @@
         </p:nvCxnSpPr>
         <p:spPr>
           <a:xfrm flipH="1" flipV="1">
-            <a:off x="830091" y="6232307"/>
+            <a:off x="1755249" y="6232307"/>
             <a:ext cx="665493" cy="6830"/>
           </a:xfrm>
           <a:prstGeom prst="straightConnector1">
@@ -4093,7 +4093,7 @@
         </p:nvCxnSpPr>
         <p:spPr>
           <a:xfrm flipH="1" flipV="1">
-            <a:off x="1495584" y="5740558"/>
+            <a:off x="2420742" y="5740558"/>
             <a:ext cx="1" cy="504978"/>
           </a:xfrm>
           <a:prstGeom prst="line">
@@ -4129,7 +4129,7 @@
         </p:nvCxnSpPr>
         <p:spPr>
           <a:xfrm flipH="1">
-            <a:off x="853273" y="5761224"/>
+            <a:off x="1778431" y="5761224"/>
             <a:ext cx="642311" cy="0"/>
           </a:xfrm>
           <a:prstGeom prst="line">
@@ -4165,7 +4165,7 @@
         </p:nvSpPr>
         <p:spPr>
           <a:xfrm>
-            <a:off x="2485815" y="5273941"/>
+            <a:off x="3410973" y="5273941"/>
             <a:ext cx="1742594" cy="307777"/>
           </a:xfrm>
           <a:prstGeom prst="rect">
@@ -4196,7 +4196,7 @@
         </p:nvGrpSpPr>
         <p:grpSpPr>
           <a:xfrm>
-            <a:off x="3632448" y="3957573"/>
+            <a:off x="4557606" y="3957573"/>
             <a:ext cx="2619869" cy="1261303"/>
             <a:chOff x="2767887" y="897200"/>
             <a:chExt cx="3575041" cy="1048646"/>
@@ -4332,7 +4332,7 @@
         </p:nvSpPr>
         <p:spPr>
           <a:xfrm>
-            <a:off x="5614490" y="3503731"/>
+            <a:off x="6539648" y="3503731"/>
             <a:ext cx="1742594" cy="307777"/>
           </a:xfrm>
           <a:prstGeom prst="rect">
@@ -4363,7 +4363,7 @@
         </p:nvSpPr>
         <p:spPr>
           <a:xfrm>
-            <a:off x="3673842" y="3728731"/>
+            <a:off x="4599000" y="3728731"/>
             <a:ext cx="2840724" cy="307779"/>
           </a:xfrm>
           <a:prstGeom prst="rect">
@@ -4398,7 +4398,7 @@
         </p:nvSpPr>
         <p:spPr>
           <a:xfrm>
-            <a:off x="5609922" y="5128563"/>
+            <a:off x="6535080" y="5128563"/>
             <a:ext cx="1742594" cy="307777"/>
           </a:xfrm>
           <a:prstGeom prst="rect">
@@ -4429,7 +4429,7 @@
         </p:nvSpPr>
         <p:spPr>
           <a:xfrm>
-            <a:off x="2046832" y="1679639"/>
+            <a:off x="2971990" y="1679639"/>
             <a:ext cx="2840724" cy="234094"/>
           </a:xfrm>
           <a:prstGeom prst="rect">
@@ -4464,7 +4464,7 @@
         </p:nvSpPr>
         <p:spPr>
           <a:xfrm>
-            <a:off x="1432343" y="5684153"/>
+            <a:off x="2357501" y="5684153"/>
             <a:ext cx="1742594" cy="307777"/>
           </a:xfrm>
           <a:prstGeom prst="rect">

--- a/ex01/sequence diagrams.pptx
+++ b/ex01/sequence diagrams.pptx
@@ -259,7 +259,7 @@
           <a:p>
             <a:fld id="{0FAAEC13-6DF5-4349-BFA7-71AE5D1BD1E4}" type="datetimeFigureOut">
               <a:rPr lang="he-IL" smtClean="0"/>
-              <a:t>ז'/טבת/תשע"ה</a:t>
+              <a:t>י"ב/טבת/תשע"ה</a:t>
             </a:fld>
             <a:endParaRPr lang="he-IL"/>
           </a:p>
@@ -429,7 +429,7 @@
           <a:p>
             <a:fld id="{0FAAEC13-6DF5-4349-BFA7-71AE5D1BD1E4}" type="datetimeFigureOut">
               <a:rPr lang="he-IL" smtClean="0"/>
-              <a:t>ז'/טבת/תשע"ה</a:t>
+              <a:t>י"ב/טבת/תשע"ה</a:t>
             </a:fld>
             <a:endParaRPr lang="he-IL"/>
           </a:p>
@@ -609,7 +609,7 @@
           <a:p>
             <a:fld id="{0FAAEC13-6DF5-4349-BFA7-71AE5D1BD1E4}" type="datetimeFigureOut">
               <a:rPr lang="he-IL" smtClean="0"/>
-              <a:t>ז'/טבת/תשע"ה</a:t>
+              <a:t>י"ב/טבת/תשע"ה</a:t>
             </a:fld>
             <a:endParaRPr lang="he-IL"/>
           </a:p>
@@ -779,7 +779,7 @@
           <a:p>
             <a:fld id="{0FAAEC13-6DF5-4349-BFA7-71AE5D1BD1E4}" type="datetimeFigureOut">
               <a:rPr lang="he-IL" smtClean="0"/>
-              <a:t>ז'/טבת/תשע"ה</a:t>
+              <a:t>י"ב/טבת/תשע"ה</a:t>
             </a:fld>
             <a:endParaRPr lang="he-IL"/>
           </a:p>
@@ -1025,7 +1025,7 @@
           <a:p>
             <a:fld id="{0FAAEC13-6DF5-4349-BFA7-71AE5D1BD1E4}" type="datetimeFigureOut">
               <a:rPr lang="he-IL" smtClean="0"/>
-              <a:t>ז'/טבת/תשע"ה</a:t>
+              <a:t>י"ב/טבת/תשע"ה</a:t>
             </a:fld>
             <a:endParaRPr lang="he-IL"/>
           </a:p>
@@ -1257,7 +1257,7 @@
           <a:p>
             <a:fld id="{0FAAEC13-6DF5-4349-BFA7-71AE5D1BD1E4}" type="datetimeFigureOut">
               <a:rPr lang="he-IL" smtClean="0"/>
-              <a:t>ז'/טבת/תשע"ה</a:t>
+              <a:t>י"ב/טבת/תשע"ה</a:t>
             </a:fld>
             <a:endParaRPr lang="he-IL"/>
           </a:p>
@@ -1624,7 +1624,7 @@
           <a:p>
             <a:fld id="{0FAAEC13-6DF5-4349-BFA7-71AE5D1BD1E4}" type="datetimeFigureOut">
               <a:rPr lang="he-IL" smtClean="0"/>
-              <a:t>ז'/טבת/תשע"ה</a:t>
+              <a:t>י"ב/טבת/תשע"ה</a:t>
             </a:fld>
             <a:endParaRPr lang="he-IL"/>
           </a:p>
@@ -1742,7 +1742,7 @@
           <a:p>
             <a:fld id="{0FAAEC13-6DF5-4349-BFA7-71AE5D1BD1E4}" type="datetimeFigureOut">
               <a:rPr lang="he-IL" smtClean="0"/>
-              <a:t>ז'/טבת/תשע"ה</a:t>
+              <a:t>י"ב/טבת/תשע"ה</a:t>
             </a:fld>
             <a:endParaRPr lang="he-IL"/>
           </a:p>
@@ -1837,7 +1837,7 @@
           <a:p>
             <a:fld id="{0FAAEC13-6DF5-4349-BFA7-71AE5D1BD1E4}" type="datetimeFigureOut">
               <a:rPr lang="he-IL" smtClean="0"/>
-              <a:t>ז'/טבת/תשע"ה</a:t>
+              <a:t>י"ב/טבת/תשע"ה</a:t>
             </a:fld>
             <a:endParaRPr lang="he-IL"/>
           </a:p>
@@ -2114,7 +2114,7 @@
           <a:p>
             <a:fld id="{0FAAEC13-6DF5-4349-BFA7-71AE5D1BD1E4}" type="datetimeFigureOut">
               <a:rPr lang="he-IL" smtClean="0"/>
-              <a:t>ז'/טבת/תשע"ה</a:t>
+              <a:t>י"ב/טבת/תשע"ה</a:t>
             </a:fld>
             <a:endParaRPr lang="he-IL"/>
           </a:p>
@@ -2367,7 +2367,7 @@
           <a:p>
             <a:fld id="{0FAAEC13-6DF5-4349-BFA7-71AE5D1BD1E4}" type="datetimeFigureOut">
               <a:rPr lang="he-IL" smtClean="0"/>
-              <a:t>ז'/טבת/תשע"ה</a:t>
+              <a:t>י"ב/טבת/תשע"ה</a:t>
             </a:fld>
             <a:endParaRPr lang="he-IL"/>
           </a:p>
@@ -2580,7 +2580,7 @@
           <a:p>
             <a:fld id="{0FAAEC13-6DF5-4349-BFA7-71AE5D1BD1E4}" type="datetimeFigureOut">
               <a:rPr lang="he-IL" smtClean="0"/>
-              <a:t>ז'/טבת/תשע"ה</a:t>
+              <a:t>י"ב/טבת/תשע"ה</a:t>
             </a:fld>
             <a:endParaRPr lang="he-IL"/>
           </a:p>
@@ -3820,7 +3820,6 @@
                 <a:rPr lang="en-US" sz="1400" dirty="0" smtClean="0"/>
                 <a:t>(status)</a:t>
               </a:r>
-              <a:endParaRPr lang="en-US" sz="1400" dirty="0" smtClean="0"/>
             </a:p>
           </p:txBody>
         </p:sp>
@@ -4184,7 +4183,6 @@
               <a:rPr lang="en-US" sz="1400" dirty="0" smtClean="0"/>
               <a:t>(was posted)</a:t>
             </a:r>
-            <a:endParaRPr lang="en-US" sz="1400" dirty="0" smtClean="0"/>
           </a:p>
         </p:txBody>
       </p:sp>
@@ -4351,7 +4349,6 @@
               <a:rPr lang="en-US" sz="1400" dirty="0" smtClean="0"/>
               <a:t>(void)</a:t>
             </a:r>
-            <a:endParaRPr lang="en-US" sz="1400" dirty="0" smtClean="0"/>
           </a:p>
         </p:txBody>
       </p:sp>
@@ -4386,7 +4383,6 @@
               <a:rPr lang="en-US" sz="1400" dirty="0" smtClean="0"/>
               <a:t>()</a:t>
             </a:r>
-            <a:endParaRPr lang="en-US" sz="1400" dirty="0" smtClean="0"/>
           </a:p>
         </p:txBody>
       </p:sp>
@@ -4417,7 +4413,6 @@
               <a:rPr lang="en-US" sz="1400" dirty="0" smtClean="0"/>
               <a:t>(void)</a:t>
             </a:r>
-            <a:endParaRPr lang="en-US" sz="1400" dirty="0" smtClean="0"/>
           </a:p>
         </p:txBody>
       </p:sp>
@@ -4452,7 +4447,6 @@
               <a:rPr lang="en-US" sz="1400" dirty="0" smtClean="0"/>
               <a:t>(status)</a:t>
             </a:r>
-            <a:endParaRPr lang="en-US" sz="1400" dirty="0" smtClean="0"/>
           </a:p>
         </p:txBody>
       </p:sp>
@@ -7579,15 +7573,13 @@
       <p:cxnSp>
         <p:nvCxnSpPr>
           <p:cNvPr id="150" name="Straight Arrow Connector 149"/>
-          <p:cNvCxnSpPr>
-            <a:endCxn id="3" idx="1"/>
-          </p:cNvCxnSpPr>
+          <p:cNvCxnSpPr/>
           <p:nvPr/>
         </p:nvCxnSpPr>
         <p:spPr>
           <a:xfrm flipV="1">
-            <a:off x="2531315" y="1261168"/>
-            <a:ext cx="5050263" cy="3997973"/>
+            <a:off x="2531315" y="1672046"/>
+            <a:ext cx="5050262" cy="3587096"/>
           </a:xfrm>
           <a:prstGeom prst="straightConnector1">
             <a:avLst/>
@@ -8927,10 +8919,6 @@
                 <a:rPr lang="en-US" sz="1400" dirty="0" smtClean="0"/>
                 <a:t>Comment</a:t>
               </a:r>
-              <a:r>
-                <a:rPr lang="en-US" sz="1400" dirty="0" smtClean="0"/>
-                <a:t/>
-              </a:r>
               <a:br>
                 <a:rPr lang="en-US" sz="1400" dirty="0" smtClean="0"/>
               </a:br>
@@ -9248,14 +9236,13 @@
           <p:cNvPr id="73" name="Straight Arrow Connector 72"/>
           <p:cNvCxnSpPr>
             <a:stCxn id="43" idx="3"/>
-            <a:endCxn id="3" idx="1"/>
           </p:cNvCxnSpPr>
           <p:nvPr/>
         </p:nvCxnSpPr>
         <p:spPr>
           <a:xfrm>
             <a:off x="2201711" y="978511"/>
-            <a:ext cx="5379867" cy="282657"/>
+            <a:ext cx="5379866" cy="198515"/>
           </a:xfrm>
           <a:prstGeom prst="straightConnector1">
             <a:avLst/>
@@ -9326,14 +9313,13 @@
           <p:cNvPr id="79" name="Straight Arrow Connector 78"/>
           <p:cNvCxnSpPr>
             <a:stCxn id="65" idx="3"/>
-            <a:endCxn id="3" idx="1"/>
           </p:cNvCxnSpPr>
           <p:nvPr/>
         </p:nvCxnSpPr>
         <p:spPr>
           <a:xfrm flipV="1">
-            <a:off x="2396077" y="1261168"/>
-            <a:ext cx="5185501" cy="2384237"/>
+            <a:off x="2396077" y="1432888"/>
+            <a:ext cx="5185500" cy="2212517"/>
           </a:xfrm>
           <a:prstGeom prst="straightConnector1">
             <a:avLst/>
@@ -9585,14 +9571,13 @@
           <p:cNvPr id="89" name="Straight Arrow Connector 88"/>
           <p:cNvCxnSpPr>
             <a:stCxn id="83" idx="0"/>
-            <a:endCxn id="3" idx="2"/>
           </p:cNvCxnSpPr>
           <p:nvPr/>
         </p:nvCxnSpPr>
         <p:spPr>
           <a:xfrm flipH="1" flipV="1">
-            <a:off x="8711809" y="2298257"/>
-            <a:ext cx="2334501" cy="2257292"/>
+            <a:off x="8900160" y="2294286"/>
+            <a:ext cx="2146150" cy="2261263"/>
           </a:xfrm>
           <a:prstGeom prst="straightConnector1">
             <a:avLst/>
@@ -9884,14 +9869,13 @@
           <p:cNvPr id="102" name="Straight Arrow Connector 101"/>
           <p:cNvCxnSpPr>
             <a:stCxn id="98" idx="0"/>
-            <a:endCxn id="3" idx="2"/>
           </p:cNvCxnSpPr>
           <p:nvPr/>
         </p:nvCxnSpPr>
         <p:spPr>
-          <a:xfrm flipH="1" flipV="1">
-            <a:off x="8711809" y="2298257"/>
-            <a:ext cx="81042" cy="2215680"/>
+          <a:xfrm flipV="1">
+            <a:off x="8792851" y="2294286"/>
+            <a:ext cx="46349" cy="2219651"/>
           </a:xfrm>
           <a:prstGeom prst="straightConnector1">
             <a:avLst/>
@@ -10155,14 +10139,13 @@
           <p:cNvPr id="112" name="Straight Arrow Connector 111"/>
           <p:cNvCxnSpPr>
             <a:stCxn id="106" idx="3"/>
-            <a:endCxn id="8" idx="2"/>
           </p:cNvCxnSpPr>
           <p:nvPr/>
         </p:nvCxnSpPr>
         <p:spPr>
           <a:xfrm flipV="1">
-            <a:off x="4689195" y="2294286"/>
-            <a:ext cx="4022614" cy="3465356"/>
+            <a:off x="4689195" y="2313305"/>
+            <a:ext cx="3255170" cy="3446337"/>
           </a:xfrm>
           <a:prstGeom prst="straightConnector1">
             <a:avLst/>
@@ -10436,14 +10419,13 @@
           <p:cNvPr id="120" name="Straight Arrow Connector 119"/>
           <p:cNvCxnSpPr>
             <a:stCxn id="114" idx="3"/>
-            <a:endCxn id="3" idx="2"/>
           </p:cNvCxnSpPr>
           <p:nvPr/>
         </p:nvCxnSpPr>
         <p:spPr>
           <a:xfrm flipV="1">
-            <a:off x="6596684" y="2298257"/>
-            <a:ext cx="2115125" cy="1879097"/>
+            <a:off x="6596684" y="2294286"/>
+            <a:ext cx="1780962" cy="1883068"/>
           </a:xfrm>
           <a:prstGeom prst="straightConnector1">
             <a:avLst/>
@@ -10702,15 +10684,14 @@
         <p:nvCxnSpPr>
           <p:cNvPr id="128" name="Straight Arrow Connector 127"/>
           <p:cNvCxnSpPr>
-            <a:stCxn id="122" idx="3"/>
             <a:endCxn id="3" idx="2"/>
           </p:cNvCxnSpPr>
           <p:nvPr/>
         </p:nvCxnSpPr>
         <p:spPr>
           <a:xfrm flipV="1">
-            <a:off x="7160635" y="2298257"/>
-            <a:ext cx="1551174" cy="3629677"/>
+            <a:off x="7147316" y="2298257"/>
+            <a:ext cx="1564493" cy="3666639"/>
           </a:xfrm>
           <a:prstGeom prst="straightConnector1">
             <a:avLst/>

--- a/ex01/sequence diagrams.pptx
+++ b/ex01/sequence diagrams.pptx
@@ -259,7 +259,7 @@
           <a:p>
             <a:fld id="{0FAAEC13-6DF5-4349-BFA7-71AE5D1BD1E4}" type="datetimeFigureOut">
               <a:rPr lang="he-IL" smtClean="0"/>
-              <a:t>י"ב/טבת/תשע"ה</a:t>
+              <a:t>י"ג/טבת/תשע"ה</a:t>
             </a:fld>
             <a:endParaRPr lang="he-IL"/>
           </a:p>
@@ -429,7 +429,7 @@
           <a:p>
             <a:fld id="{0FAAEC13-6DF5-4349-BFA7-71AE5D1BD1E4}" type="datetimeFigureOut">
               <a:rPr lang="he-IL" smtClean="0"/>
-              <a:t>י"ב/טבת/תשע"ה</a:t>
+              <a:t>י"ג/טבת/תשע"ה</a:t>
             </a:fld>
             <a:endParaRPr lang="he-IL"/>
           </a:p>
@@ -609,7 +609,7 @@
           <a:p>
             <a:fld id="{0FAAEC13-6DF5-4349-BFA7-71AE5D1BD1E4}" type="datetimeFigureOut">
               <a:rPr lang="he-IL" smtClean="0"/>
-              <a:t>י"ב/טבת/תשע"ה</a:t>
+              <a:t>י"ג/טבת/תשע"ה</a:t>
             </a:fld>
             <a:endParaRPr lang="he-IL"/>
           </a:p>
@@ -779,7 +779,7 @@
           <a:p>
             <a:fld id="{0FAAEC13-6DF5-4349-BFA7-71AE5D1BD1E4}" type="datetimeFigureOut">
               <a:rPr lang="he-IL" smtClean="0"/>
-              <a:t>י"ב/טבת/תשע"ה</a:t>
+              <a:t>י"ג/טבת/תשע"ה</a:t>
             </a:fld>
             <a:endParaRPr lang="he-IL"/>
           </a:p>
@@ -1025,7 +1025,7 @@
           <a:p>
             <a:fld id="{0FAAEC13-6DF5-4349-BFA7-71AE5D1BD1E4}" type="datetimeFigureOut">
               <a:rPr lang="he-IL" smtClean="0"/>
-              <a:t>י"ב/טבת/תשע"ה</a:t>
+              <a:t>י"ג/טבת/תשע"ה</a:t>
             </a:fld>
             <a:endParaRPr lang="he-IL"/>
           </a:p>
@@ -1257,7 +1257,7 @@
           <a:p>
             <a:fld id="{0FAAEC13-6DF5-4349-BFA7-71AE5D1BD1E4}" type="datetimeFigureOut">
               <a:rPr lang="he-IL" smtClean="0"/>
-              <a:t>י"ב/טבת/תשע"ה</a:t>
+              <a:t>י"ג/טבת/תשע"ה</a:t>
             </a:fld>
             <a:endParaRPr lang="he-IL"/>
           </a:p>
@@ -1624,7 +1624,7 @@
           <a:p>
             <a:fld id="{0FAAEC13-6DF5-4349-BFA7-71AE5D1BD1E4}" type="datetimeFigureOut">
               <a:rPr lang="he-IL" smtClean="0"/>
-              <a:t>י"ב/טבת/תשע"ה</a:t>
+              <a:t>י"ג/טבת/תשע"ה</a:t>
             </a:fld>
             <a:endParaRPr lang="he-IL"/>
           </a:p>
@@ -1742,7 +1742,7 @@
           <a:p>
             <a:fld id="{0FAAEC13-6DF5-4349-BFA7-71AE5D1BD1E4}" type="datetimeFigureOut">
               <a:rPr lang="he-IL" smtClean="0"/>
-              <a:t>י"ב/טבת/תשע"ה</a:t>
+              <a:t>י"ג/טבת/תשע"ה</a:t>
             </a:fld>
             <a:endParaRPr lang="he-IL"/>
           </a:p>
@@ -1837,7 +1837,7 @@
           <a:p>
             <a:fld id="{0FAAEC13-6DF5-4349-BFA7-71AE5D1BD1E4}" type="datetimeFigureOut">
               <a:rPr lang="he-IL" smtClean="0"/>
-              <a:t>י"ב/טבת/תשע"ה</a:t>
+              <a:t>י"ג/טבת/תשע"ה</a:t>
             </a:fld>
             <a:endParaRPr lang="he-IL"/>
           </a:p>
@@ -2114,7 +2114,7 @@
           <a:p>
             <a:fld id="{0FAAEC13-6DF5-4349-BFA7-71AE5D1BD1E4}" type="datetimeFigureOut">
               <a:rPr lang="he-IL" smtClean="0"/>
-              <a:t>י"ב/טבת/תשע"ה</a:t>
+              <a:t>י"ג/טבת/תשע"ה</a:t>
             </a:fld>
             <a:endParaRPr lang="he-IL"/>
           </a:p>
@@ -2367,7 +2367,7 @@
           <a:p>
             <a:fld id="{0FAAEC13-6DF5-4349-BFA7-71AE5D1BD1E4}" type="datetimeFigureOut">
               <a:rPr lang="he-IL" smtClean="0"/>
-              <a:t>י"ב/טבת/תשע"ה</a:t>
+              <a:t>י"ג/טבת/תשע"ה</a:t>
             </a:fld>
             <a:endParaRPr lang="he-IL"/>
           </a:p>
@@ -2580,7 +2580,7 @@
           <a:p>
             <a:fld id="{0FAAEC13-6DF5-4349-BFA7-71AE5D1BD1E4}" type="datetimeFigureOut">
               <a:rPr lang="he-IL" smtClean="0"/>
-              <a:t>י"ב/טבת/תשע"ה</a:t>
+              <a:t>י"ג/טבת/תשע"ה</a:t>
             </a:fld>
             <a:endParaRPr lang="he-IL"/>
           </a:p>
@@ -3456,7 +3456,7 @@
         <p:spPr>
           <a:xfrm>
             <a:off x="717196" y="1037514"/>
-            <a:ext cx="2141850" cy="502760"/>
+            <a:ext cx="2252094" cy="502760"/>
           </a:xfrm>
           <a:prstGeom prst="rect">
             <a:avLst/>
@@ -3490,6 +3490,14 @@
           <a:p>
             <a:pPr algn="ctr"/>
             <a:r>
+              <a:rPr lang="en-US" dirty="0" smtClean="0">
+                <a:solidFill>
+                  <a:schemeClr val="tx1"/>
+                </a:solidFill>
+              </a:rPr>
+              <a:t>:</a:t>
+            </a:r>
+            <a:r>
               <a:rPr lang="en-US" dirty="0" err="1" smtClean="0">
                 <a:solidFill>
                   <a:schemeClr val="tx1"/>
@@ -3515,8 +3523,8 @@
         </p:nvCxnSpPr>
         <p:spPr>
           <a:xfrm flipH="1">
-            <a:off x="1753496" y="1540274"/>
-            <a:ext cx="34625" cy="5054164"/>
+            <a:off x="1753497" y="1540274"/>
+            <a:ext cx="89746" cy="5054164"/>
           </a:xfrm>
           <a:prstGeom prst="line">
             <a:avLst/>
@@ -3585,6 +3593,14 @@
           <a:lstStyle/>
           <a:p>
             <a:pPr algn="ctr"/>
+            <a:r>
+              <a:rPr lang="en-US" dirty="0" smtClean="0">
+                <a:solidFill>
+                  <a:schemeClr val="tx1"/>
+                </a:solidFill>
+              </a:rPr>
+              <a:t>:</a:t>
+            </a:r>
             <a:r>
               <a:rPr lang="en-US" dirty="0" err="1" smtClean="0">
                 <a:solidFill>
@@ -3832,8 +3848,8 @@
         </p:nvSpPr>
         <p:spPr>
           <a:xfrm>
-            <a:off x="6561598" y="1075569"/>
-            <a:ext cx="1134956" cy="502760"/>
+            <a:off x="6419342" y="1069681"/>
+            <a:ext cx="1424162" cy="502760"/>
           </a:xfrm>
           <a:prstGeom prst="rect">
             <a:avLst/>
@@ -3867,12 +3883,12 @@
           <a:p>
             <a:pPr algn="ctr"/>
             <a:r>
-              <a:rPr lang="en-US" dirty="0" smtClean="0">
+              <a:rPr lang="en-US" dirty="0" err="1" smtClean="0">
                 <a:solidFill>
                   <a:schemeClr val="tx1"/>
                 </a:solidFill>
               </a:rPr>
-              <a:t>User</a:t>
+              <a:t>m_User:User</a:t>
             </a:r>
             <a:endParaRPr lang="he-IL" dirty="0">
               <a:solidFill>

--- a/ex01/sequence diagrams.pptx
+++ b/ex01/sequence diagrams.pptx
@@ -10,6 +10,7 @@
     <p:sldId id="261" r:id="rId4"/>
     <p:sldId id="263" r:id="rId5"/>
     <p:sldId id="262" r:id="rId6"/>
+    <p:sldId id="264" r:id="rId7"/>
   </p:sldIdLst>
   <p:sldSz cx="12192000" cy="6858000"/>
   <p:notesSz cx="6858000" cy="9144000"/>
@@ -259,7 +260,7 @@
           <a:p>
             <a:fld id="{0FAAEC13-6DF5-4349-BFA7-71AE5D1BD1E4}" type="datetimeFigureOut">
               <a:rPr lang="he-IL" smtClean="0"/>
-              <a:t>י"ג/טבת/תשע"ה</a:t>
+              <a:t>כ"ד/טבת/תשע"ה</a:t>
             </a:fld>
             <a:endParaRPr lang="he-IL"/>
           </a:p>
@@ -429,7 +430,7 @@
           <a:p>
             <a:fld id="{0FAAEC13-6DF5-4349-BFA7-71AE5D1BD1E4}" type="datetimeFigureOut">
               <a:rPr lang="he-IL" smtClean="0"/>
-              <a:t>י"ג/טבת/תשע"ה</a:t>
+              <a:t>כ"ד/טבת/תשע"ה</a:t>
             </a:fld>
             <a:endParaRPr lang="he-IL"/>
           </a:p>
@@ -609,7 +610,7 @@
           <a:p>
             <a:fld id="{0FAAEC13-6DF5-4349-BFA7-71AE5D1BD1E4}" type="datetimeFigureOut">
               <a:rPr lang="he-IL" smtClean="0"/>
-              <a:t>י"ג/טבת/תשע"ה</a:t>
+              <a:t>כ"ד/טבת/תשע"ה</a:t>
             </a:fld>
             <a:endParaRPr lang="he-IL"/>
           </a:p>
@@ -779,7 +780,7 @@
           <a:p>
             <a:fld id="{0FAAEC13-6DF5-4349-BFA7-71AE5D1BD1E4}" type="datetimeFigureOut">
               <a:rPr lang="he-IL" smtClean="0"/>
-              <a:t>י"ג/טבת/תשע"ה</a:t>
+              <a:t>כ"ד/טבת/תשע"ה</a:t>
             </a:fld>
             <a:endParaRPr lang="he-IL"/>
           </a:p>
@@ -1025,7 +1026,7 @@
           <a:p>
             <a:fld id="{0FAAEC13-6DF5-4349-BFA7-71AE5D1BD1E4}" type="datetimeFigureOut">
               <a:rPr lang="he-IL" smtClean="0"/>
-              <a:t>י"ג/טבת/תשע"ה</a:t>
+              <a:t>כ"ד/טבת/תשע"ה</a:t>
             </a:fld>
             <a:endParaRPr lang="he-IL"/>
           </a:p>
@@ -1257,7 +1258,7 @@
           <a:p>
             <a:fld id="{0FAAEC13-6DF5-4349-BFA7-71AE5D1BD1E4}" type="datetimeFigureOut">
               <a:rPr lang="he-IL" smtClean="0"/>
-              <a:t>י"ג/טבת/תשע"ה</a:t>
+              <a:t>כ"ד/טבת/תשע"ה</a:t>
             </a:fld>
             <a:endParaRPr lang="he-IL"/>
           </a:p>
@@ -1624,7 +1625,7 @@
           <a:p>
             <a:fld id="{0FAAEC13-6DF5-4349-BFA7-71AE5D1BD1E4}" type="datetimeFigureOut">
               <a:rPr lang="he-IL" smtClean="0"/>
-              <a:t>י"ג/טבת/תשע"ה</a:t>
+              <a:t>כ"ד/טבת/תשע"ה</a:t>
             </a:fld>
             <a:endParaRPr lang="he-IL"/>
           </a:p>
@@ -1742,7 +1743,7 @@
           <a:p>
             <a:fld id="{0FAAEC13-6DF5-4349-BFA7-71AE5D1BD1E4}" type="datetimeFigureOut">
               <a:rPr lang="he-IL" smtClean="0"/>
-              <a:t>י"ג/טבת/תשע"ה</a:t>
+              <a:t>כ"ד/טבת/תשע"ה</a:t>
             </a:fld>
             <a:endParaRPr lang="he-IL"/>
           </a:p>
@@ -1837,7 +1838,7 @@
           <a:p>
             <a:fld id="{0FAAEC13-6DF5-4349-BFA7-71AE5D1BD1E4}" type="datetimeFigureOut">
               <a:rPr lang="he-IL" smtClean="0"/>
-              <a:t>י"ג/טבת/תשע"ה</a:t>
+              <a:t>כ"ד/טבת/תשע"ה</a:t>
             </a:fld>
             <a:endParaRPr lang="he-IL"/>
           </a:p>
@@ -2114,7 +2115,7 @@
           <a:p>
             <a:fld id="{0FAAEC13-6DF5-4349-BFA7-71AE5D1BD1E4}" type="datetimeFigureOut">
               <a:rPr lang="he-IL" smtClean="0"/>
-              <a:t>י"ג/טבת/תשע"ה</a:t>
+              <a:t>כ"ד/טבת/תשע"ה</a:t>
             </a:fld>
             <a:endParaRPr lang="he-IL"/>
           </a:p>
@@ -2367,7 +2368,7 @@
           <a:p>
             <a:fld id="{0FAAEC13-6DF5-4349-BFA7-71AE5D1BD1E4}" type="datetimeFigureOut">
               <a:rPr lang="he-IL" smtClean="0"/>
-              <a:t>י"ג/טבת/תשע"ה</a:t>
+              <a:t>כ"ד/טבת/תשע"ה</a:t>
             </a:fld>
             <a:endParaRPr lang="he-IL"/>
           </a:p>
@@ -2580,7 +2581,7 @@
           <a:p>
             <a:fld id="{0FAAEC13-6DF5-4349-BFA7-71AE5D1BD1E4}" type="datetimeFigureOut">
               <a:rPr lang="he-IL" smtClean="0"/>
-              <a:t>י"ג/טבת/תשע"ה</a:t>
+              <a:t>כ"ד/טבת/תשע"ה</a:t>
             </a:fld>
             <a:endParaRPr lang="he-IL"/>
           </a:p>
@@ -3391,6 +3392,13 @@
   <p:clrMapOvr>
     <a:masterClrMapping/>
   </p:clrMapOvr>
+  <p:timing>
+    <p:tnLst>
+      <p:par>
+        <p:cTn id="1" dur="indefinite" restart="never" nodeType="tmRoot"/>
+      </p:par>
+    </p:tnLst>
+  </p:timing>
 </p:sld>
 </file>
 
@@ -3413,13 +3421,89 @@
       </p:grpSpPr>
       <p:cxnSp>
         <p:nvCxnSpPr>
+          <p:cNvPr id="55" name="Straight Connector 54"/>
+          <p:cNvCxnSpPr>
+            <a:stCxn id="48" idx="0"/>
+          </p:cNvCxnSpPr>
+          <p:nvPr/>
+        </p:nvCxnSpPr>
+        <p:spPr>
+          <a:xfrm flipH="1">
+            <a:off x="7067003" y="2306509"/>
+            <a:ext cx="50196" cy="4829362"/>
+          </a:xfrm>
+          <a:prstGeom prst="line">
+            <a:avLst/>
+          </a:prstGeom>
+          <a:ln w="25400">
+            <a:solidFill>
+              <a:schemeClr val="tx1"/>
+            </a:solidFill>
+            <a:prstDash val="dash"/>
+          </a:ln>
+        </p:spPr>
+        <p:style>
+          <a:lnRef idx="1">
+            <a:schemeClr val="accent1"/>
+          </a:lnRef>
+          <a:fillRef idx="0">
+            <a:schemeClr val="accent1"/>
+          </a:fillRef>
+          <a:effectRef idx="0">
+            <a:schemeClr val="accent1"/>
+          </a:effectRef>
+          <a:fontRef idx="minor">
+            <a:schemeClr val="tx1"/>
+          </a:fontRef>
+        </p:style>
+      </p:cxnSp>
+      <p:cxnSp>
+        <p:nvCxnSpPr>
+          <p:cNvPr id="54" name="Straight Connector 53"/>
+          <p:cNvCxnSpPr>
+            <a:stCxn id="35" idx="0"/>
+          </p:cNvCxnSpPr>
+          <p:nvPr/>
+        </p:nvCxnSpPr>
+        <p:spPr>
+          <a:xfrm flipH="1">
+            <a:off x="9760592" y="2452718"/>
+            <a:ext cx="21535" cy="4578595"/>
+          </a:xfrm>
+          <a:prstGeom prst="line">
+            <a:avLst/>
+          </a:prstGeom>
+          <a:ln w="25400">
+            <a:solidFill>
+              <a:schemeClr val="tx1"/>
+            </a:solidFill>
+            <a:prstDash val="dash"/>
+          </a:ln>
+        </p:spPr>
+        <p:style>
+          <a:lnRef idx="1">
+            <a:schemeClr val="accent1"/>
+          </a:lnRef>
+          <a:fillRef idx="0">
+            <a:schemeClr val="accent1"/>
+          </a:fillRef>
+          <a:effectRef idx="0">
+            <a:schemeClr val="accent1"/>
+          </a:effectRef>
+          <a:fontRef idx="minor">
+            <a:schemeClr val="tx1"/>
+          </a:fontRef>
+        </p:style>
+      </p:cxnSp>
+      <p:cxnSp>
+        <p:nvCxnSpPr>
           <p:cNvPr id="40" name="Straight Connector 39"/>
           <p:cNvCxnSpPr/>
           <p:nvPr/>
         </p:nvCxnSpPr>
         <p:spPr>
           <a:xfrm flipH="1">
-            <a:off x="7093149" y="1572441"/>
+            <a:off x="10938248" y="1567440"/>
             <a:ext cx="38274" cy="5059271"/>
           </a:xfrm>
           <a:prstGeom prst="line">
@@ -3503,7 +3587,7 @@
                   <a:schemeClr val="tx1"/>
                 </a:solidFill>
               </a:rPr>
-              <a:t>FormApplicationTabs</a:t>
+              <a:t>InterestPage</a:t>
             </a:r>
             <a:endParaRPr lang="he-IL" dirty="0">
               <a:solidFill>
@@ -3657,189 +3741,178 @@
       </p:cxnSp>
       <p:grpSp>
         <p:nvGrpSpPr>
-          <p:cNvPr id="10" name="Group 9"/>
+          <p:cNvPr id="11" name="Group 10"/>
           <p:cNvGrpSpPr/>
           <p:nvPr/>
         </p:nvGrpSpPr>
         <p:grpSpPr>
           <a:xfrm>
-            <a:off x="1767511" y="1819112"/>
-            <a:ext cx="5643434" cy="3572828"/>
-            <a:chOff x="2736132" y="897200"/>
-            <a:chExt cx="7258679" cy="1048646"/>
+            <a:off x="1792199" y="1819112"/>
+            <a:ext cx="2779501" cy="1431416"/>
+            <a:chOff x="2767887" y="897200"/>
+            <a:chExt cx="3575041" cy="420129"/>
           </a:xfrm>
         </p:grpSpPr>
-        <p:grpSp>
-          <p:nvGrpSpPr>
-            <p:cNvPr id="11" name="Group 10"/>
-            <p:cNvGrpSpPr/>
-            <p:nvPr/>
-          </p:nvGrpSpPr>
-          <p:grpSpPr>
-            <a:xfrm>
-              <a:off x="2736132" y="897200"/>
-              <a:ext cx="3606796" cy="1048646"/>
-              <a:chOff x="2736132" y="897200"/>
-              <a:chExt cx="3606796" cy="1048646"/>
-            </a:xfrm>
-          </p:grpSpPr>
-          <p:cxnSp>
-            <p:nvCxnSpPr>
-              <p:cNvPr id="13" name="Straight Arrow Connector 12"/>
-              <p:cNvCxnSpPr/>
-              <p:nvPr/>
-            </p:nvCxnSpPr>
-            <p:spPr>
-              <a:xfrm>
-                <a:off x="2767887" y="950057"/>
-                <a:ext cx="3351592" cy="0"/>
-              </a:xfrm>
-              <a:prstGeom prst="straightConnector1">
-                <a:avLst/>
-              </a:prstGeom>
-              <a:ln w="25400">
-                <a:solidFill>
-                  <a:schemeClr val="tx1"/>
-                </a:solidFill>
-                <a:tailEnd type="stealth" w="lg" len="lg"/>
-              </a:ln>
-            </p:spPr>
-            <p:style>
-              <a:lnRef idx="1">
-                <a:schemeClr val="accent1"/>
-              </a:lnRef>
-              <a:fillRef idx="0">
-                <a:schemeClr val="accent1"/>
-              </a:fillRef>
-              <a:effectRef idx="0">
-                <a:schemeClr val="accent1"/>
-              </a:effectRef>
-              <a:fontRef idx="minor">
+        <p:cxnSp>
+          <p:nvCxnSpPr>
+            <p:cNvPr id="13" name="Straight Arrow Connector 12"/>
+            <p:cNvCxnSpPr/>
+            <p:nvPr/>
+          </p:nvCxnSpPr>
+          <p:spPr>
+            <a:xfrm>
+              <a:off x="2767887" y="950057"/>
+              <a:ext cx="3351592" cy="0"/>
+            </a:xfrm>
+            <a:prstGeom prst="straightConnector1">
+              <a:avLst/>
+            </a:prstGeom>
+            <a:ln w="25400">
+              <a:solidFill>
                 <a:schemeClr val="tx1"/>
-              </a:fontRef>
-            </p:style>
-          </p:cxnSp>
-          <p:cxnSp>
-            <p:nvCxnSpPr>
-              <p:cNvPr id="14" name="Straight Arrow Connector 13"/>
-              <p:cNvCxnSpPr/>
-              <p:nvPr/>
-            </p:nvCxnSpPr>
-            <p:spPr>
-              <a:xfrm flipH="1" flipV="1">
-                <a:off x="2736132" y="1903713"/>
-                <a:ext cx="3361234" cy="2957"/>
-              </a:xfrm>
-              <a:prstGeom prst="straightConnector1">
-                <a:avLst/>
-              </a:prstGeom>
-              <a:ln w="25400">
-                <a:solidFill>
-                  <a:schemeClr val="tx1"/>
-                </a:solidFill>
-                <a:prstDash val="dash"/>
-                <a:tailEnd type="stealth" w="lg" len="lg"/>
-              </a:ln>
-            </p:spPr>
-            <p:style>
-              <a:lnRef idx="1">
-                <a:schemeClr val="accent1"/>
-              </a:lnRef>
-              <a:fillRef idx="0">
-                <a:schemeClr val="accent1"/>
-              </a:fillRef>
-              <a:effectRef idx="0">
-                <a:schemeClr val="accent1"/>
-              </a:effectRef>
-              <a:fontRef idx="minor">
+              </a:solidFill>
+              <a:tailEnd type="stealth" w="lg" len="lg"/>
+            </a:ln>
+          </p:spPr>
+          <p:style>
+            <a:lnRef idx="1">
+              <a:schemeClr val="accent1"/>
+            </a:lnRef>
+            <a:fillRef idx="0">
+              <a:schemeClr val="accent1"/>
+            </a:fillRef>
+            <a:effectRef idx="0">
+              <a:schemeClr val="accent1"/>
+            </a:effectRef>
+            <a:fontRef idx="minor">
+              <a:schemeClr val="tx1"/>
+            </a:fontRef>
+          </p:style>
+        </p:cxnSp>
+        <p:cxnSp>
+          <p:nvCxnSpPr>
+            <p:cNvPr id="14" name="Straight Arrow Connector 13"/>
+            <p:cNvCxnSpPr/>
+            <p:nvPr/>
+          </p:nvCxnSpPr>
+          <p:spPr>
+            <a:xfrm flipH="1" flipV="1">
+              <a:off x="2830246" y="1303188"/>
+              <a:ext cx="3361234" cy="2957"/>
+            </a:xfrm>
+            <a:prstGeom prst="straightConnector1">
+              <a:avLst/>
+            </a:prstGeom>
+            <a:ln w="25400">
+              <a:solidFill>
                 <a:schemeClr val="tx1"/>
-              </a:fontRef>
-            </p:style>
-          </p:cxnSp>
-          <p:sp>
-            <p:nvSpPr>
-              <p:cNvPr id="15" name="Rectangle 14"/>
-              <p:cNvSpPr/>
-              <p:nvPr/>
-            </p:nvSpPr>
-            <p:spPr>
-              <a:xfrm>
-                <a:off x="6119478" y="897200"/>
-                <a:ext cx="223450" cy="1048646"/>
-              </a:xfrm>
-              <a:prstGeom prst="rect">
-                <a:avLst/>
-              </a:prstGeom>
-              <a:solidFill>
-                <a:schemeClr val="bg1"/>
               </a:solidFill>
-              <a:ln>
-                <a:solidFill>
-                  <a:schemeClr val="tx1"/>
-                </a:solidFill>
-              </a:ln>
-            </p:spPr>
-            <p:style>
-              <a:lnRef idx="2">
-                <a:schemeClr val="accent1">
-                  <a:shade val="50000"/>
-                </a:schemeClr>
-              </a:lnRef>
-              <a:fillRef idx="1">
-                <a:schemeClr val="accent1"/>
-              </a:fillRef>
-              <a:effectRef idx="0">
-                <a:schemeClr val="accent1"/>
-              </a:effectRef>
-              <a:fontRef idx="minor">
-                <a:schemeClr val="lt1"/>
-              </a:fontRef>
-            </p:style>
-            <p:txBody>
-              <a:bodyPr rtlCol="1" anchor="ctr"/>
-              <a:lstStyle/>
-              <a:p>
-                <a:pPr algn="ctr"/>
-                <a:endParaRPr lang="he-IL"/>
-              </a:p>
-            </p:txBody>
-          </p:sp>
-        </p:grpSp>
+              <a:prstDash val="dash"/>
+              <a:tailEnd type="stealth" w="lg" len="lg"/>
+            </a:ln>
+          </p:spPr>
+          <p:style>
+            <a:lnRef idx="1">
+              <a:schemeClr val="accent1"/>
+            </a:lnRef>
+            <a:fillRef idx="0">
+              <a:schemeClr val="accent1"/>
+            </a:fillRef>
+            <a:effectRef idx="0">
+              <a:schemeClr val="accent1"/>
+            </a:effectRef>
+            <a:fontRef idx="minor">
+              <a:schemeClr val="tx1"/>
+            </a:fontRef>
+          </p:style>
+        </p:cxnSp>
         <p:sp>
           <p:nvSpPr>
-            <p:cNvPr id="12" name="TextBox 11"/>
-            <p:cNvSpPr txBox="1"/>
+            <p:cNvPr id="15" name="Rectangle 14"/>
+            <p:cNvSpPr/>
             <p:nvPr/>
           </p:nvSpPr>
           <p:spPr>
             <a:xfrm>
-              <a:off x="6341024" y="962433"/>
-              <a:ext cx="3653787" cy="68708"/>
+              <a:off x="6119480" y="897200"/>
+              <a:ext cx="223448" cy="420129"/>
             </a:xfrm>
             <a:prstGeom prst="rect">
               <a:avLst/>
             </a:prstGeom>
-            <a:noFill/>
-          </p:spPr>
+            <a:solidFill>
+              <a:schemeClr val="bg1"/>
+            </a:solidFill>
+            <a:ln>
+              <a:solidFill>
+                <a:schemeClr val="tx1"/>
+              </a:solidFill>
+            </a:ln>
+          </p:spPr>
+          <p:style>
+            <a:lnRef idx="2">
+              <a:schemeClr val="accent1">
+                <a:shade val="50000"/>
+              </a:schemeClr>
+            </a:lnRef>
+            <a:fillRef idx="1">
+              <a:schemeClr val="accent1"/>
+            </a:fillRef>
+            <a:effectRef idx="0">
+              <a:schemeClr val="accent1"/>
+            </a:effectRef>
+            <a:fontRef idx="minor">
+              <a:schemeClr val="lt1"/>
+            </a:fontRef>
+          </p:style>
           <p:txBody>
-            <a:bodyPr wrap="square" rtlCol="1">
-              <a:spAutoFit/>
-            </a:bodyPr>
+            <a:bodyPr rtlCol="1" anchor="ctr"/>
             <a:lstStyle/>
             <a:p>
-              <a:pPr algn="l" rtl="0"/>
-              <a:r>
-                <a:rPr lang="en-US" sz="1400" dirty="0" err="1" smtClean="0"/>
-                <a:t>PostStatus</a:t>
-              </a:r>
-              <a:r>
-                <a:rPr lang="en-US" sz="1400" dirty="0" smtClean="0"/>
-                <a:t>(status)</a:t>
-              </a:r>
+              <a:pPr algn="ctr"/>
+              <a:endParaRPr lang="he-IL"/>
             </a:p>
           </p:txBody>
         </p:sp>
       </p:grpSp>
+      <p:sp>
+        <p:nvSpPr>
+          <p:cNvPr id="12" name="TextBox 11"/>
+          <p:cNvSpPr txBox="1"/>
+          <p:nvPr/>
+        </p:nvSpPr>
+        <p:spPr>
+          <a:xfrm>
+            <a:off x="4570221" y="2041366"/>
+            <a:ext cx="2840724" cy="307776"/>
+          </a:xfrm>
+          <a:prstGeom prst="rect">
+            <a:avLst/>
+          </a:prstGeom>
+          <a:noFill/>
+        </p:spPr>
+        <p:txBody>
+          <a:bodyPr wrap="square" rtlCol="1">
+            <a:spAutoFit/>
+          </a:bodyPr>
+          <a:lstStyle/>
+          <a:p>
+            <a:pPr algn="l" rtl="0"/>
+            <a:r>
+              <a:rPr lang="en-US" sz="1400" dirty="0" smtClean="0"/>
+              <a:t>new(</a:t>
+            </a:r>
+            <a:r>
+              <a:rPr lang="en-US" sz="1400" dirty="0" err="1" smtClean="0"/>
+              <a:t>activityStream</a:t>
+            </a:r>
+            <a:r>
+              <a:rPr lang="en-US" sz="1400" dirty="0" smtClean="0"/>
+              <a:t>)</a:t>
+            </a:r>
+          </a:p>
+        </p:txBody>
+      </p:sp>
       <p:sp>
         <p:nvSpPr>
           <p:cNvPr id="39" name="Rectangle 38"/>
@@ -3848,8 +3921,8 @@
         </p:nvSpPr>
         <p:spPr>
           <a:xfrm>
-            <a:off x="6419342" y="1069681"/>
-            <a:ext cx="1424162" cy="502760"/>
+            <a:off x="8638620" y="1819112"/>
+            <a:ext cx="2159650" cy="622457"/>
           </a:xfrm>
           <a:prstGeom prst="rect">
             <a:avLst/>
@@ -3881,19 +3954,69 @@
           <a:bodyPr rtlCol="1" anchor="ctr"/>
           <a:lstStyle/>
           <a:p>
-            <a:pPr algn="ctr"/>
+            <a:pPr lvl="0" algn="l" rtl="0" eaLnBrk="0" fontAlgn="base" hangingPunct="0">
+              <a:spcBef>
+                <a:spcPct val="0"/>
+              </a:spcBef>
+              <a:spcAft>
+                <a:spcPct val="0"/>
+              </a:spcAft>
+            </a:pPr>
             <a:r>
-              <a:rPr lang="en-US" dirty="0" err="1" smtClean="0">
+              <a:rPr lang="en-US" altLang="en-US" sz="1400" dirty="0" err="1" smtClean="0">
                 <a:solidFill>
-                  <a:schemeClr val="tx1"/>
+                  <a:srgbClr val="000000"/>
                 </a:solidFill>
+                <a:latin typeface="Consolas" panose="020B0609020204030204" pitchFamily="49" charset="0"/>
+                <a:cs typeface="Consolas" panose="020B0609020204030204" pitchFamily="49" charset="0"/>
               </a:rPr>
-              <a:t>m_User:User</a:t>
+              <a:t>r_Iterator</a:t>
             </a:r>
-            <a:endParaRPr lang="he-IL" dirty="0">
+            <a:r>
+              <a:rPr lang="en-US" altLang="en-US" sz="1400" dirty="0" smtClean="0">
+                <a:solidFill>
+                  <a:srgbClr val="000000"/>
+                </a:solidFill>
+                <a:latin typeface="Consolas" panose="020B0609020204030204" pitchFamily="49" charset="0"/>
+                <a:cs typeface="Consolas" panose="020B0609020204030204" pitchFamily="49" charset="0"/>
+              </a:rPr>
+              <a:t>;</a:t>
+            </a:r>
+            <a:r>
+              <a:rPr lang="en-US" altLang="en-US" sz="1400" dirty="0">
+                <a:solidFill>
+                  <a:srgbClr val="2B91AF"/>
+                </a:solidFill>
+                <a:latin typeface="Consolas" panose="020B0609020204030204" pitchFamily="49" charset="0"/>
+                <a:cs typeface="Consolas" panose="020B0609020204030204" pitchFamily="49" charset="0"/>
+              </a:rPr>
+              <a:t> </a:t>
+            </a:r>
+            <a:r>
+              <a:rPr lang="en-US" altLang="en-US" sz="1400" dirty="0" err="1" smtClean="0">
+                <a:solidFill>
+                  <a:srgbClr val="2B91AF"/>
+                </a:solidFill>
+                <a:latin typeface="Consolas" panose="020B0609020204030204" pitchFamily="49" charset="0"/>
+                <a:cs typeface="Consolas" panose="020B0609020204030204" pitchFamily="49" charset="0"/>
+              </a:rPr>
+              <a:t>UserActivityIterator</a:t>
+            </a:r>
+            <a:r>
+              <a:rPr lang="en-US" altLang="en-US" sz="1400" dirty="0" smtClean="0">
+                <a:solidFill>
+                  <a:srgbClr val="000000"/>
+                </a:solidFill>
+                <a:latin typeface="Consolas" panose="020B0609020204030204" pitchFamily="49" charset="0"/>
+                <a:cs typeface="Consolas" panose="020B0609020204030204" pitchFamily="49" charset="0"/>
+              </a:rPr>
+              <a:t> </a:t>
+            </a:r>
+            <a:endParaRPr lang="en-US" altLang="en-US" sz="3600" dirty="0">
               <a:solidFill>
                 <a:schemeClr val="tx1"/>
               </a:solidFill>
+              <a:latin typeface="Arial" panose="020B0604020202020204" pitchFamily="34" charset="0"/>
             </a:endParaRPr>
           </a:p>
         </p:txBody>
@@ -3928,152 +4051,16 @@
           </a:p>
         </p:txBody>
       </p:sp>
-      <p:grpSp>
-        <p:nvGrpSpPr>
-          <p:cNvPr id="42" name="Group 41"/>
-          <p:cNvGrpSpPr/>
-          <p:nvPr/>
-        </p:nvGrpSpPr>
-        <p:grpSpPr>
-          <a:xfrm>
-            <a:off x="4570221" y="2306509"/>
-            <a:ext cx="2619869" cy="1261303"/>
-            <a:chOff x="2767887" y="897200"/>
-            <a:chExt cx="3575041" cy="1048646"/>
-          </a:xfrm>
-        </p:grpSpPr>
-        <p:cxnSp>
-          <p:nvCxnSpPr>
-            <p:cNvPr id="46" name="Straight Arrow Connector 45"/>
-            <p:cNvCxnSpPr/>
-            <p:nvPr/>
-          </p:nvCxnSpPr>
-          <p:spPr>
-            <a:xfrm>
-              <a:off x="2767887" y="950057"/>
-              <a:ext cx="3351592" cy="0"/>
-            </a:xfrm>
-            <a:prstGeom prst="straightConnector1">
-              <a:avLst/>
-            </a:prstGeom>
-            <a:ln w="25400">
-              <a:solidFill>
-                <a:schemeClr val="tx1"/>
-              </a:solidFill>
-              <a:tailEnd type="stealth" w="lg" len="lg"/>
-            </a:ln>
-          </p:spPr>
-          <p:style>
-            <a:lnRef idx="1">
-              <a:schemeClr val="accent1"/>
-            </a:lnRef>
-            <a:fillRef idx="0">
-              <a:schemeClr val="accent1"/>
-            </a:fillRef>
-            <a:effectRef idx="0">
-              <a:schemeClr val="accent1"/>
-            </a:effectRef>
-            <a:fontRef idx="minor">
-              <a:schemeClr val="tx1"/>
-            </a:fontRef>
-          </p:style>
-        </p:cxnSp>
-        <p:cxnSp>
-          <p:nvCxnSpPr>
-            <p:cNvPr id="47" name="Straight Arrow Connector 46"/>
-            <p:cNvCxnSpPr/>
-            <p:nvPr/>
-          </p:nvCxnSpPr>
-          <p:spPr>
-            <a:xfrm flipH="1" flipV="1">
-              <a:off x="2799975" y="1903505"/>
-              <a:ext cx="3361234" cy="2957"/>
-            </a:xfrm>
-            <a:prstGeom prst="straightConnector1">
-              <a:avLst/>
-            </a:prstGeom>
-            <a:ln w="25400">
-              <a:solidFill>
-                <a:schemeClr val="tx1"/>
-              </a:solidFill>
-              <a:prstDash val="dash"/>
-              <a:tailEnd type="stealth" w="lg" len="lg"/>
-            </a:ln>
-          </p:spPr>
-          <p:style>
-            <a:lnRef idx="1">
-              <a:schemeClr val="accent1"/>
-            </a:lnRef>
-            <a:fillRef idx="0">
-              <a:schemeClr val="accent1"/>
-            </a:fillRef>
-            <a:effectRef idx="0">
-              <a:schemeClr val="accent1"/>
-            </a:effectRef>
-            <a:fontRef idx="minor">
-              <a:schemeClr val="tx1"/>
-            </a:fontRef>
-          </p:style>
-        </p:cxnSp>
-        <p:sp>
-          <p:nvSpPr>
-            <p:cNvPr id="48" name="Rectangle 47"/>
-            <p:cNvSpPr/>
-            <p:nvPr/>
-          </p:nvSpPr>
-          <p:spPr>
-            <a:xfrm>
-              <a:off x="6119478" y="897200"/>
-              <a:ext cx="223450" cy="1048646"/>
-            </a:xfrm>
-            <a:prstGeom prst="rect">
-              <a:avLst/>
-            </a:prstGeom>
-            <a:solidFill>
-              <a:schemeClr val="bg1"/>
-            </a:solidFill>
-            <a:ln>
-              <a:solidFill>
-                <a:schemeClr val="tx1"/>
-              </a:solidFill>
-            </a:ln>
-          </p:spPr>
-          <p:style>
-            <a:lnRef idx="2">
-              <a:schemeClr val="accent1">
-                <a:shade val="50000"/>
-              </a:schemeClr>
-            </a:lnRef>
-            <a:fillRef idx="1">
-              <a:schemeClr val="accent1"/>
-            </a:fillRef>
-            <a:effectRef idx="0">
-              <a:schemeClr val="accent1"/>
-            </a:effectRef>
-            <a:fontRef idx="minor">
-              <a:schemeClr val="lt1"/>
-            </a:fontRef>
-          </p:style>
-          <p:txBody>
-            <a:bodyPr rtlCol="1" anchor="ctr"/>
-            <a:lstStyle/>
-            <a:p>
-              <a:pPr algn="ctr"/>
-              <a:endParaRPr lang="he-IL"/>
-            </a:p>
-          </p:txBody>
-        </p:sp>
-      </p:grpSp>
       <p:cxnSp>
         <p:nvCxnSpPr>
-          <p:cNvPr id="74" name="Elbow Connector 36"/>
+          <p:cNvPr id="46" name="Straight Arrow Connector 45"/>
           <p:cNvCxnSpPr/>
           <p:nvPr/>
         </p:nvCxnSpPr>
         <p:spPr>
-          <a:xfrm flipH="1" flipV="1">
-            <a:off x="1755249" y="6232307"/>
-            <a:ext cx="665493" cy="6830"/>
+          <a:xfrm>
+            <a:off x="4570221" y="2370085"/>
+            <a:ext cx="2456121" cy="0"/>
           </a:xfrm>
           <a:prstGeom prst="straightConnector1">
             <a:avLst/>
@@ -4082,7 +4069,7 @@
             <a:solidFill>
               <a:schemeClr val="tx1"/>
             </a:solidFill>
-            <a:tailEnd type="triangle"/>
+            <a:tailEnd type="stealth" w="lg" len="lg"/>
           </a:ln>
         </p:spPr>
         <p:style>
@@ -4102,59 +4089,24 @@
       </p:cxnSp>
       <p:cxnSp>
         <p:nvCxnSpPr>
-          <p:cNvPr id="75" name="Straight Connector 74"/>
+          <p:cNvPr id="47" name="Straight Arrow Connector 46"/>
           <p:cNvCxnSpPr/>
           <p:nvPr/>
         </p:nvCxnSpPr>
         <p:spPr>
           <a:xfrm flipH="1" flipV="1">
-            <a:off x="2420742" y="5740558"/>
-            <a:ext cx="1" cy="504978"/>
+            <a:off x="4553446" y="2973759"/>
+            <a:ext cx="2463187" cy="3557"/>
           </a:xfrm>
-          <a:prstGeom prst="line">
+          <a:prstGeom prst="straightConnector1">
             <a:avLst/>
           </a:prstGeom>
           <a:ln w="25400">
             <a:solidFill>
               <a:schemeClr val="tx1"/>
             </a:solidFill>
-            <a:tailEnd type="none" w="lg" len="lg"/>
-          </a:ln>
-        </p:spPr>
-        <p:style>
-          <a:lnRef idx="1">
-            <a:schemeClr val="accent1"/>
-          </a:lnRef>
-          <a:fillRef idx="0">
-            <a:schemeClr val="accent1"/>
-          </a:fillRef>
-          <a:effectRef idx="0">
-            <a:schemeClr val="accent1"/>
-          </a:effectRef>
-          <a:fontRef idx="minor">
-            <a:schemeClr val="tx1"/>
-          </a:fontRef>
-        </p:style>
-      </p:cxnSp>
-      <p:cxnSp>
-        <p:nvCxnSpPr>
-          <p:cNvPr id="76" name="Straight Connector 75"/>
-          <p:cNvCxnSpPr/>
-          <p:nvPr/>
-        </p:nvCxnSpPr>
-        <p:spPr>
-          <a:xfrm flipH="1">
-            <a:off x="1778431" y="5761224"/>
-            <a:ext cx="642311" cy="0"/>
-          </a:xfrm>
-          <a:prstGeom prst="line">
-            <a:avLst/>
-          </a:prstGeom>
-          <a:ln w="25400">
-            <a:solidFill>
-              <a:schemeClr val="tx1"/>
-            </a:solidFill>
-            <a:tailEnd type="none" w="lg" len="lg"/>
+            <a:prstDash val="dash"/>
+            <a:tailEnd type="stealth" w="lg" len="lg"/>
           </a:ln>
         </p:spPr>
         <p:style>
@@ -4174,13 +4126,61 @@
       </p:cxnSp>
       <p:sp>
         <p:nvSpPr>
+          <p:cNvPr id="48" name="Rectangle 47"/>
+          <p:cNvSpPr/>
+          <p:nvPr/>
+        </p:nvSpPr>
+        <p:spPr>
+          <a:xfrm>
+            <a:off x="7044308" y="2306509"/>
+            <a:ext cx="145782" cy="709669"/>
+          </a:xfrm>
+          <a:prstGeom prst="rect">
+            <a:avLst/>
+          </a:prstGeom>
+          <a:solidFill>
+            <a:schemeClr val="bg1"/>
+          </a:solidFill>
+          <a:ln>
+            <a:solidFill>
+              <a:schemeClr val="tx1"/>
+            </a:solidFill>
+          </a:ln>
+        </p:spPr>
+        <p:style>
+          <a:lnRef idx="2">
+            <a:schemeClr val="accent1">
+              <a:shade val="50000"/>
+            </a:schemeClr>
+          </a:lnRef>
+          <a:fillRef idx="1">
+            <a:schemeClr val="accent1"/>
+          </a:fillRef>
+          <a:effectRef idx="0">
+            <a:schemeClr val="accent1"/>
+          </a:effectRef>
+          <a:fontRef idx="minor">
+            <a:schemeClr val="lt1"/>
+          </a:fontRef>
+        </p:style>
+        <p:txBody>
+          <a:bodyPr rtlCol="1" anchor="ctr"/>
+          <a:lstStyle/>
+          <a:p>
+            <a:pPr algn="ctr"/>
+            <a:endParaRPr lang="he-IL"/>
+          </a:p>
+        </p:txBody>
+      </p:sp>
+      <p:sp>
+        <p:nvSpPr>
           <p:cNvPr id="61" name="TextBox 60"/>
           <p:cNvSpPr txBox="1"/>
           <p:nvPr/>
         </p:nvSpPr>
         <p:spPr>
           <a:xfrm>
-            <a:off x="3410973" y="5273941"/>
+            <a:off x="8924126" y="2800326"/>
             <a:ext cx="1742594" cy="307777"/>
           </a:xfrm>
           <a:prstGeom prst="rect">
@@ -4197,156 +4197,500 @@
             <a:pPr algn="l" rtl="0"/>
             <a:r>
               <a:rPr lang="en-US" sz="1400" dirty="0" smtClean="0"/>
-              <a:t>(was posted)</a:t>
+              <a:t>(this)</a:t>
             </a:r>
           </a:p>
         </p:txBody>
       </p:sp>
-      <p:grpSp>
-        <p:nvGrpSpPr>
-          <p:cNvPr id="63" name="Group 62"/>
-          <p:cNvGrpSpPr/>
+      <p:cxnSp>
+        <p:nvCxnSpPr>
+          <p:cNvPr id="64" name="Straight Arrow Connector 63"/>
+          <p:cNvCxnSpPr/>
           <p:nvPr/>
-        </p:nvGrpSpPr>
-        <p:grpSpPr>
-          <a:xfrm>
-            <a:off x="4557606" y="3957573"/>
-            <a:ext cx="2619869" cy="1261303"/>
-            <a:chOff x="2767887" y="897200"/>
-            <a:chExt cx="3575041" cy="1048646"/>
+        </p:nvCxnSpPr>
+        <p:spPr>
+          <a:xfrm flipV="1">
+            <a:off x="1840681" y="3576315"/>
+            <a:ext cx="9097567" cy="25618"/>
           </a:xfrm>
-        </p:grpSpPr>
-        <p:cxnSp>
-          <p:nvCxnSpPr>
-            <p:cNvPr id="64" name="Straight Arrow Connector 63"/>
-            <p:cNvCxnSpPr/>
-            <p:nvPr/>
-          </p:nvCxnSpPr>
-          <p:spPr>
-            <a:xfrm>
-              <a:off x="2767887" y="950057"/>
-              <a:ext cx="3351592" cy="0"/>
-            </a:xfrm>
-            <a:prstGeom prst="straightConnector1">
-              <a:avLst/>
-            </a:prstGeom>
-            <a:ln w="25400">
-              <a:solidFill>
-                <a:schemeClr val="tx1"/>
-              </a:solidFill>
-              <a:tailEnd type="stealth" w="lg" len="lg"/>
-            </a:ln>
-          </p:spPr>
-          <p:style>
-            <a:lnRef idx="1">
-              <a:schemeClr val="accent1"/>
-            </a:lnRef>
-            <a:fillRef idx="0">
-              <a:schemeClr val="accent1"/>
-            </a:fillRef>
-            <a:effectRef idx="0">
-              <a:schemeClr val="accent1"/>
-            </a:effectRef>
-            <a:fontRef idx="minor">
+          <a:prstGeom prst="straightConnector1">
+            <a:avLst/>
+          </a:prstGeom>
+          <a:ln w="25400">
+            <a:solidFill>
               <a:schemeClr val="tx1"/>
-            </a:fontRef>
-          </p:style>
-        </p:cxnSp>
-        <p:cxnSp>
-          <p:nvCxnSpPr>
-            <p:cNvPr id="78" name="Straight Arrow Connector 77"/>
-            <p:cNvCxnSpPr/>
-            <p:nvPr/>
-          </p:nvCxnSpPr>
-          <p:spPr>
-            <a:xfrm flipH="1" flipV="1">
-              <a:off x="2799975" y="1903505"/>
-              <a:ext cx="3361234" cy="2957"/>
-            </a:xfrm>
-            <a:prstGeom prst="straightConnector1">
-              <a:avLst/>
-            </a:prstGeom>
-            <a:ln w="25400">
-              <a:solidFill>
-                <a:schemeClr val="tx1"/>
-              </a:solidFill>
-              <a:prstDash val="dash"/>
-              <a:tailEnd type="stealth" w="lg" len="lg"/>
-            </a:ln>
-          </p:spPr>
-          <p:style>
-            <a:lnRef idx="1">
-              <a:schemeClr val="accent1"/>
-            </a:lnRef>
-            <a:fillRef idx="0">
-              <a:schemeClr val="accent1"/>
-            </a:fillRef>
-            <a:effectRef idx="0">
-              <a:schemeClr val="accent1"/>
-            </a:effectRef>
-            <a:fontRef idx="minor">
+            </a:solidFill>
+            <a:tailEnd type="stealth" w="lg" len="lg"/>
+          </a:ln>
+        </p:spPr>
+        <p:style>
+          <a:lnRef idx="1">
+            <a:schemeClr val="accent1"/>
+          </a:lnRef>
+          <a:fillRef idx="0">
+            <a:schemeClr val="accent1"/>
+          </a:fillRef>
+          <a:effectRef idx="0">
+            <a:schemeClr val="accent1"/>
+          </a:effectRef>
+          <a:fontRef idx="minor">
+            <a:schemeClr val="tx1"/>
+          </a:fontRef>
+        </p:style>
+      </p:cxnSp>
+      <p:cxnSp>
+        <p:nvCxnSpPr>
+          <p:cNvPr id="78" name="Straight Arrow Connector 77"/>
+          <p:cNvCxnSpPr/>
+          <p:nvPr/>
+        </p:nvCxnSpPr>
+        <p:spPr>
+          <a:xfrm flipH="1">
+            <a:off x="1840681" y="6163598"/>
+            <a:ext cx="9072167" cy="19488"/>
+          </a:xfrm>
+          <a:prstGeom prst="straightConnector1">
+            <a:avLst/>
+          </a:prstGeom>
+          <a:ln w="25400">
+            <a:solidFill>
               <a:schemeClr val="tx1"/>
-            </a:fontRef>
-          </p:style>
-        </p:cxnSp>
-        <p:sp>
-          <p:nvSpPr>
-            <p:cNvPr id="79" name="Rectangle 78"/>
-            <p:cNvSpPr/>
-            <p:nvPr/>
-          </p:nvSpPr>
-          <p:spPr>
-            <a:xfrm>
-              <a:off x="6119478" y="897200"/>
-              <a:ext cx="223450" cy="1048646"/>
-            </a:xfrm>
-            <a:prstGeom prst="rect">
-              <a:avLst/>
-            </a:prstGeom>
-            <a:solidFill>
-              <a:schemeClr val="bg1"/>
             </a:solidFill>
-            <a:ln>
-              <a:solidFill>
-                <a:schemeClr val="tx1"/>
-              </a:solidFill>
-            </a:ln>
-          </p:spPr>
-          <p:style>
-            <a:lnRef idx="2">
-              <a:schemeClr val="accent1">
-                <a:shade val="50000"/>
-              </a:schemeClr>
-            </a:lnRef>
-            <a:fillRef idx="1">
-              <a:schemeClr val="accent1"/>
-            </a:fillRef>
-            <a:effectRef idx="0">
-              <a:schemeClr val="accent1"/>
-            </a:effectRef>
-            <a:fontRef idx="minor">
-              <a:schemeClr val="lt1"/>
-            </a:fontRef>
-          </p:style>
-          <p:txBody>
-            <a:bodyPr rtlCol="1" anchor="ctr"/>
-            <a:lstStyle/>
-            <a:p>
-              <a:pPr algn="ctr"/>
-              <a:endParaRPr lang="he-IL"/>
-            </a:p>
-          </p:txBody>
-        </p:sp>
-      </p:grpSp>
+            <a:prstDash val="dash"/>
+            <a:tailEnd type="stealth" w="lg" len="lg"/>
+          </a:ln>
+        </p:spPr>
+        <p:style>
+          <a:lnRef idx="1">
+            <a:schemeClr val="accent1"/>
+          </a:lnRef>
+          <a:fillRef idx="0">
+            <a:schemeClr val="accent1"/>
+          </a:fillRef>
+          <a:effectRef idx="0">
+            <a:schemeClr val="accent1"/>
+          </a:effectRef>
+          <a:fontRef idx="minor">
+            <a:schemeClr val="tx1"/>
+          </a:fontRef>
+        </p:style>
+      </p:cxnSp>
       <p:sp>
         <p:nvSpPr>
-          <p:cNvPr id="80" name="TextBox 79"/>
+          <p:cNvPr id="79" name="Rectangle 78"/>
+          <p:cNvSpPr/>
+          <p:nvPr/>
+        </p:nvSpPr>
+        <p:spPr>
+          <a:xfrm>
+            <a:off x="10921314" y="3546570"/>
+            <a:ext cx="123808" cy="2636516"/>
+          </a:xfrm>
+          <a:prstGeom prst="rect">
+            <a:avLst/>
+          </a:prstGeom>
+          <a:solidFill>
+            <a:schemeClr val="bg1"/>
+          </a:solidFill>
+          <a:ln>
+            <a:solidFill>
+              <a:schemeClr val="tx1"/>
+            </a:solidFill>
+          </a:ln>
+        </p:spPr>
+        <p:style>
+          <a:lnRef idx="2">
+            <a:schemeClr val="accent1">
+              <a:shade val="50000"/>
+            </a:schemeClr>
+          </a:lnRef>
+          <a:fillRef idx="1">
+            <a:schemeClr val="accent1"/>
+          </a:fillRef>
+          <a:effectRef idx="0">
+            <a:schemeClr val="accent1"/>
+          </a:effectRef>
+          <a:fontRef idx="minor">
+            <a:schemeClr val="lt1"/>
+          </a:fontRef>
+        </p:style>
+        <p:txBody>
+          <a:bodyPr rtlCol="1" anchor="ctr"/>
+          <a:lstStyle/>
+          <a:p>
+            <a:pPr algn="ctr"/>
+            <a:endParaRPr lang="he-IL"/>
+          </a:p>
+        </p:txBody>
+      </p:sp>
+      <p:sp>
+        <p:nvSpPr>
+          <p:cNvPr id="83" name="TextBox 82"/>
           <p:cNvSpPr txBox="1"/>
           <p:nvPr/>
         </p:nvSpPr>
         <p:spPr>
           <a:xfrm>
-            <a:off x="6539648" y="3503731"/>
+            <a:off x="2231059" y="1690236"/>
+            <a:ext cx="2840724" cy="307777"/>
+          </a:xfrm>
+          <a:prstGeom prst="rect">
+            <a:avLst/>
+          </a:prstGeom>
+          <a:noFill/>
+        </p:spPr>
+        <p:txBody>
+          <a:bodyPr wrap="square" rtlCol="1">
+            <a:spAutoFit/>
+          </a:bodyPr>
+          <a:lstStyle/>
+          <a:p>
+            <a:pPr algn="l" rtl="0"/>
+            <a:r>
+              <a:rPr lang="en-US" sz="1400" dirty="0" err="1" smtClean="0"/>
+              <a:t>AllActivity</a:t>
+            </a:r>
+            <a:r>
+              <a:rPr lang="en-US" sz="1400" dirty="0" smtClean="0"/>
+              <a:t>(amount of items)</a:t>
+            </a:r>
+          </a:p>
+        </p:txBody>
+      </p:sp>
+      <p:sp>
+        <p:nvSpPr>
+          <p:cNvPr id="32" name="TextBox 31"/>
+          <p:cNvSpPr txBox="1"/>
+          <p:nvPr/>
+        </p:nvSpPr>
+        <p:spPr>
+          <a:xfrm>
+            <a:off x="7190090" y="2345415"/>
+            <a:ext cx="2840724" cy="307776"/>
+          </a:xfrm>
+          <a:prstGeom prst="rect">
+            <a:avLst/>
+          </a:prstGeom>
+          <a:noFill/>
+        </p:spPr>
+        <p:txBody>
+          <a:bodyPr wrap="square" rtlCol="1">
+            <a:spAutoFit/>
+          </a:bodyPr>
+          <a:lstStyle/>
+          <a:p>
+            <a:pPr algn="l" rtl="0"/>
+            <a:r>
+              <a:rPr lang="en-US" sz="1400" dirty="0" smtClean="0"/>
+              <a:t>new(</a:t>
+            </a:r>
+            <a:r>
+              <a:rPr lang="en-US" sz="1400" dirty="0" err="1" smtClean="0"/>
+              <a:t>activityStream</a:t>
+            </a:r>
+            <a:r>
+              <a:rPr lang="en-US" sz="1400" dirty="0" smtClean="0"/>
+              <a:t>)</a:t>
+            </a:r>
+          </a:p>
+        </p:txBody>
+      </p:sp>
+      <p:cxnSp>
+        <p:nvCxnSpPr>
+          <p:cNvPr id="34" name="Straight Arrow Connector 33"/>
+          <p:cNvCxnSpPr/>
+          <p:nvPr/>
+        </p:nvCxnSpPr>
+        <p:spPr>
+          <a:xfrm>
+            <a:off x="7226118" y="2664340"/>
+            <a:ext cx="2456121" cy="0"/>
+          </a:xfrm>
+          <a:prstGeom prst="straightConnector1">
+            <a:avLst/>
+          </a:prstGeom>
+          <a:ln w="25400">
+            <a:solidFill>
+              <a:schemeClr val="tx1"/>
+            </a:solidFill>
+            <a:tailEnd type="stealth" w="lg" len="lg"/>
+          </a:ln>
+        </p:spPr>
+        <p:style>
+          <a:lnRef idx="1">
+            <a:schemeClr val="accent1"/>
+          </a:lnRef>
+          <a:fillRef idx="0">
+            <a:schemeClr val="accent1"/>
+          </a:fillRef>
+          <a:effectRef idx="0">
+            <a:schemeClr val="accent1"/>
+          </a:effectRef>
+          <a:fontRef idx="minor">
+            <a:schemeClr val="tx1"/>
+          </a:fontRef>
+        </p:style>
+      </p:cxnSp>
+      <p:sp>
+        <p:nvSpPr>
+          <p:cNvPr id="35" name="Rectangle 34"/>
+          <p:cNvSpPr/>
+          <p:nvPr/>
+        </p:nvSpPr>
+        <p:spPr>
+          <a:xfrm>
+            <a:off x="9718267" y="2452718"/>
+            <a:ext cx="127720" cy="421903"/>
+          </a:xfrm>
+          <a:prstGeom prst="rect">
+            <a:avLst/>
+          </a:prstGeom>
+          <a:solidFill>
+            <a:schemeClr val="bg1"/>
+          </a:solidFill>
+          <a:ln>
+            <a:solidFill>
+              <a:schemeClr val="tx1"/>
+            </a:solidFill>
+          </a:ln>
+        </p:spPr>
+        <p:style>
+          <a:lnRef idx="2">
+            <a:schemeClr val="accent1">
+              <a:shade val="50000"/>
+            </a:schemeClr>
+          </a:lnRef>
+          <a:fillRef idx="1">
+            <a:schemeClr val="accent1"/>
+          </a:fillRef>
+          <a:effectRef idx="0">
+            <a:schemeClr val="accent1"/>
+          </a:effectRef>
+          <a:fontRef idx="minor">
+            <a:schemeClr val="lt1"/>
+          </a:fontRef>
+        </p:style>
+        <p:txBody>
+          <a:bodyPr rtlCol="1" anchor="ctr"/>
+          <a:lstStyle/>
+          <a:p>
+            <a:pPr algn="ctr"/>
+            <a:endParaRPr lang="he-IL"/>
+          </a:p>
+        </p:txBody>
+      </p:sp>
+      <p:sp>
+        <p:nvSpPr>
+          <p:cNvPr id="36" name="Rectangle 35"/>
+          <p:cNvSpPr/>
+          <p:nvPr/>
+        </p:nvSpPr>
+        <p:spPr>
+          <a:xfrm>
+            <a:off x="6250421" y="1842227"/>
+            <a:ext cx="2159650" cy="447399"/>
+          </a:xfrm>
+          <a:prstGeom prst="rect">
+            <a:avLst/>
+          </a:prstGeom>
+          <a:noFill/>
+          <a:ln w="25400">
+            <a:solidFill>
+              <a:schemeClr val="tx1"/>
+            </a:solidFill>
+          </a:ln>
+        </p:spPr>
+        <p:style>
+          <a:lnRef idx="2">
+            <a:schemeClr val="accent1">
+              <a:shade val="50000"/>
+            </a:schemeClr>
+          </a:lnRef>
+          <a:fillRef idx="1">
+            <a:schemeClr val="accent1"/>
+          </a:fillRef>
+          <a:effectRef idx="0">
+            <a:schemeClr val="accent1"/>
+          </a:effectRef>
+          <a:fontRef idx="minor">
+            <a:schemeClr val="lt1"/>
+          </a:fontRef>
+        </p:style>
+        <p:txBody>
+          <a:bodyPr rtlCol="1" anchor="ctr"/>
+          <a:lstStyle/>
+          <a:p>
+            <a:pPr algn="ctr"/>
+            <a:r>
+              <a:rPr lang="en-US" sz="1400" dirty="0" err="1" smtClean="0">
+                <a:solidFill>
+                  <a:schemeClr val="tx1"/>
+                </a:solidFill>
+              </a:rPr>
+              <a:t>iteratorCreator:UserActivityIteatorCreator</a:t>
+            </a:r>
+            <a:endParaRPr lang="he-IL" sz="1400" dirty="0">
+              <a:solidFill>
+                <a:schemeClr val="tx1"/>
+              </a:solidFill>
+            </a:endParaRPr>
+          </a:p>
+        </p:txBody>
+      </p:sp>
+      <p:sp>
+        <p:nvSpPr>
+          <p:cNvPr id="37" name="Rectangle 36"/>
+          <p:cNvSpPr/>
+          <p:nvPr/>
+        </p:nvSpPr>
+        <p:spPr>
+          <a:xfrm>
+            <a:off x="9651459" y="1025174"/>
+            <a:ext cx="2412893" cy="502760"/>
+          </a:xfrm>
+          <a:prstGeom prst="rect">
+            <a:avLst/>
+          </a:prstGeom>
+          <a:noFill/>
+          <a:ln w="25400">
+            <a:solidFill>
+              <a:schemeClr val="tx1"/>
+            </a:solidFill>
+          </a:ln>
+        </p:spPr>
+        <p:style>
+          <a:lnRef idx="2">
+            <a:schemeClr val="accent1">
+              <a:shade val="50000"/>
+            </a:schemeClr>
+          </a:lnRef>
+          <a:fillRef idx="1">
+            <a:schemeClr val="accent1"/>
+          </a:fillRef>
+          <a:effectRef idx="0">
+            <a:schemeClr val="accent1"/>
+          </a:effectRef>
+          <a:fontRef idx="minor">
+            <a:schemeClr val="lt1"/>
+          </a:fontRef>
+        </p:style>
+        <p:txBody>
+          <a:bodyPr rtlCol="1" anchor="ctr"/>
+          <a:lstStyle/>
+          <a:p>
+            <a:pPr algn="ctr"/>
+            <a:r>
+              <a:rPr lang="en-US" altLang="en-US" dirty="0" err="1">
+                <a:solidFill>
+                  <a:srgbClr val="000000"/>
+                </a:solidFill>
+                <a:latin typeface="Consolas" panose="020B0609020204030204" pitchFamily="49" charset="0"/>
+                <a:cs typeface="Consolas" panose="020B0609020204030204" pitchFamily="49" charset="0"/>
+              </a:rPr>
+              <a:t>r_InterestChecker</a:t>
+            </a:r>
+            <a:r>
+              <a:rPr lang="en-US" altLang="en-US" dirty="0">
+                <a:solidFill>
+                  <a:srgbClr val="000000"/>
+                </a:solidFill>
+                <a:latin typeface="Consolas" panose="020B0609020204030204" pitchFamily="49" charset="0"/>
+                <a:cs typeface="Consolas" panose="020B0609020204030204" pitchFamily="49" charset="0"/>
+              </a:rPr>
+              <a:t> </a:t>
+            </a:r>
+            <a:r>
+              <a:rPr lang="en-US" dirty="0" smtClean="0">
+                <a:solidFill>
+                  <a:schemeClr val="tx1"/>
+                </a:solidFill>
+              </a:rPr>
+              <a:t>:</a:t>
+            </a:r>
+            <a:r>
+              <a:rPr lang="en-US" altLang="en-US" dirty="0">
+                <a:solidFill>
+                  <a:srgbClr val="000000"/>
+                </a:solidFill>
+                <a:latin typeface="Consolas" panose="020B0609020204030204" pitchFamily="49" charset="0"/>
+                <a:cs typeface="Consolas" panose="020B0609020204030204" pitchFamily="49" charset="0"/>
+              </a:rPr>
+              <a:t> </a:t>
+            </a:r>
+            <a:r>
+              <a:rPr lang="en-US" altLang="en-US" dirty="0" err="1" smtClean="0">
+                <a:solidFill>
+                  <a:srgbClr val="000000"/>
+                </a:solidFill>
+                <a:latin typeface="Consolas" panose="020B0609020204030204" pitchFamily="49" charset="0"/>
+                <a:cs typeface="Consolas" panose="020B0609020204030204" pitchFamily="49" charset="0"/>
+              </a:rPr>
+              <a:t>InterestChecker</a:t>
+            </a:r>
+            <a:r>
+              <a:rPr lang="en-US" altLang="en-US" dirty="0" smtClean="0">
+                <a:solidFill>
+                  <a:srgbClr val="000000"/>
+                </a:solidFill>
+                <a:latin typeface="Consolas" panose="020B0609020204030204" pitchFamily="49" charset="0"/>
+                <a:cs typeface="Consolas" panose="020B0609020204030204" pitchFamily="49" charset="0"/>
+              </a:rPr>
+              <a:t> </a:t>
+            </a:r>
+            <a:endParaRPr lang="he-IL" dirty="0" smtClean="0">
+              <a:solidFill>
+                <a:schemeClr val="tx1"/>
+              </a:solidFill>
+            </a:endParaRPr>
+          </a:p>
+        </p:txBody>
+      </p:sp>
+      <p:cxnSp>
+        <p:nvCxnSpPr>
+          <p:cNvPr id="38" name="Straight Arrow Connector 37"/>
+          <p:cNvCxnSpPr/>
+          <p:nvPr/>
+        </p:nvCxnSpPr>
+        <p:spPr>
+          <a:xfrm flipH="1" flipV="1">
+            <a:off x="7188272" y="2823527"/>
+            <a:ext cx="2463187" cy="3557"/>
+          </a:xfrm>
+          <a:prstGeom prst="straightConnector1">
+            <a:avLst/>
+          </a:prstGeom>
+          <a:ln w="25400">
+            <a:solidFill>
+              <a:schemeClr val="tx1"/>
+            </a:solidFill>
+            <a:prstDash val="dash"/>
+            <a:tailEnd type="stealth" w="lg" len="lg"/>
+          </a:ln>
+        </p:spPr>
+        <p:style>
+          <a:lnRef idx="1">
+            <a:schemeClr val="accent1"/>
+          </a:lnRef>
+          <a:fillRef idx="0">
+            <a:schemeClr val="accent1"/>
+          </a:fillRef>
+          <a:effectRef idx="0">
+            <a:schemeClr val="accent1"/>
+          </a:effectRef>
+          <a:fontRef idx="minor">
+            <a:schemeClr val="tx1"/>
+          </a:fontRef>
+        </p:style>
+      </p:cxnSp>
+      <p:sp>
+        <p:nvSpPr>
+          <p:cNvPr id="43" name="TextBox 42"/>
+          <p:cNvSpPr txBox="1"/>
+          <p:nvPr/>
+        </p:nvSpPr>
+        <p:spPr>
+          <a:xfrm>
+            <a:off x="6306178" y="2942752"/>
             <a:ext cx="1742594" cy="307777"/>
           </a:xfrm>
           <a:prstGeom prst="rect">
@@ -4363,54 +4707,20 @@
             <a:pPr algn="l" rtl="0"/>
             <a:r>
               <a:rPr lang="en-US" sz="1400" dirty="0" smtClean="0"/>
-              <a:t>(void)</a:t>
+              <a:t>(this)</a:t>
             </a:r>
           </a:p>
         </p:txBody>
       </p:sp>
       <p:sp>
         <p:nvSpPr>
-          <p:cNvPr id="81" name="TextBox 80"/>
+          <p:cNvPr id="45" name="TextBox 44"/>
           <p:cNvSpPr txBox="1"/>
           <p:nvPr/>
         </p:nvSpPr>
         <p:spPr>
           <a:xfrm>
-            <a:off x="4599000" y="3728731"/>
-            <a:ext cx="2840724" cy="307779"/>
-          </a:xfrm>
-          <a:prstGeom prst="rect">
-            <a:avLst/>
-          </a:prstGeom>
-          <a:noFill/>
-        </p:spPr>
-        <p:txBody>
-          <a:bodyPr wrap="square" rtlCol="1">
-            <a:spAutoFit/>
-          </a:bodyPr>
-          <a:lstStyle/>
-          <a:p>
-            <a:pPr algn="l" rtl="0"/>
-            <a:r>
-              <a:rPr lang="en-US" sz="1400" dirty="0" err="1" smtClean="0"/>
-              <a:t>ReFetch</a:t>
-            </a:r>
-            <a:r>
-              <a:rPr lang="en-US" sz="1400" dirty="0" smtClean="0"/>
-              <a:t>()</a:t>
-            </a:r>
-          </a:p>
-        </p:txBody>
-      </p:sp>
-      <p:sp>
-        <p:nvSpPr>
-          <p:cNvPr id="82" name="TextBox 81"/>
-          <p:cNvSpPr txBox="1"/>
-          <p:nvPr/>
-        </p:nvSpPr>
-        <p:spPr>
-          <a:xfrm>
-            <a:off x="6535080" y="5128563"/>
+            <a:off x="3696345" y="3204242"/>
             <a:ext cx="1742594" cy="307777"/>
           </a:xfrm>
           <a:prstGeom prst="rect">
@@ -4427,21 +4737,21 @@
             <a:pPr algn="l" rtl="0"/>
             <a:r>
               <a:rPr lang="en-US" sz="1400" dirty="0" smtClean="0"/>
-              <a:t>(void)</a:t>
+              <a:t>(iterator)</a:t>
             </a:r>
           </a:p>
         </p:txBody>
       </p:sp>
       <p:sp>
         <p:nvSpPr>
-          <p:cNvPr id="83" name="TextBox 82"/>
+          <p:cNvPr id="59" name="TextBox 58"/>
           <p:cNvSpPr txBox="1"/>
           <p:nvPr/>
         </p:nvSpPr>
         <p:spPr>
           <a:xfrm>
-            <a:off x="2971990" y="1679639"/>
-            <a:ext cx="2840724" cy="234094"/>
+            <a:off x="8256386" y="3330272"/>
+            <a:ext cx="2840724" cy="246221"/>
           </a:xfrm>
           <a:prstGeom prst="rect">
             <a:avLst/>
@@ -4454,27 +4764,49 @@
           </a:bodyPr>
           <a:lstStyle/>
           <a:p>
-            <a:pPr algn="l" rtl="0"/>
+            <a:pPr lvl="0" algn="l" rtl="0" eaLnBrk="0" fontAlgn="base" hangingPunct="0">
+              <a:spcBef>
+                <a:spcPct val="0"/>
+              </a:spcBef>
+              <a:spcAft>
+                <a:spcPct val="0"/>
+              </a:spcAft>
+            </a:pPr>
             <a:r>
-              <a:rPr lang="en-US" sz="1400" dirty="0" err="1" smtClean="0"/>
-              <a:t>PostStatus</a:t>
+              <a:rPr lang="en-US" altLang="en-US" sz="1000" dirty="0" err="1" smtClean="0">
+                <a:solidFill>
+                  <a:srgbClr val="000000"/>
+                </a:solidFill>
+                <a:latin typeface="Consolas" panose="020B0609020204030204" pitchFamily="49" charset="0"/>
+                <a:cs typeface="Consolas" panose="020B0609020204030204" pitchFamily="49" charset="0"/>
+              </a:rPr>
+              <a:t>FindInterestedFriendsNames</a:t>
             </a:r>
             <a:r>
-              <a:rPr lang="en-US" sz="1400" dirty="0" smtClean="0"/>
-              <a:t>(status)</a:t>
+              <a:rPr lang="en-US" altLang="en-US" sz="1000" dirty="0" smtClean="0">
+                <a:solidFill>
+                  <a:srgbClr val="000000"/>
+                </a:solidFill>
+                <a:latin typeface="Consolas" panose="020B0609020204030204" pitchFamily="49" charset="0"/>
+                <a:cs typeface="Consolas" panose="020B0609020204030204" pitchFamily="49" charset="0"/>
+              </a:rPr>
+              <a:t>(iterator)</a:t>
             </a:r>
+            <a:endParaRPr lang="en-US" altLang="en-US" sz="1000" dirty="0">
+              <a:latin typeface="Arial" panose="020B0604020202020204" pitchFamily="34" charset="0"/>
+            </a:endParaRPr>
           </a:p>
         </p:txBody>
       </p:sp>
       <p:sp>
         <p:nvSpPr>
-          <p:cNvPr id="84" name="TextBox 83"/>
+          <p:cNvPr id="65" name="TextBox 64"/>
           <p:cNvSpPr txBox="1"/>
           <p:nvPr/>
         </p:nvSpPr>
         <p:spPr>
           <a:xfrm>
-            <a:off x="2357501" y="5684153"/>
+            <a:off x="10317061" y="6121352"/>
             <a:ext cx="1742594" cy="307777"/>
           </a:xfrm>
           <a:prstGeom prst="rect">
@@ -4490,10 +4822,276 @@
           <a:p>
             <a:pPr algn="l" rtl="0"/>
             <a:r>
-              <a:rPr lang="en-US" sz="1400" dirty="0" err="1" smtClean="0"/>
-              <a:t>DisplayNewPosts</a:t>
+              <a:rPr lang="en-US" sz="1400" dirty="0" smtClean="0"/>
+              <a:t>(name)</a:t>
             </a:r>
-            <a:endParaRPr lang="en-US" sz="1400" dirty="0" smtClean="0"/>
+          </a:p>
+        </p:txBody>
+      </p:sp>
+      <p:cxnSp>
+        <p:nvCxnSpPr>
+          <p:cNvPr id="66" name="Straight Arrow Connector 65"/>
+          <p:cNvCxnSpPr/>
+          <p:nvPr/>
+        </p:nvCxnSpPr>
+        <p:spPr>
+          <a:xfrm flipH="1" flipV="1">
+            <a:off x="9760592" y="4243907"/>
+            <a:ext cx="1160723" cy="12580"/>
+          </a:xfrm>
+          <a:prstGeom prst="straightConnector1">
+            <a:avLst/>
+          </a:prstGeom>
+          <a:ln w="25400">
+            <a:solidFill>
+              <a:schemeClr val="tx1"/>
+            </a:solidFill>
+            <a:tailEnd type="stealth" w="lg" len="lg"/>
+          </a:ln>
+        </p:spPr>
+        <p:style>
+          <a:lnRef idx="1">
+            <a:schemeClr val="accent1"/>
+          </a:lnRef>
+          <a:fillRef idx="0">
+            <a:schemeClr val="accent1"/>
+          </a:fillRef>
+          <a:effectRef idx="0">
+            <a:schemeClr val="accent1"/>
+          </a:effectRef>
+          <a:fontRef idx="minor">
+            <a:schemeClr val="tx1"/>
+          </a:fontRef>
+        </p:style>
+      </p:cxnSp>
+      <p:cxnSp>
+        <p:nvCxnSpPr>
+          <p:cNvPr id="67" name="Straight Arrow Connector 66"/>
+          <p:cNvCxnSpPr/>
+          <p:nvPr/>
+        </p:nvCxnSpPr>
+        <p:spPr>
+          <a:xfrm flipV="1">
+            <a:off x="9799061" y="4929051"/>
+            <a:ext cx="1112779" cy="2701"/>
+          </a:xfrm>
+          <a:prstGeom prst="straightConnector1">
+            <a:avLst/>
+          </a:prstGeom>
+          <a:ln w="25400">
+            <a:solidFill>
+              <a:schemeClr val="tx1"/>
+            </a:solidFill>
+            <a:prstDash val="dash"/>
+            <a:tailEnd type="stealth" w="lg" len="lg"/>
+          </a:ln>
+        </p:spPr>
+        <p:style>
+          <a:lnRef idx="1">
+            <a:schemeClr val="accent1"/>
+          </a:lnRef>
+          <a:fillRef idx="0">
+            <a:schemeClr val="accent1"/>
+          </a:fillRef>
+          <a:effectRef idx="0">
+            <a:schemeClr val="accent1"/>
+          </a:effectRef>
+          <a:fontRef idx="minor">
+            <a:schemeClr val="tx1"/>
+          </a:fontRef>
+        </p:style>
+      </p:cxnSp>
+      <p:sp>
+        <p:nvSpPr>
+          <p:cNvPr id="70" name="TextBox 69"/>
+          <p:cNvSpPr txBox="1"/>
+          <p:nvPr/>
+        </p:nvSpPr>
+        <p:spPr>
+          <a:xfrm>
+            <a:off x="9799060" y="3950516"/>
+            <a:ext cx="1298049" cy="246221"/>
+          </a:xfrm>
+          <a:prstGeom prst="rect">
+            <a:avLst/>
+          </a:prstGeom>
+          <a:noFill/>
+        </p:spPr>
+        <p:txBody>
+          <a:bodyPr wrap="square" rtlCol="1">
+            <a:spAutoFit/>
+          </a:bodyPr>
+          <a:lstStyle/>
+          <a:p>
+            <a:pPr lvl="0" algn="l" rtl="0" eaLnBrk="0" fontAlgn="base" hangingPunct="0">
+              <a:spcBef>
+                <a:spcPct val="0"/>
+              </a:spcBef>
+              <a:spcAft>
+                <a:spcPct val="0"/>
+              </a:spcAft>
+            </a:pPr>
+            <a:r>
+              <a:rPr lang="en-US" altLang="en-US" sz="1000" dirty="0" smtClean="0">
+                <a:latin typeface="Arial" panose="020B0604020202020204" pitchFamily="34" charset="0"/>
+              </a:rPr>
+              <a:t>Get all </a:t>
+            </a:r>
+            <a:r>
+              <a:rPr lang="en-US" altLang="en-US" sz="1000" dirty="0" err="1" smtClean="0">
+                <a:latin typeface="Arial" panose="020B0604020202020204" pitchFamily="34" charset="0"/>
+              </a:rPr>
+              <a:t>activites</a:t>
+            </a:r>
+            <a:endParaRPr lang="en-US" altLang="en-US" sz="1000" dirty="0">
+              <a:latin typeface="Arial" panose="020B0604020202020204" pitchFamily="34" charset="0"/>
+            </a:endParaRPr>
+          </a:p>
+        </p:txBody>
+      </p:sp>
+      <p:sp>
+        <p:nvSpPr>
+          <p:cNvPr id="71" name="TextBox 70"/>
+          <p:cNvSpPr txBox="1"/>
+          <p:nvPr/>
+        </p:nvSpPr>
+        <p:spPr>
+          <a:xfrm>
+            <a:off x="10195898" y="4929051"/>
+            <a:ext cx="1298049" cy="246221"/>
+          </a:xfrm>
+          <a:prstGeom prst="rect">
+            <a:avLst/>
+          </a:prstGeom>
+          <a:noFill/>
+        </p:spPr>
+        <p:txBody>
+          <a:bodyPr wrap="square" rtlCol="1">
+            <a:spAutoFit/>
+          </a:bodyPr>
+          <a:lstStyle/>
+          <a:p>
+            <a:pPr lvl="0" algn="l" rtl="0" eaLnBrk="0" fontAlgn="base" hangingPunct="0">
+              <a:spcBef>
+                <a:spcPct val="0"/>
+              </a:spcBef>
+              <a:spcAft>
+                <a:spcPct val="0"/>
+              </a:spcAft>
+            </a:pPr>
+            <a:r>
+              <a:rPr lang="en-US" altLang="en-US" sz="1000" dirty="0" smtClean="0">
+                <a:latin typeface="Arial" panose="020B0604020202020204" pitchFamily="34" charset="0"/>
+              </a:rPr>
+              <a:t>(activities)</a:t>
+            </a:r>
+            <a:endParaRPr lang="en-US" altLang="en-US" sz="1000" dirty="0">
+              <a:latin typeface="Arial" panose="020B0604020202020204" pitchFamily="34" charset="0"/>
+            </a:endParaRPr>
+          </a:p>
+        </p:txBody>
+      </p:sp>
+      <p:sp>
+        <p:nvSpPr>
+          <p:cNvPr id="2" name="Rectangle 1"/>
+          <p:cNvSpPr/>
+          <p:nvPr/>
+        </p:nvSpPr>
+        <p:spPr>
+          <a:xfrm>
+            <a:off x="9231086" y="3744686"/>
+            <a:ext cx="2037805" cy="1430586"/>
+          </a:xfrm>
+          <a:prstGeom prst="rect">
+            <a:avLst/>
+          </a:prstGeom>
+          <a:noFill/>
+          <a:ln w="28575">
+            <a:solidFill>
+              <a:schemeClr val="tx1"/>
+            </a:solidFill>
+          </a:ln>
+        </p:spPr>
+        <p:style>
+          <a:lnRef idx="2">
+            <a:schemeClr val="accent1">
+              <a:shade val="50000"/>
+            </a:schemeClr>
+          </a:lnRef>
+          <a:fillRef idx="1">
+            <a:schemeClr val="accent1"/>
+          </a:fillRef>
+          <a:effectRef idx="0">
+            <a:schemeClr val="accent1"/>
+          </a:effectRef>
+          <a:fontRef idx="minor">
+            <a:schemeClr val="lt1"/>
+          </a:fontRef>
+        </p:style>
+        <p:txBody>
+          <a:bodyPr rtlCol="1" anchor="ctr"/>
+          <a:lstStyle/>
+          <a:p>
+            <a:pPr algn="ctr"/>
+            <a:endParaRPr lang="he-IL"/>
+          </a:p>
+        </p:txBody>
+      </p:sp>
+      <p:sp>
+        <p:nvSpPr>
+          <p:cNvPr id="49" name="Rectangle 48"/>
+          <p:cNvSpPr/>
+          <p:nvPr/>
+        </p:nvSpPr>
+        <p:spPr>
+          <a:xfrm>
+            <a:off x="9231085" y="3737981"/>
+            <a:ext cx="445663" cy="227844"/>
+          </a:xfrm>
+          <a:prstGeom prst="rect">
+            <a:avLst/>
+          </a:prstGeom>
+          <a:noFill/>
+          <a:ln w="28575">
+            <a:solidFill>
+              <a:schemeClr val="tx1"/>
+            </a:solidFill>
+          </a:ln>
+        </p:spPr>
+        <p:style>
+          <a:lnRef idx="2">
+            <a:schemeClr val="accent1">
+              <a:shade val="50000"/>
+            </a:schemeClr>
+          </a:lnRef>
+          <a:fillRef idx="1">
+            <a:schemeClr val="accent1"/>
+          </a:fillRef>
+          <a:effectRef idx="0">
+            <a:schemeClr val="accent1"/>
+          </a:effectRef>
+          <a:fontRef idx="minor">
+            <a:schemeClr val="lt1"/>
+          </a:fontRef>
+        </p:style>
+        <p:txBody>
+          <a:bodyPr rtlCol="1" anchor="ctr"/>
+          <a:lstStyle/>
+          <a:p>
+            <a:pPr algn="ctr"/>
+            <a:r>
+              <a:rPr lang="en-US" sz="1000" dirty="0" smtClean="0">
+                <a:solidFill>
+                  <a:schemeClr val="tx1"/>
+                </a:solidFill>
+              </a:rPr>
+              <a:t>Loop</a:t>
+            </a:r>
+            <a:endParaRPr lang="he-IL" sz="1000" dirty="0">
+              <a:solidFill>
+                <a:schemeClr val="tx1"/>
+              </a:solidFill>
+            </a:endParaRPr>
           </a:p>
         </p:txBody>
       </p:sp>
@@ -4507,6 +5105,13 @@
   <p:clrMapOvr>
     <a:masterClrMapping/>
   </p:clrMapOvr>
+  <p:timing>
+    <p:tnLst>
+      <p:par>
+        <p:cTn id="1" dur="indefinite" restart="never" nodeType="tmRoot"/>
+      </p:par>
+    </p:tnLst>
+  </p:timing>
 </p:sld>
 </file>
 
@@ -10977,6 +11582,1176 @@
     <p:extLst>
       <p:ext uri="{BB962C8B-B14F-4D97-AF65-F5344CB8AC3E}">
         <p14:creationId xmlns:p14="http://schemas.microsoft.com/office/powerpoint/2010/main" val="3083419289"/>
+      </p:ext>
+    </p:extLst>
+  </p:cSld>
+  <p:clrMapOvr>
+    <a:masterClrMapping/>
+  </p:clrMapOvr>
+</p:sld>
+</file>
+
+<file path=ppt/slides/slide6.xml><?xml version="1.0" encoding="utf-8"?>
+<p:sld xmlns:a="http://schemas.openxmlformats.org/drawingml/2006/main" xmlns:r="http://schemas.openxmlformats.org/officeDocument/2006/relationships" xmlns:p="http://schemas.openxmlformats.org/presentationml/2006/main">
+  <p:cSld>
+    <p:spTree>
+      <p:nvGrpSpPr>
+        <p:cNvPr id="1" name=""/>
+        <p:cNvGrpSpPr/>
+        <p:nvPr/>
+      </p:nvGrpSpPr>
+      <p:grpSpPr>
+        <a:xfrm>
+          <a:off x="0" y="0"/>
+          <a:ext cx="0" cy="0"/>
+          <a:chOff x="0" y="0"/>
+          <a:chExt cx="0" cy="0"/>
+        </a:xfrm>
+      </p:grpSpPr>
+      <p:grpSp>
+        <p:nvGrpSpPr>
+          <p:cNvPr id="4" name="Group 3"/>
+          <p:cNvGrpSpPr/>
+          <p:nvPr/>
+        </p:nvGrpSpPr>
+        <p:grpSpPr>
+          <a:xfrm>
+            <a:off x="4951585" y="215021"/>
+            <a:ext cx="2287793" cy="2083236"/>
+            <a:chOff x="6306543" y="1057997"/>
+            <a:chExt cx="2894912" cy="2083236"/>
+          </a:xfrm>
+        </p:grpSpPr>
+        <p:sp>
+          <p:nvSpPr>
+            <p:cNvPr id="5" name="Rectangle 4"/>
+            <p:cNvSpPr/>
+            <p:nvPr/>
+          </p:nvSpPr>
+          <p:spPr>
+            <a:xfrm>
+              <a:off x="6306543" y="1067055"/>
+              <a:ext cx="2860328" cy="2074178"/>
+            </a:xfrm>
+            <a:prstGeom prst="rect">
+              <a:avLst/>
+            </a:prstGeom>
+            <a:solidFill>
+              <a:schemeClr val="bg1"/>
+            </a:solidFill>
+            <a:ln>
+              <a:solidFill>
+                <a:schemeClr val="tx1"/>
+              </a:solidFill>
+            </a:ln>
+          </p:spPr>
+          <p:style>
+            <a:lnRef idx="2">
+              <a:schemeClr val="accent1">
+                <a:shade val="50000"/>
+              </a:schemeClr>
+            </a:lnRef>
+            <a:fillRef idx="1">
+              <a:schemeClr val="accent1"/>
+            </a:fillRef>
+            <a:effectRef idx="0">
+              <a:schemeClr val="accent1"/>
+            </a:effectRef>
+            <a:fontRef idx="minor">
+              <a:schemeClr val="lt1"/>
+            </a:fontRef>
+          </p:style>
+          <p:txBody>
+            <a:bodyPr rtlCol="1" anchor="ctr"/>
+            <a:lstStyle/>
+            <a:p>
+              <a:pPr algn="ctr"/>
+              <a:endParaRPr lang="he-IL" sz="1400"/>
+            </a:p>
+          </p:txBody>
+        </p:sp>
+        <p:sp>
+          <p:nvSpPr>
+            <p:cNvPr id="6" name="TextBox 5"/>
+            <p:cNvSpPr txBox="1"/>
+            <p:nvPr/>
+          </p:nvSpPr>
+          <p:spPr>
+            <a:xfrm>
+              <a:off x="6341127" y="1442771"/>
+              <a:ext cx="2860328" cy="307777"/>
+            </a:xfrm>
+            <a:prstGeom prst="rect">
+              <a:avLst/>
+            </a:prstGeom>
+            <a:noFill/>
+          </p:spPr>
+          <p:txBody>
+            <a:bodyPr wrap="square" rtlCol="1">
+              <a:spAutoFit/>
+            </a:bodyPr>
+            <a:lstStyle/>
+            <a:p>
+              <a:pPr algn="l" rtl="0"/>
+              <a:r>
+                <a:rPr lang="en-US" sz="1400" dirty="0" smtClean="0"/>
+                <a:t>Internal enumerator</a:t>
+              </a:r>
+              <a:endParaRPr lang="he-IL" sz="1400" dirty="0"/>
+            </a:p>
+          </p:txBody>
+        </p:sp>
+        <p:cxnSp>
+          <p:nvCxnSpPr>
+            <p:cNvPr id="7" name="Straight Connector 6"/>
+            <p:cNvCxnSpPr/>
+            <p:nvPr/>
+          </p:nvCxnSpPr>
+          <p:spPr>
+            <a:xfrm>
+              <a:off x="6306543" y="1437106"/>
+              <a:ext cx="2860328" cy="0"/>
+            </a:xfrm>
+            <a:prstGeom prst="line">
+              <a:avLst/>
+            </a:prstGeom>
+            <a:ln w="25400">
+              <a:solidFill>
+                <a:schemeClr val="tx1"/>
+              </a:solidFill>
+              <a:tailEnd type="none" w="lg" len="lg"/>
+            </a:ln>
+          </p:spPr>
+          <p:style>
+            <a:lnRef idx="1">
+              <a:schemeClr val="accent1"/>
+            </a:lnRef>
+            <a:fillRef idx="0">
+              <a:schemeClr val="accent1"/>
+            </a:fillRef>
+            <a:effectRef idx="0">
+              <a:schemeClr val="accent1"/>
+            </a:effectRef>
+            <a:fontRef idx="minor">
+              <a:schemeClr val="tx1"/>
+            </a:fontRef>
+          </p:style>
+        </p:cxnSp>
+        <p:cxnSp>
+          <p:nvCxnSpPr>
+            <p:cNvPr id="8" name="Straight Connector 7"/>
+            <p:cNvCxnSpPr/>
+            <p:nvPr/>
+          </p:nvCxnSpPr>
+          <p:spPr>
+            <a:xfrm>
+              <a:off x="6306543" y="2190819"/>
+              <a:ext cx="2860328" cy="0"/>
+            </a:xfrm>
+            <a:prstGeom prst="line">
+              <a:avLst/>
+            </a:prstGeom>
+            <a:ln w="25400">
+              <a:solidFill>
+                <a:schemeClr val="tx1"/>
+              </a:solidFill>
+              <a:tailEnd type="none" w="lg" len="lg"/>
+            </a:ln>
+          </p:spPr>
+          <p:style>
+            <a:lnRef idx="1">
+              <a:schemeClr val="accent1"/>
+            </a:lnRef>
+            <a:fillRef idx="0">
+              <a:schemeClr val="accent1"/>
+            </a:fillRef>
+            <a:effectRef idx="0">
+              <a:schemeClr val="accent1"/>
+            </a:effectRef>
+            <a:fontRef idx="minor">
+              <a:schemeClr val="tx1"/>
+            </a:fontRef>
+          </p:style>
+        </p:cxnSp>
+        <p:sp>
+          <p:nvSpPr>
+            <p:cNvPr id="9" name="TextBox 8"/>
+            <p:cNvSpPr txBox="1"/>
+            <p:nvPr/>
+          </p:nvSpPr>
+          <p:spPr>
+            <a:xfrm>
+              <a:off x="6306543" y="1057997"/>
+              <a:ext cx="2860328" cy="307777"/>
+            </a:xfrm>
+            <a:prstGeom prst="rect">
+              <a:avLst/>
+            </a:prstGeom>
+            <a:noFill/>
+          </p:spPr>
+          <p:txBody>
+            <a:bodyPr wrap="square" rtlCol="1">
+              <a:spAutoFit/>
+            </a:bodyPr>
+            <a:lstStyle/>
+            <a:p>
+              <a:pPr algn="l" rtl="0"/>
+              <a:r>
+                <a:rPr lang="en-US" sz="1400" dirty="0" err="1" smtClean="0"/>
+                <a:t>UserActivityIteratorCreator</a:t>
+              </a:r>
+              <a:endParaRPr lang="he-IL" sz="1400" dirty="0"/>
+            </a:p>
+          </p:txBody>
+        </p:sp>
+        <p:sp>
+          <p:nvSpPr>
+            <p:cNvPr id="10" name="TextBox 9"/>
+            <p:cNvSpPr txBox="1"/>
+            <p:nvPr/>
+          </p:nvSpPr>
+          <p:spPr>
+            <a:xfrm>
+              <a:off x="6306543" y="2183155"/>
+              <a:ext cx="2860328" cy="307777"/>
+            </a:xfrm>
+            <a:prstGeom prst="rect">
+              <a:avLst/>
+            </a:prstGeom>
+            <a:noFill/>
+          </p:spPr>
+          <p:txBody>
+            <a:bodyPr wrap="square" rtlCol="1">
+              <a:spAutoFit/>
+            </a:bodyPr>
+            <a:lstStyle/>
+            <a:p>
+              <a:pPr algn="l" rtl="0"/>
+              <a:r>
+                <a:rPr lang="en-US" sz="1400" dirty="0" smtClean="0"/>
+                <a:t>Get enumerator</a:t>
+              </a:r>
+              <a:endParaRPr lang="he-IL" sz="1400" dirty="0"/>
+            </a:p>
+          </p:txBody>
+        </p:sp>
+      </p:grpSp>
+      <p:sp>
+        <p:nvSpPr>
+          <p:cNvPr id="18" name="Parallelogram 17"/>
+          <p:cNvSpPr/>
+          <p:nvPr/>
+        </p:nvSpPr>
+        <p:spPr>
+          <a:xfrm rot="12604676">
+            <a:off x="7236686" y="1093716"/>
+            <a:ext cx="318640" cy="183938"/>
+          </a:xfrm>
+          <a:prstGeom prst="parallelogram">
+            <a:avLst>
+              <a:gd name="adj" fmla="val 56876"/>
+            </a:avLst>
+          </a:prstGeom>
+          <a:solidFill>
+            <a:schemeClr val="bg1"/>
+          </a:solidFill>
+          <a:ln>
+            <a:solidFill>
+              <a:schemeClr val="tx1"/>
+            </a:solidFill>
+          </a:ln>
+        </p:spPr>
+        <p:style>
+          <a:lnRef idx="2">
+            <a:schemeClr val="accent1">
+              <a:shade val="50000"/>
+            </a:schemeClr>
+          </a:lnRef>
+          <a:fillRef idx="1">
+            <a:schemeClr val="accent1"/>
+          </a:fillRef>
+          <a:effectRef idx="0">
+            <a:schemeClr val="accent1"/>
+          </a:effectRef>
+          <a:fontRef idx="minor">
+            <a:schemeClr val="lt1"/>
+          </a:fontRef>
+        </p:style>
+        <p:txBody>
+          <a:bodyPr rtlCol="1" anchor="ctr"/>
+          <a:lstStyle/>
+          <a:p>
+            <a:pPr algn="ctr"/>
+            <a:endParaRPr lang="he-IL"/>
+          </a:p>
+        </p:txBody>
+      </p:sp>
+      <p:cxnSp>
+        <p:nvCxnSpPr>
+          <p:cNvPr id="19" name="Straight Connector 18"/>
+          <p:cNvCxnSpPr/>
+          <p:nvPr/>
+        </p:nvCxnSpPr>
+        <p:spPr>
+          <a:xfrm flipH="1" flipV="1">
+            <a:off x="7595727" y="1185685"/>
+            <a:ext cx="649690" cy="44582"/>
+          </a:xfrm>
+          <a:prstGeom prst="line">
+            <a:avLst/>
+          </a:prstGeom>
+          <a:ln w="25400">
+            <a:solidFill>
+              <a:schemeClr val="tx1"/>
+            </a:solidFill>
+            <a:tailEnd type="none" w="lg" len="lg"/>
+          </a:ln>
+        </p:spPr>
+        <p:style>
+          <a:lnRef idx="1">
+            <a:schemeClr val="accent1"/>
+          </a:lnRef>
+          <a:fillRef idx="0">
+            <a:schemeClr val="accent1"/>
+          </a:fillRef>
+          <a:effectRef idx="0">
+            <a:schemeClr val="accent1"/>
+          </a:effectRef>
+          <a:fontRef idx="minor">
+            <a:schemeClr val="tx1"/>
+          </a:fontRef>
+        </p:style>
+      </p:cxnSp>
+      <p:grpSp>
+        <p:nvGrpSpPr>
+          <p:cNvPr id="21" name="Group 20"/>
+          <p:cNvGrpSpPr/>
+          <p:nvPr/>
+        </p:nvGrpSpPr>
+        <p:grpSpPr>
+          <a:xfrm>
+            <a:off x="8261178" y="219550"/>
+            <a:ext cx="3521519" cy="2083236"/>
+            <a:chOff x="6306543" y="1057997"/>
+            <a:chExt cx="2894912" cy="2083236"/>
+          </a:xfrm>
+        </p:grpSpPr>
+        <p:sp>
+          <p:nvSpPr>
+            <p:cNvPr id="22" name="Rectangle 21"/>
+            <p:cNvSpPr/>
+            <p:nvPr/>
+          </p:nvSpPr>
+          <p:spPr>
+            <a:xfrm>
+              <a:off x="6306543" y="1067055"/>
+              <a:ext cx="2860328" cy="2074178"/>
+            </a:xfrm>
+            <a:prstGeom prst="rect">
+              <a:avLst/>
+            </a:prstGeom>
+            <a:solidFill>
+              <a:schemeClr val="bg1"/>
+            </a:solidFill>
+            <a:ln>
+              <a:solidFill>
+                <a:schemeClr val="tx1"/>
+              </a:solidFill>
+            </a:ln>
+          </p:spPr>
+          <p:style>
+            <a:lnRef idx="2">
+              <a:schemeClr val="accent1">
+                <a:shade val="50000"/>
+              </a:schemeClr>
+            </a:lnRef>
+            <a:fillRef idx="1">
+              <a:schemeClr val="accent1"/>
+            </a:fillRef>
+            <a:effectRef idx="0">
+              <a:schemeClr val="accent1"/>
+            </a:effectRef>
+            <a:fontRef idx="minor">
+              <a:schemeClr val="lt1"/>
+            </a:fontRef>
+          </p:style>
+          <p:txBody>
+            <a:bodyPr rtlCol="1" anchor="ctr"/>
+            <a:lstStyle/>
+            <a:p>
+              <a:pPr algn="ctr"/>
+              <a:endParaRPr lang="he-IL" sz="1400"/>
+            </a:p>
+          </p:txBody>
+        </p:sp>
+        <p:sp>
+          <p:nvSpPr>
+            <p:cNvPr id="23" name="TextBox 22"/>
+            <p:cNvSpPr txBox="1"/>
+            <p:nvPr/>
+          </p:nvSpPr>
+          <p:spPr>
+            <a:xfrm>
+              <a:off x="6341127" y="1442771"/>
+              <a:ext cx="2860328" cy="307777"/>
+            </a:xfrm>
+            <a:prstGeom prst="rect">
+              <a:avLst/>
+            </a:prstGeom>
+            <a:noFill/>
+          </p:spPr>
+          <p:txBody>
+            <a:bodyPr wrap="square" rtlCol="1">
+              <a:spAutoFit/>
+            </a:bodyPr>
+            <a:lstStyle/>
+            <a:p>
+              <a:pPr algn="l" rtl="0"/>
+              <a:r>
+                <a:rPr lang="en-US" sz="1400" dirty="0" smtClean="0"/>
+                <a:t>items</a:t>
+              </a:r>
+              <a:endParaRPr lang="he-IL" sz="1400" dirty="0"/>
+            </a:p>
+          </p:txBody>
+        </p:sp>
+        <p:cxnSp>
+          <p:nvCxnSpPr>
+            <p:cNvPr id="24" name="Straight Connector 23"/>
+            <p:cNvCxnSpPr/>
+            <p:nvPr/>
+          </p:nvCxnSpPr>
+          <p:spPr>
+            <a:xfrm>
+              <a:off x="6306543" y="1437106"/>
+              <a:ext cx="2860328" cy="0"/>
+            </a:xfrm>
+            <a:prstGeom prst="line">
+              <a:avLst/>
+            </a:prstGeom>
+            <a:ln w="25400">
+              <a:solidFill>
+                <a:schemeClr val="tx1"/>
+              </a:solidFill>
+              <a:tailEnd type="none" w="lg" len="lg"/>
+            </a:ln>
+          </p:spPr>
+          <p:style>
+            <a:lnRef idx="1">
+              <a:schemeClr val="accent1"/>
+            </a:lnRef>
+            <a:fillRef idx="0">
+              <a:schemeClr val="accent1"/>
+            </a:fillRef>
+            <a:effectRef idx="0">
+              <a:schemeClr val="accent1"/>
+            </a:effectRef>
+            <a:fontRef idx="minor">
+              <a:schemeClr val="tx1"/>
+            </a:fontRef>
+          </p:style>
+        </p:cxnSp>
+        <p:cxnSp>
+          <p:nvCxnSpPr>
+            <p:cNvPr id="25" name="Straight Connector 24"/>
+            <p:cNvCxnSpPr/>
+            <p:nvPr/>
+          </p:nvCxnSpPr>
+          <p:spPr>
+            <a:xfrm>
+              <a:off x="6306543" y="2190819"/>
+              <a:ext cx="2860328" cy="0"/>
+            </a:xfrm>
+            <a:prstGeom prst="line">
+              <a:avLst/>
+            </a:prstGeom>
+            <a:ln w="25400">
+              <a:solidFill>
+                <a:schemeClr val="tx1"/>
+              </a:solidFill>
+              <a:tailEnd type="none" w="lg" len="lg"/>
+            </a:ln>
+          </p:spPr>
+          <p:style>
+            <a:lnRef idx="1">
+              <a:schemeClr val="accent1"/>
+            </a:lnRef>
+            <a:fillRef idx="0">
+              <a:schemeClr val="accent1"/>
+            </a:fillRef>
+            <a:effectRef idx="0">
+              <a:schemeClr val="accent1"/>
+            </a:effectRef>
+            <a:fontRef idx="minor">
+              <a:schemeClr val="tx1"/>
+            </a:fontRef>
+          </p:style>
+        </p:cxnSp>
+        <p:sp>
+          <p:nvSpPr>
+            <p:cNvPr id="26" name="TextBox 25"/>
+            <p:cNvSpPr txBox="1"/>
+            <p:nvPr/>
+          </p:nvSpPr>
+          <p:spPr>
+            <a:xfrm>
+              <a:off x="6306543" y="1057997"/>
+              <a:ext cx="2860328" cy="307777"/>
+            </a:xfrm>
+            <a:prstGeom prst="rect">
+              <a:avLst/>
+            </a:prstGeom>
+            <a:noFill/>
+          </p:spPr>
+          <p:txBody>
+            <a:bodyPr wrap="square" rtlCol="1">
+              <a:spAutoFit/>
+            </a:bodyPr>
+            <a:lstStyle/>
+            <a:p>
+              <a:pPr algn="l" rtl="0"/>
+              <a:r>
+                <a:rPr lang="en-US" sz="1400" dirty="0" err="1" smtClean="0"/>
+                <a:t>UserActivityIterator</a:t>
+              </a:r>
+              <a:r>
+                <a:rPr lang="en-US" sz="1400" dirty="0" smtClean="0"/>
+                <a:t> (Iterator)</a:t>
+              </a:r>
+              <a:endParaRPr lang="he-IL" sz="1400" dirty="0"/>
+            </a:p>
+          </p:txBody>
+        </p:sp>
+        <p:sp>
+          <p:nvSpPr>
+            <p:cNvPr id="27" name="TextBox 26"/>
+            <p:cNvSpPr txBox="1"/>
+            <p:nvPr/>
+          </p:nvSpPr>
+          <p:spPr>
+            <a:xfrm>
+              <a:off x="6306543" y="2183155"/>
+              <a:ext cx="2860328" cy="738664"/>
+            </a:xfrm>
+            <a:prstGeom prst="rect">
+              <a:avLst/>
+            </a:prstGeom>
+            <a:noFill/>
+          </p:spPr>
+          <p:txBody>
+            <a:bodyPr wrap="square" rtlCol="1">
+              <a:spAutoFit/>
+            </a:bodyPr>
+            <a:lstStyle/>
+            <a:p>
+              <a:pPr algn="l" rtl="0"/>
+              <a:r>
+                <a:rPr lang="en-US" sz="1400" dirty="0" err="1" smtClean="0"/>
+                <a:t>MoveNext</a:t>
+              </a:r>
+              <a:r>
+                <a:rPr lang="en-US" sz="1400" dirty="0" smtClean="0"/>
+                <a:t/>
+              </a:r>
+              <a:br>
+                <a:rPr lang="en-US" sz="1400" dirty="0" smtClean="0"/>
+              </a:br>
+              <a:r>
+                <a:rPr lang="en-US" sz="1400" dirty="0" smtClean="0"/>
+                <a:t>Current</a:t>
+              </a:r>
+              <a:br>
+                <a:rPr lang="en-US" sz="1400" dirty="0" smtClean="0"/>
+              </a:br>
+              <a:r>
+                <a:rPr lang="en-US" sz="1400" dirty="0" smtClean="0"/>
+                <a:t>Reset</a:t>
+              </a:r>
+              <a:endParaRPr lang="he-IL" sz="1400" dirty="0"/>
+            </a:p>
+          </p:txBody>
+        </p:sp>
+      </p:grpSp>
+      <p:grpSp>
+        <p:nvGrpSpPr>
+          <p:cNvPr id="28" name="Group 27"/>
+          <p:cNvGrpSpPr/>
+          <p:nvPr/>
+        </p:nvGrpSpPr>
+        <p:grpSpPr>
+          <a:xfrm>
+            <a:off x="4943486" y="2849709"/>
+            <a:ext cx="2260463" cy="2083236"/>
+            <a:chOff x="6306542" y="1057997"/>
+            <a:chExt cx="2860329" cy="2083236"/>
+          </a:xfrm>
+        </p:grpSpPr>
+        <p:sp>
+          <p:nvSpPr>
+            <p:cNvPr id="29" name="Rectangle 28"/>
+            <p:cNvSpPr/>
+            <p:nvPr/>
+          </p:nvSpPr>
+          <p:spPr>
+            <a:xfrm>
+              <a:off x="6306543" y="1067055"/>
+              <a:ext cx="2860328" cy="2074178"/>
+            </a:xfrm>
+            <a:prstGeom prst="rect">
+              <a:avLst/>
+            </a:prstGeom>
+            <a:solidFill>
+              <a:schemeClr val="bg1"/>
+            </a:solidFill>
+            <a:ln>
+              <a:solidFill>
+                <a:schemeClr val="tx1"/>
+              </a:solidFill>
+            </a:ln>
+          </p:spPr>
+          <p:style>
+            <a:lnRef idx="2">
+              <a:schemeClr val="accent1">
+                <a:shade val="50000"/>
+              </a:schemeClr>
+            </a:lnRef>
+            <a:fillRef idx="1">
+              <a:schemeClr val="accent1"/>
+            </a:fillRef>
+            <a:effectRef idx="0">
+              <a:schemeClr val="accent1"/>
+            </a:effectRef>
+            <a:fontRef idx="minor">
+              <a:schemeClr val="lt1"/>
+            </a:fontRef>
+          </p:style>
+          <p:txBody>
+            <a:bodyPr rtlCol="1" anchor="ctr"/>
+            <a:lstStyle/>
+            <a:p>
+              <a:pPr algn="ctr"/>
+              <a:endParaRPr lang="he-IL" sz="1400"/>
+            </a:p>
+          </p:txBody>
+        </p:sp>
+        <p:sp>
+          <p:nvSpPr>
+            <p:cNvPr id="30" name="TextBox 29"/>
+            <p:cNvSpPr txBox="1"/>
+            <p:nvPr/>
+          </p:nvSpPr>
+          <p:spPr>
+            <a:xfrm>
+              <a:off x="6306543" y="1452155"/>
+              <a:ext cx="2860328" cy="738664"/>
+            </a:xfrm>
+            <a:prstGeom prst="rect">
+              <a:avLst/>
+            </a:prstGeom>
+            <a:noFill/>
+          </p:spPr>
+          <p:txBody>
+            <a:bodyPr wrap="square" rtlCol="1">
+              <a:spAutoFit/>
+            </a:bodyPr>
+            <a:lstStyle/>
+            <a:p>
+              <a:pPr algn="l" rtl="0"/>
+              <a:r>
+                <a:rPr lang="en-US" sz="1400" dirty="0" smtClean="0"/>
+                <a:t>User</a:t>
+              </a:r>
+              <a:br>
+                <a:rPr lang="en-US" sz="1400" dirty="0" smtClean="0"/>
+              </a:br>
+              <a:r>
+                <a:rPr lang="en-US" sz="1400" dirty="0" err="1" smtClean="0"/>
+                <a:t>CurrentTab</a:t>
+              </a:r>
+              <a:r>
+                <a:rPr lang="en-US" sz="1400" dirty="0" smtClean="0"/>
+                <a:t/>
+              </a:r>
+              <a:br>
+                <a:rPr lang="en-US" sz="1400" dirty="0" smtClean="0"/>
+              </a:br>
+              <a:r>
+                <a:rPr lang="en-US" sz="1400" dirty="0" err="1" smtClean="0"/>
+                <a:t>CurrentPost</a:t>
+              </a:r>
+              <a:endParaRPr lang="he-IL" sz="1400" dirty="0"/>
+            </a:p>
+          </p:txBody>
+        </p:sp>
+        <p:cxnSp>
+          <p:nvCxnSpPr>
+            <p:cNvPr id="31" name="Straight Connector 30"/>
+            <p:cNvCxnSpPr/>
+            <p:nvPr/>
+          </p:nvCxnSpPr>
+          <p:spPr>
+            <a:xfrm>
+              <a:off x="6306543" y="1437106"/>
+              <a:ext cx="2860328" cy="0"/>
+            </a:xfrm>
+            <a:prstGeom prst="line">
+              <a:avLst/>
+            </a:prstGeom>
+            <a:ln w="25400">
+              <a:solidFill>
+                <a:schemeClr val="tx1"/>
+              </a:solidFill>
+              <a:tailEnd type="none" w="lg" len="lg"/>
+            </a:ln>
+          </p:spPr>
+          <p:style>
+            <a:lnRef idx="1">
+              <a:schemeClr val="accent1"/>
+            </a:lnRef>
+            <a:fillRef idx="0">
+              <a:schemeClr val="accent1"/>
+            </a:fillRef>
+            <a:effectRef idx="0">
+              <a:schemeClr val="accent1"/>
+            </a:effectRef>
+            <a:fontRef idx="minor">
+              <a:schemeClr val="tx1"/>
+            </a:fontRef>
+          </p:style>
+        </p:cxnSp>
+        <p:cxnSp>
+          <p:nvCxnSpPr>
+            <p:cNvPr id="32" name="Straight Connector 31"/>
+            <p:cNvCxnSpPr/>
+            <p:nvPr/>
+          </p:nvCxnSpPr>
+          <p:spPr>
+            <a:xfrm>
+              <a:off x="6306543" y="2190819"/>
+              <a:ext cx="2860328" cy="0"/>
+            </a:xfrm>
+            <a:prstGeom prst="line">
+              <a:avLst/>
+            </a:prstGeom>
+            <a:ln w="25400">
+              <a:solidFill>
+                <a:schemeClr val="tx1"/>
+              </a:solidFill>
+              <a:tailEnd type="none" w="lg" len="lg"/>
+            </a:ln>
+          </p:spPr>
+          <p:style>
+            <a:lnRef idx="1">
+              <a:schemeClr val="accent1"/>
+            </a:lnRef>
+            <a:fillRef idx="0">
+              <a:schemeClr val="accent1"/>
+            </a:fillRef>
+            <a:effectRef idx="0">
+              <a:schemeClr val="accent1"/>
+            </a:effectRef>
+            <a:fontRef idx="minor">
+              <a:schemeClr val="tx1"/>
+            </a:fontRef>
+          </p:style>
+        </p:cxnSp>
+        <p:sp>
+          <p:nvSpPr>
+            <p:cNvPr id="33" name="TextBox 32"/>
+            <p:cNvSpPr txBox="1"/>
+            <p:nvPr/>
+          </p:nvSpPr>
+          <p:spPr>
+            <a:xfrm>
+              <a:off x="6306542" y="1057997"/>
+              <a:ext cx="2860328" cy="307777"/>
+            </a:xfrm>
+            <a:prstGeom prst="rect">
+              <a:avLst/>
+            </a:prstGeom>
+            <a:noFill/>
+          </p:spPr>
+          <p:txBody>
+            <a:bodyPr wrap="square" rtlCol="1">
+              <a:spAutoFit/>
+            </a:bodyPr>
+            <a:lstStyle/>
+            <a:p>
+              <a:pPr algn="l" rtl="0"/>
+              <a:r>
+                <a:rPr lang="en-US" sz="1400" dirty="0" err="1" smtClean="0"/>
+                <a:t>UserWrapper</a:t>
+              </a:r>
+              <a:r>
+                <a:rPr lang="en-US" sz="1400" dirty="0" smtClean="0"/>
+                <a:t> (Singleton)</a:t>
+              </a:r>
+              <a:endParaRPr lang="he-IL" sz="1400" dirty="0"/>
+            </a:p>
+          </p:txBody>
+        </p:sp>
+        <p:sp>
+          <p:nvSpPr>
+            <p:cNvPr id="34" name="TextBox 33"/>
+            <p:cNvSpPr txBox="1"/>
+            <p:nvPr/>
+          </p:nvSpPr>
+          <p:spPr>
+            <a:xfrm>
+              <a:off x="6306543" y="2183155"/>
+              <a:ext cx="2860328" cy="954107"/>
+            </a:xfrm>
+            <a:prstGeom prst="rect">
+              <a:avLst/>
+            </a:prstGeom>
+            <a:noFill/>
+          </p:spPr>
+          <p:txBody>
+            <a:bodyPr wrap="square" rtlCol="1">
+              <a:spAutoFit/>
+            </a:bodyPr>
+            <a:lstStyle/>
+            <a:p>
+              <a:pPr algn="l" rtl="0"/>
+              <a:r>
+                <a:rPr lang="en-US" sz="1400" dirty="0" smtClean="0"/>
+                <a:t>Change Tab</a:t>
+              </a:r>
+              <a:br>
+                <a:rPr lang="en-US" sz="1400" dirty="0" smtClean="0"/>
+              </a:br>
+              <a:r>
+                <a:rPr lang="en-US" sz="1400" dirty="0" smtClean="0"/>
+                <a:t>Choose Post</a:t>
+              </a:r>
+              <a:br>
+                <a:rPr lang="en-US" sz="1400" dirty="0" smtClean="0"/>
+              </a:br>
+              <a:r>
+                <a:rPr lang="en-US" sz="1400" dirty="0" smtClean="0"/>
+                <a:t>Like Post</a:t>
+              </a:r>
+              <a:br>
+                <a:rPr lang="en-US" sz="1400" dirty="0" smtClean="0"/>
+              </a:br>
+              <a:r>
+                <a:rPr lang="en-US" sz="1400" dirty="0" smtClean="0"/>
+                <a:t>Comment on Post</a:t>
+              </a:r>
+              <a:endParaRPr lang="he-IL" sz="1400" dirty="0"/>
+            </a:p>
+          </p:txBody>
+        </p:sp>
+      </p:grpSp>
+      <p:cxnSp>
+        <p:nvCxnSpPr>
+          <p:cNvPr id="35" name="Straight Arrow Connector 34"/>
+          <p:cNvCxnSpPr>
+            <a:stCxn id="29" idx="0"/>
+            <a:endCxn id="5" idx="2"/>
+          </p:cNvCxnSpPr>
+          <p:nvPr/>
+        </p:nvCxnSpPr>
+        <p:spPr>
+          <a:xfrm flipV="1">
+            <a:off x="6073718" y="2298257"/>
+            <a:ext cx="8098" cy="560510"/>
+          </a:xfrm>
+          <a:prstGeom prst="straightConnector1">
+            <a:avLst/>
+          </a:prstGeom>
+          <a:ln w="25400">
+            <a:solidFill>
+              <a:schemeClr val="tx1"/>
+            </a:solidFill>
+            <a:tailEnd type="arrow"/>
+          </a:ln>
+        </p:spPr>
+        <p:style>
+          <a:lnRef idx="1">
+            <a:schemeClr val="accent1"/>
+          </a:lnRef>
+          <a:fillRef idx="0">
+            <a:schemeClr val="accent1"/>
+          </a:fillRef>
+          <a:effectRef idx="0">
+            <a:schemeClr val="accent1"/>
+          </a:effectRef>
+          <a:fontRef idx="minor">
+            <a:schemeClr val="tx1"/>
+          </a:fontRef>
+        </p:style>
+      </p:cxnSp>
+      <p:grpSp>
+        <p:nvGrpSpPr>
+          <p:cNvPr id="38" name="Group 37"/>
+          <p:cNvGrpSpPr/>
+          <p:nvPr/>
+        </p:nvGrpSpPr>
+        <p:grpSpPr>
+          <a:xfrm>
+            <a:off x="8977996" y="3393905"/>
+            <a:ext cx="1945478" cy="1616556"/>
+            <a:chOff x="5650958" y="1551149"/>
+            <a:chExt cx="1945478" cy="1907178"/>
+          </a:xfrm>
+        </p:grpSpPr>
+        <p:sp>
+          <p:nvSpPr>
+            <p:cNvPr id="39" name="Rectangle 38"/>
+            <p:cNvSpPr/>
+            <p:nvPr/>
+          </p:nvSpPr>
+          <p:spPr>
+            <a:xfrm>
+              <a:off x="5693357" y="1551149"/>
+              <a:ext cx="1889760" cy="1907178"/>
+            </a:xfrm>
+            <a:prstGeom prst="rect">
+              <a:avLst/>
+            </a:prstGeom>
+            <a:solidFill>
+              <a:schemeClr val="bg1"/>
+            </a:solidFill>
+            <a:ln>
+              <a:solidFill>
+                <a:schemeClr val="tx1"/>
+              </a:solidFill>
+            </a:ln>
+          </p:spPr>
+          <p:style>
+            <a:lnRef idx="2">
+              <a:schemeClr val="accent1">
+                <a:shade val="50000"/>
+              </a:schemeClr>
+            </a:lnRef>
+            <a:fillRef idx="1">
+              <a:schemeClr val="accent1"/>
+            </a:fillRef>
+            <a:effectRef idx="0">
+              <a:schemeClr val="accent1"/>
+            </a:effectRef>
+            <a:fontRef idx="minor">
+              <a:schemeClr val="lt1"/>
+            </a:fontRef>
+          </p:style>
+          <p:txBody>
+            <a:bodyPr rtlCol="1" anchor="ctr"/>
+            <a:lstStyle/>
+            <a:p>
+              <a:pPr algn="ctr"/>
+              <a:endParaRPr lang="he-IL" sz="1400"/>
+            </a:p>
+          </p:txBody>
+        </p:sp>
+        <p:sp>
+          <p:nvSpPr>
+            <p:cNvPr id="40" name="TextBox 39"/>
+            <p:cNvSpPr txBox="1"/>
+            <p:nvPr/>
+          </p:nvSpPr>
+          <p:spPr>
+            <a:xfrm>
+              <a:off x="5706676" y="1551149"/>
+              <a:ext cx="1889760" cy="363109"/>
+            </a:xfrm>
+            <a:prstGeom prst="rect">
+              <a:avLst/>
+            </a:prstGeom>
+            <a:noFill/>
+          </p:spPr>
+          <p:txBody>
+            <a:bodyPr wrap="square" rtlCol="1">
+              <a:spAutoFit/>
+            </a:bodyPr>
+            <a:lstStyle/>
+            <a:p>
+              <a:pPr algn="l" rtl="0"/>
+              <a:r>
+                <a:rPr lang="en-US" sz="1400" dirty="0" err="1" smtClean="0"/>
+                <a:t>InterestChecker</a:t>
+              </a:r>
+              <a:endParaRPr lang="he-IL" sz="1400" dirty="0"/>
+            </a:p>
+          </p:txBody>
+        </p:sp>
+        <p:sp>
+          <p:nvSpPr>
+            <p:cNvPr id="41" name="TextBox 40"/>
+            <p:cNvSpPr txBox="1"/>
+            <p:nvPr/>
+          </p:nvSpPr>
+          <p:spPr>
+            <a:xfrm>
+              <a:off x="5706676" y="1957892"/>
+              <a:ext cx="1889760" cy="363109"/>
+            </a:xfrm>
+            <a:prstGeom prst="rect">
+              <a:avLst/>
+            </a:prstGeom>
+            <a:noFill/>
+          </p:spPr>
+          <p:txBody>
+            <a:bodyPr wrap="square" rtlCol="1">
+              <a:spAutoFit/>
+            </a:bodyPr>
+            <a:lstStyle/>
+            <a:p>
+              <a:pPr algn="l" rtl="0"/>
+              <a:r>
+                <a:rPr lang="en-US" sz="1400" dirty="0" smtClean="0"/>
+                <a:t>User comparer</a:t>
+              </a:r>
+              <a:endParaRPr lang="he-IL" sz="1400" dirty="0"/>
+            </a:p>
+          </p:txBody>
+        </p:sp>
+        <p:sp>
+          <p:nvSpPr>
+            <p:cNvPr id="42" name="TextBox 41"/>
+            <p:cNvSpPr txBox="1"/>
+            <p:nvPr/>
+          </p:nvSpPr>
+          <p:spPr>
+            <a:xfrm>
+              <a:off x="5650958" y="2503595"/>
+              <a:ext cx="1889760" cy="363109"/>
+            </a:xfrm>
+            <a:prstGeom prst="rect">
+              <a:avLst/>
+            </a:prstGeom>
+            <a:noFill/>
+          </p:spPr>
+          <p:txBody>
+            <a:bodyPr wrap="square" rtlCol="1">
+              <a:spAutoFit/>
+            </a:bodyPr>
+            <a:lstStyle/>
+            <a:p>
+              <a:pPr algn="l" rtl="0"/>
+              <a:r>
+                <a:rPr lang="en-US" sz="1400" dirty="0" smtClean="0"/>
+                <a:t>Find interested friends</a:t>
+              </a:r>
+              <a:endParaRPr lang="he-IL" sz="1400" dirty="0"/>
+            </a:p>
+          </p:txBody>
+        </p:sp>
+        <p:cxnSp>
+          <p:nvCxnSpPr>
+            <p:cNvPr id="43" name="Straight Connector 42"/>
+            <p:cNvCxnSpPr/>
+            <p:nvPr/>
+          </p:nvCxnSpPr>
+          <p:spPr>
+            <a:xfrm>
+              <a:off x="5693357" y="1957892"/>
+              <a:ext cx="1889760" cy="0"/>
+            </a:xfrm>
+            <a:prstGeom prst="line">
+              <a:avLst/>
+            </a:prstGeom>
+            <a:ln w="25400">
+              <a:solidFill>
+                <a:schemeClr val="tx1"/>
+              </a:solidFill>
+              <a:tailEnd type="none" w="lg" len="lg"/>
+            </a:ln>
+          </p:spPr>
+          <p:style>
+            <a:lnRef idx="1">
+              <a:schemeClr val="accent1"/>
+            </a:lnRef>
+            <a:fillRef idx="0">
+              <a:schemeClr val="accent1"/>
+            </a:fillRef>
+            <a:effectRef idx="0">
+              <a:schemeClr val="accent1"/>
+            </a:effectRef>
+            <a:fontRef idx="minor">
+              <a:schemeClr val="tx1"/>
+            </a:fontRef>
+          </p:style>
+        </p:cxnSp>
+        <p:cxnSp>
+          <p:nvCxnSpPr>
+            <p:cNvPr id="44" name="Straight Connector 43"/>
+            <p:cNvCxnSpPr/>
+            <p:nvPr/>
+          </p:nvCxnSpPr>
+          <p:spPr>
+            <a:xfrm>
+              <a:off x="5680038" y="2548344"/>
+              <a:ext cx="1889760" cy="0"/>
+            </a:xfrm>
+            <a:prstGeom prst="line">
+              <a:avLst/>
+            </a:prstGeom>
+            <a:ln w="25400">
+              <a:solidFill>
+                <a:schemeClr val="tx1"/>
+              </a:solidFill>
+              <a:tailEnd type="none" w="lg" len="lg"/>
+            </a:ln>
+          </p:spPr>
+          <p:style>
+            <a:lnRef idx="1">
+              <a:schemeClr val="accent1"/>
+            </a:lnRef>
+            <a:fillRef idx="0">
+              <a:schemeClr val="accent1"/>
+            </a:fillRef>
+            <a:effectRef idx="0">
+              <a:schemeClr val="accent1"/>
+            </a:effectRef>
+            <a:fontRef idx="minor">
+              <a:schemeClr val="tx1"/>
+            </a:fontRef>
+          </p:style>
+        </p:cxnSp>
+      </p:grpSp>
+      <p:cxnSp>
+        <p:nvCxnSpPr>
+          <p:cNvPr id="45" name="Straight Arrow Connector 44"/>
+          <p:cNvCxnSpPr>
+            <a:stCxn id="39" idx="0"/>
+          </p:cNvCxnSpPr>
+          <p:nvPr/>
+        </p:nvCxnSpPr>
+        <p:spPr>
+          <a:xfrm flipV="1">
+            <a:off x="9965275" y="2305513"/>
+            <a:ext cx="141046" cy="1088392"/>
+          </a:xfrm>
+          <a:prstGeom prst="straightConnector1">
+            <a:avLst/>
+          </a:prstGeom>
+          <a:ln w="25400">
+            <a:solidFill>
+              <a:schemeClr val="tx1"/>
+            </a:solidFill>
+            <a:tailEnd type="arrow"/>
+          </a:ln>
+        </p:spPr>
+        <p:style>
+          <a:lnRef idx="1">
+            <a:schemeClr val="accent1"/>
+          </a:lnRef>
+          <a:fillRef idx="0">
+            <a:schemeClr val="accent1"/>
+          </a:fillRef>
+          <a:effectRef idx="0">
+            <a:schemeClr val="accent1"/>
+          </a:effectRef>
+          <a:fontRef idx="minor">
+            <a:schemeClr val="tx1"/>
+          </a:fontRef>
+        </p:style>
+      </p:cxnSp>
+    </p:spTree>
+    <p:extLst>
+      <p:ext uri="{BB962C8B-B14F-4D97-AF65-F5344CB8AC3E}">
+        <p14:creationId xmlns:p14="http://schemas.microsoft.com/office/powerpoint/2010/main" val="95421141"/>
       </p:ext>
     </p:extLst>
   </p:cSld>

--- a/ex01/sequence diagrams.pptx
+++ b/ex01/sequence diagrams.pptx
@@ -260,7 +260,7 @@
           <a:p>
             <a:fld id="{0FAAEC13-6DF5-4349-BFA7-71AE5D1BD1E4}" type="datetimeFigureOut">
               <a:rPr lang="he-IL" smtClean="0"/>
-              <a:t>כ"ד/טבת/תשע"ה</a:t>
+              <a:t>כ"ח/טבת/תשע"ה</a:t>
             </a:fld>
             <a:endParaRPr lang="he-IL"/>
           </a:p>
@@ -430,7 +430,7 @@
           <a:p>
             <a:fld id="{0FAAEC13-6DF5-4349-BFA7-71AE5D1BD1E4}" type="datetimeFigureOut">
               <a:rPr lang="he-IL" smtClean="0"/>
-              <a:t>כ"ד/טבת/תשע"ה</a:t>
+              <a:t>כ"ח/טבת/תשע"ה</a:t>
             </a:fld>
             <a:endParaRPr lang="he-IL"/>
           </a:p>
@@ -610,7 +610,7 @@
           <a:p>
             <a:fld id="{0FAAEC13-6DF5-4349-BFA7-71AE5D1BD1E4}" type="datetimeFigureOut">
               <a:rPr lang="he-IL" smtClean="0"/>
-              <a:t>כ"ד/טבת/תשע"ה</a:t>
+              <a:t>כ"ח/טבת/תשע"ה</a:t>
             </a:fld>
             <a:endParaRPr lang="he-IL"/>
           </a:p>
@@ -780,7 +780,7 @@
           <a:p>
             <a:fld id="{0FAAEC13-6DF5-4349-BFA7-71AE5D1BD1E4}" type="datetimeFigureOut">
               <a:rPr lang="he-IL" smtClean="0"/>
-              <a:t>כ"ד/טבת/תשע"ה</a:t>
+              <a:t>כ"ח/טבת/תשע"ה</a:t>
             </a:fld>
             <a:endParaRPr lang="he-IL"/>
           </a:p>
@@ -1026,7 +1026,7 @@
           <a:p>
             <a:fld id="{0FAAEC13-6DF5-4349-BFA7-71AE5D1BD1E4}" type="datetimeFigureOut">
               <a:rPr lang="he-IL" smtClean="0"/>
-              <a:t>כ"ד/טבת/תשע"ה</a:t>
+              <a:t>כ"ח/טבת/תשע"ה</a:t>
             </a:fld>
             <a:endParaRPr lang="he-IL"/>
           </a:p>
@@ -1258,7 +1258,7 @@
           <a:p>
             <a:fld id="{0FAAEC13-6DF5-4349-BFA7-71AE5D1BD1E4}" type="datetimeFigureOut">
               <a:rPr lang="he-IL" smtClean="0"/>
-              <a:t>כ"ד/טבת/תשע"ה</a:t>
+              <a:t>כ"ח/טבת/תשע"ה</a:t>
             </a:fld>
             <a:endParaRPr lang="he-IL"/>
           </a:p>
@@ -1625,7 +1625,7 @@
           <a:p>
             <a:fld id="{0FAAEC13-6DF5-4349-BFA7-71AE5D1BD1E4}" type="datetimeFigureOut">
               <a:rPr lang="he-IL" smtClean="0"/>
-              <a:t>כ"ד/טבת/תשע"ה</a:t>
+              <a:t>כ"ח/טבת/תשע"ה</a:t>
             </a:fld>
             <a:endParaRPr lang="he-IL"/>
           </a:p>
@@ -1743,7 +1743,7 @@
           <a:p>
             <a:fld id="{0FAAEC13-6DF5-4349-BFA7-71AE5D1BD1E4}" type="datetimeFigureOut">
               <a:rPr lang="he-IL" smtClean="0"/>
-              <a:t>כ"ד/טבת/תשע"ה</a:t>
+              <a:t>כ"ח/טבת/תשע"ה</a:t>
             </a:fld>
             <a:endParaRPr lang="he-IL"/>
           </a:p>
@@ -1838,7 +1838,7 @@
           <a:p>
             <a:fld id="{0FAAEC13-6DF5-4349-BFA7-71AE5D1BD1E4}" type="datetimeFigureOut">
               <a:rPr lang="he-IL" smtClean="0"/>
-              <a:t>כ"ד/טבת/תשע"ה</a:t>
+              <a:t>כ"ח/טבת/תשע"ה</a:t>
             </a:fld>
             <a:endParaRPr lang="he-IL"/>
           </a:p>
@@ -2115,7 +2115,7 @@
           <a:p>
             <a:fld id="{0FAAEC13-6DF5-4349-BFA7-71AE5D1BD1E4}" type="datetimeFigureOut">
               <a:rPr lang="he-IL" smtClean="0"/>
-              <a:t>כ"ד/טבת/תשע"ה</a:t>
+              <a:t>כ"ח/טבת/תשע"ה</a:t>
             </a:fld>
             <a:endParaRPr lang="he-IL"/>
           </a:p>
@@ -2368,7 +2368,7 @@
           <a:p>
             <a:fld id="{0FAAEC13-6DF5-4349-BFA7-71AE5D1BD1E4}" type="datetimeFigureOut">
               <a:rPr lang="he-IL" smtClean="0"/>
-              <a:t>כ"ד/טבת/תשע"ה</a:t>
+              <a:t>כ"ח/טבת/תשע"ה</a:t>
             </a:fld>
             <a:endParaRPr lang="he-IL"/>
           </a:p>
@@ -2581,7 +2581,7 @@
           <a:p>
             <a:fld id="{0FAAEC13-6DF5-4349-BFA7-71AE5D1BD1E4}" type="datetimeFigureOut">
               <a:rPr lang="he-IL" smtClean="0"/>
-              <a:t>כ"ד/טבת/תשע"ה</a:t>
+              <a:t>כ"ח/טבת/תשע"ה</a:t>
             </a:fld>
             <a:endParaRPr lang="he-IL"/>
           </a:p>
@@ -11610,16 +11610,16 @@
       </p:grpSpPr>
       <p:grpSp>
         <p:nvGrpSpPr>
-          <p:cNvPr id="4" name="Group 3"/>
+          <p:cNvPr id="14" name="Group 13"/>
           <p:cNvGrpSpPr/>
           <p:nvPr/>
         </p:nvGrpSpPr>
         <p:grpSpPr>
           <a:xfrm>
-            <a:off x="4951585" y="215021"/>
-            <a:ext cx="2287793" cy="2083236"/>
-            <a:chOff x="6306543" y="1057997"/>
-            <a:chExt cx="2894912" cy="2083236"/>
+            <a:off x="2704847" y="193677"/>
+            <a:ext cx="2316258" cy="1111194"/>
+            <a:chOff x="2704847" y="193677"/>
+            <a:chExt cx="2316258" cy="1111194"/>
           </a:xfrm>
         </p:grpSpPr>
         <p:sp>
@@ -11630,8 +11630,8 @@
           </p:nvSpPr>
           <p:spPr>
             <a:xfrm>
-              <a:off x="6306543" y="1067055"/>
-              <a:ext cx="2860328" cy="2074178"/>
+              <a:off x="2739608" y="223332"/>
+              <a:ext cx="2260462" cy="1081539"/>
             </a:xfrm>
             <a:prstGeom prst="rect">
               <a:avLst/>
@@ -11678,8 +11678,8 @@
           </p:nvSpPr>
           <p:spPr>
             <a:xfrm>
-              <a:off x="6341127" y="1442771"/>
-              <a:ext cx="2860328" cy="307777"/>
+              <a:off x="2760643" y="714168"/>
+              <a:ext cx="2260462" cy="307777"/>
             </a:xfrm>
             <a:prstGeom prst="rect">
               <a:avLst/>
@@ -11709,8 +11709,8 @@
           </p:nvCxnSpPr>
           <p:spPr>
             <a:xfrm>
-              <a:off x="6306543" y="1437106"/>
-              <a:ext cx="2860328" cy="0"/>
+              <a:off x="2739607" y="714168"/>
+              <a:ext cx="2260462" cy="0"/>
             </a:xfrm>
             <a:prstGeom prst="line">
               <a:avLst/>
@@ -11745,8 +11745,8 @@
           </p:nvCxnSpPr>
           <p:spPr>
             <a:xfrm>
-              <a:off x="6306543" y="2190819"/>
-              <a:ext cx="2860328" cy="0"/>
+              <a:off x="2739607" y="1021945"/>
+              <a:ext cx="2260462" cy="0"/>
             </a:xfrm>
             <a:prstGeom prst="line">
               <a:avLst/>
@@ -11781,8 +11781,8 @@
           </p:nvSpPr>
           <p:spPr>
             <a:xfrm>
-              <a:off x="6306543" y="1057997"/>
-              <a:ext cx="2860328" cy="307777"/>
+              <a:off x="2704847" y="193677"/>
+              <a:ext cx="2260462" cy="523220"/>
             </a:xfrm>
             <a:prstGeom prst="rect">
               <a:avLst/>
@@ -11799,6 +11799,18 @@
               <a:r>
                 <a:rPr lang="en-US" sz="1400" dirty="0" err="1" smtClean="0"/>
                 <a:t>UserActivityIteratorCreator</a:t>
+              </a:r>
+              <a:r>
+                <a:rPr lang="en-US" sz="1400" dirty="0" smtClean="0"/>
+                <a:t> (</a:t>
+              </a:r>
+              <a:r>
+                <a:rPr lang="en-US" sz="1400" dirty="0" err="1" smtClean="0"/>
+                <a:t>ConcreteAggregate</a:t>
+              </a:r>
+              <a:r>
+                <a:rPr lang="en-US" sz="1400" dirty="0" smtClean="0"/>
+                <a:t>)</a:t>
               </a:r>
               <a:endParaRPr lang="he-IL" sz="1400" dirty="0"/>
             </a:p>
@@ -11812,8 +11824,8 @@
           </p:nvSpPr>
           <p:spPr>
             <a:xfrm>
-              <a:off x="6306543" y="2183155"/>
-              <a:ext cx="2860328" cy="307777"/>
+              <a:off x="2739607" y="997094"/>
+              <a:ext cx="2260462" cy="307777"/>
             </a:xfrm>
             <a:prstGeom prst="rect">
               <a:avLst/>
@@ -11844,7 +11856,7 @@
         </p:nvSpPr>
         <p:spPr>
           <a:xfrm rot="12604676">
-            <a:off x="7236686" y="1093716"/>
+            <a:off x="5028365" y="937501"/>
             <a:ext cx="318640" cy="183938"/>
           </a:xfrm>
           <a:prstGeom prst="parallelogram">
@@ -11894,7 +11906,7 @@
         </p:nvCxnSpPr>
         <p:spPr>
           <a:xfrm flipH="1" flipV="1">
-            <a:off x="7595727" y="1185685"/>
+            <a:off x="5371645" y="1031844"/>
             <a:ext cx="649690" cy="44582"/>
           </a:xfrm>
           <a:prstGeom prst="line">
@@ -11924,16 +11936,16 @@
       </p:cxnSp>
       <p:grpSp>
         <p:nvGrpSpPr>
-          <p:cNvPr id="21" name="Group 20"/>
+          <p:cNvPr id="13" name="Group 12"/>
           <p:cNvGrpSpPr/>
           <p:nvPr/>
         </p:nvGrpSpPr>
         <p:grpSpPr>
           <a:xfrm>
-            <a:off x="8261178" y="219550"/>
-            <a:ext cx="3521519" cy="2083236"/>
-            <a:chOff x="6306543" y="1057997"/>
-            <a:chExt cx="2894912" cy="2083236"/>
+            <a:off x="5979267" y="250086"/>
+            <a:ext cx="3563587" cy="1531106"/>
+            <a:chOff x="5979267" y="250086"/>
+            <a:chExt cx="3563587" cy="1531106"/>
           </a:xfrm>
         </p:grpSpPr>
         <p:sp>
@@ -11944,8 +11956,8 @@
           </p:nvSpPr>
           <p:spPr>
             <a:xfrm>
-              <a:off x="6306543" y="1067055"/>
-              <a:ext cx="2860328" cy="2074178"/>
+              <a:off x="6021336" y="259144"/>
+              <a:ext cx="3479449" cy="1522048"/>
             </a:xfrm>
             <a:prstGeom prst="rect">
               <a:avLst/>
@@ -11992,8 +12004,8 @@
           </p:nvSpPr>
           <p:spPr>
             <a:xfrm>
-              <a:off x="6341127" y="1442771"/>
-              <a:ext cx="2860328" cy="307777"/>
+              <a:off x="6063405" y="634860"/>
+              <a:ext cx="3479449" cy="307777"/>
             </a:xfrm>
             <a:prstGeom prst="rect">
               <a:avLst/>
@@ -12023,8 +12035,8 @@
           </p:nvCxnSpPr>
           <p:spPr>
             <a:xfrm>
-              <a:off x="6306543" y="1437106"/>
-              <a:ext cx="2860328" cy="0"/>
+              <a:off x="6021335" y="629195"/>
+              <a:ext cx="3479449" cy="0"/>
             </a:xfrm>
             <a:prstGeom prst="line">
               <a:avLst/>
@@ -12059,8 +12071,8 @@
           </p:nvCxnSpPr>
           <p:spPr>
             <a:xfrm>
-              <a:off x="6306543" y="2190819"/>
-              <a:ext cx="2860328" cy="0"/>
+              <a:off x="6021334" y="984425"/>
+              <a:ext cx="3479449" cy="0"/>
             </a:xfrm>
             <a:prstGeom prst="line">
               <a:avLst/>
@@ -12095,8 +12107,8 @@
           </p:nvSpPr>
           <p:spPr>
             <a:xfrm>
-              <a:off x="6306543" y="1057997"/>
-              <a:ext cx="2860328" cy="307777"/>
+              <a:off x="6021335" y="250086"/>
+              <a:ext cx="3479449" cy="307777"/>
             </a:xfrm>
             <a:prstGeom prst="rect">
               <a:avLst/>
@@ -12116,7 +12128,19 @@
               </a:r>
               <a:r>
                 <a:rPr lang="en-US" sz="1400" dirty="0" smtClean="0"/>
-                <a:t> (Iterator)</a:t>
+                <a:t> </a:t>
+              </a:r>
+              <a:r>
+                <a:rPr lang="en-US" sz="1400" dirty="0" smtClean="0"/>
+                <a:t>(</a:t>
+              </a:r>
+              <a:r>
+                <a:rPr lang="en-US" sz="1400" dirty="0" err="1" smtClean="0"/>
+                <a:t>ConcreteIterator</a:t>
+              </a:r>
+              <a:r>
+                <a:rPr lang="en-US" sz="1400" dirty="0" smtClean="0"/>
+                <a:t>)</a:t>
               </a:r>
               <a:endParaRPr lang="he-IL" sz="1400" dirty="0"/>
             </a:p>
@@ -12130,8 +12154,8 @@
           </p:nvSpPr>
           <p:spPr>
             <a:xfrm>
-              <a:off x="6306543" y="2183155"/>
-              <a:ext cx="2860328" cy="738664"/>
+              <a:off x="5979267" y="1042528"/>
+              <a:ext cx="3479449" cy="738664"/>
             </a:xfrm>
             <a:prstGeom prst="rect">
               <a:avLst/>
@@ -12180,7 +12204,7 @@
         </p:nvGrpSpPr>
         <p:grpSpPr>
           <a:xfrm>
-            <a:off x="4943486" y="2849709"/>
+            <a:off x="2760643" y="4698269"/>
             <a:ext cx="2260463" cy="2083236"/>
             <a:chOff x="6306542" y="1057997"/>
             <a:chExt cx="2860329" cy="2083236"/>
@@ -12384,7 +12408,7 @@
               </a:r>
               <a:r>
                 <a:rPr lang="en-US" sz="1400" dirty="0" smtClean="0"/>
-                <a:t> (Singleton)</a:t>
+                <a:t>(client)</a:t>
               </a:r>
               <a:endParaRPr lang="he-IL" sz="1400" dirty="0"/>
             </a:p>
@@ -12448,14 +12472,13 @@
           <p:cNvPr id="35" name="Straight Arrow Connector 34"/>
           <p:cNvCxnSpPr>
             <a:stCxn id="29" idx="0"/>
-            <a:endCxn id="5" idx="2"/>
           </p:cNvCxnSpPr>
           <p:nvPr/>
         </p:nvCxnSpPr>
         <p:spPr>
-          <a:xfrm flipV="1">
-            <a:off x="6073718" y="2298257"/>
-            <a:ext cx="8098" cy="560510"/>
+          <a:xfrm flipH="1" flipV="1">
+            <a:off x="3890874" y="3522019"/>
+            <a:ext cx="1" cy="1185308"/>
           </a:xfrm>
           <a:prstGeom prst="straightConnector1">
             <a:avLst/>
@@ -12490,7 +12513,7 @@
         </p:nvGrpSpPr>
         <p:grpSpPr>
           <a:xfrm>
-            <a:off x="8977996" y="3393905"/>
+            <a:off x="6974867" y="5087348"/>
             <a:ext cx="1945478" cy="1616556"/>
             <a:chOff x="5650958" y="1551149"/>
             <a:chExt cx="1945478" cy="1907178"/>
@@ -12571,6 +12594,10 @@
                 <a:rPr lang="en-US" sz="1400" dirty="0" err="1" smtClean="0"/>
                 <a:t>InterestChecker</a:t>
               </a:r>
+              <a:r>
+                <a:rPr lang="en-US" sz="1400" dirty="0" smtClean="0"/>
+                <a:t>(client)</a:t>
+              </a:r>
               <a:endParaRPr lang="he-IL" sz="1400" dirty="0"/>
             </a:p>
           </p:txBody>
@@ -12713,15 +12740,13 @@
       <p:cxnSp>
         <p:nvCxnSpPr>
           <p:cNvPr id="45" name="Straight Arrow Connector 44"/>
-          <p:cNvCxnSpPr>
-            <a:stCxn id="39" idx="0"/>
-          </p:cNvCxnSpPr>
+          <p:cNvCxnSpPr/>
           <p:nvPr/>
         </p:nvCxnSpPr>
         <p:spPr>
           <a:xfrm flipV="1">
-            <a:off x="9965275" y="2305513"/>
-            <a:ext cx="141046" cy="1088392"/>
+            <a:off x="7975465" y="3953691"/>
+            <a:ext cx="0" cy="1123687"/>
           </a:xfrm>
           <a:prstGeom prst="straightConnector1">
             <a:avLst/>
@@ -12748,6 +12773,644 @@
           </a:fontRef>
         </p:style>
       </p:cxnSp>
+      <p:grpSp>
+        <p:nvGrpSpPr>
+          <p:cNvPr id="12" name="Group 11"/>
+          <p:cNvGrpSpPr/>
+          <p:nvPr/>
+        </p:nvGrpSpPr>
+        <p:grpSpPr>
+          <a:xfrm>
+            <a:off x="2691122" y="2653189"/>
+            <a:ext cx="2329983" cy="843935"/>
+            <a:chOff x="4965309" y="2678084"/>
+            <a:chExt cx="2329983" cy="843935"/>
+          </a:xfrm>
+        </p:grpSpPr>
+        <p:sp>
+          <p:nvSpPr>
+            <p:cNvPr id="46" name="Rectangle 45"/>
+            <p:cNvSpPr/>
+            <p:nvPr/>
+          </p:nvSpPr>
+          <p:spPr>
+            <a:xfrm>
+              <a:off x="5034830" y="2703315"/>
+              <a:ext cx="2260462" cy="818704"/>
+            </a:xfrm>
+            <a:prstGeom prst="rect">
+              <a:avLst/>
+            </a:prstGeom>
+            <a:solidFill>
+              <a:schemeClr val="bg1"/>
+            </a:solidFill>
+            <a:ln>
+              <a:solidFill>
+                <a:schemeClr val="tx1"/>
+              </a:solidFill>
+            </a:ln>
+          </p:spPr>
+          <p:style>
+            <a:lnRef idx="2">
+              <a:schemeClr val="accent1">
+                <a:shade val="50000"/>
+              </a:schemeClr>
+            </a:lnRef>
+            <a:fillRef idx="1">
+              <a:schemeClr val="accent1"/>
+            </a:fillRef>
+            <a:effectRef idx="0">
+              <a:schemeClr val="accent1"/>
+            </a:effectRef>
+            <a:fontRef idx="minor">
+              <a:schemeClr val="lt1"/>
+            </a:fontRef>
+          </p:style>
+          <p:txBody>
+            <a:bodyPr rtlCol="1" anchor="ctr"/>
+            <a:lstStyle/>
+            <a:p>
+              <a:pPr algn="ctr"/>
+              <a:endParaRPr lang="he-IL" sz="1400"/>
+            </a:p>
+          </p:txBody>
+        </p:sp>
+        <p:cxnSp>
+          <p:nvCxnSpPr>
+            <p:cNvPr id="48" name="Straight Connector 47"/>
+            <p:cNvCxnSpPr/>
+            <p:nvPr/>
+          </p:nvCxnSpPr>
+          <p:spPr>
+            <a:xfrm>
+              <a:off x="5021105" y="2939951"/>
+              <a:ext cx="2260462" cy="0"/>
+            </a:xfrm>
+            <a:prstGeom prst="line">
+              <a:avLst/>
+            </a:prstGeom>
+            <a:ln w="25400">
+              <a:solidFill>
+                <a:schemeClr val="tx1"/>
+              </a:solidFill>
+              <a:tailEnd type="none" w="lg" len="lg"/>
+            </a:ln>
+          </p:spPr>
+          <p:style>
+            <a:lnRef idx="1">
+              <a:schemeClr val="accent1"/>
+            </a:lnRef>
+            <a:fillRef idx="0">
+              <a:schemeClr val="accent1"/>
+            </a:fillRef>
+            <a:effectRef idx="0">
+              <a:schemeClr val="accent1"/>
+            </a:effectRef>
+            <a:fontRef idx="minor">
+              <a:schemeClr val="tx1"/>
+            </a:fontRef>
+          </p:style>
+        </p:cxnSp>
+        <p:cxnSp>
+          <p:nvCxnSpPr>
+            <p:cNvPr id="49" name="Straight Connector 48"/>
+            <p:cNvCxnSpPr/>
+            <p:nvPr/>
+          </p:nvCxnSpPr>
+          <p:spPr>
+            <a:xfrm>
+              <a:off x="5000069" y="3118554"/>
+              <a:ext cx="2260462" cy="0"/>
+            </a:xfrm>
+            <a:prstGeom prst="line">
+              <a:avLst/>
+            </a:prstGeom>
+            <a:ln w="25400">
+              <a:solidFill>
+                <a:schemeClr val="tx1"/>
+              </a:solidFill>
+              <a:tailEnd type="none" w="lg" len="lg"/>
+            </a:ln>
+          </p:spPr>
+          <p:style>
+            <a:lnRef idx="1">
+              <a:schemeClr val="accent1"/>
+            </a:lnRef>
+            <a:fillRef idx="0">
+              <a:schemeClr val="accent1"/>
+            </a:fillRef>
+            <a:effectRef idx="0">
+              <a:schemeClr val="accent1"/>
+            </a:effectRef>
+            <a:fontRef idx="minor">
+              <a:schemeClr val="tx1"/>
+            </a:fontRef>
+          </p:style>
+        </p:cxnSp>
+        <p:sp>
+          <p:nvSpPr>
+            <p:cNvPr id="50" name="TextBox 49"/>
+            <p:cNvSpPr txBox="1"/>
+            <p:nvPr/>
+          </p:nvSpPr>
+          <p:spPr>
+            <a:xfrm>
+              <a:off x="5000069" y="2678084"/>
+              <a:ext cx="2260462" cy="261867"/>
+            </a:xfrm>
+            <a:prstGeom prst="rect">
+              <a:avLst/>
+            </a:prstGeom>
+            <a:noFill/>
+          </p:spPr>
+          <p:txBody>
+            <a:bodyPr wrap="square" rtlCol="1">
+              <a:spAutoFit/>
+            </a:bodyPr>
+            <a:lstStyle/>
+            <a:p>
+              <a:pPr algn="l" rtl="0"/>
+              <a:r>
+                <a:rPr lang="en-US" sz="1400" dirty="0" err="1" smtClean="0"/>
+                <a:t>IEnumerable</a:t>
+              </a:r>
+              <a:r>
+                <a:rPr lang="en-US" sz="1400" dirty="0" smtClean="0"/>
+                <a:t>(Aggregate)</a:t>
+              </a:r>
+              <a:endParaRPr lang="he-IL" sz="1400" dirty="0"/>
+            </a:p>
+          </p:txBody>
+        </p:sp>
+        <p:sp>
+          <p:nvSpPr>
+            <p:cNvPr id="51" name="TextBox 50"/>
+            <p:cNvSpPr txBox="1"/>
+            <p:nvPr/>
+          </p:nvSpPr>
+          <p:spPr>
+            <a:xfrm>
+              <a:off x="4965309" y="3185075"/>
+              <a:ext cx="2260462" cy="261867"/>
+            </a:xfrm>
+            <a:prstGeom prst="rect">
+              <a:avLst/>
+            </a:prstGeom>
+            <a:noFill/>
+          </p:spPr>
+          <p:txBody>
+            <a:bodyPr wrap="square" rtlCol="1">
+              <a:spAutoFit/>
+            </a:bodyPr>
+            <a:lstStyle/>
+            <a:p>
+              <a:pPr algn="l" rtl="0"/>
+              <a:r>
+                <a:rPr lang="en-US" sz="1400" dirty="0" smtClean="0"/>
+                <a:t>Get enumerator</a:t>
+              </a:r>
+              <a:endParaRPr lang="he-IL" sz="1400" dirty="0"/>
+            </a:p>
+          </p:txBody>
+        </p:sp>
+      </p:grpSp>
+      <p:grpSp>
+        <p:nvGrpSpPr>
+          <p:cNvPr id="59" name="Group 58"/>
+          <p:cNvGrpSpPr/>
+          <p:nvPr/>
+        </p:nvGrpSpPr>
+        <p:grpSpPr>
+          <a:xfrm>
+            <a:off x="6116574" y="2422584"/>
+            <a:ext cx="3542897" cy="1531106"/>
+            <a:chOff x="5979267" y="250086"/>
+            <a:chExt cx="3542897" cy="1531106"/>
+          </a:xfrm>
+        </p:grpSpPr>
+        <p:sp>
+          <p:nvSpPr>
+            <p:cNvPr id="60" name="Rectangle 59"/>
+            <p:cNvSpPr/>
+            <p:nvPr/>
+          </p:nvSpPr>
+          <p:spPr>
+            <a:xfrm>
+              <a:off x="6021336" y="259144"/>
+              <a:ext cx="3479449" cy="1522048"/>
+            </a:xfrm>
+            <a:prstGeom prst="rect">
+              <a:avLst/>
+            </a:prstGeom>
+            <a:solidFill>
+              <a:schemeClr val="bg1"/>
+            </a:solidFill>
+            <a:ln>
+              <a:solidFill>
+                <a:schemeClr val="tx1"/>
+              </a:solidFill>
+            </a:ln>
+          </p:spPr>
+          <p:style>
+            <a:lnRef idx="2">
+              <a:schemeClr val="accent1">
+                <a:shade val="50000"/>
+              </a:schemeClr>
+            </a:lnRef>
+            <a:fillRef idx="1">
+              <a:schemeClr val="accent1"/>
+            </a:fillRef>
+            <a:effectRef idx="0">
+              <a:schemeClr val="accent1"/>
+            </a:effectRef>
+            <a:fontRef idx="minor">
+              <a:schemeClr val="lt1"/>
+            </a:fontRef>
+          </p:style>
+          <p:txBody>
+            <a:bodyPr rtlCol="1" anchor="ctr"/>
+            <a:lstStyle/>
+            <a:p>
+              <a:pPr algn="ctr"/>
+              <a:endParaRPr lang="he-IL" sz="1400"/>
+            </a:p>
+          </p:txBody>
+        </p:sp>
+        <p:sp>
+          <p:nvSpPr>
+            <p:cNvPr id="61" name="TextBox 60"/>
+            <p:cNvSpPr txBox="1"/>
+            <p:nvPr/>
+          </p:nvSpPr>
+          <p:spPr>
+            <a:xfrm>
+              <a:off x="6042715" y="635247"/>
+              <a:ext cx="3479449" cy="307777"/>
+            </a:xfrm>
+            <a:prstGeom prst="rect">
+              <a:avLst/>
+            </a:prstGeom>
+            <a:noFill/>
+          </p:spPr>
+          <p:txBody>
+            <a:bodyPr wrap="square" rtlCol="1">
+              <a:spAutoFit/>
+            </a:bodyPr>
+            <a:lstStyle/>
+            <a:p>
+              <a:pPr algn="l" rtl="0"/>
+              <a:endParaRPr lang="he-IL" sz="1400" dirty="0"/>
+            </a:p>
+          </p:txBody>
+        </p:sp>
+        <p:cxnSp>
+          <p:nvCxnSpPr>
+            <p:cNvPr id="62" name="Straight Connector 61"/>
+            <p:cNvCxnSpPr/>
+            <p:nvPr/>
+          </p:nvCxnSpPr>
+          <p:spPr>
+            <a:xfrm>
+              <a:off x="6021335" y="629195"/>
+              <a:ext cx="3479449" cy="0"/>
+            </a:xfrm>
+            <a:prstGeom prst="line">
+              <a:avLst/>
+            </a:prstGeom>
+            <a:ln w="25400">
+              <a:solidFill>
+                <a:schemeClr val="tx1"/>
+              </a:solidFill>
+              <a:tailEnd type="none" w="lg" len="lg"/>
+            </a:ln>
+          </p:spPr>
+          <p:style>
+            <a:lnRef idx="1">
+              <a:schemeClr val="accent1"/>
+            </a:lnRef>
+            <a:fillRef idx="0">
+              <a:schemeClr val="accent1"/>
+            </a:fillRef>
+            <a:effectRef idx="0">
+              <a:schemeClr val="accent1"/>
+            </a:effectRef>
+            <a:fontRef idx="minor">
+              <a:schemeClr val="tx1"/>
+            </a:fontRef>
+          </p:style>
+        </p:cxnSp>
+        <p:cxnSp>
+          <p:nvCxnSpPr>
+            <p:cNvPr id="63" name="Straight Connector 62"/>
+            <p:cNvCxnSpPr/>
+            <p:nvPr/>
+          </p:nvCxnSpPr>
+          <p:spPr>
+            <a:xfrm>
+              <a:off x="6021334" y="984425"/>
+              <a:ext cx="3479449" cy="0"/>
+            </a:xfrm>
+            <a:prstGeom prst="line">
+              <a:avLst/>
+            </a:prstGeom>
+            <a:ln w="25400">
+              <a:solidFill>
+                <a:schemeClr val="tx1"/>
+              </a:solidFill>
+              <a:tailEnd type="none" w="lg" len="lg"/>
+            </a:ln>
+          </p:spPr>
+          <p:style>
+            <a:lnRef idx="1">
+              <a:schemeClr val="accent1"/>
+            </a:lnRef>
+            <a:fillRef idx="0">
+              <a:schemeClr val="accent1"/>
+            </a:fillRef>
+            <a:effectRef idx="0">
+              <a:schemeClr val="accent1"/>
+            </a:effectRef>
+            <a:fontRef idx="minor">
+              <a:schemeClr val="tx1"/>
+            </a:fontRef>
+          </p:style>
+        </p:cxnSp>
+        <p:sp>
+          <p:nvSpPr>
+            <p:cNvPr id="64" name="TextBox 63"/>
+            <p:cNvSpPr txBox="1"/>
+            <p:nvPr/>
+          </p:nvSpPr>
+          <p:spPr>
+            <a:xfrm>
+              <a:off x="6021335" y="250086"/>
+              <a:ext cx="3479449" cy="307777"/>
+            </a:xfrm>
+            <a:prstGeom prst="rect">
+              <a:avLst/>
+            </a:prstGeom>
+            <a:noFill/>
+          </p:spPr>
+          <p:txBody>
+            <a:bodyPr wrap="square" rtlCol="1">
+              <a:spAutoFit/>
+            </a:bodyPr>
+            <a:lstStyle/>
+            <a:p>
+              <a:pPr algn="l" rtl="0"/>
+              <a:r>
+                <a:rPr lang="en-US" sz="1400" dirty="0" err="1" smtClean="0"/>
+                <a:t>IEnumerator</a:t>
+              </a:r>
+              <a:r>
+                <a:rPr lang="en-US" sz="1400" dirty="0" smtClean="0"/>
+                <a:t> (Iterator</a:t>
+              </a:r>
+              <a:r>
+                <a:rPr lang="en-US" sz="1400" dirty="0" smtClean="0"/>
+                <a:t>)</a:t>
+              </a:r>
+              <a:endParaRPr lang="he-IL" sz="1400" dirty="0"/>
+            </a:p>
+          </p:txBody>
+        </p:sp>
+        <p:sp>
+          <p:nvSpPr>
+            <p:cNvPr id="65" name="TextBox 64"/>
+            <p:cNvSpPr txBox="1"/>
+            <p:nvPr/>
+          </p:nvSpPr>
+          <p:spPr>
+            <a:xfrm>
+              <a:off x="5979267" y="1042528"/>
+              <a:ext cx="3479449" cy="738664"/>
+            </a:xfrm>
+            <a:prstGeom prst="rect">
+              <a:avLst/>
+            </a:prstGeom>
+            <a:noFill/>
+          </p:spPr>
+          <p:txBody>
+            <a:bodyPr wrap="square" rtlCol="1">
+              <a:spAutoFit/>
+            </a:bodyPr>
+            <a:lstStyle/>
+            <a:p>
+              <a:pPr algn="l" rtl="0"/>
+              <a:r>
+                <a:rPr lang="en-US" sz="1400" dirty="0" err="1" smtClean="0"/>
+                <a:t>MoveNext</a:t>
+              </a:r>
+              <a:r>
+                <a:rPr lang="en-US" sz="1400" dirty="0" smtClean="0"/>
+                <a:t/>
+              </a:r>
+              <a:br>
+                <a:rPr lang="en-US" sz="1400" dirty="0" smtClean="0"/>
+              </a:br>
+              <a:r>
+                <a:rPr lang="en-US" sz="1400" dirty="0" smtClean="0"/>
+                <a:t>Current</a:t>
+              </a:r>
+              <a:br>
+                <a:rPr lang="en-US" sz="1400" dirty="0" smtClean="0"/>
+              </a:br>
+              <a:r>
+                <a:rPr lang="en-US" sz="1400" dirty="0" smtClean="0"/>
+                <a:t>Reset</a:t>
+              </a:r>
+              <a:endParaRPr lang="he-IL" sz="1400" dirty="0"/>
+            </a:p>
+          </p:txBody>
+        </p:sp>
+      </p:grpSp>
+      <p:cxnSp>
+        <p:nvCxnSpPr>
+          <p:cNvPr id="36" name="Straight Connector 35"/>
+          <p:cNvCxnSpPr>
+            <a:endCxn id="67" idx="3"/>
+          </p:cNvCxnSpPr>
+          <p:nvPr/>
+        </p:nvCxnSpPr>
+        <p:spPr>
+          <a:xfrm flipH="1" flipV="1">
+            <a:off x="3821353" y="1484383"/>
+            <a:ext cx="13725" cy="1164836"/>
+          </a:xfrm>
+          <a:prstGeom prst="line">
+            <a:avLst/>
+          </a:prstGeom>
+          <a:ln w="25400">
+            <a:solidFill>
+              <a:schemeClr val="tx1"/>
+            </a:solidFill>
+            <a:tailEnd type="none" w="lg" len="lg"/>
+          </a:ln>
+        </p:spPr>
+        <p:style>
+          <a:lnRef idx="1">
+            <a:schemeClr val="accent1"/>
+          </a:lnRef>
+          <a:fillRef idx="0">
+            <a:schemeClr val="accent1"/>
+          </a:fillRef>
+          <a:effectRef idx="0">
+            <a:schemeClr val="accent1"/>
+          </a:effectRef>
+          <a:fontRef idx="minor">
+            <a:schemeClr val="tx1"/>
+          </a:fontRef>
+        </p:style>
+      </p:cxnSp>
+      <p:sp>
+        <p:nvSpPr>
+          <p:cNvPr id="67" name="Isosceles Triangle 66"/>
+          <p:cNvSpPr/>
+          <p:nvPr/>
+        </p:nvSpPr>
+        <p:spPr>
+          <a:xfrm>
+            <a:off x="3720769" y="1299688"/>
+            <a:ext cx="201168" cy="184695"/>
+          </a:xfrm>
+          <a:prstGeom prst="triangle">
+            <a:avLst/>
+          </a:prstGeom>
+          <a:solidFill>
+            <a:schemeClr val="bg1"/>
+          </a:solidFill>
+          <a:ln>
+            <a:solidFill>
+              <a:schemeClr val="tx1"/>
+            </a:solidFill>
+          </a:ln>
+        </p:spPr>
+        <p:style>
+          <a:lnRef idx="2">
+            <a:schemeClr val="accent1">
+              <a:shade val="50000"/>
+            </a:schemeClr>
+          </a:lnRef>
+          <a:fillRef idx="1">
+            <a:schemeClr val="accent1"/>
+          </a:fillRef>
+          <a:effectRef idx="0">
+            <a:schemeClr val="accent1"/>
+          </a:effectRef>
+          <a:fontRef idx="minor">
+            <a:schemeClr val="lt1"/>
+          </a:fontRef>
+        </p:style>
+        <p:txBody>
+          <a:bodyPr rtlCol="1" anchor="ctr"/>
+          <a:lstStyle/>
+          <a:p>
+            <a:pPr algn="ctr"/>
+            <a:endParaRPr lang="he-IL"/>
+          </a:p>
+        </p:txBody>
+      </p:sp>
+      <p:grpSp>
+        <p:nvGrpSpPr>
+          <p:cNvPr id="73" name="Group 72"/>
+          <p:cNvGrpSpPr/>
+          <p:nvPr/>
+        </p:nvGrpSpPr>
+        <p:grpSpPr>
+          <a:xfrm>
+            <a:off x="7774297" y="1760176"/>
+            <a:ext cx="201168" cy="678743"/>
+            <a:chOff x="7774297" y="1760176"/>
+            <a:chExt cx="201168" cy="678743"/>
+          </a:xfrm>
+        </p:grpSpPr>
+        <p:cxnSp>
+          <p:nvCxnSpPr>
+            <p:cNvPr id="70" name="Straight Connector 69"/>
+            <p:cNvCxnSpPr>
+              <a:endCxn id="71" idx="3"/>
+            </p:cNvCxnSpPr>
+            <p:nvPr/>
+          </p:nvCxnSpPr>
+          <p:spPr>
+            <a:xfrm flipV="1">
+              <a:off x="7874881" y="1944871"/>
+              <a:ext cx="0" cy="494048"/>
+            </a:xfrm>
+            <a:prstGeom prst="line">
+              <a:avLst/>
+            </a:prstGeom>
+            <a:ln w="25400">
+              <a:solidFill>
+                <a:schemeClr val="tx1"/>
+              </a:solidFill>
+              <a:tailEnd type="none" w="lg" len="lg"/>
+            </a:ln>
+          </p:spPr>
+          <p:style>
+            <a:lnRef idx="1">
+              <a:schemeClr val="accent1"/>
+            </a:lnRef>
+            <a:fillRef idx="0">
+              <a:schemeClr val="accent1"/>
+            </a:fillRef>
+            <a:effectRef idx="0">
+              <a:schemeClr val="accent1"/>
+            </a:effectRef>
+            <a:fontRef idx="minor">
+              <a:schemeClr val="tx1"/>
+            </a:fontRef>
+          </p:style>
+        </p:cxnSp>
+        <p:sp>
+          <p:nvSpPr>
+            <p:cNvPr id="71" name="Isosceles Triangle 70"/>
+            <p:cNvSpPr/>
+            <p:nvPr/>
+          </p:nvSpPr>
+          <p:spPr>
+            <a:xfrm>
+              <a:off x="7774297" y="1760176"/>
+              <a:ext cx="201168" cy="184695"/>
+            </a:xfrm>
+            <a:prstGeom prst="triangle">
+              <a:avLst/>
+            </a:prstGeom>
+            <a:solidFill>
+              <a:schemeClr val="bg1"/>
+            </a:solidFill>
+            <a:ln>
+              <a:solidFill>
+                <a:schemeClr val="tx1"/>
+              </a:solidFill>
+            </a:ln>
+          </p:spPr>
+          <p:style>
+            <a:lnRef idx="2">
+              <a:schemeClr val="accent1">
+                <a:shade val="50000"/>
+              </a:schemeClr>
+            </a:lnRef>
+            <a:fillRef idx="1">
+              <a:schemeClr val="accent1"/>
+            </a:fillRef>
+            <a:effectRef idx="0">
+              <a:schemeClr val="accent1"/>
+            </a:effectRef>
+            <a:fontRef idx="minor">
+              <a:schemeClr val="lt1"/>
+            </a:fontRef>
+          </p:style>
+          <p:txBody>
+            <a:bodyPr rtlCol="1" anchor="ctr"/>
+            <a:lstStyle/>
+            <a:p>
+              <a:pPr algn="ctr"/>
+              <a:endParaRPr lang="he-IL"/>
+            </a:p>
+          </p:txBody>
+        </p:sp>
+      </p:grpSp>
     </p:spTree>
     <p:extLst>
       <p:ext uri="{BB962C8B-B14F-4D97-AF65-F5344CB8AC3E}">
